--- a/BCI - Day13 - Reactjs 2 Web3.pptx
+++ b/BCI - Day13 - Reactjs 2 Web3.pptx
@@ -11,15 +11,25 @@
     <p:sldId id="1833" r:id="rId3"/>
     <p:sldId id="1387" r:id="rId4"/>
     <p:sldId id="1551" r:id="rId6"/>
-    <p:sldId id="1865" r:id="rId7"/>
-    <p:sldId id="1866" r:id="rId8"/>
-    <p:sldId id="1867" r:id="rId9"/>
-    <p:sldId id="1868" r:id="rId10"/>
-    <p:sldId id="1869" r:id="rId11"/>
-    <p:sldId id="1870" r:id="rId12"/>
-    <p:sldId id="1871" r:id="rId13"/>
-    <p:sldId id="1816" r:id="rId14"/>
-    <p:sldId id="1853" r:id="rId15"/>
+    <p:sldId id="1880" r:id="rId7"/>
+    <p:sldId id="1879" r:id="rId8"/>
+    <p:sldId id="1876" r:id="rId9"/>
+    <p:sldId id="1877" r:id="rId10"/>
+    <p:sldId id="1878" r:id="rId11"/>
+    <p:sldId id="1881" r:id="rId12"/>
+    <p:sldId id="1882" r:id="rId13"/>
+    <p:sldId id="1883" r:id="rId14"/>
+    <p:sldId id="1875" r:id="rId15"/>
+    <p:sldId id="1865" r:id="rId16"/>
+    <p:sldId id="1866" r:id="rId17"/>
+    <p:sldId id="1867" r:id="rId18"/>
+    <p:sldId id="1868" r:id="rId19"/>
+    <p:sldId id="1869" r:id="rId20"/>
+    <p:sldId id="1870" r:id="rId21"/>
+    <p:sldId id="1871" r:id="rId22"/>
+    <p:sldId id="1816" r:id="rId23"/>
+    <p:sldId id="1853" r:id="rId24"/>
+    <p:sldId id="1872" r:id="rId25"/>
   </p:sldIdLst>
   <p:sldSz cx="9144000" cy="6858000" type="screen4x3"/>
   <p:notesSz cx="7315200" cy="9601200"/>
@@ -7307,7 +7317,7 @@
                 <a:latin typeface="Calibri" panose="020F0502020204030204" pitchFamily="34" charset="0"/>
                 <a:cs typeface="Calibri" panose="020F0502020204030204" pitchFamily="34" charset="0"/>
               </a:rPr>
-              <a:t>Dive into Proxy (</a:t>
+              <a:t>Change Class to Functional </a:t>
             </a:r>
             <a:r>
               <a:rPr lang="en-US" sz="3200" b="1" dirty="0">
@@ -7315,7 +7325,7 @@
                 <a:cs typeface="Calibri" panose="020F0502020204030204" pitchFamily="34" charset="0"/>
                 <a:sym typeface="+mn-ea"/>
               </a:rPr>
-              <a:t>Architect a Solidity Program)</a:t>
+              <a:t>Component</a:t>
             </a:r>
             <a:endParaRPr lang="en-US" sz="3200" b="1" dirty="0">
               <a:latin typeface="Calibri" panose="020F0502020204030204" pitchFamily="34" charset="0"/>
@@ -7359,24 +7369,100 @@
                   <a:srgbClr val="262626"/>
                 </a:solidFill>
               </a:rPr>
-              <a:t>ProxyAdmin &amp; ProxyFactory (</a:t>
-            </a:r>
-            <a:r>
-              <a:rPr lang="en-US" altLang="en-US" sz="1800" dirty="0">
-                <a:solidFill>
-                  <a:srgbClr val="FF0000"/>
-                </a:solidFill>
-              </a:rPr>
-              <a:t>Code Explain</a:t>
-            </a:r>
+              <a:t>Add currentUserContext</a:t>
+            </a:r>
+            <a:endParaRPr lang="en-US" altLang="en-US" sz="1800" dirty="0">
+              <a:solidFill>
+                <a:srgbClr val="262626"/>
+              </a:solidFill>
+            </a:endParaRPr>
+          </a:p>
+          <a:p>
+            <a:pPr marL="228600" lvl="0" indent="-228600" defTabSz="342900">
+              <a:lnSpc>
+                <a:spcPct val="120000"/>
+              </a:lnSpc>
+              <a:buFont typeface="Arial" panose="020B0604020202020204" pitchFamily="34" charset="0"/>
+              <a:buChar char="•"/>
+            </a:pPr>
             <a:r>
               <a:rPr lang="en-US" altLang="en-US" sz="1800" dirty="0">
                 <a:solidFill>
                   <a:srgbClr val="262626"/>
                 </a:solidFill>
               </a:rPr>
-              <a:t>)</a:t>
-            </a:r>
+              <a:t>Step 2: Add Wrapper</a:t>
+            </a:r>
+            <a:endParaRPr lang="en-US" altLang="en-US" sz="1800" dirty="0">
+              <a:solidFill>
+                <a:srgbClr val="262626"/>
+              </a:solidFill>
+            </a:endParaRPr>
+          </a:p>
+          <a:p>
+            <a:pPr marL="228600" lvl="0" indent="-228600" defTabSz="342900">
+              <a:lnSpc>
+                <a:spcPct val="120000"/>
+              </a:lnSpc>
+              <a:buFont typeface="Arial" panose="020B0604020202020204" pitchFamily="34" charset="0"/>
+              <a:buChar char="•"/>
+            </a:pPr>
+            <a:endParaRPr lang="en-US" altLang="en-US" sz="1800" dirty="0">
+              <a:solidFill>
+                <a:srgbClr val="262626"/>
+              </a:solidFill>
+            </a:endParaRPr>
+          </a:p>
+          <a:p>
+            <a:pPr marL="228600" lvl="0" indent="-228600" defTabSz="342900">
+              <a:lnSpc>
+                <a:spcPct val="120000"/>
+              </a:lnSpc>
+              <a:buFont typeface="Arial" panose="020B0604020202020204" pitchFamily="34" charset="0"/>
+              <a:buChar char="•"/>
+            </a:pPr>
+            <a:endParaRPr lang="en-US" altLang="en-US" sz="1800" dirty="0">
+              <a:solidFill>
+                <a:srgbClr val="262626"/>
+              </a:solidFill>
+            </a:endParaRPr>
+          </a:p>
+          <a:p>
+            <a:pPr marL="228600" lvl="0" indent="-228600" defTabSz="342900">
+              <a:lnSpc>
+                <a:spcPct val="120000"/>
+              </a:lnSpc>
+              <a:buFont typeface="Arial" panose="020B0604020202020204" pitchFamily="34" charset="0"/>
+              <a:buChar char="•"/>
+            </a:pPr>
+            <a:endParaRPr lang="en-US" altLang="en-US" sz="1800" dirty="0">
+              <a:solidFill>
+                <a:srgbClr val="262626"/>
+              </a:solidFill>
+            </a:endParaRPr>
+          </a:p>
+          <a:p>
+            <a:pPr marL="228600" lvl="0" indent="-228600" defTabSz="342900">
+              <a:lnSpc>
+                <a:spcPct val="120000"/>
+              </a:lnSpc>
+              <a:buFont typeface="Arial" panose="020B0604020202020204" pitchFamily="34" charset="0"/>
+              <a:buChar char="•"/>
+            </a:pPr>
+            <a:endParaRPr lang="en-US" altLang="en-US" sz="1800" dirty="0">
+              <a:solidFill>
+                <a:srgbClr val="262626"/>
+              </a:solidFill>
+            </a:endParaRPr>
+          </a:p>
+          <a:p>
+            <a:pPr marL="228600" lvl="0" indent="-228600" defTabSz="342900">
+              <a:lnSpc>
+                <a:spcPct val="120000"/>
+              </a:lnSpc>
+              <a:buFont typeface="Arial" panose="020B0604020202020204" pitchFamily="34" charset="0"/>
+              <a:buChar char="•"/>
+            </a:pPr>
             <a:endParaRPr lang="en-US" altLang="en-US" sz="1800" dirty="0">
               <a:solidFill>
                 <a:srgbClr val="262626"/>
@@ -7397,7 +7483,7 @@
                   <a:srgbClr val="262626"/>
                 </a:solidFill>
               </a:rPr>
-              <a:t>Check if IniupgradProxy and AdminUpgradeProx have initializer (Inherited with admin) </a:t>
+              <a:t>Step 3 Implement Context</a:t>
             </a:r>
             <a:endParaRPr lang="en-US" altLang="en-US" sz="1800" dirty="0">
               <a:solidFill>
@@ -7413,14 +7499,76 @@
               <a:buFont typeface="Arial" panose="020B0604020202020204" pitchFamily="34" charset="0"/>
               <a:buChar char="•"/>
             </a:pPr>
-            <a:r>
-              <a:rPr lang="en-US" altLang="en-US" sz="1800" dirty="0">
-                <a:solidFill>
-                  <a:srgbClr val="262626"/>
-                </a:solidFill>
-              </a:rPr>
-              <a:t>Unstructured Storage has contrustor, so can use upgradeto without init data</a:t>
-            </a:r>
+            <a:endParaRPr lang="en-US" altLang="en-US" sz="1800" dirty="0">
+              <a:solidFill>
+                <a:srgbClr val="262626"/>
+              </a:solidFill>
+            </a:endParaRPr>
+          </a:p>
+          <a:p>
+            <a:pPr marL="228600" lvl="0" indent="-228600" defTabSz="342900">
+              <a:lnSpc>
+                <a:spcPct val="120000"/>
+              </a:lnSpc>
+              <a:buFont typeface="Arial" panose="020B0604020202020204" pitchFamily="34" charset="0"/>
+              <a:buChar char="•"/>
+            </a:pPr>
+            <a:endParaRPr lang="en-US" altLang="en-US" sz="1800" dirty="0">
+              <a:solidFill>
+                <a:srgbClr val="262626"/>
+              </a:solidFill>
+            </a:endParaRPr>
+          </a:p>
+          <a:p>
+            <a:pPr marL="228600" lvl="0" indent="-228600" defTabSz="342900">
+              <a:lnSpc>
+                <a:spcPct val="120000"/>
+              </a:lnSpc>
+              <a:buFont typeface="Arial" panose="020B0604020202020204" pitchFamily="34" charset="0"/>
+              <a:buChar char="•"/>
+            </a:pPr>
+            <a:endParaRPr lang="en-US" altLang="en-US" sz="1800" dirty="0">
+              <a:solidFill>
+                <a:srgbClr val="262626"/>
+              </a:solidFill>
+            </a:endParaRPr>
+          </a:p>
+          <a:p>
+            <a:pPr marL="228600" lvl="0" indent="-228600" defTabSz="342900">
+              <a:lnSpc>
+                <a:spcPct val="120000"/>
+              </a:lnSpc>
+              <a:buFont typeface="Arial" panose="020B0604020202020204" pitchFamily="34" charset="0"/>
+              <a:buChar char="•"/>
+            </a:pPr>
+            <a:endParaRPr lang="en-US" altLang="en-US" sz="1800" dirty="0">
+              <a:solidFill>
+                <a:srgbClr val="262626"/>
+              </a:solidFill>
+            </a:endParaRPr>
+          </a:p>
+          <a:p>
+            <a:pPr marL="228600" lvl="0" indent="-228600" defTabSz="342900">
+              <a:lnSpc>
+                <a:spcPct val="120000"/>
+              </a:lnSpc>
+              <a:buFont typeface="Arial" panose="020B0604020202020204" pitchFamily="34" charset="0"/>
+              <a:buChar char="•"/>
+            </a:pPr>
+            <a:endParaRPr lang="en-US" altLang="en-US" sz="1800" dirty="0">
+              <a:solidFill>
+                <a:srgbClr val="262626"/>
+              </a:solidFill>
+            </a:endParaRPr>
+          </a:p>
+          <a:p>
+            <a:pPr marL="228600" lvl="0" indent="-228600" defTabSz="342900">
+              <a:lnSpc>
+                <a:spcPct val="120000"/>
+              </a:lnSpc>
+              <a:buFont typeface="Arial" panose="020B0604020202020204" pitchFamily="34" charset="0"/>
+              <a:buChar char="•"/>
+            </a:pPr>
             <a:endParaRPr lang="en-US" altLang="en-US" sz="1800" dirty="0">
               <a:solidFill>
                 <a:srgbClr val="262626"/>
@@ -7439,15 +7587,38 @@
         </p:nvPicPr>
         <p:blipFill>
           <a:blip r:embed="rId1"/>
-          <a:srcRect l="36786"/>
           <a:stretch>
             <a:fillRect/>
           </a:stretch>
         </p:blipFill>
         <p:spPr>
-          <a:xfrm rot="16200000">
-            <a:off x="2583815" y="675640"/>
-            <a:ext cx="3976370" cy="8388350"/>
+          <a:xfrm>
+            <a:off x="628650" y="4664075"/>
+            <a:ext cx="6817995" cy="2044065"/>
+          </a:xfrm>
+          <a:prstGeom prst="rect">
+            <a:avLst/>
+          </a:prstGeom>
+        </p:spPr>
+      </p:pic>
+      <p:pic>
+        <p:nvPicPr>
+          <p:cNvPr id="6" name="图片 5"/>
+          <p:cNvPicPr>
+            <a:picLocks noChangeAspect="1"/>
+          </p:cNvPicPr>
+          <p:nvPr/>
+        </p:nvPicPr>
+        <p:blipFill>
+          <a:blip r:embed="rId2"/>
+          <a:stretch>
+            <a:fillRect/>
+          </a:stretch>
+        </p:blipFill>
+        <p:spPr>
+          <a:xfrm>
+            <a:off x="628650" y="1997710"/>
+            <a:ext cx="4112895" cy="1953895"/>
           </a:xfrm>
           <a:prstGeom prst="rect">
             <a:avLst/>
@@ -7506,115 +7677,9 @@
               <a:rPr lang="en-US" sz="3200" b="1" dirty="0">
                 <a:latin typeface="Calibri" panose="020F0502020204030204" pitchFamily="34" charset="0"/>
                 <a:cs typeface="Calibri" panose="020F0502020204030204" pitchFamily="34" charset="0"/>
+                <a:sym typeface="+mn-ea"/>
               </a:rPr>
-              <a:t>Code Demo</a:t>
-            </a:r>
-            <a:endParaRPr lang="en-US" sz="3200" b="1" dirty="0">
-              <a:latin typeface="Calibri" panose="020F0502020204030204" pitchFamily="34" charset="0"/>
-              <a:cs typeface="Calibri" panose="020F0502020204030204" pitchFamily="34" charset="0"/>
-            </a:endParaRPr>
-          </a:p>
-        </p:txBody>
-      </p:sp>
-      <p:sp>
-        <p:nvSpPr>
-          <p:cNvPr id="3" name="Content Placeholder 2"/>
-          <p:cNvSpPr>
-            <a:spLocks noGrp="1"/>
-          </p:cNvSpPr>
-          <p:nvPr>
-            <p:ph idx="1"/>
-          </p:nvPr>
-        </p:nvSpPr>
-        <p:spPr>
-          <a:xfrm>
-            <a:off x="628650" y="989044"/>
-            <a:ext cx="7886700" cy="5605719"/>
-          </a:xfrm>
-        </p:spPr>
-        <p:txBody>
-          <a:bodyPr>
-            <a:normAutofit lnSpcReduction="10000"/>
-          </a:bodyPr>
-          <a:lstStyle/>
-          <a:p>
-            <a:pPr marL="228600" lvl="0" indent="-228600" defTabSz="342900">
-              <a:lnSpc>
-                <a:spcPct val="120000"/>
-              </a:lnSpc>
-              <a:buFont typeface="Arial" panose="020B0604020202020204" pitchFamily="34" charset="0"/>
-              <a:buChar char="•"/>
-            </a:pPr>
-            <a:r>
-              <a:rPr lang="en-US" altLang="en-US" sz="1540" dirty="0">
-                <a:solidFill>
-                  <a:srgbClr val="262626"/>
-                </a:solidFill>
-              </a:rPr>
-              <a:t>Upgrade StoreFactory from depolymini to depoly and add Proxy admin</a:t>
-            </a:r>
-            <a:endParaRPr lang="en-US" altLang="en-US" sz="1540" dirty="0">
-              <a:solidFill>
-                <a:srgbClr val="262626"/>
-              </a:solidFill>
-            </a:endParaRPr>
-          </a:p>
-        </p:txBody>
-      </p:sp>
-    </p:spTree>
-  </p:cSld>
-  <p:clrMapOvr>
-    <a:masterClrMapping/>
-  </p:clrMapOvr>
-</p:sld>
-</file>
-
-<file path=ppt/slides/slide12.xml><?xml version="1.0" encoding="utf-8"?>
-<p:sld xmlns:a="http://schemas.openxmlformats.org/drawingml/2006/main" xmlns:r="http://schemas.openxmlformats.org/officeDocument/2006/relationships" xmlns:p="http://schemas.openxmlformats.org/presentationml/2006/main">
-  <p:cSld>
-    <p:spTree>
-      <p:nvGrpSpPr>
-        <p:cNvPr id="1" name=""/>
-        <p:cNvGrpSpPr/>
-        <p:nvPr/>
-      </p:nvGrpSpPr>
-      <p:grpSpPr>
-        <a:xfrm>
-          <a:off x="0" y="0"/>
-          <a:ext cx="0" cy="0"/>
-          <a:chOff x="0" y="0"/>
-          <a:chExt cx="0" cy="0"/>
-        </a:xfrm>
-      </p:grpSpPr>
-      <p:sp>
-        <p:nvSpPr>
-          <p:cNvPr id="2" name="Title 1"/>
-          <p:cNvSpPr>
-            <a:spLocks noGrp="1"/>
-          </p:cNvSpPr>
-          <p:nvPr>
-            <p:ph type="title"/>
-          </p:nvPr>
-        </p:nvSpPr>
-        <p:spPr>
-          <a:xfrm>
-            <a:off x="628650" y="155263"/>
-            <a:ext cx="7886700" cy="526790"/>
-          </a:xfrm>
-        </p:spPr>
-        <p:txBody>
-          <a:bodyPr>
-            <a:normAutofit fontScale="90000"/>
-          </a:bodyPr>
-          <a:lstStyle/>
-          <a:p>
-            <a:pPr algn="ctr"/>
-            <a:r>
-              <a:rPr lang="en-US" sz="3200" b="1" dirty="0">
-                <a:latin typeface="Calibri" panose="020F0502020204030204" pitchFamily="34" charset="0"/>
-                <a:cs typeface="Calibri" panose="020F0502020204030204" pitchFamily="34" charset="0"/>
-              </a:rPr>
-              <a:t>Web3js</a:t>
+              <a:t>Summarize technique implementation process</a:t>
             </a:r>
             <a:endParaRPr lang="en-US" sz="3200" b="1" dirty="0">
               <a:latin typeface="Calibri" panose="020F0502020204030204" pitchFamily="34" charset="0"/>
@@ -7645,64 +7710,228 @@
           </a:bodyPr>
           <a:lstStyle/>
           <a:p>
-            <a:pPr defTabSz="342900">
+            <a:pPr marL="228600" lvl="0" indent="-228600" defTabSz="342900">
               <a:lnSpc>
                 <a:spcPct val="120000"/>
               </a:lnSpc>
-            </a:pPr>
-            <a:r>
-              <a:rPr lang="en-US" altLang="zh-CN" sz="1540" dirty="0">
+              <a:buFont typeface="Arial" panose="020B0604020202020204" pitchFamily="34" charset="0"/>
+              <a:buChar char="•"/>
+            </a:pPr>
+            <a:r>
+              <a:rPr lang="en-US" altLang="en-US" sz="1800" dirty="0">
                 <a:solidFill>
                   <a:srgbClr val="262626"/>
                 </a:solidFill>
               </a:rPr>
-              <a:t>1 change class to functional component</a:t>
-            </a:r>
-            <a:endParaRPr lang="en-US" altLang="zh-CN" sz="1540" dirty="0">
+              <a:t>1 Hyperledger</a:t>
+            </a:r>
+            <a:endParaRPr lang="en-US" altLang="en-US" sz="1800" dirty="0">
               <a:solidFill>
                 <a:srgbClr val="262626"/>
               </a:solidFill>
             </a:endParaRPr>
           </a:p>
           <a:p>
-            <a:pPr defTabSz="342900">
+            <a:pPr marL="228600" lvl="0" indent="-228600" defTabSz="342900">
               <a:lnSpc>
                 <a:spcPct val="120000"/>
               </a:lnSpc>
-            </a:pPr>
-            <a:r>
-              <a:rPr lang="en-US" altLang="zh-CN" sz="1540" dirty="0">
+              <a:buFont typeface="Arial" panose="020B0604020202020204" pitchFamily="34" charset="0"/>
+              <a:buChar char="•"/>
+            </a:pPr>
+            <a:r>
+              <a:rPr lang="en-US" altLang="en-US" sz="1800" dirty="0">
                 <a:solidFill>
                   <a:srgbClr val="262626"/>
                 </a:solidFill>
               </a:rPr>
-              <a:t>2 add context </a:t>
-            </a:r>
-            <a:endParaRPr lang="en-US" altLang="zh-CN" sz="1540" dirty="0">
+              <a:t>Step 1: Start Network </a:t>
+            </a:r>
+            <a:endParaRPr lang="en-US" altLang="en-US" sz="1800" dirty="0">
               <a:solidFill>
                 <a:srgbClr val="262626"/>
               </a:solidFill>
             </a:endParaRPr>
           </a:p>
           <a:p>
-            <a:pPr defTabSz="342900">
+            <a:pPr marL="228600" lvl="0" indent="-228600" defTabSz="342900">
               <a:lnSpc>
                 <a:spcPct val="120000"/>
               </a:lnSpc>
-            </a:pPr>
-            <a:endParaRPr lang="en-US" altLang="zh-CN" sz="1540" dirty="0">
+              <a:buFont typeface="Arial" panose="020B0604020202020204" pitchFamily="34" charset="0"/>
+              <a:buChar char="•"/>
+            </a:pPr>
+            <a:r>
+              <a:rPr lang="en-US" altLang="en-US" sz="1800" dirty="0">
+                <a:solidFill>
+                  <a:srgbClr val="262626"/>
+                </a:solidFill>
+              </a:rPr>
+              <a:t>Step 2: Write the chaincode</a:t>
+            </a:r>
+            <a:endParaRPr lang="en-US" altLang="en-US" sz="1800" dirty="0">
               <a:solidFill>
                 <a:srgbClr val="262626"/>
               </a:solidFill>
             </a:endParaRPr>
           </a:p>
           <a:p>
-            <a:pPr defTabSz="342900">
+            <a:pPr marL="228600" lvl="0" indent="-228600" defTabSz="342900">
               <a:lnSpc>
                 <a:spcPct val="120000"/>
               </a:lnSpc>
-            </a:pPr>
-            <a:endParaRPr lang="en-US" altLang="zh-CN" sz="1540" dirty="0">
+              <a:buFont typeface="Arial" panose="020B0604020202020204" pitchFamily="34" charset="0"/>
+              <a:buChar char="•"/>
+            </a:pPr>
+            <a:endParaRPr lang="en-US" altLang="en-US" sz="1800" dirty="0">
+              <a:solidFill>
+                <a:srgbClr val="262626"/>
+              </a:solidFill>
+            </a:endParaRPr>
+          </a:p>
+          <a:p>
+            <a:pPr marL="228600" lvl="0" indent="-228600" defTabSz="342900">
+              <a:lnSpc>
+                <a:spcPct val="120000"/>
+              </a:lnSpc>
+              <a:buFont typeface="Arial" panose="020B0604020202020204" pitchFamily="34" charset="0"/>
+              <a:buChar char="•"/>
+            </a:pPr>
+            <a:endParaRPr lang="en-US" altLang="en-US" sz="1800" dirty="0">
+              <a:solidFill>
+                <a:srgbClr val="262626"/>
+              </a:solidFill>
+            </a:endParaRPr>
+          </a:p>
+          <a:p>
+            <a:pPr marL="228600" lvl="0" indent="-228600" defTabSz="342900">
+              <a:lnSpc>
+                <a:spcPct val="120000"/>
+              </a:lnSpc>
+              <a:buFont typeface="Arial" panose="020B0604020202020204" pitchFamily="34" charset="0"/>
+              <a:buChar char="•"/>
+            </a:pPr>
+            <a:endParaRPr lang="en-US" altLang="en-US" sz="1800" dirty="0">
+              <a:solidFill>
+                <a:srgbClr val="262626"/>
+              </a:solidFill>
+            </a:endParaRPr>
+          </a:p>
+          <a:p>
+            <a:pPr marL="228600" lvl="0" indent="-228600" defTabSz="342900">
+              <a:lnSpc>
+                <a:spcPct val="120000"/>
+              </a:lnSpc>
+              <a:buFont typeface="Arial" panose="020B0604020202020204" pitchFamily="34" charset="0"/>
+              <a:buChar char="•"/>
+            </a:pPr>
+            <a:endParaRPr lang="en-US" altLang="en-US" sz="1800" dirty="0">
+              <a:solidFill>
+                <a:srgbClr val="262626"/>
+              </a:solidFill>
+            </a:endParaRPr>
+          </a:p>
+          <a:p>
+            <a:pPr marL="228600" lvl="0" indent="-228600" defTabSz="342900">
+              <a:lnSpc>
+                <a:spcPct val="120000"/>
+              </a:lnSpc>
+              <a:buFont typeface="Arial" panose="020B0604020202020204" pitchFamily="34" charset="0"/>
+              <a:buChar char="•"/>
+            </a:pPr>
+            <a:r>
+              <a:rPr lang="en-US" altLang="en-US" sz="1800" dirty="0">
+                <a:solidFill>
+                  <a:srgbClr val="262626"/>
+                </a:solidFill>
+              </a:rPr>
+              <a:t>Step 3 Implement Context</a:t>
+            </a:r>
+            <a:endParaRPr lang="en-US" altLang="en-US" sz="1800" dirty="0">
+              <a:solidFill>
+                <a:srgbClr val="262626"/>
+              </a:solidFill>
+            </a:endParaRPr>
+          </a:p>
+          <a:p>
+            <a:pPr marL="228600" lvl="0" indent="-228600" defTabSz="342900">
+              <a:lnSpc>
+                <a:spcPct val="120000"/>
+              </a:lnSpc>
+              <a:buFont typeface="Arial" panose="020B0604020202020204" pitchFamily="34" charset="0"/>
+              <a:buChar char="•"/>
+            </a:pPr>
+            <a:endParaRPr lang="en-US" altLang="en-US" sz="1800" dirty="0">
+              <a:solidFill>
+                <a:srgbClr val="262626"/>
+              </a:solidFill>
+            </a:endParaRPr>
+          </a:p>
+          <a:p>
+            <a:pPr marL="228600" lvl="0" indent="-228600" defTabSz="342900">
+              <a:lnSpc>
+                <a:spcPct val="120000"/>
+              </a:lnSpc>
+              <a:buFont typeface="Arial" panose="020B0604020202020204" pitchFamily="34" charset="0"/>
+              <a:buChar char="•"/>
+            </a:pPr>
+            <a:endParaRPr lang="en-US" altLang="en-US" sz="1800" dirty="0">
+              <a:solidFill>
+                <a:srgbClr val="262626"/>
+              </a:solidFill>
+            </a:endParaRPr>
+          </a:p>
+          <a:p>
+            <a:pPr marL="228600" lvl="0" indent="-228600" defTabSz="342900">
+              <a:lnSpc>
+                <a:spcPct val="120000"/>
+              </a:lnSpc>
+              <a:buFont typeface="Arial" panose="020B0604020202020204" pitchFamily="34" charset="0"/>
+              <a:buChar char="•"/>
+            </a:pPr>
+            <a:endParaRPr lang="en-US" altLang="en-US" sz="1800" dirty="0">
+              <a:solidFill>
+                <a:srgbClr val="262626"/>
+              </a:solidFill>
+            </a:endParaRPr>
+          </a:p>
+          <a:p>
+            <a:pPr marL="228600" lvl="0" indent="-228600" defTabSz="342900">
+              <a:lnSpc>
+                <a:spcPct val="120000"/>
+              </a:lnSpc>
+              <a:buFont typeface="Arial" panose="020B0604020202020204" pitchFamily="34" charset="0"/>
+              <a:buChar char="•"/>
+            </a:pPr>
+            <a:endParaRPr lang="en-US" altLang="en-US" sz="1800" dirty="0">
+              <a:solidFill>
+                <a:srgbClr val="262626"/>
+              </a:solidFill>
+            </a:endParaRPr>
+          </a:p>
+          <a:p>
+            <a:pPr marL="228600" lvl="0" indent="-228600" defTabSz="342900">
+              <a:lnSpc>
+                <a:spcPct val="120000"/>
+              </a:lnSpc>
+              <a:buFont typeface="Arial" panose="020B0604020202020204" pitchFamily="34" charset="0"/>
+              <a:buChar char="•"/>
+            </a:pPr>
+            <a:endParaRPr lang="en-US" altLang="en-US" sz="1800" dirty="0">
+              <a:solidFill>
+                <a:srgbClr val="262626"/>
+              </a:solidFill>
+            </a:endParaRPr>
+          </a:p>
+          <a:p>
+            <a:pPr marL="228600" lvl="0" indent="-228600" defTabSz="342900">
+              <a:lnSpc>
+                <a:spcPct val="120000"/>
+              </a:lnSpc>
+              <a:buFont typeface="Arial" panose="020B0604020202020204" pitchFamily="34" charset="0"/>
+              <a:buChar char="•"/>
+            </a:pPr>
+            <a:endParaRPr lang="en-US" altLang="en-US" sz="1800" dirty="0">
               <a:solidFill>
                 <a:srgbClr val="262626"/>
               </a:solidFill>
@@ -7718,340 +7947,7 @@
 </p:sld>
 </file>
 
-<file path=ppt/slides/slide2.xml><?xml version="1.0" encoding="utf-8"?>
-<p:sld xmlns:a="http://schemas.openxmlformats.org/drawingml/2006/main" xmlns:r="http://schemas.openxmlformats.org/officeDocument/2006/relationships" xmlns:p="http://schemas.openxmlformats.org/presentationml/2006/main">
-  <p:cSld>
-    <p:spTree>
-      <p:nvGrpSpPr>
-        <p:cNvPr id="1" name=""/>
-        <p:cNvGrpSpPr/>
-        <p:nvPr/>
-      </p:nvGrpSpPr>
-      <p:grpSpPr>
-        <a:xfrm>
-          <a:off x="0" y="0"/>
-          <a:ext cx="0" cy="0"/>
-          <a:chOff x="0" y="0"/>
-          <a:chExt cx="0" cy="0"/>
-        </a:xfrm>
-      </p:grpSpPr>
-      <p:sp>
-        <p:nvSpPr>
-          <p:cNvPr id="21505" name="Title 1"/>
-          <p:cNvSpPr>
-            <a:spLocks noGrp="1"/>
-          </p:cNvSpPr>
-          <p:nvPr>
-            <p:ph type="title"/>
-          </p:nvPr>
-        </p:nvSpPr>
-        <p:spPr>
-          <a:xfrm>
-            <a:off x="233363" y="308848"/>
-            <a:ext cx="8227219" cy="327422"/>
-          </a:xfrm>
-        </p:spPr>
-        <p:txBody>
-          <a:bodyPr vert="horz" lIns="0" tIns="0" rIns="0" bIns="0" rtlCol="0" anchor="ctr">
-            <a:normAutofit fontScale="90000"/>
-          </a:bodyPr>
-          <a:lstStyle/>
-          <a:p>
-            <a:pPr algn="ctr"/>
-            <a:r>
-              <a:rPr lang="en-US" altLang="zh-CN" sz="3200" b="1" dirty="0">
-                <a:latin typeface="Calibri" panose="020F0502020204030204" pitchFamily="34" charset="0"/>
-                <a:cs typeface="Calibri" panose="020F0502020204030204" pitchFamily="34" charset="0"/>
-              </a:rPr>
-              <a:t>Outline</a:t>
-            </a:r>
-            <a:endParaRPr lang="en-GB" altLang="zh-CN" sz="3200" b="1" dirty="0">
-              <a:latin typeface="Calibri" panose="020F0502020204030204" pitchFamily="34" charset="0"/>
-              <a:cs typeface="Calibri" panose="020F0502020204030204" pitchFamily="34" charset="0"/>
-            </a:endParaRPr>
-          </a:p>
-        </p:txBody>
-      </p:sp>
-      <p:sp>
-        <p:nvSpPr>
-          <p:cNvPr id="21506" name="文本框 6"/>
-          <p:cNvSpPr txBox="1"/>
-          <p:nvPr/>
-        </p:nvSpPr>
-        <p:spPr>
-          <a:xfrm>
-            <a:off x="246455" y="859156"/>
-            <a:ext cx="8651359" cy="5486400"/>
-          </a:xfrm>
-          <a:prstGeom prst="rect">
-            <a:avLst/>
-          </a:prstGeom>
-          <a:noFill/>
-          <a:ln w="9525">
-            <a:noFill/>
-          </a:ln>
-        </p:spPr>
-        <p:txBody>
-          <a:bodyPr wrap="square" lIns="0" tIns="0" rIns="0" bIns="0" anchor="t"/>
-          <a:lstStyle/>
-          <a:p>
-            <a:pPr marL="171450" lvl="0" indent="-171450" fontAlgn="auto">
-              <a:lnSpc>
-                <a:spcPct val="200000"/>
-              </a:lnSpc>
-              <a:spcBef>
-                <a:spcPts val="700"/>
-              </a:spcBef>
-              <a:buFont typeface="Arial" panose="020B0604020202020204" pitchFamily="34" charset="0"/>
-              <a:buChar char="•"/>
-            </a:pPr>
-            <a:r>
-              <a:rPr lang="en-US" dirty="0"/>
-              <a:t>Dive into </a:t>
-            </a:r>
-            <a:r>
-              <a:rPr lang="en-US" dirty="0"/>
-              <a:t>Proxy (Architect a Solidity Program)</a:t>
-            </a:r>
-            <a:endParaRPr lang="en-US" dirty="0"/>
-          </a:p>
-          <a:p>
-            <a:pPr marL="171450" lvl="0" indent="-171450" fontAlgn="auto">
-              <a:lnSpc>
-                <a:spcPct val="200000"/>
-              </a:lnSpc>
-              <a:spcBef>
-                <a:spcPts val="700"/>
-              </a:spcBef>
-              <a:buFont typeface="Arial" panose="020B0604020202020204" pitchFamily="34" charset="0"/>
-              <a:buChar char="•"/>
-            </a:pPr>
-            <a:r>
-              <a:rPr lang="en-US" dirty="0"/>
-              <a:t>Code Demo</a:t>
-            </a:r>
-            <a:endParaRPr lang="en-US" dirty="0"/>
-          </a:p>
-          <a:p>
-            <a:pPr marL="171450" lvl="0" indent="-171450" fontAlgn="auto">
-              <a:lnSpc>
-                <a:spcPct val="200000"/>
-              </a:lnSpc>
-              <a:spcBef>
-                <a:spcPts val="700"/>
-              </a:spcBef>
-              <a:buFont typeface="Arial" panose="020B0604020202020204" pitchFamily="34" charset="0"/>
-              <a:buChar char="•"/>
-            </a:pPr>
-            <a:r>
-              <a:rPr lang="en-US" dirty="0">
-                <a:latin typeface="Calibri" panose="020F0502020204030204" pitchFamily="34" charset="0"/>
-                <a:cs typeface="Calibri" panose="020F0502020204030204" pitchFamily="34" charset="0"/>
-                <a:sym typeface="+mn-ea"/>
-              </a:rPr>
-              <a:t>Key Concepts</a:t>
-            </a:r>
-            <a:endParaRPr lang="en-US" dirty="0">
-              <a:latin typeface="Calibri" panose="020F0502020204030204" pitchFamily="34" charset="0"/>
-              <a:cs typeface="Calibri" panose="020F0502020204030204" pitchFamily="34" charset="0"/>
-            </a:endParaRPr>
-          </a:p>
-          <a:p>
-            <a:pPr marL="171450" lvl="0" indent="-171450" fontAlgn="auto">
-              <a:lnSpc>
-                <a:spcPct val="200000"/>
-              </a:lnSpc>
-              <a:spcBef>
-                <a:spcPts val="700"/>
-              </a:spcBef>
-              <a:buFont typeface="Arial" panose="020B0604020202020204" pitchFamily="34" charset="0"/>
-              <a:buChar char="•"/>
-            </a:pPr>
-            <a:r>
-              <a:rPr lang="en-US" dirty="0">
-                <a:latin typeface="Calibri" panose="020F0502020204030204" pitchFamily="34" charset="0"/>
-                <a:cs typeface="Calibri" panose="020F0502020204030204" pitchFamily="34" charset="0"/>
-                <a:sym typeface="+mn-ea"/>
-              </a:rPr>
-              <a:t>Lifecycle Methods</a:t>
-            </a:r>
-            <a:endParaRPr lang="en-US" dirty="0">
-              <a:latin typeface="Calibri" panose="020F0502020204030204" pitchFamily="34" charset="0"/>
-              <a:cs typeface="Calibri" panose="020F0502020204030204" pitchFamily="34" charset="0"/>
-            </a:endParaRPr>
-          </a:p>
-          <a:p>
-            <a:pPr marL="171450" lvl="0" indent="-171450" fontAlgn="auto">
-              <a:lnSpc>
-                <a:spcPct val="200000"/>
-              </a:lnSpc>
-              <a:spcBef>
-                <a:spcPts val="700"/>
-              </a:spcBef>
-              <a:buFont typeface="Arial" panose="020B0604020202020204" pitchFamily="34" charset="0"/>
-              <a:buChar char="•"/>
-            </a:pPr>
-            <a:r>
-              <a:rPr lang="en-US" dirty="0">
-                <a:latin typeface="Calibri" panose="020F0502020204030204" pitchFamily="34" charset="0"/>
-                <a:cs typeface="Calibri" panose="020F0502020204030204" pitchFamily="34" charset="0"/>
-                <a:sym typeface="+mn-ea"/>
-              </a:rPr>
-              <a:t>Functional Component and Hooks</a:t>
-            </a:r>
-            <a:endParaRPr lang="en-US" dirty="0">
-              <a:latin typeface="Calibri" panose="020F0502020204030204" pitchFamily="34" charset="0"/>
-              <a:cs typeface="Calibri" panose="020F0502020204030204" pitchFamily="34" charset="0"/>
-              <a:sym typeface="+mn-ea"/>
-            </a:endParaRPr>
-          </a:p>
-          <a:p>
-            <a:pPr marL="171450" lvl="0" indent="-171450" fontAlgn="auto">
-              <a:lnSpc>
-                <a:spcPct val="200000"/>
-              </a:lnSpc>
-              <a:spcBef>
-                <a:spcPts val="700"/>
-              </a:spcBef>
-              <a:buFont typeface="Arial" panose="020B0604020202020204" pitchFamily="34" charset="0"/>
-              <a:buChar char="•"/>
-            </a:pPr>
-            <a:r>
-              <a:rPr lang="en-US" dirty="0">
-                <a:latin typeface="Calibri" panose="020F0502020204030204" pitchFamily="34" charset="0"/>
-                <a:cs typeface="Calibri" panose="020F0502020204030204" pitchFamily="34" charset="0"/>
-                <a:sym typeface="+mn-ea"/>
-              </a:rPr>
-              <a:t>Code Demo</a:t>
-            </a:r>
-            <a:endParaRPr lang="en-US" dirty="0">
-              <a:latin typeface="Calibri" panose="020F0502020204030204" pitchFamily="34" charset="0"/>
-              <a:cs typeface="Calibri" panose="020F0502020204030204" pitchFamily="34" charset="0"/>
-              <a:sym typeface="+mn-ea"/>
-            </a:endParaRPr>
-          </a:p>
-          <a:p>
-            <a:pPr lvl="0" indent="0" fontAlgn="auto">
-              <a:lnSpc>
-                <a:spcPct val="200000"/>
-              </a:lnSpc>
-              <a:spcBef>
-                <a:spcPts val="700"/>
-              </a:spcBef>
-              <a:buFont typeface="Arial" panose="020B0604020202020204" pitchFamily="34" charset="0"/>
-              <a:buNone/>
-            </a:pPr>
-            <a:endParaRPr lang="en-US" dirty="0"/>
-          </a:p>
-        </p:txBody>
-      </p:sp>
-      <p:sp>
-        <p:nvSpPr>
-          <p:cNvPr id="6" name="TextBox 6"/>
-          <p:cNvSpPr txBox="1"/>
-          <p:nvPr/>
-        </p:nvSpPr>
-        <p:spPr>
-          <a:xfrm>
-            <a:off x="25183" y="6636420"/>
-            <a:ext cx="3270445" cy="184664"/>
-          </a:xfrm>
-          <a:prstGeom prst="rect">
-            <a:avLst/>
-          </a:prstGeom>
-          <a:ln w="12700">
-            <a:miter lim="400000"/>
-          </a:ln>
-        </p:spPr>
-        <p:txBody>
-          <a:bodyPr wrap="none" lIns="34289" tIns="34289" rIns="34289" bIns="34289">
-            <a:spAutoFit/>
-          </a:bodyPr>
-          <a:lstStyle>
-            <a:lvl1pPr defTabSz="914400">
-              <a:defRPr sz="1000">
-                <a:solidFill>
-                  <a:srgbClr val="FFFFFF"/>
-                </a:solidFill>
-                <a:latin typeface="Montserrat"/>
-                <a:ea typeface="Montserrat"/>
-                <a:cs typeface="Montserrat"/>
-                <a:sym typeface="Montserrat"/>
-              </a:defRPr>
-            </a:lvl1pPr>
-          </a:lstStyle>
-          <a:p>
-            <a:r>
-              <a:rPr lang="en-US" sz="750" dirty="0">
-                <a:solidFill>
-                  <a:schemeClr val="tx1"/>
-                </a:solidFill>
-                <a:latin typeface="Montserrat" panose="00000500000000000000" pitchFamily="2" charset="0"/>
-              </a:rPr>
-              <a:t>© 2017-2020    SmartMesh Foundation Pte. Ltd.  |  MeshBox Foundation Pte. Ltd.</a:t>
-            </a:r>
-            <a:endParaRPr lang="en-US" sz="750" dirty="0">
-              <a:solidFill>
-                <a:schemeClr val="tx1"/>
-              </a:solidFill>
-              <a:latin typeface="Montserrat" panose="00000500000000000000" pitchFamily="2" charset="0"/>
-              <a:sym typeface="Arial" panose="020B0604020202020204"/>
-            </a:endParaRPr>
-          </a:p>
-        </p:txBody>
-      </p:sp>
-      <p:sp>
-        <p:nvSpPr>
-          <p:cNvPr id="7" name="TextBox 6"/>
-          <p:cNvSpPr txBox="1">
-            <a:spLocks noChangeArrowheads="1"/>
-          </p:cNvSpPr>
-          <p:nvPr/>
-        </p:nvSpPr>
-        <p:spPr bwMode="auto">
-          <a:xfrm>
-            <a:off x="7872314" y="6569155"/>
-            <a:ext cx="1289447" cy="253916"/>
-          </a:xfrm>
-          <a:prstGeom prst="rect">
-            <a:avLst/>
-          </a:prstGeom>
-          <a:noFill/>
-          <a:ln w="9525">
-            <a:noFill/>
-            <a:miter lim="800000"/>
-          </a:ln>
-        </p:spPr>
-        <p:txBody>
-          <a:bodyPr>
-            <a:spAutoFit/>
-          </a:bodyPr>
-          <a:lstStyle/>
-          <a:p>
-            <a:pPr algn="r"/>
-            <a:fld id="{6F888031-CE6A-4173-BB2B-520974F34056}" type="slidenum">
-              <a:rPr lang="en-GB" sz="1050">
-                <a:latin typeface="Calibri" panose="020F0502020204030204" pitchFamily="34" charset="0"/>
-              </a:rPr>
-            </a:fld>
-            <a:endParaRPr lang="en-GB" sz="1050" dirty="0">
-              <a:latin typeface="Calibri" panose="020F0502020204030204" pitchFamily="34" charset="0"/>
-            </a:endParaRPr>
-          </a:p>
-        </p:txBody>
-      </p:sp>
-    </p:spTree>
-  </p:cSld>
-  <p:clrMapOvr>
-    <a:masterClrMapping/>
-  </p:clrMapOvr>
-  <p:transition spd="med">
-    <p:fade/>
-  </p:transition>
-</p:sld>
-</file>
-
-<file path=ppt/slides/slide3.xml><?xml version="1.0" encoding="utf-8"?>
+<file path=ppt/slides/slide12.xml><?xml version="1.0" encoding="utf-8"?>
 <p:sld xmlns:a="http://schemas.openxmlformats.org/drawingml/2006/main" xmlns:r="http://schemas.openxmlformats.org/officeDocument/2006/relationships" xmlns:p="http://schemas.openxmlformats.org/presentationml/2006/main">
   <p:cSld>
     <p:spTree>
@@ -8292,7 +8188,7 @@
 </p:sld>
 </file>
 
-<file path=ppt/slides/slide4.xml><?xml version="1.0" encoding="utf-8"?>
+<file path=ppt/slides/slide13.xml><?xml version="1.0" encoding="utf-8"?>
 <p:sld xmlns:a="http://schemas.openxmlformats.org/drawingml/2006/main" xmlns:r="http://schemas.openxmlformats.org/officeDocument/2006/relationships" xmlns:p="http://schemas.openxmlformats.org/presentationml/2006/main">
   <p:cSld>
     <p:spTree>
@@ -8491,7 +8387,7 @@
 </p:sld>
 </file>
 
-<file path=ppt/slides/slide5.xml><?xml version="1.0" encoding="utf-8"?>
+<file path=ppt/slides/slide14.xml><?xml version="1.0" encoding="utf-8"?>
 <p:sld xmlns:a="http://schemas.openxmlformats.org/drawingml/2006/main" xmlns:r="http://schemas.openxmlformats.org/officeDocument/2006/relationships" xmlns:p="http://schemas.openxmlformats.org/presentationml/2006/main">
   <p:cSld>
     <p:spTree>
@@ -8668,7 +8564,7 @@
 </p:sld>
 </file>
 
-<file path=ppt/slides/slide6.xml><?xml version="1.0" encoding="utf-8"?>
+<file path=ppt/slides/slide15.xml><?xml version="1.0" encoding="utf-8"?>
 <p:sld xmlns:a="http://schemas.openxmlformats.org/drawingml/2006/main" xmlns:r="http://schemas.openxmlformats.org/officeDocument/2006/relationships" xmlns:p="http://schemas.openxmlformats.org/presentationml/2006/main">
   <p:cSld>
     <p:spTree>
@@ -8831,7 +8727,7 @@
 </p:sld>
 </file>
 
-<file path=ppt/slides/slide7.xml><?xml version="1.0" encoding="utf-8"?>
+<file path=ppt/slides/slide16.xml><?xml version="1.0" encoding="utf-8"?>
 <p:sld xmlns:a="http://schemas.openxmlformats.org/drawingml/2006/main" xmlns:r="http://schemas.openxmlformats.org/officeDocument/2006/relationships" xmlns:p="http://schemas.openxmlformats.org/presentationml/2006/main">
   <p:cSld>
     <p:spTree>
@@ -9026,7 +8922,7 @@
 </p:sld>
 </file>
 
-<file path=ppt/slides/slide8.xml><?xml version="1.0" encoding="utf-8"?>
+<file path=ppt/slides/slide17.xml><?xml version="1.0" encoding="utf-8"?>
 <p:sld xmlns:a="http://schemas.openxmlformats.org/drawingml/2006/main" xmlns:r="http://schemas.openxmlformats.org/officeDocument/2006/relationships" xmlns:p="http://schemas.openxmlformats.org/presentationml/2006/main">
   <p:cSld>
     <p:spTree>
@@ -9217,7 +9113,7 @@
 </p:sld>
 </file>
 
-<file path=ppt/slides/slide9.xml><?xml version="1.0" encoding="utf-8"?>
+<file path=ppt/slides/slide18.xml><?xml version="1.0" encoding="utf-8"?>
 <p:sld xmlns:a="http://schemas.openxmlformats.org/drawingml/2006/main" xmlns:r="http://schemas.openxmlformats.org/officeDocument/2006/relationships" xmlns:p="http://schemas.openxmlformats.org/presentationml/2006/main">
   <p:cSld>
     <p:spTree>
@@ -9518,6 +9414,2748 @@
           <a:xfrm>
             <a:off x="628650" y="2185035"/>
             <a:ext cx="7256780" cy="1528445"/>
+          </a:xfrm>
+          <a:prstGeom prst="rect">
+            <a:avLst/>
+          </a:prstGeom>
+        </p:spPr>
+      </p:pic>
+    </p:spTree>
+  </p:cSld>
+  <p:clrMapOvr>
+    <a:masterClrMapping/>
+  </p:clrMapOvr>
+</p:sld>
+</file>
+
+<file path=ppt/slides/slide19.xml><?xml version="1.0" encoding="utf-8"?>
+<p:sld xmlns:a="http://schemas.openxmlformats.org/drawingml/2006/main" xmlns:r="http://schemas.openxmlformats.org/officeDocument/2006/relationships" xmlns:p="http://schemas.openxmlformats.org/presentationml/2006/main">
+  <p:cSld>
+    <p:spTree>
+      <p:nvGrpSpPr>
+        <p:cNvPr id="1" name=""/>
+        <p:cNvGrpSpPr/>
+        <p:nvPr/>
+      </p:nvGrpSpPr>
+      <p:grpSpPr>
+        <a:xfrm>
+          <a:off x="0" y="0"/>
+          <a:ext cx="0" cy="0"/>
+          <a:chOff x="0" y="0"/>
+          <a:chExt cx="0" cy="0"/>
+        </a:xfrm>
+      </p:grpSpPr>
+      <p:sp>
+        <p:nvSpPr>
+          <p:cNvPr id="2" name="Title 1"/>
+          <p:cNvSpPr>
+            <a:spLocks noGrp="1"/>
+          </p:cNvSpPr>
+          <p:nvPr>
+            <p:ph type="title"/>
+          </p:nvPr>
+        </p:nvSpPr>
+        <p:spPr>
+          <a:xfrm>
+            <a:off x="628650" y="155263"/>
+            <a:ext cx="7886700" cy="526790"/>
+          </a:xfrm>
+        </p:spPr>
+        <p:txBody>
+          <a:bodyPr>
+            <a:normAutofit fontScale="90000"/>
+          </a:bodyPr>
+          <a:lstStyle/>
+          <a:p>
+            <a:pPr algn="ctr"/>
+            <a:r>
+              <a:rPr lang="en-US" sz="3200" b="1" dirty="0">
+                <a:latin typeface="Calibri" panose="020F0502020204030204" pitchFamily="34" charset="0"/>
+                <a:cs typeface="Calibri" panose="020F0502020204030204" pitchFamily="34" charset="0"/>
+              </a:rPr>
+              <a:t>Dive into Proxy (</a:t>
+            </a:r>
+            <a:r>
+              <a:rPr lang="en-US" sz="3200" b="1" dirty="0">
+                <a:latin typeface="Calibri" panose="020F0502020204030204" pitchFamily="34" charset="0"/>
+                <a:cs typeface="Calibri" panose="020F0502020204030204" pitchFamily="34" charset="0"/>
+                <a:sym typeface="+mn-ea"/>
+              </a:rPr>
+              <a:t>Architect a Solidity Program)</a:t>
+            </a:r>
+            <a:endParaRPr lang="en-US" sz="3200" b="1" dirty="0">
+              <a:latin typeface="Calibri" panose="020F0502020204030204" pitchFamily="34" charset="0"/>
+              <a:cs typeface="Calibri" panose="020F0502020204030204" pitchFamily="34" charset="0"/>
+            </a:endParaRPr>
+          </a:p>
+        </p:txBody>
+      </p:sp>
+      <p:sp>
+        <p:nvSpPr>
+          <p:cNvPr id="3" name="Content Placeholder 2"/>
+          <p:cNvSpPr>
+            <a:spLocks noGrp="1"/>
+          </p:cNvSpPr>
+          <p:nvPr>
+            <p:ph idx="1"/>
+          </p:nvPr>
+        </p:nvSpPr>
+        <p:spPr>
+          <a:xfrm>
+            <a:off x="628650" y="989044"/>
+            <a:ext cx="7886700" cy="5605719"/>
+          </a:xfrm>
+        </p:spPr>
+        <p:txBody>
+          <a:bodyPr>
+            <a:normAutofit/>
+          </a:bodyPr>
+          <a:lstStyle/>
+          <a:p>
+            <a:pPr marL="228600" lvl="0" indent="-228600" defTabSz="342900">
+              <a:lnSpc>
+                <a:spcPct val="120000"/>
+              </a:lnSpc>
+              <a:buFont typeface="Arial" panose="020B0604020202020204" pitchFamily="34" charset="0"/>
+              <a:buChar char="•"/>
+            </a:pPr>
+            <a:r>
+              <a:rPr lang="en-US" altLang="en-US" sz="1800" dirty="0">
+                <a:solidFill>
+                  <a:srgbClr val="262626"/>
+                </a:solidFill>
+              </a:rPr>
+              <a:t>ProxyAdmin &amp; ProxyFactory (</a:t>
+            </a:r>
+            <a:r>
+              <a:rPr lang="en-US" altLang="en-US" sz="1800" dirty="0">
+                <a:solidFill>
+                  <a:srgbClr val="FF0000"/>
+                </a:solidFill>
+              </a:rPr>
+              <a:t>Code Explain</a:t>
+            </a:r>
+            <a:r>
+              <a:rPr lang="en-US" altLang="en-US" sz="1800" dirty="0">
+                <a:solidFill>
+                  <a:srgbClr val="262626"/>
+                </a:solidFill>
+              </a:rPr>
+              <a:t>)</a:t>
+            </a:r>
+            <a:endParaRPr lang="en-US" altLang="en-US" sz="1800" dirty="0">
+              <a:solidFill>
+                <a:srgbClr val="262626"/>
+              </a:solidFill>
+            </a:endParaRPr>
+          </a:p>
+          <a:p>
+            <a:pPr marL="228600" lvl="0" indent="-228600" defTabSz="342900">
+              <a:lnSpc>
+                <a:spcPct val="120000"/>
+              </a:lnSpc>
+              <a:buFont typeface="Arial" panose="020B0604020202020204" pitchFamily="34" charset="0"/>
+              <a:buChar char="•"/>
+            </a:pPr>
+            <a:r>
+              <a:rPr lang="en-US" altLang="en-US" sz="1800" dirty="0">
+                <a:solidFill>
+                  <a:srgbClr val="262626"/>
+                </a:solidFill>
+              </a:rPr>
+              <a:t>Check if IniupgradProxy and AdminUpgradeProx have initializer (Inherited with admin) </a:t>
+            </a:r>
+            <a:endParaRPr lang="en-US" altLang="en-US" sz="1800" dirty="0">
+              <a:solidFill>
+                <a:srgbClr val="262626"/>
+              </a:solidFill>
+            </a:endParaRPr>
+          </a:p>
+          <a:p>
+            <a:pPr marL="228600" lvl="0" indent="-228600" defTabSz="342900">
+              <a:lnSpc>
+                <a:spcPct val="120000"/>
+              </a:lnSpc>
+              <a:buFont typeface="Arial" panose="020B0604020202020204" pitchFamily="34" charset="0"/>
+              <a:buChar char="•"/>
+            </a:pPr>
+            <a:r>
+              <a:rPr lang="en-US" altLang="en-US" sz="1800" dirty="0">
+                <a:solidFill>
+                  <a:srgbClr val="262626"/>
+                </a:solidFill>
+              </a:rPr>
+              <a:t>Unstructured Storage has contrustor, so can use upgradeto without init data</a:t>
+            </a:r>
+            <a:endParaRPr lang="en-US" altLang="en-US" sz="1800" dirty="0">
+              <a:solidFill>
+                <a:srgbClr val="262626"/>
+              </a:solidFill>
+            </a:endParaRPr>
+          </a:p>
+        </p:txBody>
+      </p:sp>
+      <p:pic>
+        <p:nvPicPr>
+          <p:cNvPr id="4" name="图片 3"/>
+          <p:cNvPicPr>
+            <a:picLocks noChangeAspect="1"/>
+          </p:cNvPicPr>
+          <p:nvPr/>
+        </p:nvPicPr>
+        <p:blipFill>
+          <a:blip r:embed="rId1"/>
+          <a:srcRect l="36786"/>
+          <a:stretch>
+            <a:fillRect/>
+          </a:stretch>
+        </p:blipFill>
+        <p:spPr>
+          <a:xfrm rot="16200000">
+            <a:off x="2583815" y="675640"/>
+            <a:ext cx="3976370" cy="8388350"/>
+          </a:xfrm>
+          <a:prstGeom prst="rect">
+            <a:avLst/>
+          </a:prstGeom>
+        </p:spPr>
+      </p:pic>
+    </p:spTree>
+  </p:cSld>
+  <p:clrMapOvr>
+    <a:masterClrMapping/>
+  </p:clrMapOvr>
+</p:sld>
+</file>
+
+<file path=ppt/slides/slide2.xml><?xml version="1.0" encoding="utf-8"?>
+<p:sld xmlns:a="http://schemas.openxmlformats.org/drawingml/2006/main" xmlns:r="http://schemas.openxmlformats.org/officeDocument/2006/relationships" xmlns:p="http://schemas.openxmlformats.org/presentationml/2006/main">
+  <p:cSld>
+    <p:spTree>
+      <p:nvGrpSpPr>
+        <p:cNvPr id="1" name=""/>
+        <p:cNvGrpSpPr/>
+        <p:nvPr/>
+      </p:nvGrpSpPr>
+      <p:grpSpPr>
+        <a:xfrm>
+          <a:off x="0" y="0"/>
+          <a:ext cx="0" cy="0"/>
+          <a:chOff x="0" y="0"/>
+          <a:chExt cx="0" cy="0"/>
+        </a:xfrm>
+      </p:grpSpPr>
+      <p:sp>
+        <p:nvSpPr>
+          <p:cNvPr id="21505" name="Title 1"/>
+          <p:cNvSpPr>
+            <a:spLocks noGrp="1"/>
+          </p:cNvSpPr>
+          <p:nvPr>
+            <p:ph type="title"/>
+          </p:nvPr>
+        </p:nvSpPr>
+        <p:spPr>
+          <a:xfrm>
+            <a:off x="233363" y="308848"/>
+            <a:ext cx="8227219" cy="327422"/>
+          </a:xfrm>
+        </p:spPr>
+        <p:txBody>
+          <a:bodyPr vert="horz" lIns="0" tIns="0" rIns="0" bIns="0" rtlCol="0" anchor="ctr">
+            <a:normAutofit fontScale="90000"/>
+          </a:bodyPr>
+          <a:lstStyle/>
+          <a:p>
+            <a:pPr algn="ctr"/>
+            <a:r>
+              <a:rPr lang="en-US" altLang="zh-CN" sz="3200" b="1" dirty="0">
+                <a:latin typeface="Calibri" panose="020F0502020204030204" pitchFamily="34" charset="0"/>
+                <a:cs typeface="Calibri" panose="020F0502020204030204" pitchFamily="34" charset="0"/>
+              </a:rPr>
+              <a:t>Outline</a:t>
+            </a:r>
+            <a:endParaRPr lang="en-GB" altLang="zh-CN" sz="3200" b="1" dirty="0">
+              <a:latin typeface="Calibri" panose="020F0502020204030204" pitchFamily="34" charset="0"/>
+              <a:cs typeface="Calibri" panose="020F0502020204030204" pitchFamily="34" charset="0"/>
+            </a:endParaRPr>
+          </a:p>
+        </p:txBody>
+      </p:sp>
+      <p:sp>
+        <p:nvSpPr>
+          <p:cNvPr id="21506" name="文本框 6"/>
+          <p:cNvSpPr txBox="1"/>
+          <p:nvPr/>
+        </p:nvSpPr>
+        <p:spPr>
+          <a:xfrm>
+            <a:off x="246455" y="859156"/>
+            <a:ext cx="8651359" cy="5486400"/>
+          </a:xfrm>
+          <a:prstGeom prst="rect">
+            <a:avLst/>
+          </a:prstGeom>
+          <a:noFill/>
+          <a:ln w="9525">
+            <a:noFill/>
+          </a:ln>
+        </p:spPr>
+        <p:txBody>
+          <a:bodyPr wrap="square" lIns="0" tIns="0" rIns="0" bIns="0" anchor="t"/>
+          <a:lstStyle/>
+          <a:p>
+            <a:pPr marL="171450" lvl="0" indent="-171450" fontAlgn="auto">
+              <a:lnSpc>
+                <a:spcPct val="200000"/>
+              </a:lnSpc>
+              <a:spcBef>
+                <a:spcPts val="700"/>
+              </a:spcBef>
+              <a:buFont typeface="Arial" panose="020B0604020202020204" pitchFamily="34" charset="0"/>
+              <a:buChar char="•"/>
+            </a:pPr>
+            <a:r>
+              <a:rPr lang="en-US" dirty="0"/>
+              <a:t>Router Design</a:t>
+            </a:r>
+            <a:endParaRPr lang="en-US" dirty="0"/>
+          </a:p>
+          <a:p>
+            <a:pPr marL="171450" lvl="0" indent="-171450" fontAlgn="auto">
+              <a:lnSpc>
+                <a:spcPct val="200000"/>
+              </a:lnSpc>
+              <a:spcBef>
+                <a:spcPts val="700"/>
+              </a:spcBef>
+              <a:buFont typeface="Arial" panose="020B0604020202020204" pitchFamily="34" charset="0"/>
+              <a:buChar char="•"/>
+            </a:pPr>
+            <a:r>
+              <a:rPr lang="en-US" dirty="0"/>
+              <a:t>Links and History</a:t>
+            </a:r>
+            <a:endParaRPr lang="en-US" dirty="0"/>
+          </a:p>
+          <a:p>
+            <a:pPr marL="171450" lvl="0" indent="-171450" fontAlgn="auto">
+              <a:lnSpc>
+                <a:spcPct val="200000"/>
+              </a:lnSpc>
+              <a:spcBef>
+                <a:spcPts val="700"/>
+              </a:spcBef>
+              <a:buFont typeface="Arial" panose="020B0604020202020204" pitchFamily="34" charset="0"/>
+              <a:buChar char="•"/>
+            </a:pPr>
+            <a:r>
+              <a:rPr lang="en-US" dirty="0"/>
+              <a:t>Context</a:t>
+            </a:r>
+            <a:endParaRPr lang="en-US" dirty="0"/>
+          </a:p>
+          <a:p>
+            <a:pPr marL="171450" lvl="0" indent="-171450" fontAlgn="auto">
+              <a:lnSpc>
+                <a:spcPct val="200000"/>
+              </a:lnSpc>
+              <a:spcBef>
+                <a:spcPts val="700"/>
+              </a:spcBef>
+              <a:buFont typeface="Arial" panose="020B0604020202020204" pitchFamily="34" charset="0"/>
+              <a:buChar char="•"/>
+            </a:pPr>
+            <a:r>
+              <a:rPr lang="en-US" dirty="0"/>
+              <a:t>Change </a:t>
+            </a:r>
+            <a:r>
+              <a:rPr lang="en-US" dirty="0">
+                <a:sym typeface="+mn-ea"/>
+              </a:rPr>
+              <a:t>class </a:t>
+            </a:r>
+            <a:r>
+              <a:rPr lang="en-US" dirty="0"/>
+              <a:t>to </a:t>
+            </a:r>
+            <a:r>
+              <a:rPr lang="en-US" dirty="0">
+                <a:sym typeface="+mn-ea"/>
+              </a:rPr>
+              <a:t>functional</a:t>
+            </a:r>
+            <a:r>
+              <a:rPr lang="en-US" dirty="0"/>
+              <a:t> component</a:t>
+            </a:r>
+            <a:endParaRPr lang="en-US" dirty="0"/>
+          </a:p>
+          <a:p>
+            <a:pPr marL="171450" lvl="0" indent="-171450" fontAlgn="auto">
+              <a:lnSpc>
+                <a:spcPct val="200000"/>
+              </a:lnSpc>
+              <a:spcBef>
+                <a:spcPts val="700"/>
+              </a:spcBef>
+              <a:buFont typeface="Arial" panose="020B0604020202020204" pitchFamily="34" charset="0"/>
+              <a:buChar char="•"/>
+            </a:pPr>
+            <a:r>
+              <a:rPr lang="en-US" dirty="0"/>
+              <a:t>Summarize technique implementation process: </a:t>
+            </a:r>
+            <a:endParaRPr lang="en-US" dirty="0"/>
+          </a:p>
+          <a:p>
+            <a:pPr marL="628650" lvl="1" indent="-171450" fontAlgn="auto">
+              <a:lnSpc>
+                <a:spcPct val="200000"/>
+              </a:lnSpc>
+              <a:spcBef>
+                <a:spcPts val="700"/>
+              </a:spcBef>
+              <a:buFont typeface="Arial" panose="020B0604020202020204" pitchFamily="34" charset="0"/>
+              <a:buChar char="•"/>
+            </a:pPr>
+            <a:r>
+              <a:rPr lang="en-US" dirty="0"/>
+              <a:t>Hyperledger Dapp+ChainCode, React Logic, JWT</a:t>
+            </a:r>
+            <a:endParaRPr lang="en-US" dirty="0"/>
+          </a:p>
+          <a:p>
+            <a:pPr marL="171450" lvl="0" indent="-171450" fontAlgn="auto">
+              <a:lnSpc>
+                <a:spcPct val="200000"/>
+              </a:lnSpc>
+              <a:spcBef>
+                <a:spcPts val="700"/>
+              </a:spcBef>
+              <a:buFont typeface="Arial" panose="020B0604020202020204" pitchFamily="34" charset="0"/>
+              <a:buChar char="•"/>
+            </a:pPr>
+            <a:r>
+              <a:rPr lang="en-US" dirty="0">
+                <a:solidFill>
+                  <a:schemeClr val="tx1"/>
+                </a:solidFill>
+              </a:rPr>
+              <a:t>IPFS Storage</a:t>
+            </a:r>
+            <a:endParaRPr lang="en-US" dirty="0">
+              <a:solidFill>
+                <a:schemeClr val="tx1"/>
+              </a:solidFill>
+            </a:endParaRPr>
+          </a:p>
+          <a:p>
+            <a:pPr marL="171450" lvl="0" indent="-171450" fontAlgn="auto">
+              <a:lnSpc>
+                <a:spcPct val="200000"/>
+              </a:lnSpc>
+              <a:spcBef>
+                <a:spcPts val="700"/>
+              </a:spcBef>
+              <a:buFont typeface="Arial" panose="020B0604020202020204" pitchFamily="34" charset="0"/>
+              <a:buChar char="•"/>
+            </a:pPr>
+            <a:r>
+              <a:rPr lang="en-US" dirty="0"/>
+              <a:t>Dive into Proxy</a:t>
+            </a:r>
+            <a:endParaRPr lang="en-US" dirty="0"/>
+          </a:p>
+        </p:txBody>
+      </p:sp>
+      <p:sp>
+        <p:nvSpPr>
+          <p:cNvPr id="6" name="TextBox 6"/>
+          <p:cNvSpPr txBox="1"/>
+          <p:nvPr/>
+        </p:nvSpPr>
+        <p:spPr>
+          <a:xfrm>
+            <a:off x="25183" y="6636420"/>
+            <a:ext cx="3270445" cy="184664"/>
+          </a:xfrm>
+          <a:prstGeom prst="rect">
+            <a:avLst/>
+          </a:prstGeom>
+          <a:ln w="12700">
+            <a:miter lim="400000"/>
+          </a:ln>
+        </p:spPr>
+        <p:txBody>
+          <a:bodyPr wrap="none" lIns="34289" tIns="34289" rIns="34289" bIns="34289">
+            <a:spAutoFit/>
+          </a:bodyPr>
+          <a:lstStyle>
+            <a:lvl1pPr defTabSz="914400">
+              <a:defRPr sz="1000">
+                <a:solidFill>
+                  <a:srgbClr val="FFFFFF"/>
+                </a:solidFill>
+                <a:latin typeface="Montserrat"/>
+                <a:ea typeface="Montserrat"/>
+                <a:cs typeface="Montserrat"/>
+                <a:sym typeface="Montserrat"/>
+              </a:defRPr>
+            </a:lvl1pPr>
+          </a:lstStyle>
+          <a:p>
+            <a:r>
+              <a:rPr lang="en-US" sz="750" dirty="0">
+                <a:solidFill>
+                  <a:schemeClr val="tx1"/>
+                </a:solidFill>
+                <a:latin typeface="Montserrat" panose="00000500000000000000" pitchFamily="2" charset="0"/>
+              </a:rPr>
+              <a:t>© 2017-2020    SmartMesh Foundation Pte. Ltd.  |  MeshBox Foundation Pte. Ltd.</a:t>
+            </a:r>
+            <a:endParaRPr lang="en-US" sz="750" dirty="0">
+              <a:solidFill>
+                <a:schemeClr val="tx1"/>
+              </a:solidFill>
+              <a:latin typeface="Montserrat" panose="00000500000000000000" pitchFamily="2" charset="0"/>
+              <a:sym typeface="Arial" panose="020B0604020202020204"/>
+            </a:endParaRPr>
+          </a:p>
+        </p:txBody>
+      </p:sp>
+      <p:sp>
+        <p:nvSpPr>
+          <p:cNvPr id="7" name="TextBox 6"/>
+          <p:cNvSpPr txBox="1">
+            <a:spLocks noChangeArrowheads="1"/>
+          </p:cNvSpPr>
+          <p:nvPr/>
+        </p:nvSpPr>
+        <p:spPr bwMode="auto">
+          <a:xfrm>
+            <a:off x="7872314" y="6569155"/>
+            <a:ext cx="1289447" cy="253916"/>
+          </a:xfrm>
+          <a:prstGeom prst="rect">
+            <a:avLst/>
+          </a:prstGeom>
+          <a:noFill/>
+          <a:ln w="9525">
+            <a:noFill/>
+            <a:miter lim="800000"/>
+          </a:ln>
+        </p:spPr>
+        <p:txBody>
+          <a:bodyPr>
+            <a:spAutoFit/>
+          </a:bodyPr>
+          <a:lstStyle/>
+          <a:p>
+            <a:pPr algn="r"/>
+            <a:fld id="{6F888031-CE6A-4173-BB2B-520974F34056}" type="slidenum">
+              <a:rPr lang="en-GB" sz="1050">
+                <a:latin typeface="Calibri" panose="020F0502020204030204" pitchFamily="34" charset="0"/>
+              </a:rPr>
+            </a:fld>
+            <a:endParaRPr lang="en-GB" sz="1050" dirty="0">
+              <a:latin typeface="Calibri" panose="020F0502020204030204" pitchFamily="34" charset="0"/>
+            </a:endParaRPr>
+          </a:p>
+        </p:txBody>
+      </p:sp>
+    </p:spTree>
+  </p:cSld>
+  <p:clrMapOvr>
+    <a:masterClrMapping/>
+  </p:clrMapOvr>
+  <p:transition spd="med">
+    <p:fade/>
+  </p:transition>
+</p:sld>
+</file>
+
+<file path=ppt/slides/slide20.xml><?xml version="1.0" encoding="utf-8"?>
+<p:sld xmlns:a="http://schemas.openxmlformats.org/drawingml/2006/main" xmlns:r="http://schemas.openxmlformats.org/officeDocument/2006/relationships" xmlns:p="http://schemas.openxmlformats.org/presentationml/2006/main">
+  <p:cSld>
+    <p:spTree>
+      <p:nvGrpSpPr>
+        <p:cNvPr id="1" name=""/>
+        <p:cNvGrpSpPr/>
+        <p:nvPr/>
+      </p:nvGrpSpPr>
+      <p:grpSpPr>
+        <a:xfrm>
+          <a:off x="0" y="0"/>
+          <a:ext cx="0" cy="0"/>
+          <a:chOff x="0" y="0"/>
+          <a:chExt cx="0" cy="0"/>
+        </a:xfrm>
+      </p:grpSpPr>
+      <p:sp>
+        <p:nvSpPr>
+          <p:cNvPr id="2" name="Title 1"/>
+          <p:cNvSpPr>
+            <a:spLocks noGrp="1"/>
+          </p:cNvSpPr>
+          <p:nvPr>
+            <p:ph type="title"/>
+          </p:nvPr>
+        </p:nvSpPr>
+        <p:spPr>
+          <a:xfrm>
+            <a:off x="628650" y="155263"/>
+            <a:ext cx="7886700" cy="526790"/>
+          </a:xfrm>
+        </p:spPr>
+        <p:txBody>
+          <a:bodyPr>
+            <a:normAutofit fontScale="90000"/>
+          </a:bodyPr>
+          <a:lstStyle/>
+          <a:p>
+            <a:pPr algn="ctr"/>
+            <a:r>
+              <a:rPr lang="en-US" sz="3200" b="1" dirty="0">
+                <a:latin typeface="Calibri" panose="020F0502020204030204" pitchFamily="34" charset="0"/>
+                <a:cs typeface="Calibri" panose="020F0502020204030204" pitchFamily="34" charset="0"/>
+              </a:rPr>
+              <a:t>Code Demo</a:t>
+            </a:r>
+            <a:endParaRPr lang="en-US" sz="3200" b="1" dirty="0">
+              <a:latin typeface="Calibri" panose="020F0502020204030204" pitchFamily="34" charset="0"/>
+              <a:cs typeface="Calibri" panose="020F0502020204030204" pitchFamily="34" charset="0"/>
+            </a:endParaRPr>
+          </a:p>
+        </p:txBody>
+      </p:sp>
+      <p:sp>
+        <p:nvSpPr>
+          <p:cNvPr id="3" name="Content Placeholder 2"/>
+          <p:cNvSpPr>
+            <a:spLocks noGrp="1"/>
+          </p:cNvSpPr>
+          <p:nvPr>
+            <p:ph idx="1"/>
+          </p:nvPr>
+        </p:nvSpPr>
+        <p:spPr>
+          <a:xfrm>
+            <a:off x="628650" y="989044"/>
+            <a:ext cx="7886700" cy="5605719"/>
+          </a:xfrm>
+        </p:spPr>
+        <p:txBody>
+          <a:bodyPr>
+            <a:normAutofit lnSpcReduction="10000"/>
+          </a:bodyPr>
+          <a:lstStyle/>
+          <a:p>
+            <a:pPr marL="228600" lvl="0" indent="-228600" defTabSz="342900">
+              <a:lnSpc>
+                <a:spcPct val="120000"/>
+              </a:lnSpc>
+              <a:buFont typeface="Arial" panose="020B0604020202020204" pitchFamily="34" charset="0"/>
+              <a:buChar char="•"/>
+            </a:pPr>
+            <a:r>
+              <a:rPr lang="en-US" altLang="en-US" sz="1540" dirty="0">
+                <a:solidFill>
+                  <a:srgbClr val="262626"/>
+                </a:solidFill>
+              </a:rPr>
+              <a:t>Upgrade StoreFactory from depolymini to depoly and add Proxy admin</a:t>
+            </a:r>
+            <a:endParaRPr lang="en-US" altLang="en-US" sz="1540" dirty="0">
+              <a:solidFill>
+                <a:srgbClr val="262626"/>
+              </a:solidFill>
+            </a:endParaRPr>
+          </a:p>
+        </p:txBody>
+      </p:sp>
+    </p:spTree>
+  </p:cSld>
+  <p:clrMapOvr>
+    <a:masterClrMapping/>
+  </p:clrMapOvr>
+</p:sld>
+</file>
+
+<file path=ppt/slides/slide21.xml><?xml version="1.0" encoding="utf-8"?>
+<p:sld xmlns:a="http://schemas.openxmlformats.org/drawingml/2006/main" xmlns:r="http://schemas.openxmlformats.org/officeDocument/2006/relationships" xmlns:p="http://schemas.openxmlformats.org/presentationml/2006/main">
+  <p:cSld>
+    <p:spTree>
+      <p:nvGrpSpPr>
+        <p:cNvPr id="1" name=""/>
+        <p:cNvGrpSpPr/>
+        <p:nvPr/>
+      </p:nvGrpSpPr>
+      <p:grpSpPr>
+        <a:xfrm>
+          <a:off x="0" y="0"/>
+          <a:ext cx="0" cy="0"/>
+          <a:chOff x="0" y="0"/>
+          <a:chExt cx="0" cy="0"/>
+        </a:xfrm>
+      </p:grpSpPr>
+      <p:sp>
+        <p:nvSpPr>
+          <p:cNvPr id="2" name="Title 1"/>
+          <p:cNvSpPr>
+            <a:spLocks noGrp="1"/>
+          </p:cNvSpPr>
+          <p:nvPr>
+            <p:ph type="title"/>
+          </p:nvPr>
+        </p:nvSpPr>
+        <p:spPr>
+          <a:xfrm>
+            <a:off x="628650" y="155263"/>
+            <a:ext cx="7886700" cy="526790"/>
+          </a:xfrm>
+        </p:spPr>
+        <p:txBody>
+          <a:bodyPr>
+            <a:normAutofit fontScale="90000"/>
+          </a:bodyPr>
+          <a:lstStyle/>
+          <a:p>
+            <a:pPr algn="ctr"/>
+            <a:r>
+              <a:rPr lang="en-US" sz="3200" b="1" dirty="0">
+                <a:latin typeface="Calibri" panose="020F0502020204030204" pitchFamily="34" charset="0"/>
+                <a:cs typeface="Calibri" panose="020F0502020204030204" pitchFamily="34" charset="0"/>
+              </a:rPr>
+              <a:t>Web3js</a:t>
+            </a:r>
+            <a:endParaRPr lang="en-US" sz="3200" b="1" dirty="0">
+              <a:latin typeface="Calibri" panose="020F0502020204030204" pitchFamily="34" charset="0"/>
+              <a:cs typeface="Calibri" panose="020F0502020204030204" pitchFamily="34" charset="0"/>
+            </a:endParaRPr>
+          </a:p>
+        </p:txBody>
+      </p:sp>
+      <p:sp>
+        <p:nvSpPr>
+          <p:cNvPr id="3" name="Content Placeholder 2"/>
+          <p:cNvSpPr>
+            <a:spLocks noGrp="1"/>
+          </p:cNvSpPr>
+          <p:nvPr>
+            <p:ph idx="1"/>
+          </p:nvPr>
+        </p:nvSpPr>
+        <p:spPr>
+          <a:xfrm>
+            <a:off x="628650" y="989044"/>
+            <a:ext cx="7886700" cy="5605719"/>
+          </a:xfrm>
+        </p:spPr>
+        <p:txBody>
+          <a:bodyPr>
+            <a:normAutofit/>
+          </a:bodyPr>
+          <a:lstStyle/>
+          <a:p>
+            <a:pPr defTabSz="342900">
+              <a:lnSpc>
+                <a:spcPct val="120000"/>
+              </a:lnSpc>
+            </a:pPr>
+            <a:r>
+              <a:rPr lang="en-US" altLang="zh-CN" sz="1540" dirty="0">
+                <a:solidFill>
+                  <a:srgbClr val="262626"/>
+                </a:solidFill>
+              </a:rPr>
+              <a:t>1 change class to functional component</a:t>
+            </a:r>
+            <a:endParaRPr lang="en-US" altLang="zh-CN" sz="1540" dirty="0">
+              <a:solidFill>
+                <a:srgbClr val="262626"/>
+              </a:solidFill>
+            </a:endParaRPr>
+          </a:p>
+          <a:p>
+            <a:pPr defTabSz="342900">
+              <a:lnSpc>
+                <a:spcPct val="120000"/>
+              </a:lnSpc>
+            </a:pPr>
+            <a:r>
+              <a:rPr lang="en-US" altLang="zh-CN" sz="1540" dirty="0">
+                <a:solidFill>
+                  <a:srgbClr val="262626"/>
+                </a:solidFill>
+              </a:rPr>
+              <a:t>2 add context </a:t>
+            </a:r>
+            <a:endParaRPr lang="en-US" altLang="zh-CN" sz="1540" dirty="0">
+              <a:solidFill>
+                <a:srgbClr val="262626"/>
+              </a:solidFill>
+            </a:endParaRPr>
+          </a:p>
+          <a:p>
+            <a:pPr defTabSz="342900">
+              <a:lnSpc>
+                <a:spcPct val="120000"/>
+              </a:lnSpc>
+            </a:pPr>
+            <a:endParaRPr lang="en-US" altLang="zh-CN" sz="1540" dirty="0">
+              <a:solidFill>
+                <a:srgbClr val="262626"/>
+              </a:solidFill>
+            </a:endParaRPr>
+          </a:p>
+          <a:p>
+            <a:pPr defTabSz="342900">
+              <a:lnSpc>
+                <a:spcPct val="120000"/>
+              </a:lnSpc>
+            </a:pPr>
+            <a:endParaRPr lang="en-US" altLang="zh-CN" sz="1540" dirty="0">
+              <a:solidFill>
+                <a:srgbClr val="262626"/>
+              </a:solidFill>
+            </a:endParaRPr>
+          </a:p>
+        </p:txBody>
+      </p:sp>
+    </p:spTree>
+  </p:cSld>
+  <p:clrMapOvr>
+    <a:masterClrMapping/>
+  </p:clrMapOvr>
+</p:sld>
+</file>
+
+<file path=ppt/slides/slide22.xml><?xml version="1.0" encoding="utf-8"?>
+<p:sld xmlns:a="http://schemas.openxmlformats.org/drawingml/2006/main" xmlns:r="http://schemas.openxmlformats.org/officeDocument/2006/relationships" xmlns:p="http://schemas.openxmlformats.org/presentationml/2006/main">
+  <p:cSld>
+    <p:spTree>
+      <p:nvGrpSpPr>
+        <p:cNvPr id="1" name=""/>
+        <p:cNvGrpSpPr/>
+        <p:nvPr/>
+      </p:nvGrpSpPr>
+      <p:grpSpPr>
+        <a:xfrm>
+          <a:off x="0" y="0"/>
+          <a:ext cx="0" cy="0"/>
+          <a:chOff x="0" y="0"/>
+          <a:chExt cx="0" cy="0"/>
+        </a:xfrm>
+      </p:grpSpPr>
+      <p:sp>
+        <p:nvSpPr>
+          <p:cNvPr id="2" name="Title 1"/>
+          <p:cNvSpPr>
+            <a:spLocks noGrp="1"/>
+          </p:cNvSpPr>
+          <p:nvPr>
+            <p:ph type="title"/>
+          </p:nvPr>
+        </p:nvSpPr>
+        <p:spPr>
+          <a:xfrm>
+            <a:off x="628650" y="155263"/>
+            <a:ext cx="7886700" cy="526790"/>
+          </a:xfrm>
+        </p:spPr>
+        <p:txBody>
+          <a:bodyPr>
+            <a:normAutofit fontScale="90000"/>
+          </a:bodyPr>
+          <a:lstStyle/>
+          <a:p>
+            <a:pPr algn="ctr"/>
+            <a:r>
+              <a:rPr lang="en-US" sz="3200" b="1" dirty="0">
+                <a:latin typeface="Calibri" panose="020F0502020204030204" pitchFamily="34" charset="0"/>
+                <a:cs typeface="Calibri" panose="020F0502020204030204" pitchFamily="34" charset="0"/>
+              </a:rPr>
+              <a:t>Web3js</a:t>
+            </a:r>
+            <a:endParaRPr lang="en-US" sz="3200" b="1" dirty="0">
+              <a:latin typeface="Calibri" panose="020F0502020204030204" pitchFamily="34" charset="0"/>
+              <a:cs typeface="Calibri" panose="020F0502020204030204" pitchFamily="34" charset="0"/>
+            </a:endParaRPr>
+          </a:p>
+        </p:txBody>
+      </p:sp>
+      <p:sp>
+        <p:nvSpPr>
+          <p:cNvPr id="3" name="Content Placeholder 2"/>
+          <p:cNvSpPr>
+            <a:spLocks noGrp="1"/>
+          </p:cNvSpPr>
+          <p:nvPr>
+            <p:ph idx="1"/>
+          </p:nvPr>
+        </p:nvSpPr>
+        <p:spPr>
+          <a:xfrm>
+            <a:off x="628650" y="989044"/>
+            <a:ext cx="7886700" cy="5605719"/>
+          </a:xfrm>
+        </p:spPr>
+        <p:txBody>
+          <a:bodyPr>
+            <a:normAutofit/>
+          </a:bodyPr>
+          <a:lstStyle/>
+          <a:p>
+            <a:pPr defTabSz="342900">
+              <a:lnSpc>
+                <a:spcPct val="120000"/>
+              </a:lnSpc>
+            </a:pPr>
+            <a:r>
+              <a:rPr lang="en-US" altLang="zh-CN" sz="1540" dirty="0">
+                <a:solidFill>
+                  <a:srgbClr val="262626"/>
+                </a:solidFill>
+              </a:rPr>
+              <a:t>1 change class to functional component</a:t>
+            </a:r>
+            <a:endParaRPr lang="en-US" altLang="zh-CN" sz="1540" dirty="0">
+              <a:solidFill>
+                <a:srgbClr val="262626"/>
+              </a:solidFill>
+            </a:endParaRPr>
+          </a:p>
+          <a:p>
+            <a:pPr defTabSz="342900">
+              <a:lnSpc>
+                <a:spcPct val="120000"/>
+              </a:lnSpc>
+            </a:pPr>
+            <a:r>
+              <a:rPr lang="en-US" altLang="zh-CN" sz="1540" dirty="0">
+                <a:solidFill>
+                  <a:srgbClr val="262626"/>
+                </a:solidFill>
+              </a:rPr>
+              <a:t>2 add context </a:t>
+            </a:r>
+            <a:endParaRPr lang="en-US" altLang="zh-CN" sz="1540" dirty="0">
+              <a:solidFill>
+                <a:srgbClr val="262626"/>
+              </a:solidFill>
+            </a:endParaRPr>
+          </a:p>
+          <a:p>
+            <a:pPr defTabSz="342900">
+              <a:lnSpc>
+                <a:spcPct val="120000"/>
+              </a:lnSpc>
+            </a:pPr>
+            <a:endParaRPr lang="en-US" altLang="zh-CN" sz="1540" dirty="0">
+              <a:solidFill>
+                <a:srgbClr val="262626"/>
+              </a:solidFill>
+            </a:endParaRPr>
+          </a:p>
+          <a:p>
+            <a:pPr defTabSz="342900">
+              <a:lnSpc>
+                <a:spcPct val="120000"/>
+              </a:lnSpc>
+            </a:pPr>
+            <a:endParaRPr lang="en-US" altLang="zh-CN" sz="1540" dirty="0">
+              <a:solidFill>
+                <a:srgbClr val="262626"/>
+              </a:solidFill>
+            </a:endParaRPr>
+          </a:p>
+        </p:txBody>
+      </p:sp>
+    </p:spTree>
+  </p:cSld>
+  <p:clrMapOvr>
+    <a:masterClrMapping/>
+  </p:clrMapOvr>
+</p:sld>
+</file>
+
+<file path=ppt/slides/slide3.xml><?xml version="1.0" encoding="utf-8"?>
+<p:sld xmlns:a="http://schemas.openxmlformats.org/drawingml/2006/main" xmlns:r="http://schemas.openxmlformats.org/officeDocument/2006/relationships" xmlns:p="http://schemas.openxmlformats.org/presentationml/2006/main">
+  <p:cSld>
+    <p:spTree>
+      <p:nvGrpSpPr>
+        <p:cNvPr id="1" name=""/>
+        <p:cNvGrpSpPr/>
+        <p:nvPr/>
+      </p:nvGrpSpPr>
+      <p:grpSpPr>
+        <a:xfrm>
+          <a:off x="0" y="0"/>
+          <a:ext cx="0" cy="0"/>
+          <a:chOff x="0" y="0"/>
+          <a:chExt cx="0" cy="0"/>
+        </a:xfrm>
+      </p:grpSpPr>
+      <p:sp>
+        <p:nvSpPr>
+          <p:cNvPr id="2" name="Title 1"/>
+          <p:cNvSpPr>
+            <a:spLocks noGrp="1"/>
+          </p:cNvSpPr>
+          <p:nvPr>
+            <p:ph type="title"/>
+          </p:nvPr>
+        </p:nvSpPr>
+        <p:spPr>
+          <a:xfrm>
+            <a:off x="628650" y="155263"/>
+            <a:ext cx="7886700" cy="526790"/>
+          </a:xfrm>
+        </p:spPr>
+        <p:txBody>
+          <a:bodyPr>
+            <a:normAutofit fontScale="90000"/>
+          </a:bodyPr>
+          <a:lstStyle/>
+          <a:p>
+            <a:pPr algn="ctr"/>
+            <a:r>
+              <a:rPr lang="en-US" sz="3200" b="1" dirty="0">
+                <a:latin typeface="Calibri" panose="020F0502020204030204" pitchFamily="34" charset="0"/>
+                <a:cs typeface="Calibri" panose="020F0502020204030204" pitchFamily="34" charset="0"/>
+              </a:rPr>
+              <a:t>React Router Design</a:t>
+            </a:r>
+            <a:endParaRPr lang="en-US" sz="3200" b="1" dirty="0">
+              <a:latin typeface="Calibri" panose="020F0502020204030204" pitchFamily="34" charset="0"/>
+              <a:cs typeface="Calibri" panose="020F0502020204030204" pitchFamily="34" charset="0"/>
+            </a:endParaRPr>
+          </a:p>
+        </p:txBody>
+      </p:sp>
+      <p:sp>
+        <p:nvSpPr>
+          <p:cNvPr id="3" name="Content Placeholder 2"/>
+          <p:cNvSpPr>
+            <a:spLocks noGrp="1"/>
+          </p:cNvSpPr>
+          <p:nvPr>
+            <p:ph idx="1"/>
+          </p:nvPr>
+        </p:nvSpPr>
+        <p:spPr>
+          <a:xfrm>
+            <a:off x="628650" y="989044"/>
+            <a:ext cx="7886700" cy="5605719"/>
+          </a:xfrm>
+        </p:spPr>
+        <p:txBody>
+          <a:bodyPr>
+            <a:normAutofit/>
+          </a:bodyPr>
+          <a:lstStyle/>
+          <a:p>
+            <a:pPr marL="228600" lvl="0" indent="-228600" defTabSz="342900">
+              <a:lnSpc>
+                <a:spcPct val="120000"/>
+              </a:lnSpc>
+              <a:buFont typeface="Arial" panose="020B0604020202020204" pitchFamily="34" charset="0"/>
+              <a:buChar char="•"/>
+            </a:pPr>
+            <a:r>
+              <a:rPr lang="en-US" altLang="en-US" sz="1800" dirty="0">
+                <a:solidFill>
+                  <a:srgbClr val="262626"/>
+                </a:solidFill>
+              </a:rPr>
+              <a:t>Logic:</a:t>
+            </a:r>
+            <a:endParaRPr lang="en-US" altLang="en-US" sz="1800" dirty="0">
+              <a:solidFill>
+                <a:srgbClr val="262626"/>
+              </a:solidFill>
+            </a:endParaRPr>
+          </a:p>
+          <a:p>
+            <a:pPr marL="228600" lvl="0" indent="-228600" defTabSz="342900">
+              <a:lnSpc>
+                <a:spcPct val="120000"/>
+              </a:lnSpc>
+              <a:buFont typeface="Arial" panose="020B0604020202020204" pitchFamily="34" charset="0"/>
+              <a:buChar char="•"/>
+            </a:pPr>
+            <a:r>
+              <a:rPr lang="en-US" altLang="en-US" sz="1800" dirty="0">
+                <a:solidFill>
+                  <a:srgbClr val="262626"/>
+                </a:solidFill>
+              </a:rPr>
+              <a:t>if not loggedin =&gt; goes to login page</a:t>
+            </a:r>
+            <a:endParaRPr lang="en-US" altLang="en-US" sz="1800" dirty="0">
+              <a:solidFill>
+                <a:srgbClr val="262626"/>
+              </a:solidFill>
+            </a:endParaRPr>
+          </a:p>
+          <a:p>
+            <a:pPr marL="228600" lvl="0" indent="-228600" defTabSz="342900">
+              <a:lnSpc>
+                <a:spcPct val="120000"/>
+              </a:lnSpc>
+              <a:buFont typeface="Arial" panose="020B0604020202020204" pitchFamily="34" charset="0"/>
+              <a:buChar char="•"/>
+            </a:pPr>
+            <a:r>
+              <a:rPr lang="en-US" altLang="zh-CN" sz="1800" dirty="0">
+                <a:solidFill>
+                  <a:srgbClr val="262626"/>
+                </a:solidFill>
+              </a:rPr>
+              <a:t>other wise =&gt; dashboard</a:t>
+            </a:r>
+            <a:endParaRPr lang="en-US" altLang="zh-CN" sz="1800" dirty="0">
+              <a:solidFill>
+                <a:srgbClr val="262626"/>
+              </a:solidFill>
+            </a:endParaRPr>
+          </a:p>
+          <a:p>
+            <a:pPr marL="685800" lvl="1" indent="-228600" defTabSz="342900">
+              <a:lnSpc>
+                <a:spcPct val="120000"/>
+              </a:lnSpc>
+              <a:buFont typeface="Arial" panose="020B0604020202020204" pitchFamily="34" charset="0"/>
+              <a:buChar char="•"/>
+            </a:pPr>
+            <a:r>
+              <a:rPr lang="en-US" altLang="zh-CN" sz="1800" dirty="0">
+                <a:solidFill>
+                  <a:srgbClr val="262626"/>
+                </a:solidFill>
+              </a:rPr>
+              <a:t>swith subpages (define switch for the first level router) example App</a:t>
+            </a:r>
+            <a:endParaRPr lang="en-US" altLang="zh-CN" sz="1800" dirty="0">
+              <a:solidFill>
+                <a:srgbClr val="262626"/>
+              </a:solidFill>
+            </a:endParaRPr>
+          </a:p>
+          <a:p>
+            <a:pPr marL="1143000" lvl="2" indent="-228600" defTabSz="342900">
+              <a:lnSpc>
+                <a:spcPct val="120000"/>
+              </a:lnSpc>
+              <a:buFont typeface="Arial" panose="020B0604020202020204" pitchFamily="34" charset="0"/>
+              <a:buChar char="•"/>
+            </a:pPr>
+            <a:r>
+              <a:rPr lang="en-US" altLang="zh-CN" sz="1800" dirty="0">
+                <a:solidFill>
+                  <a:srgbClr val="262626"/>
+                </a:solidFill>
+              </a:rPr>
+              <a:t>secondary subpages </a:t>
+            </a:r>
+            <a:r>
+              <a:rPr lang="en-US" altLang="zh-CN" sz="1800" dirty="0">
+                <a:solidFill>
+                  <a:srgbClr val="262626"/>
+                </a:solidFill>
+                <a:sym typeface="+mn-ea"/>
+              </a:rPr>
+              <a:t>(define switch for the second level router)</a:t>
+            </a:r>
+            <a:endParaRPr lang="en-US" altLang="zh-CN" sz="1800" dirty="0">
+              <a:solidFill>
+                <a:srgbClr val="262626"/>
+              </a:solidFill>
+              <a:sym typeface="+mn-ea"/>
+            </a:endParaRPr>
+          </a:p>
+          <a:p>
+            <a:pPr marL="1143000" lvl="2" indent="-228600" defTabSz="342900">
+              <a:lnSpc>
+                <a:spcPct val="120000"/>
+              </a:lnSpc>
+              <a:buFont typeface="Arial" panose="020B0604020202020204" pitchFamily="34" charset="0"/>
+              <a:buChar char="•"/>
+            </a:pPr>
+            <a:r>
+              <a:rPr lang="en-US" altLang="zh-CN" sz="1800" dirty="0">
+                <a:solidFill>
+                  <a:srgbClr val="262626"/>
+                </a:solidFill>
+              </a:rPr>
+              <a:t>example contract</a:t>
+            </a:r>
+            <a:endParaRPr lang="en-US" altLang="zh-CN" sz="1800" dirty="0">
+              <a:solidFill>
+                <a:srgbClr val="262626"/>
+              </a:solidFill>
+            </a:endParaRPr>
+          </a:p>
+          <a:p>
+            <a:pPr marL="1143000" lvl="2" indent="-228600" defTabSz="342900">
+              <a:lnSpc>
+                <a:spcPct val="120000"/>
+              </a:lnSpc>
+              <a:buFont typeface="Arial" panose="020B0604020202020204" pitchFamily="34" charset="0"/>
+              <a:buChar char="•"/>
+            </a:pPr>
+            <a:endParaRPr lang="en-US" altLang="zh-CN" sz="1800" dirty="0">
+              <a:solidFill>
+                <a:srgbClr val="262626"/>
+              </a:solidFill>
+            </a:endParaRPr>
+          </a:p>
+          <a:p>
+            <a:pPr marL="228600" lvl="0" indent="-228600" defTabSz="342900">
+              <a:lnSpc>
+                <a:spcPct val="120000"/>
+              </a:lnSpc>
+              <a:buFont typeface="Arial" panose="020B0604020202020204" pitchFamily="34" charset="0"/>
+              <a:buChar char="•"/>
+            </a:pPr>
+            <a:r>
+              <a:rPr lang="en-US" altLang="zh-CN" sz="1800" dirty="0">
+                <a:solidFill>
+                  <a:srgbClr val="262626"/>
+                </a:solidFill>
+              </a:rPr>
+              <a:t>note: render according to the level</a:t>
+            </a:r>
+            <a:endParaRPr lang="en-US" altLang="zh-CN" sz="1800" dirty="0">
+              <a:solidFill>
+                <a:srgbClr val="262626"/>
+              </a:solidFill>
+            </a:endParaRPr>
+          </a:p>
+        </p:txBody>
+      </p:sp>
+    </p:spTree>
+  </p:cSld>
+  <p:clrMapOvr>
+    <a:masterClrMapping/>
+  </p:clrMapOvr>
+</p:sld>
+</file>
+
+<file path=ppt/slides/slide4.xml><?xml version="1.0" encoding="utf-8"?>
+<p:sld xmlns:a="http://schemas.openxmlformats.org/drawingml/2006/main" xmlns:r="http://schemas.openxmlformats.org/officeDocument/2006/relationships" xmlns:p="http://schemas.openxmlformats.org/presentationml/2006/main">
+  <p:cSld>
+    <p:spTree>
+      <p:nvGrpSpPr>
+        <p:cNvPr id="1" name=""/>
+        <p:cNvGrpSpPr/>
+        <p:nvPr/>
+      </p:nvGrpSpPr>
+      <p:grpSpPr>
+        <a:xfrm>
+          <a:off x="0" y="0"/>
+          <a:ext cx="0" cy="0"/>
+          <a:chOff x="0" y="0"/>
+          <a:chExt cx="0" cy="0"/>
+        </a:xfrm>
+      </p:grpSpPr>
+      <p:sp>
+        <p:nvSpPr>
+          <p:cNvPr id="2" name="Title 1"/>
+          <p:cNvSpPr>
+            <a:spLocks noGrp="1"/>
+          </p:cNvSpPr>
+          <p:nvPr>
+            <p:ph type="title"/>
+          </p:nvPr>
+        </p:nvSpPr>
+        <p:spPr>
+          <a:xfrm>
+            <a:off x="628650" y="155263"/>
+            <a:ext cx="7886700" cy="526790"/>
+          </a:xfrm>
+        </p:spPr>
+        <p:txBody>
+          <a:bodyPr>
+            <a:normAutofit fontScale="90000"/>
+          </a:bodyPr>
+          <a:lstStyle/>
+          <a:p>
+            <a:pPr algn="ctr"/>
+            <a:r>
+              <a:rPr lang="en-US" sz="3200" b="1" dirty="0">
+                <a:latin typeface="Calibri" panose="020F0502020204030204" pitchFamily="34" charset="0"/>
+                <a:cs typeface="Calibri" panose="020F0502020204030204" pitchFamily="34" charset="0"/>
+              </a:rPr>
+              <a:t>React Router Design</a:t>
+            </a:r>
+            <a:endParaRPr lang="en-US" sz="3200" b="1" dirty="0">
+              <a:latin typeface="Calibri" panose="020F0502020204030204" pitchFamily="34" charset="0"/>
+              <a:cs typeface="Calibri" panose="020F0502020204030204" pitchFamily="34" charset="0"/>
+            </a:endParaRPr>
+          </a:p>
+        </p:txBody>
+      </p:sp>
+      <p:sp>
+        <p:nvSpPr>
+          <p:cNvPr id="3" name="Content Placeholder 2"/>
+          <p:cNvSpPr>
+            <a:spLocks noGrp="1"/>
+          </p:cNvSpPr>
+          <p:nvPr>
+            <p:ph idx="1"/>
+          </p:nvPr>
+        </p:nvSpPr>
+        <p:spPr>
+          <a:xfrm>
+            <a:off x="628650" y="989044"/>
+            <a:ext cx="7886700" cy="5605719"/>
+          </a:xfrm>
+        </p:spPr>
+        <p:txBody>
+          <a:bodyPr>
+            <a:normAutofit/>
+          </a:bodyPr>
+          <a:lstStyle/>
+          <a:p>
+            <a:pPr marL="228600" lvl="0" indent="-228600" defTabSz="342900">
+              <a:lnSpc>
+                <a:spcPct val="120000"/>
+              </a:lnSpc>
+              <a:buFont typeface="Arial" panose="020B0604020202020204" pitchFamily="34" charset="0"/>
+              <a:buChar char="•"/>
+            </a:pPr>
+            <a:endParaRPr lang="en-US" altLang="zh-CN" sz="1800" dirty="0">
+              <a:solidFill>
+                <a:srgbClr val="262626"/>
+              </a:solidFill>
+            </a:endParaRPr>
+          </a:p>
+        </p:txBody>
+      </p:sp>
+      <p:pic>
+        <p:nvPicPr>
+          <p:cNvPr id="6" name="图片 5"/>
+          <p:cNvPicPr>
+            <a:picLocks noChangeAspect="1"/>
+          </p:cNvPicPr>
+          <p:nvPr/>
+        </p:nvPicPr>
+        <p:blipFill>
+          <a:blip r:embed="rId1"/>
+          <a:stretch>
+            <a:fillRect/>
+          </a:stretch>
+        </p:blipFill>
+        <p:spPr>
+          <a:xfrm>
+            <a:off x="628650" y="989330"/>
+            <a:ext cx="7335520" cy="5621655"/>
+          </a:xfrm>
+          <a:prstGeom prst="rect">
+            <a:avLst/>
+          </a:prstGeom>
+        </p:spPr>
+      </p:pic>
+    </p:spTree>
+  </p:cSld>
+  <p:clrMapOvr>
+    <a:masterClrMapping/>
+  </p:clrMapOvr>
+</p:sld>
+</file>
+
+<file path=ppt/slides/slide5.xml><?xml version="1.0" encoding="utf-8"?>
+<p:sld xmlns:a="http://schemas.openxmlformats.org/drawingml/2006/main" xmlns:r="http://schemas.openxmlformats.org/officeDocument/2006/relationships" xmlns:p="http://schemas.openxmlformats.org/presentationml/2006/main">
+  <p:cSld>
+    <p:spTree>
+      <p:nvGrpSpPr>
+        <p:cNvPr id="1" name=""/>
+        <p:cNvGrpSpPr/>
+        <p:nvPr/>
+      </p:nvGrpSpPr>
+      <p:grpSpPr>
+        <a:xfrm>
+          <a:off x="0" y="0"/>
+          <a:ext cx="0" cy="0"/>
+          <a:chOff x="0" y="0"/>
+          <a:chExt cx="0" cy="0"/>
+        </a:xfrm>
+      </p:grpSpPr>
+      <p:sp>
+        <p:nvSpPr>
+          <p:cNvPr id="2" name="Title 1"/>
+          <p:cNvSpPr>
+            <a:spLocks noGrp="1"/>
+          </p:cNvSpPr>
+          <p:nvPr>
+            <p:ph type="title"/>
+          </p:nvPr>
+        </p:nvSpPr>
+        <p:spPr>
+          <a:xfrm>
+            <a:off x="628650" y="155263"/>
+            <a:ext cx="7886700" cy="526790"/>
+          </a:xfrm>
+        </p:spPr>
+        <p:txBody>
+          <a:bodyPr>
+            <a:normAutofit fontScale="90000"/>
+          </a:bodyPr>
+          <a:lstStyle/>
+          <a:p>
+            <a:pPr algn="ctr"/>
+            <a:r>
+              <a:rPr lang="en-US" sz="3200" b="1" dirty="0">
+                <a:latin typeface="Calibri" panose="020F0502020204030204" pitchFamily="34" charset="0"/>
+                <a:cs typeface="Calibri" panose="020F0502020204030204" pitchFamily="34" charset="0"/>
+              </a:rPr>
+              <a:t>React Links and History</a:t>
+            </a:r>
+            <a:endParaRPr lang="en-US" sz="3200" b="1" dirty="0">
+              <a:latin typeface="Calibri" panose="020F0502020204030204" pitchFamily="34" charset="0"/>
+              <a:cs typeface="Calibri" panose="020F0502020204030204" pitchFamily="34" charset="0"/>
+            </a:endParaRPr>
+          </a:p>
+        </p:txBody>
+      </p:sp>
+      <p:sp>
+        <p:nvSpPr>
+          <p:cNvPr id="3" name="Content Placeholder 2"/>
+          <p:cNvSpPr>
+            <a:spLocks noGrp="1"/>
+          </p:cNvSpPr>
+          <p:nvPr>
+            <p:ph idx="1"/>
+          </p:nvPr>
+        </p:nvSpPr>
+        <p:spPr>
+          <a:xfrm>
+            <a:off x="628650" y="989044"/>
+            <a:ext cx="7886700" cy="5605719"/>
+          </a:xfrm>
+        </p:spPr>
+        <p:txBody>
+          <a:bodyPr>
+            <a:normAutofit/>
+          </a:bodyPr>
+          <a:lstStyle/>
+          <a:p>
+            <a:pPr marL="228600" lvl="0" indent="-228600" defTabSz="342900">
+              <a:lnSpc>
+                <a:spcPct val="120000"/>
+              </a:lnSpc>
+              <a:buFont typeface="Arial" panose="020B0604020202020204" pitchFamily="34" charset="0"/>
+              <a:buChar char="•"/>
+            </a:pPr>
+            <a:r>
+              <a:rPr lang="en-US" altLang="en-US" sz="1800" dirty="0">
+                <a:solidFill>
+                  <a:srgbClr val="262626"/>
+                </a:solidFill>
+              </a:rPr>
+              <a:t>What is link?</a:t>
+            </a:r>
+            <a:endParaRPr lang="en-US" altLang="en-US" sz="1800" dirty="0">
+              <a:solidFill>
+                <a:srgbClr val="262626"/>
+              </a:solidFill>
+            </a:endParaRPr>
+          </a:p>
+          <a:p>
+            <a:pPr marL="228600" lvl="0" indent="-228600" defTabSz="342900">
+              <a:lnSpc>
+                <a:spcPct val="120000"/>
+              </a:lnSpc>
+              <a:buFont typeface="Arial" panose="020B0604020202020204" pitchFamily="34" charset="0"/>
+              <a:buChar char="•"/>
+            </a:pPr>
+            <a:r>
+              <a:rPr lang="en-US" altLang="en-US" sz="1800" dirty="0">
+                <a:solidFill>
+                  <a:srgbClr val="262626"/>
+                </a:solidFill>
+              </a:rPr>
+              <a:t>Link is the substitution for &lt;a&gt; tag when we implement Router in Reactjs</a:t>
+            </a:r>
+            <a:endParaRPr lang="en-US" altLang="en-US" sz="1800" dirty="0">
+              <a:solidFill>
+                <a:srgbClr val="262626"/>
+              </a:solidFill>
+            </a:endParaRPr>
+          </a:p>
+          <a:p>
+            <a:pPr marL="228600" lvl="0" indent="-228600" defTabSz="342900">
+              <a:lnSpc>
+                <a:spcPct val="120000"/>
+              </a:lnSpc>
+              <a:buFont typeface="Arial" panose="020B0604020202020204" pitchFamily="34" charset="0"/>
+              <a:buChar char="•"/>
+            </a:pPr>
+            <a:r>
+              <a:rPr lang="en-US" altLang="en-US" sz="1800" dirty="0">
+                <a:solidFill>
+                  <a:srgbClr val="262626"/>
+                </a:solidFill>
+              </a:rPr>
+              <a:t>Used in HTML</a:t>
+            </a:r>
+            <a:endParaRPr lang="en-US" altLang="en-US" sz="1800" dirty="0">
+              <a:solidFill>
+                <a:srgbClr val="262626"/>
+              </a:solidFill>
+            </a:endParaRPr>
+          </a:p>
+          <a:p>
+            <a:pPr marL="228600" lvl="0" indent="-228600" defTabSz="342900">
+              <a:lnSpc>
+                <a:spcPct val="120000"/>
+              </a:lnSpc>
+              <a:buFont typeface="Arial" panose="020B0604020202020204" pitchFamily="34" charset="0"/>
+              <a:buChar char="•"/>
+            </a:pPr>
+            <a:endParaRPr lang="en-US" altLang="en-US" sz="1800" dirty="0">
+              <a:solidFill>
+                <a:srgbClr val="262626"/>
+              </a:solidFill>
+            </a:endParaRPr>
+          </a:p>
+          <a:p>
+            <a:pPr marL="228600" lvl="0" indent="-228600" defTabSz="342900">
+              <a:lnSpc>
+                <a:spcPct val="120000"/>
+              </a:lnSpc>
+              <a:buFont typeface="Arial" panose="020B0604020202020204" pitchFamily="34" charset="0"/>
+              <a:buChar char="•"/>
+            </a:pPr>
+            <a:r>
+              <a:rPr lang="en-US" altLang="en-US" sz="1800" dirty="0">
+                <a:solidFill>
+                  <a:srgbClr val="262626"/>
+                </a:solidFill>
+              </a:rPr>
+              <a:t>What is history?</a:t>
+            </a:r>
+            <a:endParaRPr lang="en-US" altLang="en-US" sz="1800" dirty="0">
+              <a:solidFill>
+                <a:srgbClr val="262626"/>
+              </a:solidFill>
+            </a:endParaRPr>
+          </a:p>
+          <a:p>
+            <a:pPr marL="228600" lvl="0" indent="-228600" defTabSz="342900">
+              <a:lnSpc>
+                <a:spcPct val="120000"/>
+              </a:lnSpc>
+              <a:buFont typeface="Arial" panose="020B0604020202020204" pitchFamily="34" charset="0"/>
+              <a:buChar char="•"/>
+            </a:pPr>
+            <a:r>
+              <a:rPr lang="en-US" altLang="en-US" sz="1800" dirty="0">
+                <a:solidFill>
+                  <a:srgbClr val="262626"/>
+                </a:solidFill>
+              </a:rPr>
+              <a:t>Used in function to do</a:t>
+            </a:r>
+            <a:endParaRPr lang="en-US" altLang="en-US" sz="1800" dirty="0">
+              <a:solidFill>
+                <a:srgbClr val="262626"/>
+              </a:solidFill>
+            </a:endParaRPr>
+          </a:p>
+          <a:p>
+            <a:pPr marL="228600" lvl="0" indent="-228600" defTabSz="342900">
+              <a:lnSpc>
+                <a:spcPct val="120000"/>
+              </a:lnSpc>
+              <a:buFont typeface="Arial" panose="020B0604020202020204" pitchFamily="34" charset="0"/>
+              <a:buChar char="•"/>
+            </a:pPr>
+            <a:r>
+              <a:rPr lang="en-US" altLang="en-US" sz="1800" dirty="0">
+                <a:solidFill>
+                  <a:srgbClr val="262626"/>
+                </a:solidFill>
+              </a:rPr>
+              <a:t>redirect</a:t>
+            </a:r>
+            <a:endParaRPr lang="en-US" altLang="en-US" sz="1800" dirty="0">
+              <a:solidFill>
+                <a:srgbClr val="262626"/>
+              </a:solidFill>
+            </a:endParaRPr>
+          </a:p>
+          <a:p>
+            <a:pPr marL="228600" lvl="0" indent="-228600" defTabSz="342900">
+              <a:lnSpc>
+                <a:spcPct val="120000"/>
+              </a:lnSpc>
+              <a:buFont typeface="Arial" panose="020B0604020202020204" pitchFamily="34" charset="0"/>
+              <a:buChar char="•"/>
+            </a:pPr>
+            <a:r>
+              <a:rPr lang="en-US" altLang="en-US" sz="1800" dirty="0">
+                <a:solidFill>
+                  <a:srgbClr val="262626"/>
+                </a:solidFill>
+              </a:rPr>
+              <a:t>go back etc</a:t>
+            </a:r>
+            <a:endParaRPr lang="en-US" altLang="en-US" sz="1800" dirty="0">
+              <a:solidFill>
+                <a:srgbClr val="262626"/>
+              </a:solidFill>
+            </a:endParaRPr>
+          </a:p>
+          <a:p>
+            <a:pPr marL="228600" lvl="0" indent="-228600" defTabSz="342900">
+              <a:lnSpc>
+                <a:spcPct val="120000"/>
+              </a:lnSpc>
+              <a:buFont typeface="Arial" panose="020B0604020202020204" pitchFamily="34" charset="0"/>
+              <a:buChar char="•"/>
+            </a:pPr>
+            <a:endParaRPr lang="en-US" altLang="en-US" sz="1800" dirty="0">
+              <a:solidFill>
+                <a:srgbClr val="262626"/>
+              </a:solidFill>
+            </a:endParaRPr>
+          </a:p>
+        </p:txBody>
+      </p:sp>
+      <p:pic>
+        <p:nvPicPr>
+          <p:cNvPr id="4" name="图片 3"/>
+          <p:cNvPicPr>
+            <a:picLocks noChangeAspect="1"/>
+          </p:cNvPicPr>
+          <p:nvPr/>
+        </p:nvPicPr>
+        <p:blipFill>
+          <a:blip r:embed="rId1"/>
+          <a:stretch>
+            <a:fillRect/>
+          </a:stretch>
+        </p:blipFill>
+        <p:spPr>
+          <a:xfrm>
+            <a:off x="4143375" y="2201545"/>
+            <a:ext cx="4371975" cy="4486275"/>
+          </a:xfrm>
+          <a:prstGeom prst="rect">
+            <a:avLst/>
+          </a:prstGeom>
+        </p:spPr>
+      </p:pic>
+    </p:spTree>
+  </p:cSld>
+  <p:clrMapOvr>
+    <a:masterClrMapping/>
+  </p:clrMapOvr>
+</p:sld>
+</file>
+
+<file path=ppt/slides/slide6.xml><?xml version="1.0" encoding="utf-8"?>
+<p:sld xmlns:a="http://schemas.openxmlformats.org/drawingml/2006/main" xmlns:r="http://schemas.openxmlformats.org/officeDocument/2006/relationships" xmlns:p="http://schemas.openxmlformats.org/presentationml/2006/main">
+  <p:cSld>
+    <p:spTree>
+      <p:nvGrpSpPr>
+        <p:cNvPr id="1" name=""/>
+        <p:cNvGrpSpPr/>
+        <p:nvPr/>
+      </p:nvGrpSpPr>
+      <p:grpSpPr>
+        <a:xfrm>
+          <a:off x="0" y="0"/>
+          <a:ext cx="0" cy="0"/>
+          <a:chOff x="0" y="0"/>
+          <a:chExt cx="0" cy="0"/>
+        </a:xfrm>
+      </p:grpSpPr>
+      <p:sp>
+        <p:nvSpPr>
+          <p:cNvPr id="2" name="Title 1"/>
+          <p:cNvSpPr>
+            <a:spLocks noGrp="1"/>
+          </p:cNvSpPr>
+          <p:nvPr>
+            <p:ph type="title"/>
+          </p:nvPr>
+        </p:nvSpPr>
+        <p:spPr>
+          <a:xfrm>
+            <a:off x="628650" y="155263"/>
+            <a:ext cx="7886700" cy="526790"/>
+          </a:xfrm>
+        </p:spPr>
+        <p:txBody>
+          <a:bodyPr>
+            <a:normAutofit fontScale="90000"/>
+          </a:bodyPr>
+          <a:lstStyle/>
+          <a:p>
+            <a:pPr algn="ctr"/>
+            <a:r>
+              <a:rPr lang="en-US" sz="3200" b="1" dirty="0">
+                <a:latin typeface="Calibri" panose="020F0502020204030204" pitchFamily="34" charset="0"/>
+                <a:cs typeface="Calibri" panose="020F0502020204030204" pitchFamily="34" charset="0"/>
+              </a:rPr>
+              <a:t>React Links and History</a:t>
+            </a:r>
+            <a:endParaRPr lang="en-US" sz="3200" b="1" dirty="0">
+              <a:latin typeface="Calibri" panose="020F0502020204030204" pitchFamily="34" charset="0"/>
+              <a:cs typeface="Calibri" panose="020F0502020204030204" pitchFamily="34" charset="0"/>
+            </a:endParaRPr>
+          </a:p>
+        </p:txBody>
+      </p:sp>
+      <p:sp>
+        <p:nvSpPr>
+          <p:cNvPr id="3" name="Content Placeholder 2"/>
+          <p:cNvSpPr>
+            <a:spLocks noGrp="1"/>
+          </p:cNvSpPr>
+          <p:nvPr>
+            <p:ph idx="1"/>
+          </p:nvPr>
+        </p:nvSpPr>
+        <p:spPr>
+          <a:xfrm>
+            <a:off x="628650" y="989044"/>
+            <a:ext cx="7886700" cy="5605719"/>
+          </a:xfrm>
+        </p:spPr>
+        <p:txBody>
+          <a:bodyPr>
+            <a:normAutofit/>
+          </a:bodyPr>
+          <a:lstStyle/>
+          <a:p>
+            <a:pPr marL="228600" lvl="0" indent="-228600" defTabSz="342900">
+              <a:lnSpc>
+                <a:spcPct val="120000"/>
+              </a:lnSpc>
+              <a:buFont typeface="Arial" panose="020B0604020202020204" pitchFamily="34" charset="0"/>
+              <a:buChar char="•"/>
+            </a:pPr>
+            <a:r>
+              <a:rPr lang="en-US" altLang="en-US" sz="1800" dirty="0">
+                <a:solidFill>
+                  <a:srgbClr val="262626"/>
+                </a:solidFill>
+              </a:rPr>
+              <a:t>How to implement Link</a:t>
+            </a:r>
+            <a:endParaRPr lang="en-US" altLang="en-US" sz="1800" dirty="0">
+              <a:solidFill>
+                <a:srgbClr val="262626"/>
+              </a:solidFill>
+            </a:endParaRPr>
+          </a:p>
+          <a:p>
+            <a:pPr marL="228600" lvl="0" indent="-228600" defTabSz="342900">
+              <a:lnSpc>
+                <a:spcPct val="120000"/>
+              </a:lnSpc>
+              <a:buFont typeface="Arial" panose="020B0604020202020204" pitchFamily="34" charset="0"/>
+              <a:buChar char="•"/>
+            </a:pPr>
+            <a:r>
+              <a:rPr lang="en-US" altLang="en-US" sz="1800" dirty="0">
+                <a:solidFill>
+                  <a:srgbClr val="262626"/>
+                </a:solidFill>
+              </a:rPr>
+              <a:t>Step 1: Define a Route in App.js</a:t>
+            </a:r>
+            <a:endParaRPr lang="en-US" altLang="en-US" sz="1800" dirty="0">
+              <a:solidFill>
+                <a:srgbClr val="262626"/>
+              </a:solidFill>
+            </a:endParaRPr>
+          </a:p>
+          <a:p>
+            <a:pPr marL="228600" lvl="0" indent="-228600" defTabSz="342900">
+              <a:lnSpc>
+                <a:spcPct val="120000"/>
+              </a:lnSpc>
+              <a:buFont typeface="Arial" panose="020B0604020202020204" pitchFamily="34" charset="0"/>
+              <a:buChar char="•"/>
+            </a:pPr>
+            <a:endParaRPr lang="en-US" altLang="en-US" sz="1800" dirty="0">
+              <a:solidFill>
+                <a:srgbClr val="262626"/>
+              </a:solidFill>
+            </a:endParaRPr>
+          </a:p>
+          <a:p>
+            <a:pPr marL="228600" lvl="0" indent="-228600" defTabSz="342900">
+              <a:lnSpc>
+                <a:spcPct val="120000"/>
+              </a:lnSpc>
+              <a:buFont typeface="Arial" panose="020B0604020202020204" pitchFamily="34" charset="0"/>
+              <a:buChar char="•"/>
+            </a:pPr>
+            <a:endParaRPr lang="en-US" altLang="en-US" sz="1800" dirty="0">
+              <a:solidFill>
+                <a:srgbClr val="262626"/>
+              </a:solidFill>
+            </a:endParaRPr>
+          </a:p>
+          <a:p>
+            <a:pPr marL="228600" lvl="0" indent="-228600" defTabSz="342900">
+              <a:lnSpc>
+                <a:spcPct val="120000"/>
+              </a:lnSpc>
+              <a:buFont typeface="Arial" panose="020B0604020202020204" pitchFamily="34" charset="0"/>
+              <a:buChar char="•"/>
+            </a:pPr>
+            <a:endParaRPr lang="en-US" altLang="en-US" sz="1800" dirty="0">
+              <a:solidFill>
+                <a:srgbClr val="262626"/>
+              </a:solidFill>
+            </a:endParaRPr>
+          </a:p>
+          <a:p>
+            <a:pPr marL="228600" lvl="0" indent="-228600" defTabSz="342900">
+              <a:lnSpc>
+                <a:spcPct val="120000"/>
+              </a:lnSpc>
+              <a:buFont typeface="Arial" panose="020B0604020202020204" pitchFamily="34" charset="0"/>
+              <a:buChar char="•"/>
+            </a:pPr>
+            <a:endParaRPr lang="en-US" altLang="en-US" sz="1800" dirty="0">
+              <a:solidFill>
+                <a:srgbClr val="262626"/>
+              </a:solidFill>
+            </a:endParaRPr>
+          </a:p>
+          <a:p>
+            <a:pPr marL="228600" lvl="0" indent="-228600" defTabSz="342900">
+              <a:lnSpc>
+                <a:spcPct val="120000"/>
+              </a:lnSpc>
+              <a:buFont typeface="Arial" panose="020B0604020202020204" pitchFamily="34" charset="0"/>
+              <a:buChar char="•"/>
+            </a:pPr>
+            <a:endParaRPr lang="en-US" altLang="en-US" sz="1800" dirty="0">
+              <a:solidFill>
+                <a:srgbClr val="262626"/>
+              </a:solidFill>
+            </a:endParaRPr>
+          </a:p>
+          <a:p>
+            <a:pPr marL="228600" lvl="0" indent="-228600" defTabSz="342900">
+              <a:lnSpc>
+                <a:spcPct val="120000"/>
+              </a:lnSpc>
+              <a:buFont typeface="Arial" panose="020B0604020202020204" pitchFamily="34" charset="0"/>
+              <a:buChar char="•"/>
+            </a:pPr>
+            <a:r>
+              <a:rPr lang="en-US" altLang="en-US" sz="1800" dirty="0">
+                <a:solidFill>
+                  <a:srgbClr val="262626"/>
+                </a:solidFill>
+              </a:rPr>
+              <a:t>Add Link in SideBar.js</a:t>
+            </a:r>
+            <a:endParaRPr lang="en-US" altLang="en-US" sz="1800" dirty="0">
+              <a:solidFill>
+                <a:srgbClr val="262626"/>
+              </a:solidFill>
+            </a:endParaRPr>
+          </a:p>
+        </p:txBody>
+      </p:sp>
+      <p:pic>
+        <p:nvPicPr>
+          <p:cNvPr id="5" name="图片 4"/>
+          <p:cNvPicPr>
+            <a:picLocks noChangeAspect="1"/>
+          </p:cNvPicPr>
+          <p:nvPr/>
+        </p:nvPicPr>
+        <p:blipFill>
+          <a:blip r:embed="rId1"/>
+          <a:stretch>
+            <a:fillRect/>
+          </a:stretch>
+        </p:blipFill>
+        <p:spPr>
+          <a:xfrm>
+            <a:off x="814705" y="4770120"/>
+            <a:ext cx="6724650" cy="1238250"/>
+          </a:xfrm>
+          <a:prstGeom prst="rect">
+            <a:avLst/>
+          </a:prstGeom>
+        </p:spPr>
+      </p:pic>
+      <p:pic>
+        <p:nvPicPr>
+          <p:cNvPr id="6" name="图片 5"/>
+          <p:cNvPicPr>
+            <a:picLocks noChangeAspect="1"/>
+          </p:cNvPicPr>
+          <p:nvPr/>
+        </p:nvPicPr>
+        <p:blipFill>
+          <a:blip r:embed="rId2"/>
+          <a:stretch>
+            <a:fillRect/>
+          </a:stretch>
+        </p:blipFill>
+        <p:spPr>
+          <a:xfrm>
+            <a:off x="814705" y="2010410"/>
+            <a:ext cx="5743575" cy="1962150"/>
+          </a:xfrm>
+          <a:prstGeom prst="rect">
+            <a:avLst/>
+          </a:prstGeom>
+        </p:spPr>
+      </p:pic>
+    </p:spTree>
+  </p:cSld>
+  <p:clrMapOvr>
+    <a:masterClrMapping/>
+  </p:clrMapOvr>
+</p:sld>
+</file>
+
+<file path=ppt/slides/slide7.xml><?xml version="1.0" encoding="utf-8"?>
+<p:sld xmlns:a="http://schemas.openxmlformats.org/drawingml/2006/main" xmlns:r="http://schemas.openxmlformats.org/officeDocument/2006/relationships" xmlns:p="http://schemas.openxmlformats.org/presentationml/2006/main">
+  <p:cSld>
+    <p:spTree>
+      <p:nvGrpSpPr>
+        <p:cNvPr id="1" name=""/>
+        <p:cNvGrpSpPr/>
+        <p:nvPr/>
+      </p:nvGrpSpPr>
+      <p:grpSpPr>
+        <a:xfrm>
+          <a:off x="0" y="0"/>
+          <a:ext cx="0" cy="0"/>
+          <a:chOff x="0" y="0"/>
+          <a:chExt cx="0" cy="0"/>
+        </a:xfrm>
+      </p:grpSpPr>
+      <p:sp>
+        <p:nvSpPr>
+          <p:cNvPr id="2" name="Title 1"/>
+          <p:cNvSpPr>
+            <a:spLocks noGrp="1"/>
+          </p:cNvSpPr>
+          <p:nvPr>
+            <p:ph type="title"/>
+          </p:nvPr>
+        </p:nvSpPr>
+        <p:spPr>
+          <a:xfrm>
+            <a:off x="628650" y="155263"/>
+            <a:ext cx="7886700" cy="526790"/>
+          </a:xfrm>
+        </p:spPr>
+        <p:txBody>
+          <a:bodyPr>
+            <a:normAutofit fontScale="90000"/>
+          </a:bodyPr>
+          <a:lstStyle/>
+          <a:p>
+            <a:pPr algn="ctr"/>
+            <a:r>
+              <a:rPr lang="en-US" sz="3200" b="1" dirty="0">
+                <a:latin typeface="Calibri" panose="020F0502020204030204" pitchFamily="34" charset="0"/>
+                <a:cs typeface="Calibri" panose="020F0502020204030204" pitchFamily="34" charset="0"/>
+              </a:rPr>
+              <a:t>React Links and History</a:t>
+            </a:r>
+            <a:endParaRPr lang="en-US" sz="3200" b="1" dirty="0">
+              <a:latin typeface="Calibri" panose="020F0502020204030204" pitchFamily="34" charset="0"/>
+              <a:cs typeface="Calibri" panose="020F0502020204030204" pitchFamily="34" charset="0"/>
+            </a:endParaRPr>
+          </a:p>
+        </p:txBody>
+      </p:sp>
+      <p:sp>
+        <p:nvSpPr>
+          <p:cNvPr id="3" name="Content Placeholder 2"/>
+          <p:cNvSpPr>
+            <a:spLocks noGrp="1"/>
+          </p:cNvSpPr>
+          <p:nvPr>
+            <p:ph idx="1"/>
+          </p:nvPr>
+        </p:nvSpPr>
+        <p:spPr>
+          <a:xfrm>
+            <a:off x="628650" y="989044"/>
+            <a:ext cx="7886700" cy="5605719"/>
+          </a:xfrm>
+        </p:spPr>
+        <p:txBody>
+          <a:bodyPr>
+            <a:normAutofit/>
+          </a:bodyPr>
+          <a:lstStyle/>
+          <a:p>
+            <a:pPr marL="228600" lvl="0" indent="-228600" defTabSz="342900">
+              <a:lnSpc>
+                <a:spcPct val="120000"/>
+              </a:lnSpc>
+              <a:buFont typeface="Arial" panose="020B0604020202020204" pitchFamily="34" charset="0"/>
+              <a:buChar char="•"/>
+            </a:pPr>
+            <a:r>
+              <a:rPr lang="en-US" altLang="en-US" sz="1800" dirty="0">
+                <a:solidFill>
+                  <a:srgbClr val="262626"/>
+                </a:solidFill>
+              </a:rPr>
+              <a:t>How to implement History</a:t>
+            </a:r>
+            <a:endParaRPr lang="en-US" altLang="en-US" sz="1800" dirty="0">
+              <a:solidFill>
+                <a:srgbClr val="262626"/>
+              </a:solidFill>
+            </a:endParaRPr>
+          </a:p>
+          <a:p>
+            <a:pPr marL="228600" lvl="0" indent="-228600" defTabSz="342900">
+              <a:lnSpc>
+                <a:spcPct val="120000"/>
+              </a:lnSpc>
+              <a:buFont typeface="Arial" panose="020B0604020202020204" pitchFamily="34" charset="0"/>
+              <a:buChar char="•"/>
+            </a:pPr>
+            <a:r>
+              <a:rPr lang="en-US" altLang="en-US" sz="1800" dirty="0">
+                <a:solidFill>
+                  <a:srgbClr val="262626"/>
+                </a:solidFill>
+              </a:rPr>
+              <a:t>Step 1: Create History</a:t>
+            </a:r>
+            <a:endParaRPr lang="en-US" altLang="en-US" sz="1800" dirty="0">
+              <a:solidFill>
+                <a:srgbClr val="262626"/>
+              </a:solidFill>
+            </a:endParaRPr>
+          </a:p>
+          <a:p>
+            <a:pPr marL="228600" lvl="0" indent="-228600" defTabSz="342900">
+              <a:lnSpc>
+                <a:spcPct val="120000"/>
+              </a:lnSpc>
+              <a:buFont typeface="Arial" panose="020B0604020202020204" pitchFamily="34" charset="0"/>
+              <a:buChar char="•"/>
+            </a:pPr>
+            <a:endParaRPr lang="en-US" altLang="en-US" sz="1800" dirty="0">
+              <a:solidFill>
+                <a:srgbClr val="262626"/>
+              </a:solidFill>
+            </a:endParaRPr>
+          </a:p>
+          <a:p>
+            <a:pPr marL="228600" lvl="0" indent="-228600" defTabSz="342900">
+              <a:lnSpc>
+                <a:spcPct val="120000"/>
+              </a:lnSpc>
+              <a:buFont typeface="Arial" panose="020B0604020202020204" pitchFamily="34" charset="0"/>
+              <a:buChar char="•"/>
+            </a:pPr>
+            <a:endParaRPr lang="en-US" altLang="en-US" sz="1800" dirty="0">
+              <a:solidFill>
+                <a:srgbClr val="262626"/>
+              </a:solidFill>
+            </a:endParaRPr>
+          </a:p>
+          <a:p>
+            <a:pPr marL="228600" lvl="0" indent="-228600" defTabSz="342900">
+              <a:lnSpc>
+                <a:spcPct val="120000"/>
+              </a:lnSpc>
+              <a:buFont typeface="Arial" panose="020B0604020202020204" pitchFamily="34" charset="0"/>
+              <a:buChar char="•"/>
+            </a:pPr>
+            <a:r>
+              <a:rPr lang="en-US" altLang="en-US" sz="1800" dirty="0">
+                <a:solidFill>
+                  <a:srgbClr val="262626"/>
+                </a:solidFill>
+              </a:rPr>
+              <a:t>Add intert history as a prop</a:t>
+            </a:r>
+            <a:endParaRPr lang="en-US" altLang="en-US" sz="1800" dirty="0">
+              <a:solidFill>
+                <a:srgbClr val="262626"/>
+              </a:solidFill>
+            </a:endParaRPr>
+          </a:p>
+          <a:p>
+            <a:pPr marL="228600" lvl="0" indent="-228600" defTabSz="342900">
+              <a:lnSpc>
+                <a:spcPct val="120000"/>
+              </a:lnSpc>
+              <a:buFont typeface="Arial" panose="020B0604020202020204" pitchFamily="34" charset="0"/>
+              <a:buChar char="•"/>
+            </a:pPr>
+            <a:endParaRPr lang="en-US" altLang="en-US" sz="1800" dirty="0">
+              <a:solidFill>
+                <a:srgbClr val="262626"/>
+              </a:solidFill>
+            </a:endParaRPr>
+          </a:p>
+          <a:p>
+            <a:pPr marL="228600" lvl="0" indent="-228600" defTabSz="342900">
+              <a:lnSpc>
+                <a:spcPct val="120000"/>
+              </a:lnSpc>
+              <a:buFont typeface="Arial" panose="020B0604020202020204" pitchFamily="34" charset="0"/>
+              <a:buChar char="•"/>
+            </a:pPr>
+            <a:endParaRPr lang="en-US" altLang="en-US" sz="1800" dirty="0">
+              <a:solidFill>
+                <a:srgbClr val="262626"/>
+              </a:solidFill>
+            </a:endParaRPr>
+          </a:p>
+          <a:p>
+            <a:pPr marL="228600" lvl="0" indent="-228600" defTabSz="342900">
+              <a:lnSpc>
+                <a:spcPct val="120000"/>
+              </a:lnSpc>
+              <a:buFont typeface="Arial" panose="020B0604020202020204" pitchFamily="34" charset="0"/>
+              <a:buChar char="•"/>
+            </a:pPr>
+            <a:r>
+              <a:rPr lang="en-US" altLang="en-US" sz="1800" dirty="0">
+                <a:solidFill>
+                  <a:srgbClr val="262626"/>
+                </a:solidFill>
+              </a:rPr>
+              <a:t>Call history </a:t>
+            </a:r>
+            <a:endParaRPr lang="en-US" altLang="en-US" sz="1800" dirty="0">
+              <a:solidFill>
+                <a:srgbClr val="262626"/>
+              </a:solidFill>
+            </a:endParaRPr>
+          </a:p>
+        </p:txBody>
+      </p:sp>
+      <p:pic>
+        <p:nvPicPr>
+          <p:cNvPr id="4" name="图片 3"/>
+          <p:cNvPicPr>
+            <a:picLocks noChangeAspect="1"/>
+          </p:cNvPicPr>
+          <p:nvPr/>
+        </p:nvPicPr>
+        <p:blipFill>
+          <a:blip r:embed="rId1"/>
+          <a:stretch>
+            <a:fillRect/>
+          </a:stretch>
+        </p:blipFill>
+        <p:spPr>
+          <a:xfrm>
+            <a:off x="4763135" y="2823845"/>
+            <a:ext cx="3257550" cy="1209675"/>
+          </a:xfrm>
+          <a:prstGeom prst="rect">
+            <a:avLst/>
+          </a:prstGeom>
+        </p:spPr>
+      </p:pic>
+      <p:pic>
+        <p:nvPicPr>
+          <p:cNvPr id="7" name="图片 6"/>
+          <p:cNvPicPr>
+            <a:picLocks noChangeAspect="1"/>
+          </p:cNvPicPr>
+          <p:nvPr/>
+        </p:nvPicPr>
+        <p:blipFill>
+          <a:blip r:embed="rId2"/>
+          <a:stretch>
+            <a:fillRect/>
+          </a:stretch>
+        </p:blipFill>
+        <p:spPr>
+          <a:xfrm>
+            <a:off x="628650" y="2003425"/>
+            <a:ext cx="3867150" cy="714375"/>
+          </a:xfrm>
+          <a:prstGeom prst="rect">
+            <a:avLst/>
+          </a:prstGeom>
+        </p:spPr>
+      </p:pic>
+      <p:pic>
+        <p:nvPicPr>
+          <p:cNvPr id="8" name="图片 7"/>
+          <p:cNvPicPr>
+            <a:picLocks noChangeAspect="1"/>
+          </p:cNvPicPr>
+          <p:nvPr/>
+        </p:nvPicPr>
+        <p:blipFill>
+          <a:blip r:embed="rId3"/>
+          <a:stretch>
+            <a:fillRect/>
+          </a:stretch>
+        </p:blipFill>
+        <p:spPr>
+          <a:xfrm>
+            <a:off x="2562225" y="4219575"/>
+            <a:ext cx="6581775" cy="2638425"/>
+          </a:xfrm>
+          <a:prstGeom prst="rect">
+            <a:avLst/>
+          </a:prstGeom>
+        </p:spPr>
+      </p:pic>
+    </p:spTree>
+  </p:cSld>
+  <p:clrMapOvr>
+    <a:masterClrMapping/>
+  </p:clrMapOvr>
+</p:sld>
+</file>
+
+<file path=ppt/slides/slide8.xml><?xml version="1.0" encoding="utf-8"?>
+<p:sld xmlns:a="http://schemas.openxmlformats.org/drawingml/2006/main" xmlns:r="http://schemas.openxmlformats.org/officeDocument/2006/relationships" xmlns:p="http://schemas.openxmlformats.org/presentationml/2006/main">
+  <p:cSld>
+    <p:spTree>
+      <p:nvGrpSpPr>
+        <p:cNvPr id="1" name=""/>
+        <p:cNvGrpSpPr/>
+        <p:nvPr/>
+      </p:nvGrpSpPr>
+      <p:grpSpPr>
+        <a:xfrm>
+          <a:off x="0" y="0"/>
+          <a:ext cx="0" cy="0"/>
+          <a:chOff x="0" y="0"/>
+          <a:chExt cx="0" cy="0"/>
+        </a:xfrm>
+      </p:grpSpPr>
+      <p:sp>
+        <p:nvSpPr>
+          <p:cNvPr id="2" name="Title 1"/>
+          <p:cNvSpPr>
+            <a:spLocks noGrp="1"/>
+          </p:cNvSpPr>
+          <p:nvPr>
+            <p:ph type="title"/>
+          </p:nvPr>
+        </p:nvSpPr>
+        <p:spPr>
+          <a:xfrm>
+            <a:off x="628650" y="155263"/>
+            <a:ext cx="7886700" cy="526790"/>
+          </a:xfrm>
+        </p:spPr>
+        <p:txBody>
+          <a:bodyPr>
+            <a:normAutofit fontScale="90000"/>
+          </a:bodyPr>
+          <a:lstStyle/>
+          <a:p>
+            <a:pPr algn="ctr"/>
+            <a:r>
+              <a:rPr lang="en-US" sz="3200" b="1" dirty="0">
+                <a:latin typeface="Calibri" panose="020F0502020204030204" pitchFamily="34" charset="0"/>
+                <a:cs typeface="Calibri" panose="020F0502020204030204" pitchFamily="34" charset="0"/>
+              </a:rPr>
+              <a:t>Context</a:t>
+            </a:r>
+            <a:endParaRPr lang="en-US" sz="3200" b="1" dirty="0">
+              <a:latin typeface="Calibri" panose="020F0502020204030204" pitchFamily="34" charset="0"/>
+              <a:cs typeface="Calibri" panose="020F0502020204030204" pitchFamily="34" charset="0"/>
+            </a:endParaRPr>
+          </a:p>
+        </p:txBody>
+      </p:sp>
+      <p:sp>
+        <p:nvSpPr>
+          <p:cNvPr id="3" name="Content Placeholder 2"/>
+          <p:cNvSpPr>
+            <a:spLocks noGrp="1"/>
+          </p:cNvSpPr>
+          <p:nvPr>
+            <p:ph idx="1"/>
+          </p:nvPr>
+        </p:nvSpPr>
+        <p:spPr>
+          <a:xfrm>
+            <a:off x="628650" y="989044"/>
+            <a:ext cx="7886700" cy="5605719"/>
+          </a:xfrm>
+        </p:spPr>
+        <p:txBody>
+          <a:bodyPr>
+            <a:normAutofit/>
+          </a:bodyPr>
+          <a:lstStyle/>
+          <a:p>
+            <a:pPr marL="228600" lvl="0" indent="-228600" defTabSz="342900">
+              <a:lnSpc>
+                <a:spcPct val="120000"/>
+              </a:lnSpc>
+              <a:buFont typeface="Arial" panose="020B0604020202020204" pitchFamily="34" charset="0"/>
+              <a:buChar char="•"/>
+            </a:pPr>
+            <a:r>
+              <a:rPr lang="en-US" altLang="en-US" sz="1800" dirty="0">
+                <a:solidFill>
+                  <a:srgbClr val="262626"/>
+                </a:solidFill>
+              </a:rPr>
+              <a:t>Add currentUserContext</a:t>
+            </a:r>
+            <a:endParaRPr lang="en-US" altLang="en-US" sz="1800" dirty="0">
+              <a:solidFill>
+                <a:srgbClr val="262626"/>
+              </a:solidFill>
+            </a:endParaRPr>
+          </a:p>
+          <a:p>
+            <a:pPr marL="228600" lvl="0" indent="-228600" defTabSz="342900">
+              <a:lnSpc>
+                <a:spcPct val="120000"/>
+              </a:lnSpc>
+              <a:buFont typeface="Arial" panose="020B0604020202020204" pitchFamily="34" charset="0"/>
+              <a:buChar char="•"/>
+            </a:pPr>
+            <a:r>
+              <a:rPr lang="en-US" altLang="en-US" sz="1800" dirty="0">
+                <a:solidFill>
+                  <a:srgbClr val="262626"/>
+                </a:solidFill>
+              </a:rPr>
+              <a:t>Step 1: Create provider:</a:t>
+            </a:r>
+            <a:endParaRPr lang="en-US" altLang="en-US" sz="1800" dirty="0">
+              <a:solidFill>
+                <a:srgbClr val="262626"/>
+              </a:solidFill>
+            </a:endParaRPr>
+          </a:p>
+          <a:p>
+            <a:pPr marL="228600" lvl="0" indent="-228600" defTabSz="342900">
+              <a:lnSpc>
+                <a:spcPct val="120000"/>
+              </a:lnSpc>
+              <a:buFont typeface="Arial" panose="020B0604020202020204" pitchFamily="34" charset="0"/>
+              <a:buChar char="•"/>
+            </a:pPr>
+            <a:r>
+              <a:rPr lang="en-US" altLang="en-US" sz="1800" dirty="0">
+                <a:solidFill>
+                  <a:srgbClr val="262626"/>
+                </a:solidFill>
+              </a:rPr>
+              <a:t>create context, create state variables, create provider</a:t>
+            </a:r>
+            <a:endParaRPr lang="en-US" altLang="en-US" sz="1800" dirty="0">
+              <a:solidFill>
+                <a:srgbClr val="262626"/>
+              </a:solidFill>
+            </a:endParaRPr>
+          </a:p>
+          <a:p>
+            <a:pPr marL="228600" lvl="0" indent="-228600" defTabSz="342900">
+              <a:lnSpc>
+                <a:spcPct val="120000"/>
+              </a:lnSpc>
+              <a:buFont typeface="Arial" panose="020B0604020202020204" pitchFamily="34" charset="0"/>
+              <a:buChar char="•"/>
+            </a:pPr>
+            <a:endParaRPr lang="en-US" altLang="en-US" sz="1800" dirty="0">
+              <a:solidFill>
+                <a:srgbClr val="262626"/>
+              </a:solidFill>
+            </a:endParaRPr>
+          </a:p>
+        </p:txBody>
+      </p:sp>
+      <p:pic>
+        <p:nvPicPr>
+          <p:cNvPr id="5" name="图片 4"/>
+          <p:cNvPicPr>
+            <a:picLocks noChangeAspect="1"/>
+          </p:cNvPicPr>
+          <p:nvPr/>
+        </p:nvPicPr>
+        <p:blipFill>
+          <a:blip r:embed="rId1"/>
+          <a:stretch>
+            <a:fillRect/>
+          </a:stretch>
+        </p:blipFill>
+        <p:spPr>
+          <a:xfrm>
+            <a:off x="628650" y="2705735"/>
+            <a:ext cx="6124575" cy="3524250"/>
+          </a:xfrm>
+          <a:prstGeom prst="rect">
+            <a:avLst/>
+          </a:prstGeom>
+        </p:spPr>
+      </p:pic>
+    </p:spTree>
+  </p:cSld>
+  <p:clrMapOvr>
+    <a:masterClrMapping/>
+  </p:clrMapOvr>
+</p:sld>
+</file>
+
+<file path=ppt/slides/slide9.xml><?xml version="1.0" encoding="utf-8"?>
+<p:sld xmlns:a="http://schemas.openxmlformats.org/drawingml/2006/main" xmlns:r="http://schemas.openxmlformats.org/officeDocument/2006/relationships" xmlns:p="http://schemas.openxmlformats.org/presentationml/2006/main">
+  <p:cSld>
+    <p:spTree>
+      <p:nvGrpSpPr>
+        <p:cNvPr id="1" name=""/>
+        <p:cNvGrpSpPr/>
+        <p:nvPr/>
+      </p:nvGrpSpPr>
+      <p:grpSpPr>
+        <a:xfrm>
+          <a:off x="0" y="0"/>
+          <a:ext cx="0" cy="0"/>
+          <a:chOff x="0" y="0"/>
+          <a:chExt cx="0" cy="0"/>
+        </a:xfrm>
+      </p:grpSpPr>
+      <p:sp>
+        <p:nvSpPr>
+          <p:cNvPr id="2" name="Title 1"/>
+          <p:cNvSpPr>
+            <a:spLocks noGrp="1"/>
+          </p:cNvSpPr>
+          <p:nvPr>
+            <p:ph type="title"/>
+          </p:nvPr>
+        </p:nvSpPr>
+        <p:spPr>
+          <a:xfrm>
+            <a:off x="628650" y="155263"/>
+            <a:ext cx="7886700" cy="526790"/>
+          </a:xfrm>
+        </p:spPr>
+        <p:txBody>
+          <a:bodyPr>
+            <a:normAutofit fontScale="90000"/>
+          </a:bodyPr>
+          <a:lstStyle/>
+          <a:p>
+            <a:pPr algn="ctr"/>
+            <a:r>
+              <a:rPr lang="en-US" sz="3200" b="1" dirty="0">
+                <a:latin typeface="Calibri" panose="020F0502020204030204" pitchFamily="34" charset="0"/>
+                <a:cs typeface="Calibri" panose="020F0502020204030204" pitchFamily="34" charset="0"/>
+              </a:rPr>
+              <a:t>Context</a:t>
+            </a:r>
+            <a:endParaRPr lang="en-US" sz="3200" b="1" dirty="0">
+              <a:latin typeface="Calibri" panose="020F0502020204030204" pitchFamily="34" charset="0"/>
+              <a:cs typeface="Calibri" panose="020F0502020204030204" pitchFamily="34" charset="0"/>
+            </a:endParaRPr>
+          </a:p>
+        </p:txBody>
+      </p:sp>
+      <p:sp>
+        <p:nvSpPr>
+          <p:cNvPr id="3" name="Content Placeholder 2"/>
+          <p:cNvSpPr>
+            <a:spLocks noGrp="1"/>
+          </p:cNvSpPr>
+          <p:nvPr>
+            <p:ph idx="1"/>
+          </p:nvPr>
+        </p:nvSpPr>
+        <p:spPr>
+          <a:xfrm>
+            <a:off x="628650" y="989044"/>
+            <a:ext cx="7886700" cy="5605719"/>
+          </a:xfrm>
+        </p:spPr>
+        <p:txBody>
+          <a:bodyPr>
+            <a:normAutofit/>
+          </a:bodyPr>
+          <a:lstStyle/>
+          <a:p>
+            <a:pPr marL="228600" lvl="0" indent="-228600" defTabSz="342900">
+              <a:lnSpc>
+                <a:spcPct val="120000"/>
+              </a:lnSpc>
+              <a:buFont typeface="Arial" panose="020B0604020202020204" pitchFamily="34" charset="0"/>
+              <a:buChar char="•"/>
+            </a:pPr>
+            <a:r>
+              <a:rPr lang="en-US" altLang="en-US" sz="1800" dirty="0">
+                <a:solidFill>
+                  <a:srgbClr val="262626"/>
+                </a:solidFill>
+              </a:rPr>
+              <a:t>Add currentUserContext</a:t>
+            </a:r>
+            <a:endParaRPr lang="en-US" altLang="en-US" sz="1800" dirty="0">
+              <a:solidFill>
+                <a:srgbClr val="262626"/>
+              </a:solidFill>
+            </a:endParaRPr>
+          </a:p>
+          <a:p>
+            <a:pPr marL="228600" lvl="0" indent="-228600" defTabSz="342900">
+              <a:lnSpc>
+                <a:spcPct val="120000"/>
+              </a:lnSpc>
+              <a:buFont typeface="Arial" panose="020B0604020202020204" pitchFamily="34" charset="0"/>
+              <a:buChar char="•"/>
+            </a:pPr>
+            <a:r>
+              <a:rPr lang="en-US" altLang="en-US" sz="1800" dirty="0">
+                <a:solidFill>
+                  <a:srgbClr val="262626"/>
+                </a:solidFill>
+              </a:rPr>
+              <a:t>Step 2: Add Wrapper</a:t>
+            </a:r>
+            <a:endParaRPr lang="en-US" altLang="en-US" sz="1800" dirty="0">
+              <a:solidFill>
+                <a:srgbClr val="262626"/>
+              </a:solidFill>
+            </a:endParaRPr>
+          </a:p>
+          <a:p>
+            <a:pPr marL="228600" lvl="0" indent="-228600" defTabSz="342900">
+              <a:lnSpc>
+                <a:spcPct val="120000"/>
+              </a:lnSpc>
+              <a:buFont typeface="Arial" panose="020B0604020202020204" pitchFamily="34" charset="0"/>
+              <a:buChar char="•"/>
+            </a:pPr>
+            <a:endParaRPr lang="en-US" altLang="en-US" sz="1800" dirty="0">
+              <a:solidFill>
+                <a:srgbClr val="262626"/>
+              </a:solidFill>
+            </a:endParaRPr>
+          </a:p>
+          <a:p>
+            <a:pPr marL="228600" lvl="0" indent="-228600" defTabSz="342900">
+              <a:lnSpc>
+                <a:spcPct val="120000"/>
+              </a:lnSpc>
+              <a:buFont typeface="Arial" panose="020B0604020202020204" pitchFamily="34" charset="0"/>
+              <a:buChar char="•"/>
+            </a:pPr>
+            <a:endParaRPr lang="en-US" altLang="en-US" sz="1800" dirty="0">
+              <a:solidFill>
+                <a:srgbClr val="262626"/>
+              </a:solidFill>
+            </a:endParaRPr>
+          </a:p>
+          <a:p>
+            <a:pPr marL="228600" lvl="0" indent="-228600" defTabSz="342900">
+              <a:lnSpc>
+                <a:spcPct val="120000"/>
+              </a:lnSpc>
+              <a:buFont typeface="Arial" panose="020B0604020202020204" pitchFamily="34" charset="0"/>
+              <a:buChar char="•"/>
+            </a:pPr>
+            <a:endParaRPr lang="en-US" altLang="en-US" sz="1800" dirty="0">
+              <a:solidFill>
+                <a:srgbClr val="262626"/>
+              </a:solidFill>
+            </a:endParaRPr>
+          </a:p>
+          <a:p>
+            <a:pPr marL="228600" lvl="0" indent="-228600" defTabSz="342900">
+              <a:lnSpc>
+                <a:spcPct val="120000"/>
+              </a:lnSpc>
+              <a:buFont typeface="Arial" panose="020B0604020202020204" pitchFamily="34" charset="0"/>
+              <a:buChar char="•"/>
+            </a:pPr>
+            <a:endParaRPr lang="en-US" altLang="en-US" sz="1800" dirty="0">
+              <a:solidFill>
+                <a:srgbClr val="262626"/>
+              </a:solidFill>
+            </a:endParaRPr>
+          </a:p>
+          <a:p>
+            <a:pPr marL="228600" lvl="0" indent="-228600" defTabSz="342900">
+              <a:lnSpc>
+                <a:spcPct val="120000"/>
+              </a:lnSpc>
+              <a:buFont typeface="Arial" panose="020B0604020202020204" pitchFamily="34" charset="0"/>
+              <a:buChar char="•"/>
+            </a:pPr>
+            <a:endParaRPr lang="en-US" altLang="en-US" sz="1800" dirty="0">
+              <a:solidFill>
+                <a:srgbClr val="262626"/>
+              </a:solidFill>
+            </a:endParaRPr>
+          </a:p>
+          <a:p>
+            <a:pPr marL="228600" lvl="0" indent="-228600" defTabSz="342900">
+              <a:lnSpc>
+                <a:spcPct val="120000"/>
+              </a:lnSpc>
+              <a:buFont typeface="Arial" panose="020B0604020202020204" pitchFamily="34" charset="0"/>
+              <a:buChar char="•"/>
+            </a:pPr>
+            <a:r>
+              <a:rPr lang="en-US" altLang="en-US" sz="1800" dirty="0">
+                <a:solidFill>
+                  <a:srgbClr val="262626"/>
+                </a:solidFill>
+              </a:rPr>
+              <a:t>Step 3 Implement Context</a:t>
+            </a:r>
+            <a:endParaRPr lang="en-US" altLang="en-US" sz="1800" dirty="0">
+              <a:solidFill>
+                <a:srgbClr val="262626"/>
+              </a:solidFill>
+            </a:endParaRPr>
+          </a:p>
+          <a:p>
+            <a:pPr marL="228600" lvl="0" indent="-228600" defTabSz="342900">
+              <a:lnSpc>
+                <a:spcPct val="120000"/>
+              </a:lnSpc>
+              <a:buFont typeface="Arial" panose="020B0604020202020204" pitchFamily="34" charset="0"/>
+              <a:buChar char="•"/>
+            </a:pPr>
+            <a:endParaRPr lang="en-US" altLang="en-US" sz="1800" dirty="0">
+              <a:solidFill>
+                <a:srgbClr val="262626"/>
+              </a:solidFill>
+            </a:endParaRPr>
+          </a:p>
+          <a:p>
+            <a:pPr marL="228600" lvl="0" indent="-228600" defTabSz="342900">
+              <a:lnSpc>
+                <a:spcPct val="120000"/>
+              </a:lnSpc>
+              <a:buFont typeface="Arial" panose="020B0604020202020204" pitchFamily="34" charset="0"/>
+              <a:buChar char="•"/>
+            </a:pPr>
+            <a:endParaRPr lang="en-US" altLang="en-US" sz="1800" dirty="0">
+              <a:solidFill>
+                <a:srgbClr val="262626"/>
+              </a:solidFill>
+            </a:endParaRPr>
+          </a:p>
+          <a:p>
+            <a:pPr marL="228600" lvl="0" indent="-228600" defTabSz="342900">
+              <a:lnSpc>
+                <a:spcPct val="120000"/>
+              </a:lnSpc>
+              <a:buFont typeface="Arial" panose="020B0604020202020204" pitchFamily="34" charset="0"/>
+              <a:buChar char="•"/>
+            </a:pPr>
+            <a:endParaRPr lang="en-US" altLang="en-US" sz="1800" dirty="0">
+              <a:solidFill>
+                <a:srgbClr val="262626"/>
+              </a:solidFill>
+            </a:endParaRPr>
+          </a:p>
+          <a:p>
+            <a:pPr marL="228600" lvl="0" indent="-228600" defTabSz="342900">
+              <a:lnSpc>
+                <a:spcPct val="120000"/>
+              </a:lnSpc>
+              <a:buFont typeface="Arial" panose="020B0604020202020204" pitchFamily="34" charset="0"/>
+              <a:buChar char="•"/>
+            </a:pPr>
+            <a:endParaRPr lang="en-US" altLang="en-US" sz="1800" dirty="0">
+              <a:solidFill>
+                <a:srgbClr val="262626"/>
+              </a:solidFill>
+            </a:endParaRPr>
+          </a:p>
+          <a:p>
+            <a:pPr marL="228600" lvl="0" indent="-228600" defTabSz="342900">
+              <a:lnSpc>
+                <a:spcPct val="120000"/>
+              </a:lnSpc>
+              <a:buFont typeface="Arial" panose="020B0604020202020204" pitchFamily="34" charset="0"/>
+              <a:buChar char="•"/>
+            </a:pPr>
+            <a:endParaRPr lang="en-US" altLang="en-US" sz="1800" dirty="0">
+              <a:solidFill>
+                <a:srgbClr val="262626"/>
+              </a:solidFill>
+            </a:endParaRPr>
+          </a:p>
+          <a:p>
+            <a:pPr marL="228600" lvl="0" indent="-228600" defTabSz="342900">
+              <a:lnSpc>
+                <a:spcPct val="120000"/>
+              </a:lnSpc>
+              <a:buFont typeface="Arial" panose="020B0604020202020204" pitchFamily="34" charset="0"/>
+              <a:buChar char="•"/>
+            </a:pPr>
+            <a:endParaRPr lang="en-US" altLang="en-US" sz="1800" dirty="0">
+              <a:solidFill>
+                <a:srgbClr val="262626"/>
+              </a:solidFill>
+            </a:endParaRPr>
+          </a:p>
+        </p:txBody>
+      </p:sp>
+      <p:pic>
+        <p:nvPicPr>
+          <p:cNvPr id="4" name="图片 3"/>
+          <p:cNvPicPr>
+            <a:picLocks noChangeAspect="1"/>
+          </p:cNvPicPr>
+          <p:nvPr/>
+        </p:nvPicPr>
+        <p:blipFill>
+          <a:blip r:embed="rId1"/>
+          <a:stretch>
+            <a:fillRect/>
+          </a:stretch>
+        </p:blipFill>
+        <p:spPr>
+          <a:xfrm>
+            <a:off x="628650" y="4664075"/>
+            <a:ext cx="6817995" cy="2044065"/>
+          </a:xfrm>
+          <a:prstGeom prst="rect">
+            <a:avLst/>
+          </a:prstGeom>
+        </p:spPr>
+      </p:pic>
+      <p:pic>
+        <p:nvPicPr>
+          <p:cNvPr id="6" name="图片 5"/>
+          <p:cNvPicPr>
+            <a:picLocks noChangeAspect="1"/>
+          </p:cNvPicPr>
+          <p:nvPr/>
+        </p:nvPicPr>
+        <p:blipFill>
+          <a:blip r:embed="rId2"/>
+          <a:stretch>
+            <a:fillRect/>
+          </a:stretch>
+        </p:blipFill>
+        <p:spPr>
+          <a:xfrm>
+            <a:off x="628650" y="1997710"/>
+            <a:ext cx="4112895" cy="1953895"/>
           </a:xfrm>
           <a:prstGeom prst="rect">
             <a:avLst/>

--- a/BCI - Day13 - Reactjs 2 Web3.pptx
+++ b/BCI - Day13 - Reactjs 2 Web3.pptx
@@ -10,26 +10,41 @@
   <p:sldIdLst>
     <p:sldId id="1833" r:id="rId3"/>
     <p:sldId id="1387" r:id="rId4"/>
-    <p:sldId id="1551" r:id="rId6"/>
-    <p:sldId id="1880" r:id="rId7"/>
-    <p:sldId id="1879" r:id="rId8"/>
-    <p:sldId id="1876" r:id="rId9"/>
-    <p:sldId id="1877" r:id="rId10"/>
-    <p:sldId id="1878" r:id="rId11"/>
-    <p:sldId id="1881" r:id="rId12"/>
-    <p:sldId id="1882" r:id="rId13"/>
-    <p:sldId id="1883" r:id="rId14"/>
-    <p:sldId id="1875" r:id="rId15"/>
-    <p:sldId id="1865" r:id="rId16"/>
-    <p:sldId id="1866" r:id="rId17"/>
-    <p:sldId id="1867" r:id="rId18"/>
-    <p:sldId id="1868" r:id="rId19"/>
-    <p:sldId id="1869" r:id="rId20"/>
-    <p:sldId id="1870" r:id="rId21"/>
-    <p:sldId id="1871" r:id="rId22"/>
-    <p:sldId id="1816" r:id="rId23"/>
-    <p:sldId id="1853" r:id="rId24"/>
-    <p:sldId id="1872" r:id="rId25"/>
+    <p:sldId id="1902" r:id="rId6"/>
+    <p:sldId id="1903" r:id="rId7"/>
+    <p:sldId id="1904" r:id="rId8"/>
+    <p:sldId id="1905" r:id="rId9"/>
+    <p:sldId id="1906" r:id="rId10"/>
+    <p:sldId id="1907" r:id="rId11"/>
+    <p:sldId id="1908" r:id="rId12"/>
+    <p:sldId id="1914" r:id="rId13"/>
+    <p:sldId id="1909" r:id="rId14"/>
+    <p:sldId id="1910" r:id="rId15"/>
+    <p:sldId id="1911" r:id="rId16"/>
+    <p:sldId id="1912" r:id="rId17"/>
+    <p:sldId id="1913" r:id="rId18"/>
+    <p:sldId id="1551" r:id="rId19"/>
+    <p:sldId id="1880" r:id="rId20"/>
+    <p:sldId id="1879" r:id="rId21"/>
+    <p:sldId id="1876" r:id="rId22"/>
+    <p:sldId id="1877" r:id="rId23"/>
+    <p:sldId id="1878" r:id="rId24"/>
+    <p:sldId id="1881" r:id="rId25"/>
+    <p:sldId id="1882" r:id="rId26"/>
+    <p:sldId id="1897" r:id="rId27"/>
+    <p:sldId id="1898" r:id="rId28"/>
+    <p:sldId id="1901" r:id="rId29"/>
+    <p:sldId id="1899" r:id="rId30"/>
+    <p:sldId id="1900" r:id="rId31"/>
+    <p:sldId id="1875" r:id="rId32"/>
+    <p:sldId id="1865" r:id="rId33"/>
+    <p:sldId id="1866" r:id="rId34"/>
+    <p:sldId id="1867" r:id="rId35"/>
+    <p:sldId id="1868" r:id="rId36"/>
+    <p:sldId id="1869" r:id="rId37"/>
+    <p:sldId id="1870" r:id="rId38"/>
+    <p:sldId id="1871" r:id="rId39"/>
+    <p:sldId id="1816" r:id="rId40"/>
   </p:sldIdLst>
   <p:sldSz cx="9144000" cy="6858000" type="screen4x3"/>
   <p:notesSz cx="7315200" cy="9601200"/>
@@ -7316,16 +7331,9 @@
               <a:rPr lang="en-US" sz="3200" b="1" dirty="0">
                 <a:latin typeface="Calibri" panose="020F0502020204030204" pitchFamily="34" charset="0"/>
                 <a:cs typeface="Calibri" panose="020F0502020204030204" pitchFamily="34" charset="0"/>
-              </a:rPr>
-              <a:t>Change Class to Functional </a:t>
-            </a:r>
-            <a:r>
-              <a:rPr lang="en-US" sz="3200" b="1" dirty="0">
-                <a:latin typeface="Calibri" panose="020F0502020204030204" pitchFamily="34" charset="0"/>
-                <a:cs typeface="Calibri" panose="020F0502020204030204" pitchFamily="34" charset="0"/>
                 <a:sym typeface="+mn-ea"/>
               </a:rPr>
-              <a:t>Component</a:t>
+              <a:t>Summarize technique implementation process</a:t>
             </a:r>
             <a:endParaRPr lang="en-US" sz="3200" b="1" dirty="0">
               <a:latin typeface="Calibri" panose="020F0502020204030204" pitchFamily="34" charset="0"/>
@@ -7369,7 +7377,7 @@
                   <a:srgbClr val="262626"/>
                 </a:solidFill>
               </a:rPr>
-              <a:t>Add currentUserContext</a:t>
+              <a:t>4 JWT implementation</a:t>
             </a:r>
             <a:endParaRPr lang="en-US" altLang="en-US" sz="1800" dirty="0">
               <a:solidFill>
@@ -7391,79 +7399,9 @@
                   <a:srgbClr val="262626"/>
                 </a:solidFill>
               </a:rPr>
-              <a:t>Step 2: Add Wrapper</a:t>
-            </a:r>
-            <a:endParaRPr lang="en-US" altLang="en-US" sz="1800" dirty="0">
-              <a:solidFill>
-                <a:srgbClr val="262626"/>
-              </a:solidFill>
-            </a:endParaRPr>
-          </a:p>
-          <a:p>
-            <a:pPr marL="228600" lvl="0" indent="-228600" defTabSz="342900">
-              <a:lnSpc>
-                <a:spcPct val="120000"/>
-              </a:lnSpc>
-              <a:buFont typeface="Arial" panose="020B0604020202020204" pitchFamily="34" charset="0"/>
-              <a:buChar char="•"/>
-            </a:pPr>
-            <a:endParaRPr lang="en-US" altLang="en-US" sz="1800" dirty="0">
-              <a:solidFill>
-                <a:srgbClr val="262626"/>
-              </a:solidFill>
-            </a:endParaRPr>
-          </a:p>
-          <a:p>
-            <a:pPr marL="228600" lvl="0" indent="-228600" defTabSz="342900">
-              <a:lnSpc>
-                <a:spcPct val="120000"/>
-              </a:lnSpc>
-              <a:buFont typeface="Arial" panose="020B0604020202020204" pitchFamily="34" charset="0"/>
-              <a:buChar char="•"/>
-            </a:pPr>
-            <a:endParaRPr lang="en-US" altLang="en-US" sz="1800" dirty="0">
-              <a:solidFill>
-                <a:srgbClr val="262626"/>
-              </a:solidFill>
-            </a:endParaRPr>
-          </a:p>
-          <a:p>
-            <a:pPr marL="228600" lvl="0" indent="-228600" defTabSz="342900">
-              <a:lnSpc>
-                <a:spcPct val="120000"/>
-              </a:lnSpc>
-              <a:buFont typeface="Arial" panose="020B0604020202020204" pitchFamily="34" charset="0"/>
-              <a:buChar char="•"/>
-            </a:pPr>
-            <a:endParaRPr lang="en-US" altLang="en-US" sz="1800" dirty="0">
-              <a:solidFill>
-                <a:srgbClr val="262626"/>
-              </a:solidFill>
-            </a:endParaRPr>
-          </a:p>
-          <a:p>
-            <a:pPr marL="228600" lvl="0" indent="-228600" defTabSz="342900">
-              <a:lnSpc>
-                <a:spcPct val="120000"/>
-              </a:lnSpc>
-              <a:buFont typeface="Arial" panose="020B0604020202020204" pitchFamily="34" charset="0"/>
-              <a:buChar char="•"/>
-            </a:pPr>
-            <a:endParaRPr lang="en-US" altLang="en-US" sz="1800" dirty="0">
-              <a:solidFill>
-                <a:srgbClr val="262626"/>
-              </a:solidFill>
-            </a:endParaRPr>
-          </a:p>
-          <a:p>
-            <a:pPr marL="228600" lvl="0" indent="-228600" defTabSz="342900">
-              <a:lnSpc>
-                <a:spcPct val="120000"/>
-              </a:lnSpc>
-              <a:buFont typeface="Arial" panose="020B0604020202020204" pitchFamily="34" charset="0"/>
-              <a:buChar char="•"/>
-            </a:pPr>
-            <a:endParaRPr lang="en-US" altLang="en-US" sz="1800" dirty="0">
+              <a:t>Backend side:</a:t>
+            </a:r>
+            <a:endParaRPr lang="zh-CN" altLang="en-US" sz="1800" dirty="0">
               <a:solidFill>
                 <a:srgbClr val="262626"/>
               </a:solidFill>
@@ -7483,8 +7421,58 @@
                   <a:srgbClr val="262626"/>
                 </a:solidFill>
               </a:rPr>
-              <a:t>Step 3 Implement Context</a:t>
-            </a:r>
+              <a:t>Step 1:  Write Signup function (has nothing to do with JWT, just store data to DB)</a:t>
+            </a:r>
+            <a:endParaRPr lang="en-US" altLang="en-US" sz="1800" dirty="0">
+              <a:solidFill>
+                <a:srgbClr val="262626"/>
+              </a:solidFill>
+            </a:endParaRPr>
+          </a:p>
+          <a:p>
+            <a:pPr marL="228600" lvl="0" indent="-228600" defTabSz="342900">
+              <a:lnSpc>
+                <a:spcPct val="120000"/>
+              </a:lnSpc>
+              <a:buFont typeface="Arial" panose="020B0604020202020204" pitchFamily="34" charset="0"/>
+              <a:buChar char="•"/>
+            </a:pPr>
+            <a:r>
+              <a:rPr lang="en-US" altLang="en-US" sz="1800" dirty="0">
+                <a:solidFill>
+                  <a:srgbClr val="262626"/>
+                </a:solidFill>
+              </a:rPr>
+              <a:t>Step 2: Add JWT sign func to login controller</a:t>
+            </a:r>
+            <a:endParaRPr lang="en-US" altLang="en-US" sz="1800" dirty="0">
+              <a:solidFill>
+                <a:srgbClr val="262626"/>
+              </a:solidFill>
+            </a:endParaRPr>
+          </a:p>
+          <a:p>
+            <a:pPr marL="228600" lvl="0" indent="-228600" defTabSz="342900">
+              <a:lnSpc>
+                <a:spcPct val="120000"/>
+              </a:lnSpc>
+              <a:buFont typeface="Arial" panose="020B0604020202020204" pitchFamily="34" charset="0"/>
+              <a:buChar char="•"/>
+            </a:pPr>
+            <a:endParaRPr lang="en-US" altLang="en-US" sz="1800" dirty="0">
+              <a:solidFill>
+                <a:srgbClr val="262626"/>
+              </a:solidFill>
+            </a:endParaRPr>
+          </a:p>
+          <a:p>
+            <a:pPr marL="228600" lvl="0" indent="-228600" defTabSz="342900">
+              <a:lnSpc>
+                <a:spcPct val="120000"/>
+              </a:lnSpc>
+              <a:buFont typeface="Arial" panose="020B0604020202020204" pitchFamily="34" charset="0"/>
+              <a:buChar char="•"/>
+            </a:pPr>
             <a:endParaRPr lang="en-US" altLang="en-US" sz="1800" dirty="0">
               <a:solidFill>
                 <a:srgbClr val="262626"/>
@@ -7593,32 +7581,8 @@
         </p:blipFill>
         <p:spPr>
           <a:xfrm>
-            <a:off x="628650" y="4664075"/>
-            <a:ext cx="6817995" cy="2044065"/>
-          </a:xfrm>
-          <a:prstGeom prst="rect">
-            <a:avLst/>
-          </a:prstGeom>
-        </p:spPr>
-      </p:pic>
-      <p:pic>
-        <p:nvPicPr>
-          <p:cNvPr id="6" name="图片 5"/>
-          <p:cNvPicPr>
-            <a:picLocks noChangeAspect="1"/>
-          </p:cNvPicPr>
-          <p:nvPr/>
-        </p:nvPicPr>
-        <p:blipFill>
-          <a:blip r:embed="rId2"/>
-          <a:stretch>
-            <a:fillRect/>
-          </a:stretch>
-        </p:blipFill>
-        <p:spPr>
-          <a:xfrm>
-            <a:off x="628650" y="1997710"/>
-            <a:ext cx="4112895" cy="1953895"/>
+            <a:off x="816610" y="3441065"/>
+            <a:ext cx="6296025" cy="1943100"/>
           </a:xfrm>
           <a:prstGeom prst="rect">
             <a:avLst/>
@@ -7723,7 +7687,7 @@
                   <a:srgbClr val="262626"/>
                 </a:solidFill>
               </a:rPr>
-              <a:t>1 Hyperledger</a:t>
+              <a:t>4 JWT implementation</a:t>
             </a:r>
             <a:endParaRPr lang="en-US" altLang="en-US" sz="1800" dirty="0">
               <a:solidFill>
@@ -7745,9 +7709,9 @@
                   <a:srgbClr val="262626"/>
                 </a:solidFill>
               </a:rPr>
-              <a:t>Step 1: Start Network </a:t>
-            </a:r>
-            <a:endParaRPr lang="en-US" altLang="en-US" sz="1800" dirty="0">
+              <a:t>Backend side:</a:t>
+            </a:r>
+            <a:endParaRPr lang="zh-CN" altLang="en-US" sz="1800" dirty="0">
               <a:solidFill>
                 <a:srgbClr val="262626"/>
               </a:solidFill>
@@ -7767,64 +7731,8 @@
                   <a:srgbClr val="262626"/>
                 </a:solidFill>
               </a:rPr>
-              <a:t>Step 2: Write the chaincode</a:t>
-            </a:r>
-            <a:endParaRPr lang="en-US" altLang="en-US" sz="1800" dirty="0">
-              <a:solidFill>
-                <a:srgbClr val="262626"/>
-              </a:solidFill>
-            </a:endParaRPr>
-          </a:p>
-          <a:p>
-            <a:pPr marL="228600" lvl="0" indent="-228600" defTabSz="342900">
-              <a:lnSpc>
-                <a:spcPct val="120000"/>
-              </a:lnSpc>
-              <a:buFont typeface="Arial" panose="020B0604020202020204" pitchFamily="34" charset="0"/>
-              <a:buChar char="•"/>
-            </a:pPr>
-            <a:endParaRPr lang="en-US" altLang="en-US" sz="1800" dirty="0">
-              <a:solidFill>
-                <a:srgbClr val="262626"/>
-              </a:solidFill>
-            </a:endParaRPr>
-          </a:p>
-          <a:p>
-            <a:pPr marL="228600" lvl="0" indent="-228600" defTabSz="342900">
-              <a:lnSpc>
-                <a:spcPct val="120000"/>
-              </a:lnSpc>
-              <a:buFont typeface="Arial" panose="020B0604020202020204" pitchFamily="34" charset="0"/>
-              <a:buChar char="•"/>
-            </a:pPr>
-            <a:endParaRPr lang="en-US" altLang="en-US" sz="1800" dirty="0">
-              <a:solidFill>
-                <a:srgbClr val="262626"/>
-              </a:solidFill>
-            </a:endParaRPr>
-          </a:p>
-          <a:p>
-            <a:pPr marL="228600" lvl="0" indent="-228600" defTabSz="342900">
-              <a:lnSpc>
-                <a:spcPct val="120000"/>
-              </a:lnSpc>
-              <a:buFont typeface="Arial" panose="020B0604020202020204" pitchFamily="34" charset="0"/>
-              <a:buChar char="•"/>
-            </a:pPr>
-            <a:endParaRPr lang="en-US" altLang="en-US" sz="1800" dirty="0">
-              <a:solidFill>
-                <a:srgbClr val="262626"/>
-              </a:solidFill>
-            </a:endParaRPr>
-          </a:p>
-          <a:p>
-            <a:pPr marL="228600" lvl="0" indent="-228600" defTabSz="342900">
-              <a:lnSpc>
-                <a:spcPct val="120000"/>
-              </a:lnSpc>
-              <a:buFont typeface="Arial" panose="020B0604020202020204" pitchFamily="34" charset="0"/>
-              <a:buChar char="•"/>
-            </a:pPr>
+              <a:t>Step 3: Write auth middleware</a:t>
+            </a:r>
             <a:endParaRPr lang="en-US" altLang="en-US" sz="1800" dirty="0">
               <a:solidFill>
                 <a:srgbClr val="262626"/>
@@ -7845,36 +7753,8 @@
                   <a:srgbClr val="262626"/>
                 </a:solidFill>
               </a:rPr>
-              <a:t>Step 3 Implement Context</a:t>
-            </a:r>
-            <a:endParaRPr lang="en-US" altLang="en-US" sz="1800" dirty="0">
-              <a:solidFill>
-                <a:srgbClr val="262626"/>
-              </a:solidFill>
-            </a:endParaRPr>
-          </a:p>
-          <a:p>
-            <a:pPr marL="228600" lvl="0" indent="-228600" defTabSz="342900">
-              <a:lnSpc>
-                <a:spcPct val="120000"/>
-              </a:lnSpc>
-              <a:buFont typeface="Arial" panose="020B0604020202020204" pitchFamily="34" charset="0"/>
-              <a:buChar char="•"/>
-            </a:pPr>
-            <a:endParaRPr lang="en-US" altLang="en-US" sz="1800" dirty="0">
-              <a:solidFill>
-                <a:srgbClr val="262626"/>
-              </a:solidFill>
-            </a:endParaRPr>
-          </a:p>
-          <a:p>
-            <a:pPr marL="228600" lvl="0" indent="-228600" defTabSz="342900">
-              <a:lnSpc>
-                <a:spcPct val="120000"/>
-              </a:lnSpc>
-              <a:buFont typeface="Arial" panose="020B0604020202020204" pitchFamily="34" charset="0"/>
-              <a:buChar char="•"/>
-            </a:pPr>
+              <a:t>Keep secret to be the  same. (This is a seprate process with loging)</a:t>
+            </a:r>
             <a:endParaRPr lang="en-US" altLang="en-US" sz="1800" dirty="0">
               <a:solidFill>
                 <a:srgbClr val="262626"/>
@@ -7939,6 +7819,30 @@
           </a:p>
         </p:txBody>
       </p:sp>
+      <p:pic>
+        <p:nvPicPr>
+          <p:cNvPr id="6" name="图片 5"/>
+          <p:cNvPicPr>
+            <a:picLocks noChangeAspect="1"/>
+          </p:cNvPicPr>
+          <p:nvPr/>
+        </p:nvPicPr>
+        <p:blipFill>
+          <a:blip r:embed="rId1"/>
+          <a:stretch>
+            <a:fillRect/>
+          </a:stretch>
+        </p:blipFill>
+        <p:spPr>
+          <a:xfrm>
+            <a:off x="882015" y="3355340"/>
+            <a:ext cx="6448425" cy="2590800"/>
+          </a:xfrm>
+          <a:prstGeom prst="rect">
+            <a:avLst/>
+          </a:prstGeom>
+        </p:spPr>
+      </p:pic>
     </p:spTree>
   </p:cSld>
   <p:clrMapOvr>
@@ -7991,16 +7895,9 @@
               <a:rPr lang="en-US" sz="3200" b="1" dirty="0">
                 <a:latin typeface="Calibri" panose="020F0502020204030204" pitchFamily="34" charset="0"/>
                 <a:cs typeface="Calibri" panose="020F0502020204030204" pitchFamily="34" charset="0"/>
-              </a:rPr>
-              <a:t>Dive into Proxy (</a:t>
-            </a:r>
-            <a:r>
-              <a:rPr lang="en-US" sz="3200" b="1" dirty="0">
-                <a:latin typeface="Calibri" panose="020F0502020204030204" pitchFamily="34" charset="0"/>
-                <a:cs typeface="Calibri" panose="020F0502020204030204" pitchFamily="34" charset="0"/>
                 <a:sym typeface="+mn-ea"/>
               </a:rPr>
-              <a:t>Architect a Solidity Program)</a:t>
+              <a:t>Summarize technique implementation process</a:t>
             </a:r>
             <a:endParaRPr lang="en-US" sz="3200" b="1" dirty="0">
               <a:latin typeface="Calibri" panose="020F0502020204030204" pitchFamily="34" charset="0"/>
@@ -8031,10 +7928,12 @@
           </a:bodyPr>
           <a:lstStyle/>
           <a:p>
-            <a:pPr defTabSz="342900">
-              <a:lnSpc>
-                <a:spcPct val="120000"/>
-              </a:lnSpc>
+            <a:pPr marL="228600" lvl="0" indent="-228600" defTabSz="342900">
+              <a:lnSpc>
+                <a:spcPct val="120000"/>
+              </a:lnSpc>
+              <a:buFont typeface="Arial" panose="020B0604020202020204" pitchFamily="34" charset="0"/>
+              <a:buChar char="•"/>
             </a:pPr>
             <a:r>
               <a:rPr lang="en-US" altLang="en-US" sz="1800" dirty="0">
@@ -8042,15 +7941,7 @@
                   <a:srgbClr val="262626"/>
                 </a:solidFill>
               </a:rPr>
-              <a:t>Inherited, </a:t>
-            </a:r>
-            <a:r>
-              <a:rPr lang="en-US" altLang="zh-CN" sz="1800" dirty="0">
-                <a:solidFill>
-                  <a:srgbClr val="262626"/>
-                </a:solidFill>
-              </a:rPr>
-              <a:t>Unstructured, External Storage, ProxyFactory and ProxyAdmin</a:t>
+              <a:t>4 JWT implementation</a:t>
             </a:r>
             <a:endParaRPr lang="en-US" altLang="en-US" sz="1800" dirty="0">
               <a:solidFill>
@@ -8072,68 +7963,58 @@
                   <a:srgbClr val="262626"/>
                 </a:solidFill>
               </a:rPr>
-              <a:t>(</a:t>
-            </a:r>
-            <a:r>
-              <a:rPr lang="en-US" altLang="en-US" sz="1800" dirty="0">
-                <a:solidFill>
-                  <a:srgbClr val="FF0000"/>
-                </a:solidFill>
-              </a:rPr>
-              <a:t>Code Explain</a:t>
-            </a:r>
+              <a:t>Frontend side:</a:t>
+            </a:r>
+            <a:endParaRPr lang="zh-CN" altLang="en-US" sz="1800" dirty="0">
+              <a:solidFill>
+                <a:srgbClr val="262626"/>
+              </a:solidFill>
+            </a:endParaRPr>
+          </a:p>
+          <a:p>
+            <a:pPr marL="228600" lvl="0" indent="-228600" defTabSz="342900">
+              <a:lnSpc>
+                <a:spcPct val="120000"/>
+              </a:lnSpc>
+              <a:buFont typeface="Arial" panose="020B0604020202020204" pitchFamily="34" charset="0"/>
+              <a:buChar char="•"/>
+            </a:pPr>
             <a:r>
               <a:rPr lang="en-US" altLang="en-US" sz="1800" dirty="0">
                 <a:solidFill>
                   <a:srgbClr val="262626"/>
                 </a:solidFill>
               </a:rPr>
-              <a:t>)</a:t>
-            </a:r>
-            <a:endParaRPr lang="en-US" altLang="en-US" sz="1800" dirty="0">
-              <a:solidFill>
-                <a:srgbClr val="262626"/>
-              </a:solidFill>
-            </a:endParaRPr>
-          </a:p>
-          <a:p>
-            <a:pPr marL="228600" lvl="0" indent="-228600" defTabSz="342900">
-              <a:lnSpc>
-                <a:spcPct val="120000"/>
-              </a:lnSpc>
-              <a:buFont typeface="Arial" panose="020B0604020202020204" pitchFamily="34" charset="0"/>
-              <a:buChar char="•"/>
-            </a:pPr>
-            <a:r>
-              <a:rPr lang="en-US" altLang="en-US" sz="1800" b="1" dirty="0">
-                <a:solidFill>
-                  <a:srgbClr val="262626"/>
-                </a:solidFill>
-              </a:rPr>
-              <a:t>Inherited</a:t>
-            </a:r>
-            <a:endParaRPr lang="en-US" altLang="en-US" sz="1800" b="1" dirty="0">
-              <a:solidFill>
-                <a:srgbClr val="262626"/>
-              </a:solidFill>
-            </a:endParaRPr>
-          </a:p>
-          <a:p>
-            <a:pPr marL="228600" lvl="0" indent="-228600" defTabSz="342900">
-              <a:lnSpc>
-                <a:spcPct val="120000"/>
-              </a:lnSpc>
-              <a:buFont typeface="Arial" panose="020B0604020202020204" pitchFamily="34" charset="0"/>
-              <a:buChar char="•"/>
-            </a:pPr>
-            <a:r>
-              <a:rPr lang="en-US" altLang="en-US" sz="1800" dirty="0">
-                <a:solidFill>
-                  <a:srgbClr val="262626"/>
-                </a:solidFill>
-              </a:rPr>
-              <a:t>What does it mean by upgradability? there is a initializer in the smartcontract or there are no constructor / initializer </a:t>
-            </a:r>
+              <a:t>Step 4: Write a login form and a login function in a component to Send the login request to banckend to invoke auth. will get a json in return</a:t>
+            </a:r>
+            <a:endParaRPr lang="en-US" altLang="en-US" sz="1800" dirty="0">
+              <a:solidFill>
+                <a:srgbClr val="262626"/>
+              </a:solidFill>
+            </a:endParaRPr>
+          </a:p>
+          <a:p>
+            <a:pPr marL="228600" lvl="0" indent="-228600" defTabSz="342900">
+              <a:lnSpc>
+                <a:spcPct val="120000"/>
+              </a:lnSpc>
+              <a:buFont typeface="Arial" panose="020B0604020202020204" pitchFamily="34" charset="0"/>
+              <a:buChar char="•"/>
+            </a:pPr>
+            <a:endParaRPr lang="en-US" altLang="en-US" sz="1800" dirty="0">
+              <a:solidFill>
+                <a:srgbClr val="262626"/>
+              </a:solidFill>
+            </a:endParaRPr>
+          </a:p>
+          <a:p>
+            <a:pPr marL="228600" lvl="0" indent="-228600" defTabSz="342900">
+              <a:lnSpc>
+                <a:spcPct val="120000"/>
+              </a:lnSpc>
+              <a:buFont typeface="Arial" panose="020B0604020202020204" pitchFamily="34" charset="0"/>
+              <a:buChar char="•"/>
+            </a:pPr>
             <a:endParaRPr lang="en-US" altLang="en-US" sz="1800" dirty="0">
               <a:solidFill>
                 <a:srgbClr val="262626"/>
@@ -8172,8 +8053,8 @@
         </p:blipFill>
         <p:spPr>
           <a:xfrm>
-            <a:off x="628650" y="3296920"/>
-            <a:ext cx="7965440" cy="2832735"/>
+            <a:off x="438150" y="3138805"/>
+            <a:ext cx="8267700" cy="2838450"/>
           </a:xfrm>
           <a:prstGeom prst="rect">
             <a:avLst/>
@@ -8232,16 +8113,9 @@
               <a:rPr lang="en-US" sz="3200" b="1" dirty="0">
                 <a:latin typeface="Calibri" panose="020F0502020204030204" pitchFamily="34" charset="0"/>
                 <a:cs typeface="Calibri" panose="020F0502020204030204" pitchFamily="34" charset="0"/>
-              </a:rPr>
-              <a:t>Dive into Proxy (</a:t>
-            </a:r>
-            <a:r>
-              <a:rPr lang="en-US" sz="3200" b="1" dirty="0">
-                <a:latin typeface="Calibri" panose="020F0502020204030204" pitchFamily="34" charset="0"/>
-                <a:cs typeface="Calibri" panose="020F0502020204030204" pitchFamily="34" charset="0"/>
                 <a:sym typeface="+mn-ea"/>
               </a:rPr>
-              <a:t>Architect a Solidity Program)</a:t>
+              <a:t>Summarize technique implementation process</a:t>
             </a:r>
             <a:endParaRPr lang="en-US" sz="3200" b="1" dirty="0">
               <a:latin typeface="Calibri" panose="020F0502020204030204" pitchFamily="34" charset="0"/>
@@ -8285,7 +8159,7 @@
                   <a:srgbClr val="262626"/>
                 </a:solidFill>
               </a:rPr>
-              <a:t>Drawbacks:</a:t>
+              <a:t>4 JWT implementation</a:t>
             </a:r>
             <a:endParaRPr lang="en-US" altLang="en-US" sz="1800" dirty="0">
               <a:solidFill>
@@ -8307,9 +8181,9 @@
                   <a:srgbClr val="262626"/>
                 </a:solidFill>
               </a:rPr>
-              <a:t>Data Model cannot be changed, can only be updated or add new features</a:t>
-            </a:r>
-            <a:endParaRPr lang="en-US" altLang="en-US" sz="1800" dirty="0">
+              <a:t>Frontend side:</a:t>
+            </a:r>
+            <a:endParaRPr lang="zh-CN" altLang="en-US" sz="1800" dirty="0">
               <a:solidFill>
                 <a:srgbClr val="262626"/>
               </a:solidFill>
@@ -8329,24 +8203,36 @@
                   <a:srgbClr val="262626"/>
                 </a:solidFill>
               </a:rPr>
-              <a:t>(</a:t>
-            </a:r>
-            <a:r>
-              <a:rPr lang="en-US" altLang="en-US" sz="1800" dirty="0">
-                <a:solidFill>
-                  <a:srgbClr val="FF0000"/>
-                </a:solidFill>
-              </a:rPr>
-              <a:t>Code Explain</a:t>
-            </a:r>
-            <a:r>
-              <a:rPr lang="en-US" altLang="en-US" sz="1800" dirty="0">
-                <a:solidFill>
-                  <a:srgbClr val="262626"/>
-                </a:solidFill>
-              </a:rPr>
-              <a:t>)</a:t>
-            </a:r>
+              <a:t>login function</a:t>
+            </a:r>
+            <a:endParaRPr lang="en-US" altLang="en-US" sz="1800" dirty="0">
+              <a:solidFill>
+                <a:srgbClr val="262626"/>
+              </a:solidFill>
+            </a:endParaRPr>
+          </a:p>
+          <a:p>
+            <a:pPr marL="228600" lvl="0" indent="-228600" defTabSz="342900">
+              <a:lnSpc>
+                <a:spcPct val="120000"/>
+              </a:lnSpc>
+              <a:buFont typeface="Arial" panose="020B0604020202020204" pitchFamily="34" charset="0"/>
+              <a:buChar char="•"/>
+            </a:pPr>
+            <a:endParaRPr lang="en-US" altLang="en-US" sz="1800" dirty="0">
+              <a:solidFill>
+                <a:srgbClr val="262626"/>
+              </a:solidFill>
+            </a:endParaRPr>
+          </a:p>
+          <a:p>
+            <a:pPr marL="228600" lvl="0" indent="-228600" defTabSz="342900">
+              <a:lnSpc>
+                <a:spcPct val="120000"/>
+              </a:lnSpc>
+              <a:buFont typeface="Arial" panose="020B0604020202020204" pitchFamily="34" charset="0"/>
+              <a:buChar char="•"/>
+            </a:pPr>
             <a:endParaRPr lang="en-US" altLang="en-US" sz="1800" dirty="0">
               <a:solidFill>
                 <a:srgbClr val="262626"/>
@@ -8357,7 +8243,7 @@
       </p:sp>
       <p:pic>
         <p:nvPicPr>
-          <p:cNvPr id="5" name="图片 4"/>
+          <p:cNvPr id="4" name="图片 3"/>
           <p:cNvPicPr>
             <a:picLocks noChangeAspect="1"/>
           </p:cNvPicPr>
@@ -8371,8 +8257,8 @@
         </p:blipFill>
         <p:spPr>
           <a:xfrm>
-            <a:off x="469900" y="2774315"/>
-            <a:ext cx="8203565" cy="2917825"/>
+            <a:off x="628650" y="2720975"/>
+            <a:ext cx="6781800" cy="2600325"/>
           </a:xfrm>
           <a:prstGeom prst="rect">
             <a:avLst/>
@@ -8431,16 +8317,9 @@
               <a:rPr lang="en-US" sz="3200" b="1" dirty="0">
                 <a:latin typeface="Calibri" panose="020F0502020204030204" pitchFamily="34" charset="0"/>
                 <a:cs typeface="Calibri" panose="020F0502020204030204" pitchFamily="34" charset="0"/>
-              </a:rPr>
-              <a:t>Dive into Proxy (</a:t>
-            </a:r>
-            <a:r>
-              <a:rPr lang="en-US" sz="3200" b="1" dirty="0">
-                <a:latin typeface="Calibri" panose="020F0502020204030204" pitchFamily="34" charset="0"/>
-                <a:cs typeface="Calibri" panose="020F0502020204030204" pitchFamily="34" charset="0"/>
                 <a:sym typeface="+mn-ea"/>
               </a:rPr>
-              <a:t>Architect a Solidity Program)</a:t>
+              <a:t>Summarize technique implementation process</a:t>
             </a:r>
             <a:endParaRPr lang="en-US" sz="3200" b="1" dirty="0">
               <a:latin typeface="Calibri" panose="020F0502020204030204" pitchFamily="34" charset="0"/>
@@ -8484,7 +8363,7 @@
                   <a:srgbClr val="262626"/>
                 </a:solidFill>
               </a:rPr>
-              <a:t>Eternal Storage</a:t>
+              <a:t>4 JWT implementation</a:t>
             </a:r>
             <a:endParaRPr lang="en-US" altLang="en-US" sz="1800" dirty="0">
               <a:solidFill>
@@ -8506,24 +8385,58 @@
                   <a:srgbClr val="262626"/>
                 </a:solidFill>
               </a:rPr>
-              <a:t>(</a:t>
-            </a:r>
-            <a:r>
-              <a:rPr lang="en-US" altLang="en-US" sz="1800" dirty="0">
-                <a:solidFill>
-                  <a:srgbClr val="FF0000"/>
-                </a:solidFill>
-              </a:rPr>
-              <a:t>Code Explain</a:t>
-            </a:r>
+              <a:t>Frontend side:</a:t>
+            </a:r>
+            <a:endParaRPr lang="zh-CN" altLang="en-US" sz="1800" dirty="0">
+              <a:solidFill>
+                <a:srgbClr val="262626"/>
+              </a:solidFill>
+            </a:endParaRPr>
+          </a:p>
+          <a:p>
+            <a:pPr marL="228600" lvl="0" indent="-228600" defTabSz="342900">
+              <a:lnSpc>
+                <a:spcPct val="120000"/>
+              </a:lnSpc>
+              <a:buFont typeface="Arial" panose="020B0604020202020204" pitchFamily="34" charset="0"/>
+              <a:buChar char="•"/>
+            </a:pPr>
             <a:r>
               <a:rPr lang="en-US" altLang="en-US" sz="1800" dirty="0">
                 <a:solidFill>
                   <a:srgbClr val="262626"/>
                 </a:solidFill>
               </a:rPr>
-              <a:t>)</a:t>
-            </a:r>
+              <a:t>send request to backend</a:t>
+            </a:r>
+            <a:endParaRPr lang="en-US" altLang="en-US" sz="1800" dirty="0">
+              <a:solidFill>
+                <a:srgbClr val="262626"/>
+              </a:solidFill>
+            </a:endParaRPr>
+          </a:p>
+          <a:p>
+            <a:pPr marL="228600" lvl="0" indent="-228600" defTabSz="342900">
+              <a:lnSpc>
+                <a:spcPct val="120000"/>
+              </a:lnSpc>
+              <a:buFont typeface="Arial" panose="020B0604020202020204" pitchFamily="34" charset="0"/>
+              <a:buChar char="•"/>
+            </a:pPr>
+            <a:endParaRPr lang="en-US" altLang="en-US" sz="1800" dirty="0">
+              <a:solidFill>
+                <a:srgbClr val="262626"/>
+              </a:solidFill>
+            </a:endParaRPr>
+          </a:p>
+          <a:p>
+            <a:pPr marL="228600" lvl="0" indent="-228600" defTabSz="342900">
+              <a:lnSpc>
+                <a:spcPct val="120000"/>
+              </a:lnSpc>
+              <a:buFont typeface="Arial" panose="020B0604020202020204" pitchFamily="34" charset="0"/>
+              <a:buChar char="•"/>
+            </a:pPr>
             <a:endParaRPr lang="en-US" altLang="en-US" sz="1800" dirty="0">
               <a:solidFill>
                 <a:srgbClr val="262626"/>
@@ -8534,7 +8447,7 @@
       </p:sp>
       <p:pic>
         <p:nvPicPr>
-          <p:cNvPr id="6" name="图片 5"/>
+          <p:cNvPr id="5" name="图片 4"/>
           <p:cNvPicPr>
             <a:picLocks noChangeAspect="1"/>
           </p:cNvPicPr>
@@ -8548,8 +8461,8 @@
         </p:blipFill>
         <p:spPr>
           <a:xfrm>
-            <a:off x="209550" y="2404110"/>
-            <a:ext cx="8724900" cy="3381375"/>
+            <a:off x="1236980" y="2758440"/>
+            <a:ext cx="6019800" cy="3429000"/>
           </a:xfrm>
           <a:prstGeom prst="rect">
             <a:avLst/>
@@ -8608,16 +8521,9 @@
               <a:rPr lang="en-US" sz="3200" b="1" dirty="0">
                 <a:latin typeface="Calibri" panose="020F0502020204030204" pitchFamily="34" charset="0"/>
                 <a:cs typeface="Calibri" panose="020F0502020204030204" pitchFamily="34" charset="0"/>
-              </a:rPr>
-              <a:t>Dive into Proxy (</a:t>
-            </a:r>
-            <a:r>
-              <a:rPr lang="en-US" sz="3200" b="1" dirty="0">
-                <a:latin typeface="Calibri" panose="020F0502020204030204" pitchFamily="34" charset="0"/>
-                <a:cs typeface="Calibri" panose="020F0502020204030204" pitchFamily="34" charset="0"/>
                 <a:sym typeface="+mn-ea"/>
               </a:rPr>
-              <a:t>Architect a Solidity Program)</a:t>
+              <a:t>Summarize technique implementation process</a:t>
             </a:r>
             <a:endParaRPr lang="en-US" sz="3200" b="1" dirty="0">
               <a:latin typeface="Calibri" panose="020F0502020204030204" pitchFamily="34" charset="0"/>
@@ -8661,8 +8567,116 @@
                   <a:srgbClr val="262626"/>
                 </a:solidFill>
               </a:rPr>
-              <a:t>Eternal Storage</a:t>
-            </a:r>
+              <a:t>4 JWT implementation</a:t>
+            </a:r>
+            <a:endParaRPr lang="en-US" altLang="en-US" sz="1800" dirty="0">
+              <a:solidFill>
+                <a:srgbClr val="262626"/>
+              </a:solidFill>
+            </a:endParaRPr>
+          </a:p>
+          <a:p>
+            <a:pPr marL="228600" lvl="0" indent="-228600" defTabSz="342900">
+              <a:lnSpc>
+                <a:spcPct val="120000"/>
+              </a:lnSpc>
+              <a:buFont typeface="Arial" panose="020B0604020202020204" pitchFamily="34" charset="0"/>
+              <a:buChar char="•"/>
+            </a:pPr>
+            <a:endParaRPr lang="en-US" altLang="en-US" sz="1800" dirty="0">
+              <a:solidFill>
+                <a:srgbClr val="262626"/>
+              </a:solidFill>
+            </a:endParaRPr>
+          </a:p>
+          <a:p>
+            <a:pPr marL="228600" lvl="0" indent="-228600" defTabSz="342900">
+              <a:lnSpc>
+                <a:spcPct val="120000"/>
+              </a:lnSpc>
+              <a:buFont typeface="Arial" panose="020B0604020202020204" pitchFamily="34" charset="0"/>
+              <a:buChar char="•"/>
+            </a:pPr>
+            <a:r>
+              <a:rPr lang="en-US" altLang="en-US" sz="1800" dirty="0">
+                <a:solidFill>
+                  <a:srgbClr val="262626"/>
+                </a:solidFill>
+              </a:rPr>
+              <a:t>Frontend side:</a:t>
+            </a:r>
+            <a:endParaRPr lang="zh-CN" altLang="en-US" sz="1800" dirty="0">
+              <a:solidFill>
+                <a:srgbClr val="262626"/>
+              </a:solidFill>
+            </a:endParaRPr>
+          </a:p>
+          <a:p>
+            <a:pPr marL="228600" lvl="0" indent="-228600" defTabSz="342900">
+              <a:lnSpc>
+                <a:spcPct val="120000"/>
+              </a:lnSpc>
+              <a:buFont typeface="Arial" panose="020B0604020202020204" pitchFamily="34" charset="0"/>
+              <a:buChar char="•"/>
+            </a:pPr>
+            <a:r>
+              <a:rPr lang="en-US" altLang="en-US" sz="1800" dirty="0">
+                <a:solidFill>
+                  <a:srgbClr val="262626"/>
+                </a:solidFill>
+              </a:rPr>
+              <a:t>Step 5: either store the token in context and localStorage, using set function</a:t>
+            </a:r>
+            <a:endParaRPr lang="en-US" altLang="en-US" sz="1800" dirty="0">
+              <a:solidFill>
+                <a:srgbClr val="262626"/>
+              </a:solidFill>
+            </a:endParaRPr>
+          </a:p>
+          <a:p>
+            <a:pPr marL="228600" lvl="0" indent="-228600" defTabSz="342900">
+              <a:lnSpc>
+                <a:spcPct val="120000"/>
+              </a:lnSpc>
+              <a:buFont typeface="Arial" panose="020B0604020202020204" pitchFamily="34" charset="0"/>
+              <a:buChar char="•"/>
+            </a:pPr>
+            <a:r>
+              <a:rPr lang="en-US" altLang="en-US" sz="1800" dirty="0">
+                <a:solidFill>
+                  <a:srgbClr val="262626"/>
+                </a:solidFill>
+              </a:rPr>
+              <a:t>Step 6: write logout using remove function and set the state to rerender the page</a:t>
+            </a:r>
+            <a:endParaRPr lang="en-US" altLang="en-US" sz="1800" dirty="0">
+              <a:solidFill>
+                <a:srgbClr val="262626"/>
+              </a:solidFill>
+            </a:endParaRPr>
+          </a:p>
+          <a:p>
+            <a:pPr marL="228600" lvl="0" indent="-228600" defTabSz="342900">
+              <a:lnSpc>
+                <a:spcPct val="120000"/>
+              </a:lnSpc>
+              <a:buFont typeface="Arial" panose="020B0604020202020204" pitchFamily="34" charset="0"/>
+              <a:buChar char="•"/>
+            </a:pPr>
+            <a:endParaRPr lang="en-US" altLang="en-US" sz="1800" dirty="0">
+              <a:solidFill>
+                <a:srgbClr val="262626"/>
+              </a:solidFill>
+            </a:endParaRPr>
+          </a:p>
+          <a:p>
+            <a:pPr marL="228600" lvl="0" indent="-228600" defTabSz="342900">
+              <a:lnSpc>
+                <a:spcPct val="120000"/>
+              </a:lnSpc>
+              <a:buFont typeface="Arial" panose="020B0604020202020204" pitchFamily="34" charset="0"/>
+              <a:buChar char="•"/>
+            </a:pPr>
             <a:endParaRPr lang="en-US" altLang="en-US" sz="1800" dirty="0">
               <a:solidFill>
                 <a:srgbClr val="262626"/>
@@ -8671,54 +8685,6 @@
           </a:p>
         </p:txBody>
       </p:sp>
-      <p:pic>
-        <p:nvPicPr>
-          <p:cNvPr id="7" name="图片 6"/>
-          <p:cNvPicPr>
-            <a:picLocks noChangeAspect="1"/>
-          </p:cNvPicPr>
-          <p:nvPr/>
-        </p:nvPicPr>
-        <p:blipFill>
-          <a:blip r:embed="rId1"/>
-          <a:stretch>
-            <a:fillRect/>
-          </a:stretch>
-        </p:blipFill>
-        <p:spPr>
-          <a:xfrm>
-            <a:off x="628650" y="1626870"/>
-            <a:ext cx="6010910" cy="2696845"/>
-          </a:xfrm>
-          <a:prstGeom prst="rect">
-            <a:avLst/>
-          </a:prstGeom>
-        </p:spPr>
-      </p:pic>
-      <p:pic>
-        <p:nvPicPr>
-          <p:cNvPr id="4" name="图片 3"/>
-          <p:cNvPicPr>
-            <a:picLocks noChangeAspect="1"/>
-          </p:cNvPicPr>
-          <p:nvPr/>
-        </p:nvPicPr>
-        <p:blipFill>
-          <a:blip r:embed="rId2"/>
-          <a:stretch>
-            <a:fillRect/>
-          </a:stretch>
-        </p:blipFill>
-        <p:spPr>
-          <a:xfrm>
-            <a:off x="628650" y="4671060"/>
-            <a:ext cx="3819525" cy="1924050"/>
-          </a:xfrm>
-          <a:prstGeom prst="rect">
-            <a:avLst/>
-          </a:prstGeom>
-        </p:spPr>
-      </p:pic>
     </p:spTree>
   </p:cSld>
   <p:clrMapOvr>
@@ -8772,15 +8738,7 @@
                 <a:latin typeface="Calibri" panose="020F0502020204030204" pitchFamily="34" charset="0"/>
                 <a:cs typeface="Calibri" panose="020F0502020204030204" pitchFamily="34" charset="0"/>
               </a:rPr>
-              <a:t>Dive into Proxy (</a:t>
-            </a:r>
-            <a:r>
-              <a:rPr lang="en-US" sz="3200" b="1" dirty="0">
-                <a:latin typeface="Calibri" panose="020F0502020204030204" pitchFamily="34" charset="0"/>
-                <a:cs typeface="Calibri" panose="020F0502020204030204" pitchFamily="34" charset="0"/>
-                <a:sym typeface="+mn-ea"/>
-              </a:rPr>
-              <a:t>Architect a Solidity Program)</a:t>
+              <a:t>React Router Design</a:t>
             </a:r>
             <a:endParaRPr lang="en-US" sz="3200" b="1" dirty="0">
               <a:latin typeface="Calibri" panose="020F0502020204030204" pitchFamily="34" charset="0"/>
@@ -8824,7 +8782,7 @@
                   <a:srgbClr val="262626"/>
                 </a:solidFill>
               </a:rPr>
-              <a:t>Pros:</a:t>
+              <a:t>Logic:</a:t>
             </a:r>
             <a:endParaRPr lang="en-US" altLang="en-US" sz="1800" dirty="0">
               <a:solidFill>
@@ -8846,67 +8804,143 @@
                   <a:srgbClr val="262626"/>
                 </a:solidFill>
               </a:rPr>
-              <a:t>The actural impl contract's data structure doesn't need to follow the previous impl contract's data structure</a:t>
-            </a:r>
-            <a:endParaRPr lang="en-US" altLang="en-US" sz="1800" dirty="0">
-              <a:solidFill>
-                <a:srgbClr val="262626"/>
-              </a:solidFill>
-            </a:endParaRPr>
-          </a:p>
-          <a:p>
-            <a:pPr marL="228600" lvl="0" indent="-228600" defTabSz="342900">
-              <a:lnSpc>
-                <a:spcPct val="120000"/>
-              </a:lnSpc>
-              <a:buFont typeface="Arial" panose="020B0604020202020204" pitchFamily="34" charset="0"/>
-              <a:buChar char="•"/>
-            </a:pPr>
-            <a:endParaRPr lang="en-US" altLang="en-US" sz="1800" dirty="0">
-              <a:solidFill>
-                <a:srgbClr val="262626"/>
-              </a:solidFill>
-            </a:endParaRPr>
-          </a:p>
-          <a:p>
-            <a:pPr marL="228600" lvl="0" indent="-228600" defTabSz="342900">
-              <a:lnSpc>
-                <a:spcPct val="120000"/>
-              </a:lnSpc>
-              <a:buFont typeface="Arial" panose="020B0604020202020204" pitchFamily="34" charset="0"/>
-              <a:buChar char="•"/>
-            </a:pPr>
-            <a:r>
-              <a:rPr lang="en-US" altLang="en-US" sz="1800" dirty="0">
+              <a:t>if not loggedin =&gt; goes to login page</a:t>
+            </a:r>
+            <a:endParaRPr lang="en-US" altLang="en-US" sz="1800" dirty="0">
+              <a:solidFill>
+                <a:srgbClr val="262626"/>
+              </a:solidFill>
+            </a:endParaRPr>
+          </a:p>
+          <a:p>
+            <a:pPr marL="228600" lvl="0" indent="-228600" defTabSz="342900">
+              <a:lnSpc>
+                <a:spcPct val="120000"/>
+              </a:lnSpc>
+              <a:buFont typeface="Arial" panose="020B0604020202020204" pitchFamily="34" charset="0"/>
+              <a:buChar char="•"/>
+            </a:pPr>
+            <a:r>
+              <a:rPr lang="en-US" altLang="zh-CN" sz="1800" dirty="0">
                 <a:solidFill>
                   <a:srgbClr val="262626"/>
                 </a:solidFill>
               </a:rPr>
-              <a:t>Cons:</a:t>
-            </a:r>
-            <a:endParaRPr lang="en-US" altLang="en-US" sz="1800" dirty="0">
-              <a:solidFill>
-                <a:srgbClr val="262626"/>
-              </a:solidFill>
-            </a:endParaRPr>
-          </a:p>
-          <a:p>
-            <a:pPr marL="228600" lvl="0" indent="-228600" defTabSz="342900">
-              <a:lnSpc>
-                <a:spcPct val="120000"/>
-              </a:lnSpc>
-              <a:buFont typeface="Arial" panose="020B0604020202020204" pitchFamily="34" charset="0"/>
-              <a:buChar char="•"/>
-            </a:pPr>
-            <a:r>
-              <a:rPr lang="en-US" altLang="en-US" sz="1800" dirty="0">
+              <a:t>other wise =&gt; dashboard</a:t>
+            </a:r>
+            <a:endParaRPr lang="en-US" altLang="zh-CN" sz="1800" dirty="0">
+              <a:solidFill>
+                <a:srgbClr val="262626"/>
+              </a:solidFill>
+            </a:endParaRPr>
+          </a:p>
+          <a:p>
+            <a:pPr marL="685800" lvl="1" indent="-228600" defTabSz="342900">
+              <a:lnSpc>
+                <a:spcPct val="120000"/>
+              </a:lnSpc>
+              <a:buFont typeface="Arial" panose="020B0604020202020204" pitchFamily="34" charset="0"/>
+              <a:buChar char="•"/>
+            </a:pPr>
+            <a:r>
+              <a:rPr lang="en-US" altLang="zh-CN" sz="1800" dirty="0">
                 <a:solidFill>
                   <a:srgbClr val="262626"/>
                 </a:solidFill>
               </a:rPr>
-              <a:t>Hard to write, as we need to extract all the data storing out</a:t>
-            </a:r>
-            <a:endParaRPr lang="en-US" altLang="en-US" sz="1800" dirty="0">
+              <a:t>swith subpages (define switch for the first level router) example App</a:t>
+            </a:r>
+            <a:endParaRPr lang="en-US" altLang="zh-CN" sz="1800" dirty="0">
+              <a:solidFill>
+                <a:srgbClr val="262626"/>
+              </a:solidFill>
+            </a:endParaRPr>
+          </a:p>
+          <a:p>
+            <a:pPr marL="1143000" lvl="2" indent="-228600" defTabSz="342900">
+              <a:lnSpc>
+                <a:spcPct val="120000"/>
+              </a:lnSpc>
+              <a:buFont typeface="Arial" panose="020B0604020202020204" pitchFamily="34" charset="0"/>
+              <a:buChar char="•"/>
+            </a:pPr>
+            <a:r>
+              <a:rPr lang="en-US" altLang="zh-CN" sz="1800" dirty="0">
+                <a:solidFill>
+                  <a:srgbClr val="262626"/>
+                </a:solidFill>
+              </a:rPr>
+              <a:t>secondary subpages </a:t>
+            </a:r>
+            <a:r>
+              <a:rPr lang="en-US" altLang="zh-CN" sz="1800" dirty="0">
+                <a:solidFill>
+                  <a:srgbClr val="262626"/>
+                </a:solidFill>
+                <a:sym typeface="+mn-ea"/>
+              </a:rPr>
+              <a:t>(define switch for the second level router)</a:t>
+            </a:r>
+            <a:endParaRPr lang="en-US" altLang="zh-CN" sz="1800" dirty="0">
+              <a:solidFill>
+                <a:srgbClr val="262626"/>
+              </a:solidFill>
+              <a:sym typeface="+mn-ea"/>
+            </a:endParaRPr>
+          </a:p>
+          <a:p>
+            <a:pPr marL="1143000" lvl="2" indent="-228600" defTabSz="342900">
+              <a:lnSpc>
+                <a:spcPct val="120000"/>
+              </a:lnSpc>
+              <a:buFont typeface="Arial" panose="020B0604020202020204" pitchFamily="34" charset="0"/>
+              <a:buChar char="•"/>
+            </a:pPr>
+            <a:r>
+              <a:rPr lang="en-US" altLang="zh-CN" sz="1800" dirty="0">
+                <a:solidFill>
+                  <a:srgbClr val="262626"/>
+                </a:solidFill>
+              </a:rPr>
+              <a:t>example contract</a:t>
+            </a:r>
+            <a:endParaRPr lang="en-US" altLang="zh-CN" sz="1800" dirty="0">
+              <a:solidFill>
+                <a:srgbClr val="262626"/>
+              </a:solidFill>
+            </a:endParaRPr>
+          </a:p>
+          <a:p>
+            <a:pPr marL="1143000" lvl="2" indent="-228600" defTabSz="342900">
+              <a:lnSpc>
+                <a:spcPct val="120000"/>
+              </a:lnSpc>
+              <a:buFont typeface="Arial" panose="020B0604020202020204" pitchFamily="34" charset="0"/>
+              <a:buChar char="•"/>
+            </a:pPr>
+            <a:endParaRPr lang="en-US" altLang="zh-CN" sz="1800" dirty="0">
+              <a:solidFill>
+                <a:srgbClr val="262626"/>
+              </a:solidFill>
+            </a:endParaRPr>
+          </a:p>
+          <a:p>
+            <a:pPr marL="228600" lvl="0" indent="-228600" defTabSz="342900">
+              <a:lnSpc>
+                <a:spcPct val="120000"/>
+              </a:lnSpc>
+              <a:buFont typeface="Arial" panose="020B0604020202020204" pitchFamily="34" charset="0"/>
+              <a:buChar char="•"/>
+            </a:pPr>
+            <a:r>
+              <a:rPr lang="en-US" altLang="zh-CN" sz="1800" dirty="0">
+                <a:solidFill>
+                  <a:srgbClr val="262626"/>
+                </a:solidFill>
+              </a:rPr>
+              <a:t>note: render according to the level</a:t>
+            </a:r>
+            <a:endParaRPr lang="en-US" altLang="zh-CN" sz="1800" dirty="0">
               <a:solidFill>
                 <a:srgbClr val="262626"/>
               </a:solidFill>
@@ -8967,15 +9001,7 @@
                 <a:latin typeface="Calibri" panose="020F0502020204030204" pitchFamily="34" charset="0"/>
                 <a:cs typeface="Calibri" panose="020F0502020204030204" pitchFamily="34" charset="0"/>
               </a:rPr>
-              <a:t>Dive into Proxy (</a:t>
-            </a:r>
-            <a:r>
-              <a:rPr lang="en-US" sz="3200" b="1" dirty="0">
-                <a:latin typeface="Calibri" panose="020F0502020204030204" pitchFamily="34" charset="0"/>
-                <a:cs typeface="Calibri" panose="020F0502020204030204" pitchFamily="34" charset="0"/>
-                <a:sym typeface="+mn-ea"/>
-              </a:rPr>
-              <a:t>Architect a Solidity Program)</a:t>
+              <a:t>React Router Design</a:t>
             </a:r>
             <a:endParaRPr lang="en-US" sz="3200" b="1" dirty="0">
               <a:latin typeface="Calibri" panose="020F0502020204030204" pitchFamily="34" charset="0"/>
@@ -9013,67 +9039,7 @@
               <a:buFont typeface="Arial" panose="020B0604020202020204" pitchFamily="34" charset="0"/>
               <a:buChar char="•"/>
             </a:pPr>
-            <a:r>
-              <a:rPr lang="en-US" altLang="en-US" sz="1800" dirty="0">
-                <a:solidFill>
-                  <a:srgbClr val="262626"/>
-                </a:solidFill>
-              </a:rPr>
-              <a:t>Unstructured</a:t>
-            </a:r>
-            <a:endParaRPr lang="en-US" altLang="en-US" sz="1800" dirty="0">
-              <a:solidFill>
-                <a:srgbClr val="262626"/>
-              </a:solidFill>
-            </a:endParaRPr>
-          </a:p>
-          <a:p>
-            <a:pPr marL="228600" lvl="0" indent="-228600" defTabSz="342900">
-              <a:lnSpc>
-                <a:spcPct val="120000"/>
-              </a:lnSpc>
-              <a:buFont typeface="Arial" panose="020B0604020202020204" pitchFamily="34" charset="0"/>
-              <a:buChar char="•"/>
-            </a:pPr>
-            <a:r>
-              <a:rPr lang="en-US" altLang="en-US" sz="1800" dirty="0">
-                <a:solidFill>
-                  <a:srgbClr val="262626"/>
-                </a:solidFill>
-              </a:rPr>
-              <a:t>(</a:t>
-            </a:r>
-            <a:r>
-              <a:rPr lang="en-US" altLang="en-US" sz="1800" dirty="0">
-                <a:solidFill>
-                  <a:srgbClr val="FF0000"/>
-                </a:solidFill>
-              </a:rPr>
-              <a:t>Code Explain</a:t>
-            </a:r>
-            <a:r>
-              <a:rPr lang="en-US" altLang="en-US" sz="1800" dirty="0">
-                <a:solidFill>
-                  <a:srgbClr val="262626"/>
-                </a:solidFill>
-              </a:rPr>
-              <a:t>)</a:t>
-            </a:r>
-            <a:endParaRPr lang="en-US" altLang="en-US" sz="1800" dirty="0">
-              <a:solidFill>
-                <a:srgbClr val="262626"/>
-              </a:solidFill>
-            </a:endParaRPr>
-          </a:p>
-          <a:p>
-            <a:pPr marL="228600" lvl="0" indent="-228600" defTabSz="342900">
-              <a:lnSpc>
-                <a:spcPct val="120000"/>
-              </a:lnSpc>
-              <a:buFont typeface="Arial" panose="020B0604020202020204" pitchFamily="34" charset="0"/>
-              <a:buChar char="•"/>
-            </a:pPr>
-            <a:endParaRPr lang="en-US" altLang="en-US" sz="1800" dirty="0">
+            <a:endParaRPr lang="en-US" altLang="zh-CN" sz="1800" dirty="0">
               <a:solidFill>
                 <a:srgbClr val="262626"/>
               </a:solidFill>
@@ -9083,7 +9049,7 @@
       </p:sp>
       <p:pic>
         <p:nvPicPr>
-          <p:cNvPr id="5" name="图片 4"/>
+          <p:cNvPr id="6" name="图片 5"/>
           <p:cNvPicPr>
             <a:picLocks noChangeAspect="1"/>
           </p:cNvPicPr>
@@ -9097,8 +9063,8 @@
         </p:blipFill>
         <p:spPr>
           <a:xfrm>
-            <a:off x="727710" y="2730500"/>
-            <a:ext cx="6629400" cy="2795270"/>
+            <a:off x="628650" y="989330"/>
+            <a:ext cx="7335520" cy="5621655"/>
           </a:xfrm>
           <a:prstGeom prst="rect">
             <a:avLst/>
@@ -9158,1660 +9124,6 @@
                 <a:latin typeface="Calibri" panose="020F0502020204030204" pitchFamily="34" charset="0"/>
                 <a:cs typeface="Calibri" panose="020F0502020204030204" pitchFamily="34" charset="0"/>
               </a:rPr>
-              <a:t>Dive into Proxy (</a:t>
-            </a:r>
-            <a:r>
-              <a:rPr lang="en-US" sz="3200" b="1" dirty="0">
-                <a:latin typeface="Calibri" panose="020F0502020204030204" pitchFamily="34" charset="0"/>
-                <a:cs typeface="Calibri" panose="020F0502020204030204" pitchFamily="34" charset="0"/>
-                <a:sym typeface="+mn-ea"/>
-              </a:rPr>
-              <a:t>Architect a Solidity Program)</a:t>
-            </a:r>
-            <a:endParaRPr lang="en-US" sz="3200" b="1" dirty="0">
-              <a:latin typeface="Calibri" panose="020F0502020204030204" pitchFamily="34" charset="0"/>
-              <a:cs typeface="Calibri" panose="020F0502020204030204" pitchFamily="34" charset="0"/>
-            </a:endParaRPr>
-          </a:p>
-        </p:txBody>
-      </p:sp>
-      <p:sp>
-        <p:nvSpPr>
-          <p:cNvPr id="3" name="Content Placeholder 2"/>
-          <p:cNvSpPr>
-            <a:spLocks noGrp="1"/>
-          </p:cNvSpPr>
-          <p:nvPr>
-            <p:ph idx="1"/>
-          </p:nvPr>
-        </p:nvSpPr>
-        <p:spPr>
-          <a:xfrm>
-            <a:off x="628650" y="989044"/>
-            <a:ext cx="7886700" cy="5605719"/>
-          </a:xfrm>
-        </p:spPr>
-        <p:txBody>
-          <a:bodyPr>
-            <a:normAutofit/>
-          </a:bodyPr>
-          <a:lstStyle/>
-          <a:p>
-            <a:pPr marL="228600" lvl="0" indent="-228600" defTabSz="342900">
-              <a:lnSpc>
-                <a:spcPct val="120000"/>
-              </a:lnSpc>
-              <a:buFont typeface="Arial" panose="020B0604020202020204" pitchFamily="34" charset="0"/>
-              <a:buChar char="•"/>
-            </a:pPr>
-            <a:r>
-              <a:rPr lang="en-US" altLang="en-US" sz="1800" dirty="0">
-                <a:solidFill>
-                  <a:srgbClr val="262626"/>
-                </a:solidFill>
-              </a:rPr>
-              <a:t>Unstructured</a:t>
-            </a:r>
-            <a:endParaRPr lang="en-US" altLang="en-US" sz="1800" dirty="0">
-              <a:solidFill>
-                <a:srgbClr val="262626"/>
-              </a:solidFill>
-            </a:endParaRPr>
-          </a:p>
-          <a:p>
-            <a:pPr marL="228600" lvl="0" indent="-228600" defTabSz="342900">
-              <a:lnSpc>
-                <a:spcPct val="120000"/>
-              </a:lnSpc>
-              <a:buFont typeface="Arial" panose="020B0604020202020204" pitchFamily="34" charset="0"/>
-              <a:buChar char="•"/>
-            </a:pPr>
-            <a:r>
-              <a:rPr lang="en-US" altLang="en-US" sz="1800" dirty="0">
-                <a:solidFill>
-                  <a:srgbClr val="262626"/>
-                </a:solidFill>
-              </a:rPr>
-              <a:t>Use pregenerated impl address</a:t>
-            </a:r>
-            <a:endParaRPr lang="en-US" altLang="en-US" sz="1800" dirty="0">
-              <a:solidFill>
-                <a:srgbClr val="262626"/>
-              </a:solidFill>
-            </a:endParaRPr>
-          </a:p>
-          <a:p>
-            <a:pPr marL="228600" lvl="0" indent="-228600" defTabSz="342900">
-              <a:lnSpc>
-                <a:spcPct val="120000"/>
-              </a:lnSpc>
-              <a:buFont typeface="Arial" panose="020B0604020202020204" pitchFamily="34" charset="0"/>
-              <a:buChar char="•"/>
-            </a:pPr>
-            <a:endParaRPr lang="en-US" altLang="en-US" sz="1800" dirty="0">
-              <a:solidFill>
-                <a:srgbClr val="262626"/>
-              </a:solidFill>
-            </a:endParaRPr>
-          </a:p>
-          <a:p>
-            <a:pPr marL="228600" lvl="0" indent="-228600" defTabSz="342900">
-              <a:lnSpc>
-                <a:spcPct val="120000"/>
-              </a:lnSpc>
-              <a:buFont typeface="Arial" panose="020B0604020202020204" pitchFamily="34" charset="0"/>
-              <a:buChar char="•"/>
-            </a:pPr>
-            <a:endParaRPr lang="en-US" altLang="en-US" sz="1800" dirty="0">
-              <a:solidFill>
-                <a:srgbClr val="262626"/>
-              </a:solidFill>
-            </a:endParaRPr>
-          </a:p>
-          <a:p>
-            <a:pPr marL="228600" lvl="0" indent="-228600" defTabSz="342900">
-              <a:lnSpc>
-                <a:spcPct val="120000"/>
-              </a:lnSpc>
-              <a:buFont typeface="Arial" panose="020B0604020202020204" pitchFamily="34" charset="0"/>
-              <a:buChar char="•"/>
-            </a:pPr>
-            <a:endParaRPr lang="en-US" altLang="en-US" sz="1800" dirty="0">
-              <a:solidFill>
-                <a:srgbClr val="262626"/>
-              </a:solidFill>
-            </a:endParaRPr>
-          </a:p>
-          <a:p>
-            <a:pPr marL="228600" lvl="0" indent="-228600" defTabSz="342900">
-              <a:lnSpc>
-                <a:spcPct val="120000"/>
-              </a:lnSpc>
-              <a:buFont typeface="Arial" panose="020B0604020202020204" pitchFamily="34" charset="0"/>
-              <a:buChar char="•"/>
-            </a:pPr>
-            <a:endParaRPr lang="en-US" altLang="en-US" sz="1800" dirty="0">
-              <a:solidFill>
-                <a:srgbClr val="262626"/>
-              </a:solidFill>
-            </a:endParaRPr>
-          </a:p>
-          <a:p>
-            <a:pPr marL="228600" lvl="0" indent="-228600" defTabSz="342900">
-              <a:lnSpc>
-                <a:spcPct val="120000"/>
-              </a:lnSpc>
-              <a:buFont typeface="Arial" panose="020B0604020202020204" pitchFamily="34" charset="0"/>
-              <a:buChar char="•"/>
-            </a:pPr>
-            <a:endParaRPr lang="en-US" altLang="en-US" sz="1800" dirty="0">
-              <a:solidFill>
-                <a:srgbClr val="262626"/>
-              </a:solidFill>
-            </a:endParaRPr>
-          </a:p>
-          <a:p>
-            <a:pPr marL="228600" lvl="0" indent="-228600" defTabSz="342900">
-              <a:lnSpc>
-                <a:spcPct val="120000"/>
-              </a:lnSpc>
-              <a:buFont typeface="Arial" panose="020B0604020202020204" pitchFamily="34" charset="0"/>
-              <a:buChar char="•"/>
-            </a:pPr>
-            <a:r>
-              <a:rPr lang="en-US" altLang="en-US" sz="1800" dirty="0">
-                <a:solidFill>
-                  <a:srgbClr val="262626"/>
-                </a:solidFill>
-                <a:sym typeface="+mn-ea"/>
-              </a:rPr>
-              <a:t>Use fixed impl Use pregenerated address</a:t>
-            </a:r>
-            <a:endParaRPr lang="en-US" altLang="en-US" sz="1800" dirty="0">
-              <a:solidFill>
-                <a:srgbClr val="262626"/>
-              </a:solidFill>
-            </a:endParaRPr>
-          </a:p>
-          <a:p>
-            <a:pPr marL="228600" lvl="0" indent="-228600" defTabSz="342900">
-              <a:lnSpc>
-                <a:spcPct val="120000"/>
-              </a:lnSpc>
-              <a:buFont typeface="Arial" panose="020B0604020202020204" pitchFamily="34" charset="0"/>
-              <a:buChar char="•"/>
-            </a:pPr>
-            <a:r>
-              <a:rPr lang="en-US" altLang="en-US" sz="1800" dirty="0">
-                <a:solidFill>
-                  <a:srgbClr val="262626"/>
-                </a:solidFill>
-                <a:sym typeface="+mn-ea"/>
-              </a:rPr>
-              <a:t>address</a:t>
-            </a:r>
-            <a:endParaRPr lang="en-US" altLang="en-US" sz="1800" dirty="0">
-              <a:solidFill>
-                <a:srgbClr val="262626"/>
-              </a:solidFill>
-            </a:endParaRPr>
-          </a:p>
-          <a:p>
-            <a:pPr marL="228600" lvl="0" indent="-228600" defTabSz="342900">
-              <a:lnSpc>
-                <a:spcPct val="120000"/>
-              </a:lnSpc>
-              <a:buFont typeface="Arial" panose="020B0604020202020204" pitchFamily="34" charset="0"/>
-              <a:buChar char="•"/>
-            </a:pPr>
-            <a:endParaRPr lang="en-US" altLang="en-US" sz="1800" dirty="0">
-              <a:solidFill>
-                <a:srgbClr val="262626"/>
-              </a:solidFill>
-            </a:endParaRPr>
-          </a:p>
-        </p:txBody>
-      </p:sp>
-      <p:pic>
-        <p:nvPicPr>
-          <p:cNvPr id="6" name="图片 5"/>
-          <p:cNvPicPr>
-            <a:picLocks noChangeAspect="1"/>
-          </p:cNvPicPr>
-          <p:nvPr/>
-        </p:nvPicPr>
-        <p:blipFill>
-          <a:blip r:embed="rId1"/>
-          <a:stretch>
-            <a:fillRect/>
-          </a:stretch>
-        </p:blipFill>
-        <p:spPr>
-          <a:xfrm>
-            <a:off x="632460" y="4745990"/>
-            <a:ext cx="8511540" cy="864235"/>
-          </a:xfrm>
-          <a:prstGeom prst="rect">
-            <a:avLst/>
-          </a:prstGeom>
-        </p:spPr>
-      </p:pic>
-      <p:pic>
-        <p:nvPicPr>
-          <p:cNvPr id="8" name="图片 7"/>
-          <p:cNvPicPr>
-            <a:picLocks noChangeAspect="1"/>
-          </p:cNvPicPr>
-          <p:nvPr/>
-        </p:nvPicPr>
-        <p:blipFill>
-          <a:blip r:embed="rId2"/>
-          <a:stretch>
-            <a:fillRect/>
-          </a:stretch>
-        </p:blipFill>
-        <p:spPr>
-          <a:xfrm>
-            <a:off x="628650" y="2185035"/>
-            <a:ext cx="7256780" cy="1528445"/>
-          </a:xfrm>
-          <a:prstGeom prst="rect">
-            <a:avLst/>
-          </a:prstGeom>
-        </p:spPr>
-      </p:pic>
-    </p:spTree>
-  </p:cSld>
-  <p:clrMapOvr>
-    <a:masterClrMapping/>
-  </p:clrMapOvr>
-</p:sld>
-</file>
-
-<file path=ppt/slides/slide19.xml><?xml version="1.0" encoding="utf-8"?>
-<p:sld xmlns:a="http://schemas.openxmlformats.org/drawingml/2006/main" xmlns:r="http://schemas.openxmlformats.org/officeDocument/2006/relationships" xmlns:p="http://schemas.openxmlformats.org/presentationml/2006/main">
-  <p:cSld>
-    <p:spTree>
-      <p:nvGrpSpPr>
-        <p:cNvPr id="1" name=""/>
-        <p:cNvGrpSpPr/>
-        <p:nvPr/>
-      </p:nvGrpSpPr>
-      <p:grpSpPr>
-        <a:xfrm>
-          <a:off x="0" y="0"/>
-          <a:ext cx="0" cy="0"/>
-          <a:chOff x="0" y="0"/>
-          <a:chExt cx="0" cy="0"/>
-        </a:xfrm>
-      </p:grpSpPr>
-      <p:sp>
-        <p:nvSpPr>
-          <p:cNvPr id="2" name="Title 1"/>
-          <p:cNvSpPr>
-            <a:spLocks noGrp="1"/>
-          </p:cNvSpPr>
-          <p:nvPr>
-            <p:ph type="title"/>
-          </p:nvPr>
-        </p:nvSpPr>
-        <p:spPr>
-          <a:xfrm>
-            <a:off x="628650" y="155263"/>
-            <a:ext cx="7886700" cy="526790"/>
-          </a:xfrm>
-        </p:spPr>
-        <p:txBody>
-          <a:bodyPr>
-            <a:normAutofit fontScale="90000"/>
-          </a:bodyPr>
-          <a:lstStyle/>
-          <a:p>
-            <a:pPr algn="ctr"/>
-            <a:r>
-              <a:rPr lang="en-US" sz="3200" b="1" dirty="0">
-                <a:latin typeface="Calibri" panose="020F0502020204030204" pitchFamily="34" charset="0"/>
-                <a:cs typeface="Calibri" panose="020F0502020204030204" pitchFamily="34" charset="0"/>
-              </a:rPr>
-              <a:t>Dive into Proxy (</a:t>
-            </a:r>
-            <a:r>
-              <a:rPr lang="en-US" sz="3200" b="1" dirty="0">
-                <a:latin typeface="Calibri" panose="020F0502020204030204" pitchFamily="34" charset="0"/>
-                <a:cs typeface="Calibri" panose="020F0502020204030204" pitchFamily="34" charset="0"/>
-                <a:sym typeface="+mn-ea"/>
-              </a:rPr>
-              <a:t>Architect a Solidity Program)</a:t>
-            </a:r>
-            <a:endParaRPr lang="en-US" sz="3200" b="1" dirty="0">
-              <a:latin typeface="Calibri" panose="020F0502020204030204" pitchFamily="34" charset="0"/>
-              <a:cs typeface="Calibri" panose="020F0502020204030204" pitchFamily="34" charset="0"/>
-            </a:endParaRPr>
-          </a:p>
-        </p:txBody>
-      </p:sp>
-      <p:sp>
-        <p:nvSpPr>
-          <p:cNvPr id="3" name="Content Placeholder 2"/>
-          <p:cNvSpPr>
-            <a:spLocks noGrp="1"/>
-          </p:cNvSpPr>
-          <p:nvPr>
-            <p:ph idx="1"/>
-          </p:nvPr>
-        </p:nvSpPr>
-        <p:spPr>
-          <a:xfrm>
-            <a:off x="628650" y="989044"/>
-            <a:ext cx="7886700" cy="5605719"/>
-          </a:xfrm>
-        </p:spPr>
-        <p:txBody>
-          <a:bodyPr>
-            <a:normAutofit/>
-          </a:bodyPr>
-          <a:lstStyle/>
-          <a:p>
-            <a:pPr marL="228600" lvl="0" indent="-228600" defTabSz="342900">
-              <a:lnSpc>
-                <a:spcPct val="120000"/>
-              </a:lnSpc>
-              <a:buFont typeface="Arial" panose="020B0604020202020204" pitchFamily="34" charset="0"/>
-              <a:buChar char="•"/>
-            </a:pPr>
-            <a:r>
-              <a:rPr lang="en-US" altLang="en-US" sz="1800" dirty="0">
-                <a:solidFill>
-                  <a:srgbClr val="262626"/>
-                </a:solidFill>
-              </a:rPr>
-              <a:t>ProxyAdmin &amp; ProxyFactory (</a:t>
-            </a:r>
-            <a:r>
-              <a:rPr lang="en-US" altLang="en-US" sz="1800" dirty="0">
-                <a:solidFill>
-                  <a:srgbClr val="FF0000"/>
-                </a:solidFill>
-              </a:rPr>
-              <a:t>Code Explain</a:t>
-            </a:r>
-            <a:r>
-              <a:rPr lang="en-US" altLang="en-US" sz="1800" dirty="0">
-                <a:solidFill>
-                  <a:srgbClr val="262626"/>
-                </a:solidFill>
-              </a:rPr>
-              <a:t>)</a:t>
-            </a:r>
-            <a:endParaRPr lang="en-US" altLang="en-US" sz="1800" dirty="0">
-              <a:solidFill>
-                <a:srgbClr val="262626"/>
-              </a:solidFill>
-            </a:endParaRPr>
-          </a:p>
-          <a:p>
-            <a:pPr marL="228600" lvl="0" indent="-228600" defTabSz="342900">
-              <a:lnSpc>
-                <a:spcPct val="120000"/>
-              </a:lnSpc>
-              <a:buFont typeface="Arial" panose="020B0604020202020204" pitchFamily="34" charset="0"/>
-              <a:buChar char="•"/>
-            </a:pPr>
-            <a:r>
-              <a:rPr lang="en-US" altLang="en-US" sz="1800" dirty="0">
-                <a:solidFill>
-                  <a:srgbClr val="262626"/>
-                </a:solidFill>
-              </a:rPr>
-              <a:t>Check if IniupgradProxy and AdminUpgradeProx have initializer (Inherited with admin) </a:t>
-            </a:r>
-            <a:endParaRPr lang="en-US" altLang="en-US" sz="1800" dirty="0">
-              <a:solidFill>
-                <a:srgbClr val="262626"/>
-              </a:solidFill>
-            </a:endParaRPr>
-          </a:p>
-          <a:p>
-            <a:pPr marL="228600" lvl="0" indent="-228600" defTabSz="342900">
-              <a:lnSpc>
-                <a:spcPct val="120000"/>
-              </a:lnSpc>
-              <a:buFont typeface="Arial" panose="020B0604020202020204" pitchFamily="34" charset="0"/>
-              <a:buChar char="•"/>
-            </a:pPr>
-            <a:r>
-              <a:rPr lang="en-US" altLang="en-US" sz="1800" dirty="0">
-                <a:solidFill>
-                  <a:srgbClr val="262626"/>
-                </a:solidFill>
-              </a:rPr>
-              <a:t>Unstructured Storage has contrustor, so can use upgradeto without init data</a:t>
-            </a:r>
-            <a:endParaRPr lang="en-US" altLang="en-US" sz="1800" dirty="0">
-              <a:solidFill>
-                <a:srgbClr val="262626"/>
-              </a:solidFill>
-            </a:endParaRPr>
-          </a:p>
-        </p:txBody>
-      </p:sp>
-      <p:pic>
-        <p:nvPicPr>
-          <p:cNvPr id="4" name="图片 3"/>
-          <p:cNvPicPr>
-            <a:picLocks noChangeAspect="1"/>
-          </p:cNvPicPr>
-          <p:nvPr/>
-        </p:nvPicPr>
-        <p:blipFill>
-          <a:blip r:embed="rId1"/>
-          <a:srcRect l="36786"/>
-          <a:stretch>
-            <a:fillRect/>
-          </a:stretch>
-        </p:blipFill>
-        <p:spPr>
-          <a:xfrm rot="16200000">
-            <a:off x="2583815" y="675640"/>
-            <a:ext cx="3976370" cy="8388350"/>
-          </a:xfrm>
-          <a:prstGeom prst="rect">
-            <a:avLst/>
-          </a:prstGeom>
-        </p:spPr>
-      </p:pic>
-    </p:spTree>
-  </p:cSld>
-  <p:clrMapOvr>
-    <a:masterClrMapping/>
-  </p:clrMapOvr>
-</p:sld>
-</file>
-
-<file path=ppt/slides/slide2.xml><?xml version="1.0" encoding="utf-8"?>
-<p:sld xmlns:a="http://schemas.openxmlformats.org/drawingml/2006/main" xmlns:r="http://schemas.openxmlformats.org/officeDocument/2006/relationships" xmlns:p="http://schemas.openxmlformats.org/presentationml/2006/main">
-  <p:cSld>
-    <p:spTree>
-      <p:nvGrpSpPr>
-        <p:cNvPr id="1" name=""/>
-        <p:cNvGrpSpPr/>
-        <p:nvPr/>
-      </p:nvGrpSpPr>
-      <p:grpSpPr>
-        <a:xfrm>
-          <a:off x="0" y="0"/>
-          <a:ext cx="0" cy="0"/>
-          <a:chOff x="0" y="0"/>
-          <a:chExt cx="0" cy="0"/>
-        </a:xfrm>
-      </p:grpSpPr>
-      <p:sp>
-        <p:nvSpPr>
-          <p:cNvPr id="21505" name="Title 1"/>
-          <p:cNvSpPr>
-            <a:spLocks noGrp="1"/>
-          </p:cNvSpPr>
-          <p:nvPr>
-            <p:ph type="title"/>
-          </p:nvPr>
-        </p:nvSpPr>
-        <p:spPr>
-          <a:xfrm>
-            <a:off x="233363" y="308848"/>
-            <a:ext cx="8227219" cy="327422"/>
-          </a:xfrm>
-        </p:spPr>
-        <p:txBody>
-          <a:bodyPr vert="horz" lIns="0" tIns="0" rIns="0" bIns="0" rtlCol="0" anchor="ctr">
-            <a:normAutofit fontScale="90000"/>
-          </a:bodyPr>
-          <a:lstStyle/>
-          <a:p>
-            <a:pPr algn="ctr"/>
-            <a:r>
-              <a:rPr lang="en-US" altLang="zh-CN" sz="3200" b="1" dirty="0">
-                <a:latin typeface="Calibri" panose="020F0502020204030204" pitchFamily="34" charset="0"/>
-                <a:cs typeface="Calibri" panose="020F0502020204030204" pitchFamily="34" charset="0"/>
-              </a:rPr>
-              <a:t>Outline</a:t>
-            </a:r>
-            <a:endParaRPr lang="en-GB" altLang="zh-CN" sz="3200" b="1" dirty="0">
-              <a:latin typeface="Calibri" panose="020F0502020204030204" pitchFamily="34" charset="0"/>
-              <a:cs typeface="Calibri" panose="020F0502020204030204" pitchFamily="34" charset="0"/>
-            </a:endParaRPr>
-          </a:p>
-        </p:txBody>
-      </p:sp>
-      <p:sp>
-        <p:nvSpPr>
-          <p:cNvPr id="21506" name="文本框 6"/>
-          <p:cNvSpPr txBox="1"/>
-          <p:nvPr/>
-        </p:nvSpPr>
-        <p:spPr>
-          <a:xfrm>
-            <a:off x="246455" y="859156"/>
-            <a:ext cx="8651359" cy="5486400"/>
-          </a:xfrm>
-          <a:prstGeom prst="rect">
-            <a:avLst/>
-          </a:prstGeom>
-          <a:noFill/>
-          <a:ln w="9525">
-            <a:noFill/>
-          </a:ln>
-        </p:spPr>
-        <p:txBody>
-          <a:bodyPr wrap="square" lIns="0" tIns="0" rIns="0" bIns="0" anchor="t"/>
-          <a:lstStyle/>
-          <a:p>
-            <a:pPr marL="171450" lvl="0" indent="-171450" fontAlgn="auto">
-              <a:lnSpc>
-                <a:spcPct val="200000"/>
-              </a:lnSpc>
-              <a:spcBef>
-                <a:spcPts val="700"/>
-              </a:spcBef>
-              <a:buFont typeface="Arial" panose="020B0604020202020204" pitchFamily="34" charset="0"/>
-              <a:buChar char="•"/>
-            </a:pPr>
-            <a:r>
-              <a:rPr lang="en-US" dirty="0"/>
-              <a:t>Router Design</a:t>
-            </a:r>
-            <a:endParaRPr lang="en-US" dirty="0"/>
-          </a:p>
-          <a:p>
-            <a:pPr marL="171450" lvl="0" indent="-171450" fontAlgn="auto">
-              <a:lnSpc>
-                <a:spcPct val="200000"/>
-              </a:lnSpc>
-              <a:spcBef>
-                <a:spcPts val="700"/>
-              </a:spcBef>
-              <a:buFont typeface="Arial" panose="020B0604020202020204" pitchFamily="34" charset="0"/>
-              <a:buChar char="•"/>
-            </a:pPr>
-            <a:r>
-              <a:rPr lang="en-US" dirty="0"/>
-              <a:t>Links and History</a:t>
-            </a:r>
-            <a:endParaRPr lang="en-US" dirty="0"/>
-          </a:p>
-          <a:p>
-            <a:pPr marL="171450" lvl="0" indent="-171450" fontAlgn="auto">
-              <a:lnSpc>
-                <a:spcPct val="200000"/>
-              </a:lnSpc>
-              <a:spcBef>
-                <a:spcPts val="700"/>
-              </a:spcBef>
-              <a:buFont typeface="Arial" panose="020B0604020202020204" pitchFamily="34" charset="0"/>
-              <a:buChar char="•"/>
-            </a:pPr>
-            <a:r>
-              <a:rPr lang="en-US" dirty="0"/>
-              <a:t>Context</a:t>
-            </a:r>
-            <a:endParaRPr lang="en-US" dirty="0"/>
-          </a:p>
-          <a:p>
-            <a:pPr marL="171450" lvl="0" indent="-171450" fontAlgn="auto">
-              <a:lnSpc>
-                <a:spcPct val="200000"/>
-              </a:lnSpc>
-              <a:spcBef>
-                <a:spcPts val="700"/>
-              </a:spcBef>
-              <a:buFont typeface="Arial" panose="020B0604020202020204" pitchFamily="34" charset="0"/>
-              <a:buChar char="•"/>
-            </a:pPr>
-            <a:r>
-              <a:rPr lang="en-US" dirty="0"/>
-              <a:t>Change </a:t>
-            </a:r>
-            <a:r>
-              <a:rPr lang="en-US" dirty="0">
-                <a:sym typeface="+mn-ea"/>
-              </a:rPr>
-              <a:t>class </a:t>
-            </a:r>
-            <a:r>
-              <a:rPr lang="en-US" dirty="0"/>
-              <a:t>to </a:t>
-            </a:r>
-            <a:r>
-              <a:rPr lang="en-US" dirty="0">
-                <a:sym typeface="+mn-ea"/>
-              </a:rPr>
-              <a:t>functional</a:t>
-            </a:r>
-            <a:r>
-              <a:rPr lang="en-US" dirty="0"/>
-              <a:t> component</a:t>
-            </a:r>
-            <a:endParaRPr lang="en-US" dirty="0"/>
-          </a:p>
-          <a:p>
-            <a:pPr marL="171450" lvl="0" indent="-171450" fontAlgn="auto">
-              <a:lnSpc>
-                <a:spcPct val="200000"/>
-              </a:lnSpc>
-              <a:spcBef>
-                <a:spcPts val="700"/>
-              </a:spcBef>
-              <a:buFont typeface="Arial" panose="020B0604020202020204" pitchFamily="34" charset="0"/>
-              <a:buChar char="•"/>
-            </a:pPr>
-            <a:r>
-              <a:rPr lang="en-US" dirty="0"/>
-              <a:t>Summarize technique implementation process: </a:t>
-            </a:r>
-            <a:endParaRPr lang="en-US" dirty="0"/>
-          </a:p>
-          <a:p>
-            <a:pPr marL="628650" lvl="1" indent="-171450" fontAlgn="auto">
-              <a:lnSpc>
-                <a:spcPct val="200000"/>
-              </a:lnSpc>
-              <a:spcBef>
-                <a:spcPts val="700"/>
-              </a:spcBef>
-              <a:buFont typeface="Arial" panose="020B0604020202020204" pitchFamily="34" charset="0"/>
-              <a:buChar char="•"/>
-            </a:pPr>
-            <a:r>
-              <a:rPr lang="en-US" dirty="0"/>
-              <a:t>Hyperledger Dapp+ChainCode, React Logic, JWT</a:t>
-            </a:r>
-            <a:endParaRPr lang="en-US" dirty="0"/>
-          </a:p>
-          <a:p>
-            <a:pPr marL="171450" lvl="0" indent="-171450" fontAlgn="auto">
-              <a:lnSpc>
-                <a:spcPct val="200000"/>
-              </a:lnSpc>
-              <a:spcBef>
-                <a:spcPts val="700"/>
-              </a:spcBef>
-              <a:buFont typeface="Arial" panose="020B0604020202020204" pitchFamily="34" charset="0"/>
-              <a:buChar char="•"/>
-            </a:pPr>
-            <a:r>
-              <a:rPr lang="en-US" dirty="0">
-                <a:solidFill>
-                  <a:schemeClr val="tx1"/>
-                </a:solidFill>
-              </a:rPr>
-              <a:t>IPFS Storage</a:t>
-            </a:r>
-            <a:endParaRPr lang="en-US" dirty="0">
-              <a:solidFill>
-                <a:schemeClr val="tx1"/>
-              </a:solidFill>
-            </a:endParaRPr>
-          </a:p>
-          <a:p>
-            <a:pPr marL="171450" lvl="0" indent="-171450" fontAlgn="auto">
-              <a:lnSpc>
-                <a:spcPct val="200000"/>
-              </a:lnSpc>
-              <a:spcBef>
-                <a:spcPts val="700"/>
-              </a:spcBef>
-              <a:buFont typeface="Arial" panose="020B0604020202020204" pitchFamily="34" charset="0"/>
-              <a:buChar char="•"/>
-            </a:pPr>
-            <a:r>
-              <a:rPr lang="en-US" dirty="0"/>
-              <a:t>Dive into Proxy</a:t>
-            </a:r>
-            <a:endParaRPr lang="en-US" dirty="0"/>
-          </a:p>
-        </p:txBody>
-      </p:sp>
-      <p:sp>
-        <p:nvSpPr>
-          <p:cNvPr id="6" name="TextBox 6"/>
-          <p:cNvSpPr txBox="1"/>
-          <p:nvPr/>
-        </p:nvSpPr>
-        <p:spPr>
-          <a:xfrm>
-            <a:off x="25183" y="6636420"/>
-            <a:ext cx="3270445" cy="184664"/>
-          </a:xfrm>
-          <a:prstGeom prst="rect">
-            <a:avLst/>
-          </a:prstGeom>
-          <a:ln w="12700">
-            <a:miter lim="400000"/>
-          </a:ln>
-        </p:spPr>
-        <p:txBody>
-          <a:bodyPr wrap="none" lIns="34289" tIns="34289" rIns="34289" bIns="34289">
-            <a:spAutoFit/>
-          </a:bodyPr>
-          <a:lstStyle>
-            <a:lvl1pPr defTabSz="914400">
-              <a:defRPr sz="1000">
-                <a:solidFill>
-                  <a:srgbClr val="FFFFFF"/>
-                </a:solidFill>
-                <a:latin typeface="Montserrat"/>
-                <a:ea typeface="Montserrat"/>
-                <a:cs typeface="Montserrat"/>
-                <a:sym typeface="Montserrat"/>
-              </a:defRPr>
-            </a:lvl1pPr>
-          </a:lstStyle>
-          <a:p>
-            <a:r>
-              <a:rPr lang="en-US" sz="750" dirty="0">
-                <a:solidFill>
-                  <a:schemeClr val="tx1"/>
-                </a:solidFill>
-                <a:latin typeface="Montserrat" panose="00000500000000000000" pitchFamily="2" charset="0"/>
-              </a:rPr>
-              <a:t>© 2017-2020    SmartMesh Foundation Pte. Ltd.  |  MeshBox Foundation Pte. Ltd.</a:t>
-            </a:r>
-            <a:endParaRPr lang="en-US" sz="750" dirty="0">
-              <a:solidFill>
-                <a:schemeClr val="tx1"/>
-              </a:solidFill>
-              <a:latin typeface="Montserrat" panose="00000500000000000000" pitchFamily="2" charset="0"/>
-              <a:sym typeface="Arial" panose="020B0604020202020204"/>
-            </a:endParaRPr>
-          </a:p>
-        </p:txBody>
-      </p:sp>
-      <p:sp>
-        <p:nvSpPr>
-          <p:cNvPr id="7" name="TextBox 6"/>
-          <p:cNvSpPr txBox="1">
-            <a:spLocks noChangeArrowheads="1"/>
-          </p:cNvSpPr>
-          <p:nvPr/>
-        </p:nvSpPr>
-        <p:spPr bwMode="auto">
-          <a:xfrm>
-            <a:off x="7872314" y="6569155"/>
-            <a:ext cx="1289447" cy="253916"/>
-          </a:xfrm>
-          <a:prstGeom prst="rect">
-            <a:avLst/>
-          </a:prstGeom>
-          <a:noFill/>
-          <a:ln w="9525">
-            <a:noFill/>
-            <a:miter lim="800000"/>
-          </a:ln>
-        </p:spPr>
-        <p:txBody>
-          <a:bodyPr>
-            <a:spAutoFit/>
-          </a:bodyPr>
-          <a:lstStyle/>
-          <a:p>
-            <a:pPr algn="r"/>
-            <a:fld id="{6F888031-CE6A-4173-BB2B-520974F34056}" type="slidenum">
-              <a:rPr lang="en-GB" sz="1050">
-                <a:latin typeface="Calibri" panose="020F0502020204030204" pitchFamily="34" charset="0"/>
-              </a:rPr>
-            </a:fld>
-            <a:endParaRPr lang="en-GB" sz="1050" dirty="0">
-              <a:latin typeface="Calibri" panose="020F0502020204030204" pitchFamily="34" charset="0"/>
-            </a:endParaRPr>
-          </a:p>
-        </p:txBody>
-      </p:sp>
-    </p:spTree>
-  </p:cSld>
-  <p:clrMapOvr>
-    <a:masterClrMapping/>
-  </p:clrMapOvr>
-  <p:transition spd="med">
-    <p:fade/>
-  </p:transition>
-</p:sld>
-</file>
-
-<file path=ppt/slides/slide20.xml><?xml version="1.0" encoding="utf-8"?>
-<p:sld xmlns:a="http://schemas.openxmlformats.org/drawingml/2006/main" xmlns:r="http://schemas.openxmlformats.org/officeDocument/2006/relationships" xmlns:p="http://schemas.openxmlformats.org/presentationml/2006/main">
-  <p:cSld>
-    <p:spTree>
-      <p:nvGrpSpPr>
-        <p:cNvPr id="1" name=""/>
-        <p:cNvGrpSpPr/>
-        <p:nvPr/>
-      </p:nvGrpSpPr>
-      <p:grpSpPr>
-        <a:xfrm>
-          <a:off x="0" y="0"/>
-          <a:ext cx="0" cy="0"/>
-          <a:chOff x="0" y="0"/>
-          <a:chExt cx="0" cy="0"/>
-        </a:xfrm>
-      </p:grpSpPr>
-      <p:sp>
-        <p:nvSpPr>
-          <p:cNvPr id="2" name="Title 1"/>
-          <p:cNvSpPr>
-            <a:spLocks noGrp="1"/>
-          </p:cNvSpPr>
-          <p:nvPr>
-            <p:ph type="title"/>
-          </p:nvPr>
-        </p:nvSpPr>
-        <p:spPr>
-          <a:xfrm>
-            <a:off x="628650" y="155263"/>
-            <a:ext cx="7886700" cy="526790"/>
-          </a:xfrm>
-        </p:spPr>
-        <p:txBody>
-          <a:bodyPr>
-            <a:normAutofit fontScale="90000"/>
-          </a:bodyPr>
-          <a:lstStyle/>
-          <a:p>
-            <a:pPr algn="ctr"/>
-            <a:r>
-              <a:rPr lang="en-US" sz="3200" b="1" dirty="0">
-                <a:latin typeface="Calibri" panose="020F0502020204030204" pitchFamily="34" charset="0"/>
-                <a:cs typeface="Calibri" panose="020F0502020204030204" pitchFamily="34" charset="0"/>
-              </a:rPr>
-              <a:t>Code Demo</a:t>
-            </a:r>
-            <a:endParaRPr lang="en-US" sz="3200" b="1" dirty="0">
-              <a:latin typeface="Calibri" panose="020F0502020204030204" pitchFamily="34" charset="0"/>
-              <a:cs typeface="Calibri" panose="020F0502020204030204" pitchFamily="34" charset="0"/>
-            </a:endParaRPr>
-          </a:p>
-        </p:txBody>
-      </p:sp>
-      <p:sp>
-        <p:nvSpPr>
-          <p:cNvPr id="3" name="Content Placeholder 2"/>
-          <p:cNvSpPr>
-            <a:spLocks noGrp="1"/>
-          </p:cNvSpPr>
-          <p:nvPr>
-            <p:ph idx="1"/>
-          </p:nvPr>
-        </p:nvSpPr>
-        <p:spPr>
-          <a:xfrm>
-            <a:off x="628650" y="989044"/>
-            <a:ext cx="7886700" cy="5605719"/>
-          </a:xfrm>
-        </p:spPr>
-        <p:txBody>
-          <a:bodyPr>
-            <a:normAutofit lnSpcReduction="10000"/>
-          </a:bodyPr>
-          <a:lstStyle/>
-          <a:p>
-            <a:pPr marL="228600" lvl="0" indent="-228600" defTabSz="342900">
-              <a:lnSpc>
-                <a:spcPct val="120000"/>
-              </a:lnSpc>
-              <a:buFont typeface="Arial" panose="020B0604020202020204" pitchFamily="34" charset="0"/>
-              <a:buChar char="•"/>
-            </a:pPr>
-            <a:r>
-              <a:rPr lang="en-US" altLang="en-US" sz="1540" dirty="0">
-                <a:solidFill>
-                  <a:srgbClr val="262626"/>
-                </a:solidFill>
-              </a:rPr>
-              <a:t>Upgrade StoreFactory from depolymini to depoly and add Proxy admin</a:t>
-            </a:r>
-            <a:endParaRPr lang="en-US" altLang="en-US" sz="1540" dirty="0">
-              <a:solidFill>
-                <a:srgbClr val="262626"/>
-              </a:solidFill>
-            </a:endParaRPr>
-          </a:p>
-        </p:txBody>
-      </p:sp>
-    </p:spTree>
-  </p:cSld>
-  <p:clrMapOvr>
-    <a:masterClrMapping/>
-  </p:clrMapOvr>
-</p:sld>
-</file>
-
-<file path=ppt/slides/slide21.xml><?xml version="1.0" encoding="utf-8"?>
-<p:sld xmlns:a="http://schemas.openxmlformats.org/drawingml/2006/main" xmlns:r="http://schemas.openxmlformats.org/officeDocument/2006/relationships" xmlns:p="http://schemas.openxmlformats.org/presentationml/2006/main">
-  <p:cSld>
-    <p:spTree>
-      <p:nvGrpSpPr>
-        <p:cNvPr id="1" name=""/>
-        <p:cNvGrpSpPr/>
-        <p:nvPr/>
-      </p:nvGrpSpPr>
-      <p:grpSpPr>
-        <a:xfrm>
-          <a:off x="0" y="0"/>
-          <a:ext cx="0" cy="0"/>
-          <a:chOff x="0" y="0"/>
-          <a:chExt cx="0" cy="0"/>
-        </a:xfrm>
-      </p:grpSpPr>
-      <p:sp>
-        <p:nvSpPr>
-          <p:cNvPr id="2" name="Title 1"/>
-          <p:cNvSpPr>
-            <a:spLocks noGrp="1"/>
-          </p:cNvSpPr>
-          <p:nvPr>
-            <p:ph type="title"/>
-          </p:nvPr>
-        </p:nvSpPr>
-        <p:spPr>
-          <a:xfrm>
-            <a:off x="628650" y="155263"/>
-            <a:ext cx="7886700" cy="526790"/>
-          </a:xfrm>
-        </p:spPr>
-        <p:txBody>
-          <a:bodyPr>
-            <a:normAutofit fontScale="90000"/>
-          </a:bodyPr>
-          <a:lstStyle/>
-          <a:p>
-            <a:pPr algn="ctr"/>
-            <a:r>
-              <a:rPr lang="en-US" sz="3200" b="1" dirty="0">
-                <a:latin typeface="Calibri" panose="020F0502020204030204" pitchFamily="34" charset="0"/>
-                <a:cs typeface="Calibri" panose="020F0502020204030204" pitchFamily="34" charset="0"/>
-              </a:rPr>
-              <a:t>Web3js</a:t>
-            </a:r>
-            <a:endParaRPr lang="en-US" sz="3200" b="1" dirty="0">
-              <a:latin typeface="Calibri" panose="020F0502020204030204" pitchFamily="34" charset="0"/>
-              <a:cs typeface="Calibri" panose="020F0502020204030204" pitchFamily="34" charset="0"/>
-            </a:endParaRPr>
-          </a:p>
-        </p:txBody>
-      </p:sp>
-      <p:sp>
-        <p:nvSpPr>
-          <p:cNvPr id="3" name="Content Placeholder 2"/>
-          <p:cNvSpPr>
-            <a:spLocks noGrp="1"/>
-          </p:cNvSpPr>
-          <p:nvPr>
-            <p:ph idx="1"/>
-          </p:nvPr>
-        </p:nvSpPr>
-        <p:spPr>
-          <a:xfrm>
-            <a:off x="628650" y="989044"/>
-            <a:ext cx="7886700" cy="5605719"/>
-          </a:xfrm>
-        </p:spPr>
-        <p:txBody>
-          <a:bodyPr>
-            <a:normAutofit/>
-          </a:bodyPr>
-          <a:lstStyle/>
-          <a:p>
-            <a:pPr defTabSz="342900">
-              <a:lnSpc>
-                <a:spcPct val="120000"/>
-              </a:lnSpc>
-            </a:pPr>
-            <a:r>
-              <a:rPr lang="en-US" altLang="zh-CN" sz="1540" dirty="0">
-                <a:solidFill>
-                  <a:srgbClr val="262626"/>
-                </a:solidFill>
-              </a:rPr>
-              <a:t>1 change class to functional component</a:t>
-            </a:r>
-            <a:endParaRPr lang="en-US" altLang="zh-CN" sz="1540" dirty="0">
-              <a:solidFill>
-                <a:srgbClr val="262626"/>
-              </a:solidFill>
-            </a:endParaRPr>
-          </a:p>
-          <a:p>
-            <a:pPr defTabSz="342900">
-              <a:lnSpc>
-                <a:spcPct val="120000"/>
-              </a:lnSpc>
-            </a:pPr>
-            <a:r>
-              <a:rPr lang="en-US" altLang="zh-CN" sz="1540" dirty="0">
-                <a:solidFill>
-                  <a:srgbClr val="262626"/>
-                </a:solidFill>
-              </a:rPr>
-              <a:t>2 add context </a:t>
-            </a:r>
-            <a:endParaRPr lang="en-US" altLang="zh-CN" sz="1540" dirty="0">
-              <a:solidFill>
-                <a:srgbClr val="262626"/>
-              </a:solidFill>
-            </a:endParaRPr>
-          </a:p>
-          <a:p>
-            <a:pPr defTabSz="342900">
-              <a:lnSpc>
-                <a:spcPct val="120000"/>
-              </a:lnSpc>
-            </a:pPr>
-            <a:endParaRPr lang="en-US" altLang="zh-CN" sz="1540" dirty="0">
-              <a:solidFill>
-                <a:srgbClr val="262626"/>
-              </a:solidFill>
-            </a:endParaRPr>
-          </a:p>
-          <a:p>
-            <a:pPr defTabSz="342900">
-              <a:lnSpc>
-                <a:spcPct val="120000"/>
-              </a:lnSpc>
-            </a:pPr>
-            <a:endParaRPr lang="en-US" altLang="zh-CN" sz="1540" dirty="0">
-              <a:solidFill>
-                <a:srgbClr val="262626"/>
-              </a:solidFill>
-            </a:endParaRPr>
-          </a:p>
-        </p:txBody>
-      </p:sp>
-    </p:spTree>
-  </p:cSld>
-  <p:clrMapOvr>
-    <a:masterClrMapping/>
-  </p:clrMapOvr>
-</p:sld>
-</file>
-
-<file path=ppt/slides/slide22.xml><?xml version="1.0" encoding="utf-8"?>
-<p:sld xmlns:a="http://schemas.openxmlformats.org/drawingml/2006/main" xmlns:r="http://schemas.openxmlformats.org/officeDocument/2006/relationships" xmlns:p="http://schemas.openxmlformats.org/presentationml/2006/main">
-  <p:cSld>
-    <p:spTree>
-      <p:nvGrpSpPr>
-        <p:cNvPr id="1" name=""/>
-        <p:cNvGrpSpPr/>
-        <p:nvPr/>
-      </p:nvGrpSpPr>
-      <p:grpSpPr>
-        <a:xfrm>
-          <a:off x="0" y="0"/>
-          <a:ext cx="0" cy="0"/>
-          <a:chOff x="0" y="0"/>
-          <a:chExt cx="0" cy="0"/>
-        </a:xfrm>
-      </p:grpSpPr>
-      <p:sp>
-        <p:nvSpPr>
-          <p:cNvPr id="2" name="Title 1"/>
-          <p:cNvSpPr>
-            <a:spLocks noGrp="1"/>
-          </p:cNvSpPr>
-          <p:nvPr>
-            <p:ph type="title"/>
-          </p:nvPr>
-        </p:nvSpPr>
-        <p:spPr>
-          <a:xfrm>
-            <a:off x="628650" y="155263"/>
-            <a:ext cx="7886700" cy="526790"/>
-          </a:xfrm>
-        </p:spPr>
-        <p:txBody>
-          <a:bodyPr>
-            <a:normAutofit fontScale="90000"/>
-          </a:bodyPr>
-          <a:lstStyle/>
-          <a:p>
-            <a:pPr algn="ctr"/>
-            <a:r>
-              <a:rPr lang="en-US" sz="3200" b="1" dirty="0">
-                <a:latin typeface="Calibri" panose="020F0502020204030204" pitchFamily="34" charset="0"/>
-                <a:cs typeface="Calibri" panose="020F0502020204030204" pitchFamily="34" charset="0"/>
-              </a:rPr>
-              <a:t>Web3js</a:t>
-            </a:r>
-            <a:endParaRPr lang="en-US" sz="3200" b="1" dirty="0">
-              <a:latin typeface="Calibri" panose="020F0502020204030204" pitchFamily="34" charset="0"/>
-              <a:cs typeface="Calibri" panose="020F0502020204030204" pitchFamily="34" charset="0"/>
-            </a:endParaRPr>
-          </a:p>
-        </p:txBody>
-      </p:sp>
-      <p:sp>
-        <p:nvSpPr>
-          <p:cNvPr id="3" name="Content Placeholder 2"/>
-          <p:cNvSpPr>
-            <a:spLocks noGrp="1"/>
-          </p:cNvSpPr>
-          <p:nvPr>
-            <p:ph idx="1"/>
-          </p:nvPr>
-        </p:nvSpPr>
-        <p:spPr>
-          <a:xfrm>
-            <a:off x="628650" y="989044"/>
-            <a:ext cx="7886700" cy="5605719"/>
-          </a:xfrm>
-        </p:spPr>
-        <p:txBody>
-          <a:bodyPr>
-            <a:normAutofit/>
-          </a:bodyPr>
-          <a:lstStyle/>
-          <a:p>
-            <a:pPr defTabSz="342900">
-              <a:lnSpc>
-                <a:spcPct val="120000"/>
-              </a:lnSpc>
-            </a:pPr>
-            <a:r>
-              <a:rPr lang="en-US" altLang="zh-CN" sz="1540" dirty="0">
-                <a:solidFill>
-                  <a:srgbClr val="262626"/>
-                </a:solidFill>
-              </a:rPr>
-              <a:t>1 change class to functional component</a:t>
-            </a:r>
-            <a:endParaRPr lang="en-US" altLang="zh-CN" sz="1540" dirty="0">
-              <a:solidFill>
-                <a:srgbClr val="262626"/>
-              </a:solidFill>
-            </a:endParaRPr>
-          </a:p>
-          <a:p>
-            <a:pPr defTabSz="342900">
-              <a:lnSpc>
-                <a:spcPct val="120000"/>
-              </a:lnSpc>
-            </a:pPr>
-            <a:r>
-              <a:rPr lang="en-US" altLang="zh-CN" sz="1540" dirty="0">
-                <a:solidFill>
-                  <a:srgbClr val="262626"/>
-                </a:solidFill>
-              </a:rPr>
-              <a:t>2 add context </a:t>
-            </a:r>
-            <a:endParaRPr lang="en-US" altLang="zh-CN" sz="1540" dirty="0">
-              <a:solidFill>
-                <a:srgbClr val="262626"/>
-              </a:solidFill>
-            </a:endParaRPr>
-          </a:p>
-          <a:p>
-            <a:pPr defTabSz="342900">
-              <a:lnSpc>
-                <a:spcPct val="120000"/>
-              </a:lnSpc>
-            </a:pPr>
-            <a:endParaRPr lang="en-US" altLang="zh-CN" sz="1540" dirty="0">
-              <a:solidFill>
-                <a:srgbClr val="262626"/>
-              </a:solidFill>
-            </a:endParaRPr>
-          </a:p>
-          <a:p>
-            <a:pPr defTabSz="342900">
-              <a:lnSpc>
-                <a:spcPct val="120000"/>
-              </a:lnSpc>
-            </a:pPr>
-            <a:endParaRPr lang="en-US" altLang="zh-CN" sz="1540" dirty="0">
-              <a:solidFill>
-                <a:srgbClr val="262626"/>
-              </a:solidFill>
-            </a:endParaRPr>
-          </a:p>
-        </p:txBody>
-      </p:sp>
-    </p:spTree>
-  </p:cSld>
-  <p:clrMapOvr>
-    <a:masterClrMapping/>
-  </p:clrMapOvr>
-</p:sld>
-</file>
-
-<file path=ppt/slides/slide3.xml><?xml version="1.0" encoding="utf-8"?>
-<p:sld xmlns:a="http://schemas.openxmlformats.org/drawingml/2006/main" xmlns:r="http://schemas.openxmlformats.org/officeDocument/2006/relationships" xmlns:p="http://schemas.openxmlformats.org/presentationml/2006/main">
-  <p:cSld>
-    <p:spTree>
-      <p:nvGrpSpPr>
-        <p:cNvPr id="1" name=""/>
-        <p:cNvGrpSpPr/>
-        <p:nvPr/>
-      </p:nvGrpSpPr>
-      <p:grpSpPr>
-        <a:xfrm>
-          <a:off x="0" y="0"/>
-          <a:ext cx="0" cy="0"/>
-          <a:chOff x="0" y="0"/>
-          <a:chExt cx="0" cy="0"/>
-        </a:xfrm>
-      </p:grpSpPr>
-      <p:sp>
-        <p:nvSpPr>
-          <p:cNvPr id="2" name="Title 1"/>
-          <p:cNvSpPr>
-            <a:spLocks noGrp="1"/>
-          </p:cNvSpPr>
-          <p:nvPr>
-            <p:ph type="title"/>
-          </p:nvPr>
-        </p:nvSpPr>
-        <p:spPr>
-          <a:xfrm>
-            <a:off x="628650" y="155263"/>
-            <a:ext cx="7886700" cy="526790"/>
-          </a:xfrm>
-        </p:spPr>
-        <p:txBody>
-          <a:bodyPr>
-            <a:normAutofit fontScale="90000"/>
-          </a:bodyPr>
-          <a:lstStyle/>
-          <a:p>
-            <a:pPr algn="ctr"/>
-            <a:r>
-              <a:rPr lang="en-US" sz="3200" b="1" dirty="0">
-                <a:latin typeface="Calibri" panose="020F0502020204030204" pitchFamily="34" charset="0"/>
-                <a:cs typeface="Calibri" panose="020F0502020204030204" pitchFamily="34" charset="0"/>
-              </a:rPr>
-              <a:t>React Router Design</a:t>
-            </a:r>
-            <a:endParaRPr lang="en-US" sz="3200" b="1" dirty="0">
-              <a:latin typeface="Calibri" panose="020F0502020204030204" pitchFamily="34" charset="0"/>
-              <a:cs typeface="Calibri" panose="020F0502020204030204" pitchFamily="34" charset="0"/>
-            </a:endParaRPr>
-          </a:p>
-        </p:txBody>
-      </p:sp>
-      <p:sp>
-        <p:nvSpPr>
-          <p:cNvPr id="3" name="Content Placeholder 2"/>
-          <p:cNvSpPr>
-            <a:spLocks noGrp="1"/>
-          </p:cNvSpPr>
-          <p:nvPr>
-            <p:ph idx="1"/>
-          </p:nvPr>
-        </p:nvSpPr>
-        <p:spPr>
-          <a:xfrm>
-            <a:off x="628650" y="989044"/>
-            <a:ext cx="7886700" cy="5605719"/>
-          </a:xfrm>
-        </p:spPr>
-        <p:txBody>
-          <a:bodyPr>
-            <a:normAutofit/>
-          </a:bodyPr>
-          <a:lstStyle/>
-          <a:p>
-            <a:pPr marL="228600" lvl="0" indent="-228600" defTabSz="342900">
-              <a:lnSpc>
-                <a:spcPct val="120000"/>
-              </a:lnSpc>
-              <a:buFont typeface="Arial" panose="020B0604020202020204" pitchFamily="34" charset="0"/>
-              <a:buChar char="•"/>
-            </a:pPr>
-            <a:r>
-              <a:rPr lang="en-US" altLang="en-US" sz="1800" dirty="0">
-                <a:solidFill>
-                  <a:srgbClr val="262626"/>
-                </a:solidFill>
-              </a:rPr>
-              <a:t>Logic:</a:t>
-            </a:r>
-            <a:endParaRPr lang="en-US" altLang="en-US" sz="1800" dirty="0">
-              <a:solidFill>
-                <a:srgbClr val="262626"/>
-              </a:solidFill>
-            </a:endParaRPr>
-          </a:p>
-          <a:p>
-            <a:pPr marL="228600" lvl="0" indent="-228600" defTabSz="342900">
-              <a:lnSpc>
-                <a:spcPct val="120000"/>
-              </a:lnSpc>
-              <a:buFont typeface="Arial" panose="020B0604020202020204" pitchFamily="34" charset="0"/>
-              <a:buChar char="•"/>
-            </a:pPr>
-            <a:r>
-              <a:rPr lang="en-US" altLang="en-US" sz="1800" dirty="0">
-                <a:solidFill>
-                  <a:srgbClr val="262626"/>
-                </a:solidFill>
-              </a:rPr>
-              <a:t>if not loggedin =&gt; goes to login page</a:t>
-            </a:r>
-            <a:endParaRPr lang="en-US" altLang="en-US" sz="1800" dirty="0">
-              <a:solidFill>
-                <a:srgbClr val="262626"/>
-              </a:solidFill>
-            </a:endParaRPr>
-          </a:p>
-          <a:p>
-            <a:pPr marL="228600" lvl="0" indent="-228600" defTabSz="342900">
-              <a:lnSpc>
-                <a:spcPct val="120000"/>
-              </a:lnSpc>
-              <a:buFont typeface="Arial" panose="020B0604020202020204" pitchFamily="34" charset="0"/>
-              <a:buChar char="•"/>
-            </a:pPr>
-            <a:r>
-              <a:rPr lang="en-US" altLang="zh-CN" sz="1800" dirty="0">
-                <a:solidFill>
-                  <a:srgbClr val="262626"/>
-                </a:solidFill>
-              </a:rPr>
-              <a:t>other wise =&gt; dashboard</a:t>
-            </a:r>
-            <a:endParaRPr lang="en-US" altLang="zh-CN" sz="1800" dirty="0">
-              <a:solidFill>
-                <a:srgbClr val="262626"/>
-              </a:solidFill>
-            </a:endParaRPr>
-          </a:p>
-          <a:p>
-            <a:pPr marL="685800" lvl="1" indent="-228600" defTabSz="342900">
-              <a:lnSpc>
-                <a:spcPct val="120000"/>
-              </a:lnSpc>
-              <a:buFont typeface="Arial" panose="020B0604020202020204" pitchFamily="34" charset="0"/>
-              <a:buChar char="•"/>
-            </a:pPr>
-            <a:r>
-              <a:rPr lang="en-US" altLang="zh-CN" sz="1800" dirty="0">
-                <a:solidFill>
-                  <a:srgbClr val="262626"/>
-                </a:solidFill>
-              </a:rPr>
-              <a:t>swith subpages (define switch for the first level router) example App</a:t>
-            </a:r>
-            <a:endParaRPr lang="en-US" altLang="zh-CN" sz="1800" dirty="0">
-              <a:solidFill>
-                <a:srgbClr val="262626"/>
-              </a:solidFill>
-            </a:endParaRPr>
-          </a:p>
-          <a:p>
-            <a:pPr marL="1143000" lvl="2" indent="-228600" defTabSz="342900">
-              <a:lnSpc>
-                <a:spcPct val="120000"/>
-              </a:lnSpc>
-              <a:buFont typeface="Arial" panose="020B0604020202020204" pitchFamily="34" charset="0"/>
-              <a:buChar char="•"/>
-            </a:pPr>
-            <a:r>
-              <a:rPr lang="en-US" altLang="zh-CN" sz="1800" dirty="0">
-                <a:solidFill>
-                  <a:srgbClr val="262626"/>
-                </a:solidFill>
-              </a:rPr>
-              <a:t>secondary subpages </a:t>
-            </a:r>
-            <a:r>
-              <a:rPr lang="en-US" altLang="zh-CN" sz="1800" dirty="0">
-                <a:solidFill>
-                  <a:srgbClr val="262626"/>
-                </a:solidFill>
-                <a:sym typeface="+mn-ea"/>
-              </a:rPr>
-              <a:t>(define switch for the second level router)</a:t>
-            </a:r>
-            <a:endParaRPr lang="en-US" altLang="zh-CN" sz="1800" dirty="0">
-              <a:solidFill>
-                <a:srgbClr val="262626"/>
-              </a:solidFill>
-              <a:sym typeface="+mn-ea"/>
-            </a:endParaRPr>
-          </a:p>
-          <a:p>
-            <a:pPr marL="1143000" lvl="2" indent="-228600" defTabSz="342900">
-              <a:lnSpc>
-                <a:spcPct val="120000"/>
-              </a:lnSpc>
-              <a:buFont typeface="Arial" panose="020B0604020202020204" pitchFamily="34" charset="0"/>
-              <a:buChar char="•"/>
-            </a:pPr>
-            <a:r>
-              <a:rPr lang="en-US" altLang="zh-CN" sz="1800" dirty="0">
-                <a:solidFill>
-                  <a:srgbClr val="262626"/>
-                </a:solidFill>
-              </a:rPr>
-              <a:t>example contract</a:t>
-            </a:r>
-            <a:endParaRPr lang="en-US" altLang="zh-CN" sz="1800" dirty="0">
-              <a:solidFill>
-                <a:srgbClr val="262626"/>
-              </a:solidFill>
-            </a:endParaRPr>
-          </a:p>
-          <a:p>
-            <a:pPr marL="1143000" lvl="2" indent="-228600" defTabSz="342900">
-              <a:lnSpc>
-                <a:spcPct val="120000"/>
-              </a:lnSpc>
-              <a:buFont typeface="Arial" panose="020B0604020202020204" pitchFamily="34" charset="0"/>
-              <a:buChar char="•"/>
-            </a:pPr>
-            <a:endParaRPr lang="en-US" altLang="zh-CN" sz="1800" dirty="0">
-              <a:solidFill>
-                <a:srgbClr val="262626"/>
-              </a:solidFill>
-            </a:endParaRPr>
-          </a:p>
-          <a:p>
-            <a:pPr marL="228600" lvl="0" indent="-228600" defTabSz="342900">
-              <a:lnSpc>
-                <a:spcPct val="120000"/>
-              </a:lnSpc>
-              <a:buFont typeface="Arial" panose="020B0604020202020204" pitchFamily="34" charset="0"/>
-              <a:buChar char="•"/>
-            </a:pPr>
-            <a:r>
-              <a:rPr lang="en-US" altLang="zh-CN" sz="1800" dirty="0">
-                <a:solidFill>
-                  <a:srgbClr val="262626"/>
-                </a:solidFill>
-              </a:rPr>
-              <a:t>note: render according to the level</a:t>
-            </a:r>
-            <a:endParaRPr lang="en-US" altLang="zh-CN" sz="1800" dirty="0">
-              <a:solidFill>
-                <a:srgbClr val="262626"/>
-              </a:solidFill>
-            </a:endParaRPr>
-          </a:p>
-        </p:txBody>
-      </p:sp>
-    </p:spTree>
-  </p:cSld>
-  <p:clrMapOvr>
-    <a:masterClrMapping/>
-  </p:clrMapOvr>
-</p:sld>
-</file>
-
-<file path=ppt/slides/slide4.xml><?xml version="1.0" encoding="utf-8"?>
-<p:sld xmlns:a="http://schemas.openxmlformats.org/drawingml/2006/main" xmlns:r="http://schemas.openxmlformats.org/officeDocument/2006/relationships" xmlns:p="http://schemas.openxmlformats.org/presentationml/2006/main">
-  <p:cSld>
-    <p:spTree>
-      <p:nvGrpSpPr>
-        <p:cNvPr id="1" name=""/>
-        <p:cNvGrpSpPr/>
-        <p:nvPr/>
-      </p:nvGrpSpPr>
-      <p:grpSpPr>
-        <a:xfrm>
-          <a:off x="0" y="0"/>
-          <a:ext cx="0" cy="0"/>
-          <a:chOff x="0" y="0"/>
-          <a:chExt cx="0" cy="0"/>
-        </a:xfrm>
-      </p:grpSpPr>
-      <p:sp>
-        <p:nvSpPr>
-          <p:cNvPr id="2" name="Title 1"/>
-          <p:cNvSpPr>
-            <a:spLocks noGrp="1"/>
-          </p:cNvSpPr>
-          <p:nvPr>
-            <p:ph type="title"/>
-          </p:nvPr>
-        </p:nvSpPr>
-        <p:spPr>
-          <a:xfrm>
-            <a:off x="628650" y="155263"/>
-            <a:ext cx="7886700" cy="526790"/>
-          </a:xfrm>
-        </p:spPr>
-        <p:txBody>
-          <a:bodyPr>
-            <a:normAutofit fontScale="90000"/>
-          </a:bodyPr>
-          <a:lstStyle/>
-          <a:p>
-            <a:pPr algn="ctr"/>
-            <a:r>
-              <a:rPr lang="en-US" sz="3200" b="1" dirty="0">
-                <a:latin typeface="Calibri" panose="020F0502020204030204" pitchFamily="34" charset="0"/>
-                <a:cs typeface="Calibri" panose="020F0502020204030204" pitchFamily="34" charset="0"/>
-              </a:rPr>
-              <a:t>React Router Design</a:t>
-            </a:r>
-            <a:endParaRPr lang="en-US" sz="3200" b="1" dirty="0">
-              <a:latin typeface="Calibri" panose="020F0502020204030204" pitchFamily="34" charset="0"/>
-              <a:cs typeface="Calibri" panose="020F0502020204030204" pitchFamily="34" charset="0"/>
-            </a:endParaRPr>
-          </a:p>
-        </p:txBody>
-      </p:sp>
-      <p:sp>
-        <p:nvSpPr>
-          <p:cNvPr id="3" name="Content Placeholder 2"/>
-          <p:cNvSpPr>
-            <a:spLocks noGrp="1"/>
-          </p:cNvSpPr>
-          <p:nvPr>
-            <p:ph idx="1"/>
-          </p:nvPr>
-        </p:nvSpPr>
-        <p:spPr>
-          <a:xfrm>
-            <a:off x="628650" y="989044"/>
-            <a:ext cx="7886700" cy="5605719"/>
-          </a:xfrm>
-        </p:spPr>
-        <p:txBody>
-          <a:bodyPr>
-            <a:normAutofit/>
-          </a:bodyPr>
-          <a:lstStyle/>
-          <a:p>
-            <a:pPr marL="228600" lvl="0" indent="-228600" defTabSz="342900">
-              <a:lnSpc>
-                <a:spcPct val="120000"/>
-              </a:lnSpc>
-              <a:buFont typeface="Arial" panose="020B0604020202020204" pitchFamily="34" charset="0"/>
-              <a:buChar char="•"/>
-            </a:pPr>
-            <a:endParaRPr lang="en-US" altLang="zh-CN" sz="1800" dirty="0">
-              <a:solidFill>
-                <a:srgbClr val="262626"/>
-              </a:solidFill>
-            </a:endParaRPr>
-          </a:p>
-        </p:txBody>
-      </p:sp>
-      <p:pic>
-        <p:nvPicPr>
-          <p:cNvPr id="6" name="图片 5"/>
-          <p:cNvPicPr>
-            <a:picLocks noChangeAspect="1"/>
-          </p:cNvPicPr>
-          <p:nvPr/>
-        </p:nvPicPr>
-        <p:blipFill>
-          <a:blip r:embed="rId1"/>
-          <a:stretch>
-            <a:fillRect/>
-          </a:stretch>
-        </p:blipFill>
-        <p:spPr>
-          <a:xfrm>
-            <a:off x="628650" y="989330"/>
-            <a:ext cx="7335520" cy="5621655"/>
-          </a:xfrm>
-          <a:prstGeom prst="rect">
-            <a:avLst/>
-          </a:prstGeom>
-        </p:spPr>
-      </p:pic>
-    </p:spTree>
-  </p:cSld>
-  <p:clrMapOvr>
-    <a:masterClrMapping/>
-  </p:clrMapOvr>
-</p:sld>
-</file>
-
-<file path=ppt/slides/slide5.xml><?xml version="1.0" encoding="utf-8"?>
-<p:sld xmlns:a="http://schemas.openxmlformats.org/drawingml/2006/main" xmlns:r="http://schemas.openxmlformats.org/officeDocument/2006/relationships" xmlns:p="http://schemas.openxmlformats.org/presentationml/2006/main">
-  <p:cSld>
-    <p:spTree>
-      <p:nvGrpSpPr>
-        <p:cNvPr id="1" name=""/>
-        <p:cNvGrpSpPr/>
-        <p:nvPr/>
-      </p:nvGrpSpPr>
-      <p:grpSpPr>
-        <a:xfrm>
-          <a:off x="0" y="0"/>
-          <a:ext cx="0" cy="0"/>
-          <a:chOff x="0" y="0"/>
-          <a:chExt cx="0" cy="0"/>
-        </a:xfrm>
-      </p:grpSpPr>
-      <p:sp>
-        <p:nvSpPr>
-          <p:cNvPr id="2" name="Title 1"/>
-          <p:cNvSpPr>
-            <a:spLocks noGrp="1"/>
-          </p:cNvSpPr>
-          <p:nvPr>
-            <p:ph type="title"/>
-          </p:nvPr>
-        </p:nvSpPr>
-        <p:spPr>
-          <a:xfrm>
-            <a:off x="628650" y="155263"/>
-            <a:ext cx="7886700" cy="526790"/>
-          </a:xfrm>
-        </p:spPr>
-        <p:txBody>
-          <a:bodyPr>
-            <a:normAutofit fontScale="90000"/>
-          </a:bodyPr>
-          <a:lstStyle/>
-          <a:p>
-            <a:pPr algn="ctr"/>
-            <a:r>
-              <a:rPr lang="en-US" sz="3200" b="1" dirty="0">
-                <a:latin typeface="Calibri" panose="020F0502020204030204" pitchFamily="34" charset="0"/>
-                <a:cs typeface="Calibri" panose="020F0502020204030204" pitchFamily="34" charset="0"/>
-              </a:rPr>
               <a:t>React Links and History</a:t>
             </a:r>
             <a:endParaRPr lang="en-US" sz="3200" b="1" dirty="0">
@@ -11058,7 +9370,7 @@
 </p:sld>
 </file>
 
-<file path=ppt/slides/slide6.xml><?xml version="1.0" encoding="utf-8"?>
+<file path=ppt/slides/slide19.xml><?xml version="1.0" encoding="utf-8"?>
 <p:sld xmlns:a="http://schemas.openxmlformats.org/drawingml/2006/main" xmlns:r="http://schemas.openxmlformats.org/officeDocument/2006/relationships" xmlns:p="http://schemas.openxmlformats.org/presentationml/2006/main">
   <p:cSld>
     <p:spTree>
@@ -11327,7 +9639,355 @@
 </p:sld>
 </file>
 
-<file path=ppt/slides/slide7.xml><?xml version="1.0" encoding="utf-8"?>
+<file path=ppt/slides/slide2.xml><?xml version="1.0" encoding="utf-8"?>
+<p:sld xmlns:a="http://schemas.openxmlformats.org/drawingml/2006/main" xmlns:r="http://schemas.openxmlformats.org/officeDocument/2006/relationships" xmlns:p="http://schemas.openxmlformats.org/presentationml/2006/main">
+  <p:cSld>
+    <p:spTree>
+      <p:nvGrpSpPr>
+        <p:cNvPr id="1" name=""/>
+        <p:cNvGrpSpPr/>
+        <p:nvPr/>
+      </p:nvGrpSpPr>
+      <p:grpSpPr>
+        <a:xfrm>
+          <a:off x="0" y="0"/>
+          <a:ext cx="0" cy="0"/>
+          <a:chOff x="0" y="0"/>
+          <a:chExt cx="0" cy="0"/>
+        </a:xfrm>
+      </p:grpSpPr>
+      <p:sp>
+        <p:nvSpPr>
+          <p:cNvPr id="21505" name="Title 1"/>
+          <p:cNvSpPr>
+            <a:spLocks noGrp="1"/>
+          </p:cNvSpPr>
+          <p:nvPr>
+            <p:ph type="title"/>
+          </p:nvPr>
+        </p:nvSpPr>
+        <p:spPr>
+          <a:xfrm>
+            <a:off x="233363" y="308848"/>
+            <a:ext cx="8227219" cy="327422"/>
+          </a:xfrm>
+        </p:spPr>
+        <p:txBody>
+          <a:bodyPr vert="horz" lIns="0" tIns="0" rIns="0" bIns="0" rtlCol="0" anchor="ctr">
+            <a:normAutofit fontScale="90000"/>
+          </a:bodyPr>
+          <a:lstStyle/>
+          <a:p>
+            <a:pPr algn="ctr"/>
+            <a:r>
+              <a:rPr lang="en-US" altLang="zh-CN" sz="3200" b="1" dirty="0">
+                <a:latin typeface="Calibri" panose="020F0502020204030204" pitchFamily="34" charset="0"/>
+                <a:cs typeface="Calibri" panose="020F0502020204030204" pitchFamily="34" charset="0"/>
+              </a:rPr>
+              <a:t>Outline</a:t>
+            </a:r>
+            <a:endParaRPr lang="en-GB" altLang="zh-CN" sz="3200" b="1" dirty="0">
+              <a:latin typeface="Calibri" panose="020F0502020204030204" pitchFamily="34" charset="0"/>
+              <a:cs typeface="Calibri" panose="020F0502020204030204" pitchFamily="34" charset="0"/>
+            </a:endParaRPr>
+          </a:p>
+        </p:txBody>
+      </p:sp>
+      <p:sp>
+        <p:nvSpPr>
+          <p:cNvPr id="21506" name="文本框 6"/>
+          <p:cNvSpPr txBox="1"/>
+          <p:nvPr/>
+        </p:nvSpPr>
+        <p:spPr>
+          <a:xfrm>
+            <a:off x="246455" y="859156"/>
+            <a:ext cx="8651359" cy="5486400"/>
+          </a:xfrm>
+          <a:prstGeom prst="rect">
+            <a:avLst/>
+          </a:prstGeom>
+          <a:noFill/>
+          <a:ln w="9525">
+            <a:noFill/>
+          </a:ln>
+        </p:spPr>
+        <p:txBody>
+          <a:bodyPr wrap="square" lIns="0" tIns="0" rIns="0" bIns="0" anchor="t"/>
+          <a:lstStyle/>
+          <a:p>
+            <a:pPr marL="171450" lvl="0" indent="-171450" fontAlgn="auto">
+              <a:lnSpc>
+                <a:spcPct val="200000"/>
+              </a:lnSpc>
+              <a:spcBef>
+                <a:spcPts val="700"/>
+              </a:spcBef>
+              <a:buFont typeface="Arial" panose="020B0604020202020204" pitchFamily="34" charset="0"/>
+              <a:buChar char="•"/>
+            </a:pPr>
+            <a:r>
+              <a:rPr lang="en-US" dirty="0"/>
+              <a:t>Router Design</a:t>
+            </a:r>
+            <a:endParaRPr lang="en-US" dirty="0"/>
+          </a:p>
+          <a:p>
+            <a:pPr marL="171450" lvl="0" indent="-171450" fontAlgn="auto">
+              <a:lnSpc>
+                <a:spcPct val="200000"/>
+              </a:lnSpc>
+              <a:spcBef>
+                <a:spcPts val="700"/>
+              </a:spcBef>
+              <a:buFont typeface="Arial" panose="020B0604020202020204" pitchFamily="34" charset="0"/>
+              <a:buChar char="•"/>
+            </a:pPr>
+            <a:r>
+              <a:rPr lang="en-US" dirty="0"/>
+              <a:t>Links and History</a:t>
+            </a:r>
+            <a:endParaRPr lang="en-US" dirty="0"/>
+          </a:p>
+          <a:p>
+            <a:pPr marL="171450" lvl="0" indent="-171450" fontAlgn="auto">
+              <a:lnSpc>
+                <a:spcPct val="200000"/>
+              </a:lnSpc>
+              <a:spcBef>
+                <a:spcPts val="700"/>
+              </a:spcBef>
+              <a:buFont typeface="Arial" panose="020B0604020202020204" pitchFamily="34" charset="0"/>
+              <a:buChar char="•"/>
+            </a:pPr>
+            <a:r>
+              <a:rPr lang="en-US" dirty="0"/>
+              <a:t>Context</a:t>
+            </a:r>
+            <a:endParaRPr lang="en-US" dirty="0"/>
+          </a:p>
+          <a:p>
+            <a:pPr marL="171450" lvl="0" indent="-171450" fontAlgn="auto">
+              <a:lnSpc>
+                <a:spcPct val="200000"/>
+              </a:lnSpc>
+              <a:spcBef>
+                <a:spcPts val="700"/>
+              </a:spcBef>
+              <a:buFont typeface="Arial" panose="020B0604020202020204" pitchFamily="34" charset="0"/>
+              <a:buChar char="•"/>
+            </a:pPr>
+            <a:r>
+              <a:rPr lang="en-US" dirty="0"/>
+              <a:t>Change </a:t>
+            </a:r>
+            <a:r>
+              <a:rPr lang="en-US" dirty="0">
+                <a:sym typeface="+mn-ea"/>
+              </a:rPr>
+              <a:t>class </a:t>
+            </a:r>
+            <a:r>
+              <a:rPr lang="en-US" dirty="0"/>
+              <a:t>to </a:t>
+            </a:r>
+            <a:r>
+              <a:rPr lang="en-US" dirty="0">
+                <a:sym typeface="+mn-ea"/>
+              </a:rPr>
+              <a:t>functional</a:t>
+            </a:r>
+            <a:r>
+              <a:rPr lang="en-US" dirty="0"/>
+              <a:t> component</a:t>
+            </a:r>
+            <a:endParaRPr lang="en-US" dirty="0"/>
+          </a:p>
+          <a:p>
+            <a:pPr marL="171450" lvl="0" indent="-171450" fontAlgn="auto">
+              <a:lnSpc>
+                <a:spcPct val="200000"/>
+              </a:lnSpc>
+              <a:spcBef>
+                <a:spcPts val="700"/>
+              </a:spcBef>
+              <a:buFont typeface="Arial" panose="020B0604020202020204" pitchFamily="34" charset="0"/>
+              <a:buChar char="•"/>
+            </a:pPr>
+            <a:r>
+              <a:rPr lang="en-US" dirty="0"/>
+              <a:t>Summarize technique implementation process: </a:t>
+            </a:r>
+            <a:endParaRPr lang="en-US" dirty="0"/>
+          </a:p>
+          <a:p>
+            <a:pPr marL="628650" lvl="1" indent="-171450" fontAlgn="auto">
+              <a:lnSpc>
+                <a:spcPct val="200000"/>
+              </a:lnSpc>
+              <a:spcBef>
+                <a:spcPts val="700"/>
+              </a:spcBef>
+              <a:buFont typeface="Arial" panose="020B0604020202020204" pitchFamily="34" charset="0"/>
+              <a:buChar char="•"/>
+            </a:pPr>
+            <a:r>
+              <a:rPr lang="en-US" dirty="0"/>
+              <a:t>Hyperledger Dapp+ChainCode, React Logic, JWT</a:t>
+            </a:r>
+            <a:endParaRPr lang="en-US" dirty="0"/>
+          </a:p>
+          <a:p>
+            <a:pPr marL="171450" lvl="0" indent="-171450" fontAlgn="auto">
+              <a:lnSpc>
+                <a:spcPct val="200000"/>
+              </a:lnSpc>
+              <a:spcBef>
+                <a:spcPts val="700"/>
+              </a:spcBef>
+              <a:buFont typeface="Arial" panose="020B0604020202020204" pitchFamily="34" charset="0"/>
+              <a:buChar char="•"/>
+            </a:pPr>
+            <a:r>
+              <a:rPr lang="en-US" dirty="0">
+                <a:solidFill>
+                  <a:schemeClr val="tx1"/>
+                </a:solidFill>
+              </a:rPr>
+              <a:t>IPFS Storage</a:t>
+            </a:r>
+            <a:endParaRPr lang="en-US" dirty="0">
+              <a:solidFill>
+                <a:schemeClr val="tx1"/>
+              </a:solidFill>
+            </a:endParaRPr>
+          </a:p>
+          <a:p>
+            <a:pPr marL="171450" lvl="0" indent="-171450" fontAlgn="auto">
+              <a:lnSpc>
+                <a:spcPct val="200000"/>
+              </a:lnSpc>
+              <a:spcBef>
+                <a:spcPts val="700"/>
+              </a:spcBef>
+              <a:buFont typeface="Arial" panose="020B0604020202020204" pitchFamily="34" charset="0"/>
+              <a:buChar char="•"/>
+            </a:pPr>
+            <a:r>
+              <a:rPr lang="en-US" dirty="0"/>
+              <a:t>Dive into Proxy</a:t>
+            </a:r>
+            <a:endParaRPr lang="en-US" dirty="0"/>
+          </a:p>
+        </p:txBody>
+      </p:sp>
+      <p:sp>
+        <p:nvSpPr>
+          <p:cNvPr id="6" name="TextBox 6"/>
+          <p:cNvSpPr txBox="1"/>
+          <p:nvPr/>
+        </p:nvSpPr>
+        <p:spPr>
+          <a:xfrm>
+            <a:off x="25183" y="6636420"/>
+            <a:ext cx="3270445" cy="184664"/>
+          </a:xfrm>
+          <a:prstGeom prst="rect">
+            <a:avLst/>
+          </a:prstGeom>
+          <a:ln w="12700">
+            <a:miter lim="400000"/>
+          </a:ln>
+        </p:spPr>
+        <p:txBody>
+          <a:bodyPr wrap="none" lIns="34289" tIns="34289" rIns="34289" bIns="34289">
+            <a:spAutoFit/>
+          </a:bodyPr>
+          <a:lstStyle>
+            <a:lvl1pPr defTabSz="914400">
+              <a:defRPr sz="1000">
+                <a:solidFill>
+                  <a:srgbClr val="FFFFFF"/>
+                </a:solidFill>
+                <a:latin typeface="Montserrat"/>
+                <a:ea typeface="Montserrat"/>
+                <a:cs typeface="Montserrat"/>
+                <a:sym typeface="Montserrat"/>
+              </a:defRPr>
+            </a:lvl1pPr>
+          </a:lstStyle>
+          <a:p>
+            <a:r>
+              <a:rPr lang="en-US" sz="750" dirty="0">
+                <a:solidFill>
+                  <a:schemeClr val="tx1"/>
+                </a:solidFill>
+                <a:latin typeface="Montserrat" panose="00000500000000000000" pitchFamily="2" charset="0"/>
+              </a:rPr>
+              <a:t>© 2017-2020    SmartMesh Foundation Pte. Ltd.  |  MeshBox Foundation Pte. Ltd.</a:t>
+            </a:r>
+            <a:endParaRPr lang="en-US" sz="750" dirty="0">
+              <a:solidFill>
+                <a:schemeClr val="tx1"/>
+              </a:solidFill>
+              <a:latin typeface="Montserrat" panose="00000500000000000000" pitchFamily="2" charset="0"/>
+              <a:sym typeface="Arial" panose="020B0604020202020204"/>
+            </a:endParaRPr>
+          </a:p>
+        </p:txBody>
+      </p:sp>
+      <p:sp>
+        <p:nvSpPr>
+          <p:cNvPr id="7" name="TextBox 6"/>
+          <p:cNvSpPr txBox="1">
+            <a:spLocks noChangeArrowheads="1"/>
+          </p:cNvSpPr>
+          <p:nvPr/>
+        </p:nvSpPr>
+        <p:spPr bwMode="auto">
+          <a:xfrm>
+            <a:off x="7872314" y="6569155"/>
+            <a:ext cx="1289447" cy="253916"/>
+          </a:xfrm>
+          <a:prstGeom prst="rect">
+            <a:avLst/>
+          </a:prstGeom>
+          <a:noFill/>
+          <a:ln w="9525">
+            <a:noFill/>
+            <a:miter lim="800000"/>
+          </a:ln>
+        </p:spPr>
+        <p:txBody>
+          <a:bodyPr>
+            <a:spAutoFit/>
+          </a:bodyPr>
+          <a:lstStyle/>
+          <a:p>
+            <a:pPr algn="r"/>
+            <a:fld id="{6F888031-CE6A-4173-BB2B-520974F34056}" type="slidenum">
+              <a:rPr lang="en-GB" sz="1050">
+                <a:latin typeface="Calibri" panose="020F0502020204030204" pitchFamily="34" charset="0"/>
+              </a:rPr>
+            </a:fld>
+            <a:endParaRPr lang="en-GB" sz="1050" dirty="0">
+              <a:latin typeface="Calibri" panose="020F0502020204030204" pitchFamily="34" charset="0"/>
+            </a:endParaRPr>
+          </a:p>
+        </p:txBody>
+      </p:sp>
+    </p:spTree>
+  </p:cSld>
+  <p:clrMapOvr>
+    <a:masterClrMapping/>
+  </p:clrMapOvr>
+  <p:transition spd="med">
+    <p:fade/>
+  </p:transition>
+</p:sld>
+</file>
+
+<file path=ppt/slides/slide20.xml><?xml version="1.0" encoding="utf-8"?>
 <p:sld xmlns:a="http://schemas.openxmlformats.org/drawingml/2006/main" xmlns:r="http://schemas.openxmlformats.org/officeDocument/2006/relationships" xmlns:p="http://schemas.openxmlformats.org/presentationml/2006/main">
   <p:cSld>
     <p:spTree>
@@ -11628,6 +10288,5283 @@
 </p:sld>
 </file>
 
+<file path=ppt/slides/slide21.xml><?xml version="1.0" encoding="utf-8"?>
+<p:sld xmlns:a="http://schemas.openxmlformats.org/drawingml/2006/main" xmlns:r="http://schemas.openxmlformats.org/officeDocument/2006/relationships" xmlns:p="http://schemas.openxmlformats.org/presentationml/2006/main">
+  <p:cSld>
+    <p:spTree>
+      <p:nvGrpSpPr>
+        <p:cNvPr id="1" name=""/>
+        <p:cNvGrpSpPr/>
+        <p:nvPr/>
+      </p:nvGrpSpPr>
+      <p:grpSpPr>
+        <a:xfrm>
+          <a:off x="0" y="0"/>
+          <a:ext cx="0" cy="0"/>
+          <a:chOff x="0" y="0"/>
+          <a:chExt cx="0" cy="0"/>
+        </a:xfrm>
+      </p:grpSpPr>
+      <p:sp>
+        <p:nvSpPr>
+          <p:cNvPr id="2" name="Title 1"/>
+          <p:cNvSpPr>
+            <a:spLocks noGrp="1"/>
+          </p:cNvSpPr>
+          <p:nvPr>
+            <p:ph type="title"/>
+          </p:nvPr>
+        </p:nvSpPr>
+        <p:spPr>
+          <a:xfrm>
+            <a:off x="628650" y="155263"/>
+            <a:ext cx="7886700" cy="526790"/>
+          </a:xfrm>
+        </p:spPr>
+        <p:txBody>
+          <a:bodyPr>
+            <a:normAutofit fontScale="90000"/>
+          </a:bodyPr>
+          <a:lstStyle/>
+          <a:p>
+            <a:pPr algn="ctr"/>
+            <a:r>
+              <a:rPr lang="en-US" sz="3200" b="1" dirty="0">
+                <a:latin typeface="Calibri" panose="020F0502020204030204" pitchFamily="34" charset="0"/>
+                <a:cs typeface="Calibri" panose="020F0502020204030204" pitchFamily="34" charset="0"/>
+              </a:rPr>
+              <a:t>Context</a:t>
+            </a:r>
+            <a:endParaRPr lang="en-US" sz="3200" b="1" dirty="0">
+              <a:latin typeface="Calibri" panose="020F0502020204030204" pitchFamily="34" charset="0"/>
+              <a:cs typeface="Calibri" panose="020F0502020204030204" pitchFamily="34" charset="0"/>
+            </a:endParaRPr>
+          </a:p>
+        </p:txBody>
+      </p:sp>
+      <p:sp>
+        <p:nvSpPr>
+          <p:cNvPr id="3" name="Content Placeholder 2"/>
+          <p:cNvSpPr>
+            <a:spLocks noGrp="1"/>
+          </p:cNvSpPr>
+          <p:nvPr>
+            <p:ph idx="1"/>
+          </p:nvPr>
+        </p:nvSpPr>
+        <p:spPr>
+          <a:xfrm>
+            <a:off x="628650" y="989044"/>
+            <a:ext cx="7886700" cy="5605719"/>
+          </a:xfrm>
+        </p:spPr>
+        <p:txBody>
+          <a:bodyPr>
+            <a:normAutofit/>
+          </a:bodyPr>
+          <a:lstStyle/>
+          <a:p>
+            <a:pPr marL="228600" lvl="0" indent="-228600" defTabSz="342900">
+              <a:lnSpc>
+                <a:spcPct val="120000"/>
+              </a:lnSpc>
+              <a:buFont typeface="Arial" panose="020B0604020202020204" pitchFamily="34" charset="0"/>
+              <a:buChar char="•"/>
+            </a:pPr>
+            <a:r>
+              <a:rPr lang="en-US" altLang="en-US" sz="1800" dirty="0">
+                <a:solidFill>
+                  <a:srgbClr val="262626"/>
+                </a:solidFill>
+              </a:rPr>
+              <a:t>Add currentUserContext</a:t>
+            </a:r>
+            <a:endParaRPr lang="en-US" altLang="en-US" sz="1800" dirty="0">
+              <a:solidFill>
+                <a:srgbClr val="262626"/>
+              </a:solidFill>
+            </a:endParaRPr>
+          </a:p>
+          <a:p>
+            <a:pPr marL="228600" lvl="0" indent="-228600" defTabSz="342900">
+              <a:lnSpc>
+                <a:spcPct val="120000"/>
+              </a:lnSpc>
+              <a:buFont typeface="Arial" panose="020B0604020202020204" pitchFamily="34" charset="0"/>
+              <a:buChar char="•"/>
+            </a:pPr>
+            <a:r>
+              <a:rPr lang="en-US" altLang="en-US" sz="1800" dirty="0">
+                <a:solidFill>
+                  <a:srgbClr val="262626"/>
+                </a:solidFill>
+              </a:rPr>
+              <a:t>Step 1: Create provider:</a:t>
+            </a:r>
+            <a:endParaRPr lang="en-US" altLang="en-US" sz="1800" dirty="0">
+              <a:solidFill>
+                <a:srgbClr val="262626"/>
+              </a:solidFill>
+            </a:endParaRPr>
+          </a:p>
+          <a:p>
+            <a:pPr marL="228600" lvl="0" indent="-228600" defTabSz="342900">
+              <a:lnSpc>
+                <a:spcPct val="120000"/>
+              </a:lnSpc>
+              <a:buFont typeface="Arial" panose="020B0604020202020204" pitchFamily="34" charset="0"/>
+              <a:buChar char="•"/>
+            </a:pPr>
+            <a:r>
+              <a:rPr lang="en-US" altLang="en-US" sz="1800" dirty="0">
+                <a:solidFill>
+                  <a:srgbClr val="262626"/>
+                </a:solidFill>
+              </a:rPr>
+              <a:t>create context, create state variables, create provider</a:t>
+            </a:r>
+            <a:endParaRPr lang="en-US" altLang="en-US" sz="1800" dirty="0">
+              <a:solidFill>
+                <a:srgbClr val="262626"/>
+              </a:solidFill>
+            </a:endParaRPr>
+          </a:p>
+          <a:p>
+            <a:pPr marL="228600" lvl="0" indent="-228600" defTabSz="342900">
+              <a:lnSpc>
+                <a:spcPct val="120000"/>
+              </a:lnSpc>
+              <a:buFont typeface="Arial" panose="020B0604020202020204" pitchFamily="34" charset="0"/>
+              <a:buChar char="•"/>
+            </a:pPr>
+            <a:endParaRPr lang="en-US" altLang="en-US" sz="1800" dirty="0">
+              <a:solidFill>
+                <a:srgbClr val="262626"/>
+              </a:solidFill>
+            </a:endParaRPr>
+          </a:p>
+        </p:txBody>
+      </p:sp>
+      <p:pic>
+        <p:nvPicPr>
+          <p:cNvPr id="5" name="图片 4"/>
+          <p:cNvPicPr>
+            <a:picLocks noChangeAspect="1"/>
+          </p:cNvPicPr>
+          <p:nvPr/>
+        </p:nvPicPr>
+        <p:blipFill>
+          <a:blip r:embed="rId1"/>
+          <a:stretch>
+            <a:fillRect/>
+          </a:stretch>
+        </p:blipFill>
+        <p:spPr>
+          <a:xfrm>
+            <a:off x="628650" y="2705735"/>
+            <a:ext cx="6124575" cy="3524250"/>
+          </a:xfrm>
+          <a:prstGeom prst="rect">
+            <a:avLst/>
+          </a:prstGeom>
+        </p:spPr>
+      </p:pic>
+    </p:spTree>
+  </p:cSld>
+  <p:clrMapOvr>
+    <a:masterClrMapping/>
+  </p:clrMapOvr>
+</p:sld>
+</file>
+
+<file path=ppt/slides/slide22.xml><?xml version="1.0" encoding="utf-8"?>
+<p:sld xmlns:a="http://schemas.openxmlformats.org/drawingml/2006/main" xmlns:r="http://schemas.openxmlformats.org/officeDocument/2006/relationships" xmlns:p="http://schemas.openxmlformats.org/presentationml/2006/main">
+  <p:cSld>
+    <p:spTree>
+      <p:nvGrpSpPr>
+        <p:cNvPr id="1" name=""/>
+        <p:cNvGrpSpPr/>
+        <p:nvPr/>
+      </p:nvGrpSpPr>
+      <p:grpSpPr>
+        <a:xfrm>
+          <a:off x="0" y="0"/>
+          <a:ext cx="0" cy="0"/>
+          <a:chOff x="0" y="0"/>
+          <a:chExt cx="0" cy="0"/>
+        </a:xfrm>
+      </p:grpSpPr>
+      <p:sp>
+        <p:nvSpPr>
+          <p:cNvPr id="2" name="Title 1"/>
+          <p:cNvSpPr>
+            <a:spLocks noGrp="1"/>
+          </p:cNvSpPr>
+          <p:nvPr>
+            <p:ph type="title"/>
+          </p:nvPr>
+        </p:nvSpPr>
+        <p:spPr>
+          <a:xfrm>
+            <a:off x="628650" y="155263"/>
+            <a:ext cx="7886700" cy="526790"/>
+          </a:xfrm>
+        </p:spPr>
+        <p:txBody>
+          <a:bodyPr>
+            <a:normAutofit fontScale="90000"/>
+          </a:bodyPr>
+          <a:lstStyle/>
+          <a:p>
+            <a:pPr algn="ctr"/>
+            <a:r>
+              <a:rPr lang="en-US" sz="3200" b="1" dirty="0">
+                <a:latin typeface="Calibri" panose="020F0502020204030204" pitchFamily="34" charset="0"/>
+                <a:cs typeface="Calibri" panose="020F0502020204030204" pitchFamily="34" charset="0"/>
+              </a:rPr>
+              <a:t>Context</a:t>
+            </a:r>
+            <a:endParaRPr lang="en-US" sz="3200" b="1" dirty="0">
+              <a:latin typeface="Calibri" panose="020F0502020204030204" pitchFamily="34" charset="0"/>
+              <a:cs typeface="Calibri" panose="020F0502020204030204" pitchFamily="34" charset="0"/>
+            </a:endParaRPr>
+          </a:p>
+        </p:txBody>
+      </p:sp>
+      <p:sp>
+        <p:nvSpPr>
+          <p:cNvPr id="3" name="Content Placeholder 2"/>
+          <p:cNvSpPr>
+            <a:spLocks noGrp="1"/>
+          </p:cNvSpPr>
+          <p:nvPr>
+            <p:ph idx="1"/>
+          </p:nvPr>
+        </p:nvSpPr>
+        <p:spPr>
+          <a:xfrm>
+            <a:off x="628650" y="989044"/>
+            <a:ext cx="7886700" cy="5605719"/>
+          </a:xfrm>
+        </p:spPr>
+        <p:txBody>
+          <a:bodyPr>
+            <a:normAutofit/>
+          </a:bodyPr>
+          <a:lstStyle/>
+          <a:p>
+            <a:pPr marL="228600" lvl="0" indent="-228600" defTabSz="342900">
+              <a:lnSpc>
+                <a:spcPct val="120000"/>
+              </a:lnSpc>
+              <a:buFont typeface="Arial" panose="020B0604020202020204" pitchFamily="34" charset="0"/>
+              <a:buChar char="•"/>
+            </a:pPr>
+            <a:r>
+              <a:rPr lang="en-US" altLang="en-US" sz="1800" dirty="0">
+                <a:solidFill>
+                  <a:srgbClr val="262626"/>
+                </a:solidFill>
+              </a:rPr>
+              <a:t>Add currentUserContext</a:t>
+            </a:r>
+            <a:endParaRPr lang="en-US" altLang="en-US" sz="1800" dirty="0">
+              <a:solidFill>
+                <a:srgbClr val="262626"/>
+              </a:solidFill>
+            </a:endParaRPr>
+          </a:p>
+          <a:p>
+            <a:pPr marL="228600" lvl="0" indent="-228600" defTabSz="342900">
+              <a:lnSpc>
+                <a:spcPct val="120000"/>
+              </a:lnSpc>
+              <a:buFont typeface="Arial" panose="020B0604020202020204" pitchFamily="34" charset="0"/>
+              <a:buChar char="•"/>
+            </a:pPr>
+            <a:r>
+              <a:rPr lang="en-US" altLang="en-US" sz="1800" dirty="0">
+                <a:solidFill>
+                  <a:srgbClr val="262626"/>
+                </a:solidFill>
+              </a:rPr>
+              <a:t>Step 2: Add Wrapper</a:t>
+            </a:r>
+            <a:endParaRPr lang="en-US" altLang="en-US" sz="1800" dirty="0">
+              <a:solidFill>
+                <a:srgbClr val="262626"/>
+              </a:solidFill>
+            </a:endParaRPr>
+          </a:p>
+          <a:p>
+            <a:pPr marL="228600" lvl="0" indent="-228600" defTabSz="342900">
+              <a:lnSpc>
+                <a:spcPct val="120000"/>
+              </a:lnSpc>
+              <a:buFont typeface="Arial" panose="020B0604020202020204" pitchFamily="34" charset="0"/>
+              <a:buChar char="•"/>
+            </a:pPr>
+            <a:endParaRPr lang="en-US" altLang="en-US" sz="1800" dirty="0">
+              <a:solidFill>
+                <a:srgbClr val="262626"/>
+              </a:solidFill>
+            </a:endParaRPr>
+          </a:p>
+          <a:p>
+            <a:pPr marL="228600" lvl="0" indent="-228600" defTabSz="342900">
+              <a:lnSpc>
+                <a:spcPct val="120000"/>
+              </a:lnSpc>
+              <a:buFont typeface="Arial" panose="020B0604020202020204" pitchFamily="34" charset="0"/>
+              <a:buChar char="•"/>
+            </a:pPr>
+            <a:endParaRPr lang="en-US" altLang="en-US" sz="1800" dirty="0">
+              <a:solidFill>
+                <a:srgbClr val="262626"/>
+              </a:solidFill>
+            </a:endParaRPr>
+          </a:p>
+          <a:p>
+            <a:pPr marL="228600" lvl="0" indent="-228600" defTabSz="342900">
+              <a:lnSpc>
+                <a:spcPct val="120000"/>
+              </a:lnSpc>
+              <a:buFont typeface="Arial" panose="020B0604020202020204" pitchFamily="34" charset="0"/>
+              <a:buChar char="•"/>
+            </a:pPr>
+            <a:endParaRPr lang="en-US" altLang="en-US" sz="1800" dirty="0">
+              <a:solidFill>
+                <a:srgbClr val="262626"/>
+              </a:solidFill>
+            </a:endParaRPr>
+          </a:p>
+          <a:p>
+            <a:pPr marL="228600" lvl="0" indent="-228600" defTabSz="342900">
+              <a:lnSpc>
+                <a:spcPct val="120000"/>
+              </a:lnSpc>
+              <a:buFont typeface="Arial" panose="020B0604020202020204" pitchFamily="34" charset="0"/>
+              <a:buChar char="•"/>
+            </a:pPr>
+            <a:endParaRPr lang="en-US" altLang="en-US" sz="1800" dirty="0">
+              <a:solidFill>
+                <a:srgbClr val="262626"/>
+              </a:solidFill>
+            </a:endParaRPr>
+          </a:p>
+          <a:p>
+            <a:pPr marL="228600" lvl="0" indent="-228600" defTabSz="342900">
+              <a:lnSpc>
+                <a:spcPct val="120000"/>
+              </a:lnSpc>
+              <a:buFont typeface="Arial" panose="020B0604020202020204" pitchFamily="34" charset="0"/>
+              <a:buChar char="•"/>
+            </a:pPr>
+            <a:endParaRPr lang="en-US" altLang="en-US" sz="1800" dirty="0">
+              <a:solidFill>
+                <a:srgbClr val="262626"/>
+              </a:solidFill>
+            </a:endParaRPr>
+          </a:p>
+          <a:p>
+            <a:pPr marL="228600" lvl="0" indent="-228600" defTabSz="342900">
+              <a:lnSpc>
+                <a:spcPct val="120000"/>
+              </a:lnSpc>
+              <a:buFont typeface="Arial" panose="020B0604020202020204" pitchFamily="34" charset="0"/>
+              <a:buChar char="•"/>
+            </a:pPr>
+            <a:r>
+              <a:rPr lang="en-US" altLang="en-US" sz="1800" dirty="0">
+                <a:solidFill>
+                  <a:srgbClr val="262626"/>
+                </a:solidFill>
+              </a:rPr>
+              <a:t>Step 3 Implement Context</a:t>
+            </a:r>
+            <a:endParaRPr lang="en-US" altLang="en-US" sz="1800" dirty="0">
+              <a:solidFill>
+                <a:srgbClr val="262626"/>
+              </a:solidFill>
+            </a:endParaRPr>
+          </a:p>
+          <a:p>
+            <a:pPr marL="228600" lvl="0" indent="-228600" defTabSz="342900">
+              <a:lnSpc>
+                <a:spcPct val="120000"/>
+              </a:lnSpc>
+              <a:buFont typeface="Arial" panose="020B0604020202020204" pitchFamily="34" charset="0"/>
+              <a:buChar char="•"/>
+            </a:pPr>
+            <a:endParaRPr lang="en-US" altLang="en-US" sz="1800" dirty="0">
+              <a:solidFill>
+                <a:srgbClr val="262626"/>
+              </a:solidFill>
+            </a:endParaRPr>
+          </a:p>
+          <a:p>
+            <a:pPr marL="228600" lvl="0" indent="-228600" defTabSz="342900">
+              <a:lnSpc>
+                <a:spcPct val="120000"/>
+              </a:lnSpc>
+              <a:buFont typeface="Arial" panose="020B0604020202020204" pitchFamily="34" charset="0"/>
+              <a:buChar char="•"/>
+            </a:pPr>
+            <a:endParaRPr lang="en-US" altLang="en-US" sz="1800" dirty="0">
+              <a:solidFill>
+                <a:srgbClr val="262626"/>
+              </a:solidFill>
+            </a:endParaRPr>
+          </a:p>
+          <a:p>
+            <a:pPr marL="228600" lvl="0" indent="-228600" defTabSz="342900">
+              <a:lnSpc>
+                <a:spcPct val="120000"/>
+              </a:lnSpc>
+              <a:buFont typeface="Arial" panose="020B0604020202020204" pitchFamily="34" charset="0"/>
+              <a:buChar char="•"/>
+            </a:pPr>
+            <a:endParaRPr lang="en-US" altLang="en-US" sz="1800" dirty="0">
+              <a:solidFill>
+                <a:srgbClr val="262626"/>
+              </a:solidFill>
+            </a:endParaRPr>
+          </a:p>
+          <a:p>
+            <a:pPr marL="228600" lvl="0" indent="-228600" defTabSz="342900">
+              <a:lnSpc>
+                <a:spcPct val="120000"/>
+              </a:lnSpc>
+              <a:buFont typeface="Arial" panose="020B0604020202020204" pitchFamily="34" charset="0"/>
+              <a:buChar char="•"/>
+            </a:pPr>
+            <a:endParaRPr lang="en-US" altLang="en-US" sz="1800" dirty="0">
+              <a:solidFill>
+                <a:srgbClr val="262626"/>
+              </a:solidFill>
+            </a:endParaRPr>
+          </a:p>
+          <a:p>
+            <a:pPr marL="228600" lvl="0" indent="-228600" defTabSz="342900">
+              <a:lnSpc>
+                <a:spcPct val="120000"/>
+              </a:lnSpc>
+              <a:buFont typeface="Arial" panose="020B0604020202020204" pitchFamily="34" charset="0"/>
+              <a:buChar char="•"/>
+            </a:pPr>
+            <a:endParaRPr lang="en-US" altLang="en-US" sz="1800" dirty="0">
+              <a:solidFill>
+                <a:srgbClr val="262626"/>
+              </a:solidFill>
+            </a:endParaRPr>
+          </a:p>
+          <a:p>
+            <a:pPr marL="228600" lvl="0" indent="-228600" defTabSz="342900">
+              <a:lnSpc>
+                <a:spcPct val="120000"/>
+              </a:lnSpc>
+              <a:buFont typeface="Arial" panose="020B0604020202020204" pitchFamily="34" charset="0"/>
+              <a:buChar char="•"/>
+            </a:pPr>
+            <a:endParaRPr lang="en-US" altLang="en-US" sz="1800" dirty="0">
+              <a:solidFill>
+                <a:srgbClr val="262626"/>
+              </a:solidFill>
+            </a:endParaRPr>
+          </a:p>
+        </p:txBody>
+      </p:sp>
+      <p:pic>
+        <p:nvPicPr>
+          <p:cNvPr id="4" name="图片 3"/>
+          <p:cNvPicPr>
+            <a:picLocks noChangeAspect="1"/>
+          </p:cNvPicPr>
+          <p:nvPr/>
+        </p:nvPicPr>
+        <p:blipFill>
+          <a:blip r:embed="rId1"/>
+          <a:stretch>
+            <a:fillRect/>
+          </a:stretch>
+        </p:blipFill>
+        <p:spPr>
+          <a:xfrm>
+            <a:off x="628650" y="4664075"/>
+            <a:ext cx="6817995" cy="2044065"/>
+          </a:xfrm>
+          <a:prstGeom prst="rect">
+            <a:avLst/>
+          </a:prstGeom>
+        </p:spPr>
+      </p:pic>
+      <p:pic>
+        <p:nvPicPr>
+          <p:cNvPr id="6" name="图片 5"/>
+          <p:cNvPicPr>
+            <a:picLocks noChangeAspect="1"/>
+          </p:cNvPicPr>
+          <p:nvPr/>
+        </p:nvPicPr>
+        <p:blipFill>
+          <a:blip r:embed="rId2"/>
+          <a:stretch>
+            <a:fillRect/>
+          </a:stretch>
+        </p:blipFill>
+        <p:spPr>
+          <a:xfrm>
+            <a:off x="628650" y="1997710"/>
+            <a:ext cx="4112895" cy="1953895"/>
+          </a:xfrm>
+          <a:prstGeom prst="rect">
+            <a:avLst/>
+          </a:prstGeom>
+        </p:spPr>
+      </p:pic>
+    </p:spTree>
+  </p:cSld>
+  <p:clrMapOvr>
+    <a:masterClrMapping/>
+  </p:clrMapOvr>
+</p:sld>
+</file>
+
+<file path=ppt/slides/slide23.xml><?xml version="1.0" encoding="utf-8"?>
+<p:sld xmlns:a="http://schemas.openxmlformats.org/drawingml/2006/main" xmlns:r="http://schemas.openxmlformats.org/officeDocument/2006/relationships" xmlns:p="http://schemas.openxmlformats.org/presentationml/2006/main">
+  <p:cSld>
+    <p:spTree>
+      <p:nvGrpSpPr>
+        <p:cNvPr id="1" name=""/>
+        <p:cNvGrpSpPr/>
+        <p:nvPr/>
+      </p:nvGrpSpPr>
+      <p:grpSpPr>
+        <a:xfrm>
+          <a:off x="0" y="0"/>
+          <a:ext cx="0" cy="0"/>
+          <a:chOff x="0" y="0"/>
+          <a:chExt cx="0" cy="0"/>
+        </a:xfrm>
+      </p:grpSpPr>
+      <p:sp>
+        <p:nvSpPr>
+          <p:cNvPr id="2" name="Title 1"/>
+          <p:cNvSpPr>
+            <a:spLocks noGrp="1"/>
+          </p:cNvSpPr>
+          <p:nvPr>
+            <p:ph type="title"/>
+          </p:nvPr>
+        </p:nvSpPr>
+        <p:spPr>
+          <a:xfrm>
+            <a:off x="628650" y="155263"/>
+            <a:ext cx="7886700" cy="526790"/>
+          </a:xfrm>
+        </p:spPr>
+        <p:txBody>
+          <a:bodyPr>
+            <a:normAutofit fontScale="90000"/>
+          </a:bodyPr>
+          <a:lstStyle/>
+          <a:p>
+            <a:pPr algn="ctr"/>
+            <a:r>
+              <a:rPr lang="en-US" sz="3200" b="1" dirty="0">
+                <a:latin typeface="Calibri" panose="020F0502020204030204" pitchFamily="34" charset="0"/>
+                <a:cs typeface="Calibri" panose="020F0502020204030204" pitchFamily="34" charset="0"/>
+              </a:rPr>
+              <a:t>Change Class to Functional </a:t>
+            </a:r>
+            <a:r>
+              <a:rPr lang="en-US" sz="3200" b="1" dirty="0">
+                <a:latin typeface="Calibri" panose="020F0502020204030204" pitchFamily="34" charset="0"/>
+                <a:cs typeface="Calibri" panose="020F0502020204030204" pitchFamily="34" charset="0"/>
+                <a:sym typeface="+mn-ea"/>
+              </a:rPr>
+              <a:t>Component</a:t>
+            </a:r>
+            <a:endParaRPr lang="en-US" sz="3200" b="1" dirty="0">
+              <a:latin typeface="Calibri" panose="020F0502020204030204" pitchFamily="34" charset="0"/>
+              <a:cs typeface="Calibri" panose="020F0502020204030204" pitchFamily="34" charset="0"/>
+            </a:endParaRPr>
+          </a:p>
+        </p:txBody>
+      </p:sp>
+      <p:sp>
+        <p:nvSpPr>
+          <p:cNvPr id="3" name="Content Placeholder 2"/>
+          <p:cNvSpPr>
+            <a:spLocks noGrp="1"/>
+          </p:cNvSpPr>
+          <p:nvPr>
+            <p:ph idx="1"/>
+          </p:nvPr>
+        </p:nvSpPr>
+        <p:spPr>
+          <a:xfrm>
+            <a:off x="628650" y="989044"/>
+            <a:ext cx="7886700" cy="5605719"/>
+          </a:xfrm>
+        </p:spPr>
+        <p:txBody>
+          <a:bodyPr>
+            <a:normAutofit/>
+          </a:bodyPr>
+          <a:lstStyle/>
+          <a:p>
+            <a:pPr marL="228600" lvl="0" indent="-228600" defTabSz="342900">
+              <a:lnSpc>
+                <a:spcPct val="120000"/>
+              </a:lnSpc>
+              <a:buFont typeface="Arial" panose="020B0604020202020204" pitchFamily="34" charset="0"/>
+              <a:buChar char="•"/>
+            </a:pPr>
+            <a:r>
+              <a:rPr lang="en-US" altLang="en-US" sz="1800" dirty="0">
+                <a:solidFill>
+                  <a:srgbClr val="262626"/>
+                </a:solidFill>
+              </a:rPr>
+              <a:t>Add currentUserContext</a:t>
+            </a:r>
+            <a:endParaRPr lang="en-US" altLang="en-US" sz="1800" dirty="0">
+              <a:solidFill>
+                <a:srgbClr val="262626"/>
+              </a:solidFill>
+            </a:endParaRPr>
+          </a:p>
+          <a:p>
+            <a:pPr marL="228600" lvl="0" indent="-228600" defTabSz="342900">
+              <a:lnSpc>
+                <a:spcPct val="120000"/>
+              </a:lnSpc>
+              <a:buFont typeface="Arial" panose="020B0604020202020204" pitchFamily="34" charset="0"/>
+              <a:buChar char="•"/>
+            </a:pPr>
+            <a:r>
+              <a:rPr lang="en-US" altLang="en-US" sz="1800" dirty="0">
+                <a:solidFill>
+                  <a:srgbClr val="262626"/>
+                </a:solidFill>
+              </a:rPr>
+              <a:t>Step 2: Add Wrapper</a:t>
+            </a:r>
+            <a:endParaRPr lang="en-US" altLang="en-US" sz="1800" dirty="0">
+              <a:solidFill>
+                <a:srgbClr val="262626"/>
+              </a:solidFill>
+            </a:endParaRPr>
+          </a:p>
+          <a:p>
+            <a:pPr marL="228600" lvl="0" indent="-228600" defTabSz="342900">
+              <a:lnSpc>
+                <a:spcPct val="120000"/>
+              </a:lnSpc>
+              <a:buFont typeface="Arial" panose="020B0604020202020204" pitchFamily="34" charset="0"/>
+              <a:buChar char="•"/>
+            </a:pPr>
+            <a:endParaRPr lang="en-US" altLang="en-US" sz="1800" dirty="0">
+              <a:solidFill>
+                <a:srgbClr val="262626"/>
+              </a:solidFill>
+            </a:endParaRPr>
+          </a:p>
+          <a:p>
+            <a:pPr marL="228600" lvl="0" indent="-228600" defTabSz="342900">
+              <a:lnSpc>
+                <a:spcPct val="120000"/>
+              </a:lnSpc>
+              <a:buFont typeface="Arial" panose="020B0604020202020204" pitchFamily="34" charset="0"/>
+              <a:buChar char="•"/>
+            </a:pPr>
+            <a:endParaRPr lang="en-US" altLang="en-US" sz="1800" dirty="0">
+              <a:solidFill>
+                <a:srgbClr val="262626"/>
+              </a:solidFill>
+            </a:endParaRPr>
+          </a:p>
+          <a:p>
+            <a:pPr marL="228600" lvl="0" indent="-228600" defTabSz="342900">
+              <a:lnSpc>
+                <a:spcPct val="120000"/>
+              </a:lnSpc>
+              <a:buFont typeface="Arial" panose="020B0604020202020204" pitchFamily="34" charset="0"/>
+              <a:buChar char="•"/>
+            </a:pPr>
+            <a:endParaRPr lang="en-US" altLang="en-US" sz="1800" dirty="0">
+              <a:solidFill>
+                <a:srgbClr val="262626"/>
+              </a:solidFill>
+            </a:endParaRPr>
+          </a:p>
+          <a:p>
+            <a:pPr marL="228600" lvl="0" indent="-228600" defTabSz="342900">
+              <a:lnSpc>
+                <a:spcPct val="120000"/>
+              </a:lnSpc>
+              <a:buFont typeface="Arial" panose="020B0604020202020204" pitchFamily="34" charset="0"/>
+              <a:buChar char="•"/>
+            </a:pPr>
+            <a:endParaRPr lang="en-US" altLang="en-US" sz="1800" dirty="0">
+              <a:solidFill>
+                <a:srgbClr val="262626"/>
+              </a:solidFill>
+            </a:endParaRPr>
+          </a:p>
+          <a:p>
+            <a:pPr marL="228600" lvl="0" indent="-228600" defTabSz="342900">
+              <a:lnSpc>
+                <a:spcPct val="120000"/>
+              </a:lnSpc>
+              <a:buFont typeface="Arial" panose="020B0604020202020204" pitchFamily="34" charset="0"/>
+              <a:buChar char="•"/>
+            </a:pPr>
+            <a:endParaRPr lang="en-US" altLang="en-US" sz="1800" dirty="0">
+              <a:solidFill>
+                <a:srgbClr val="262626"/>
+              </a:solidFill>
+            </a:endParaRPr>
+          </a:p>
+          <a:p>
+            <a:pPr marL="228600" lvl="0" indent="-228600" defTabSz="342900">
+              <a:lnSpc>
+                <a:spcPct val="120000"/>
+              </a:lnSpc>
+              <a:buFont typeface="Arial" panose="020B0604020202020204" pitchFamily="34" charset="0"/>
+              <a:buChar char="•"/>
+            </a:pPr>
+            <a:r>
+              <a:rPr lang="en-US" altLang="en-US" sz="1800" dirty="0">
+                <a:solidFill>
+                  <a:srgbClr val="262626"/>
+                </a:solidFill>
+              </a:rPr>
+              <a:t>Step 3 Implement Context</a:t>
+            </a:r>
+            <a:endParaRPr lang="en-US" altLang="en-US" sz="1800" dirty="0">
+              <a:solidFill>
+                <a:srgbClr val="262626"/>
+              </a:solidFill>
+            </a:endParaRPr>
+          </a:p>
+          <a:p>
+            <a:pPr marL="228600" lvl="0" indent="-228600" defTabSz="342900">
+              <a:lnSpc>
+                <a:spcPct val="120000"/>
+              </a:lnSpc>
+              <a:buFont typeface="Arial" panose="020B0604020202020204" pitchFamily="34" charset="0"/>
+              <a:buChar char="•"/>
+            </a:pPr>
+            <a:endParaRPr lang="en-US" altLang="en-US" sz="1800" dirty="0">
+              <a:solidFill>
+                <a:srgbClr val="262626"/>
+              </a:solidFill>
+            </a:endParaRPr>
+          </a:p>
+          <a:p>
+            <a:pPr marL="228600" lvl="0" indent="-228600" defTabSz="342900">
+              <a:lnSpc>
+                <a:spcPct val="120000"/>
+              </a:lnSpc>
+              <a:buFont typeface="Arial" panose="020B0604020202020204" pitchFamily="34" charset="0"/>
+              <a:buChar char="•"/>
+            </a:pPr>
+            <a:endParaRPr lang="en-US" altLang="en-US" sz="1800" dirty="0">
+              <a:solidFill>
+                <a:srgbClr val="262626"/>
+              </a:solidFill>
+            </a:endParaRPr>
+          </a:p>
+          <a:p>
+            <a:pPr marL="228600" lvl="0" indent="-228600" defTabSz="342900">
+              <a:lnSpc>
+                <a:spcPct val="120000"/>
+              </a:lnSpc>
+              <a:buFont typeface="Arial" panose="020B0604020202020204" pitchFamily="34" charset="0"/>
+              <a:buChar char="•"/>
+            </a:pPr>
+            <a:endParaRPr lang="en-US" altLang="en-US" sz="1800" dirty="0">
+              <a:solidFill>
+                <a:srgbClr val="262626"/>
+              </a:solidFill>
+            </a:endParaRPr>
+          </a:p>
+          <a:p>
+            <a:pPr marL="228600" lvl="0" indent="-228600" defTabSz="342900">
+              <a:lnSpc>
+                <a:spcPct val="120000"/>
+              </a:lnSpc>
+              <a:buFont typeface="Arial" panose="020B0604020202020204" pitchFamily="34" charset="0"/>
+              <a:buChar char="•"/>
+            </a:pPr>
+            <a:endParaRPr lang="en-US" altLang="en-US" sz="1800" dirty="0">
+              <a:solidFill>
+                <a:srgbClr val="262626"/>
+              </a:solidFill>
+            </a:endParaRPr>
+          </a:p>
+          <a:p>
+            <a:pPr marL="228600" lvl="0" indent="-228600" defTabSz="342900">
+              <a:lnSpc>
+                <a:spcPct val="120000"/>
+              </a:lnSpc>
+              <a:buFont typeface="Arial" panose="020B0604020202020204" pitchFamily="34" charset="0"/>
+              <a:buChar char="•"/>
+            </a:pPr>
+            <a:endParaRPr lang="en-US" altLang="en-US" sz="1800" dirty="0">
+              <a:solidFill>
+                <a:srgbClr val="262626"/>
+              </a:solidFill>
+            </a:endParaRPr>
+          </a:p>
+          <a:p>
+            <a:pPr marL="228600" lvl="0" indent="-228600" defTabSz="342900">
+              <a:lnSpc>
+                <a:spcPct val="120000"/>
+              </a:lnSpc>
+              <a:buFont typeface="Arial" panose="020B0604020202020204" pitchFamily="34" charset="0"/>
+              <a:buChar char="•"/>
+            </a:pPr>
+            <a:endParaRPr lang="en-US" altLang="en-US" sz="1800" dirty="0">
+              <a:solidFill>
+                <a:srgbClr val="262626"/>
+              </a:solidFill>
+            </a:endParaRPr>
+          </a:p>
+        </p:txBody>
+      </p:sp>
+      <p:pic>
+        <p:nvPicPr>
+          <p:cNvPr id="4" name="图片 3"/>
+          <p:cNvPicPr>
+            <a:picLocks noChangeAspect="1"/>
+          </p:cNvPicPr>
+          <p:nvPr/>
+        </p:nvPicPr>
+        <p:blipFill>
+          <a:blip r:embed="rId1"/>
+          <a:stretch>
+            <a:fillRect/>
+          </a:stretch>
+        </p:blipFill>
+        <p:spPr>
+          <a:xfrm>
+            <a:off x="628650" y="4664075"/>
+            <a:ext cx="6817995" cy="2044065"/>
+          </a:xfrm>
+          <a:prstGeom prst="rect">
+            <a:avLst/>
+          </a:prstGeom>
+        </p:spPr>
+      </p:pic>
+      <p:pic>
+        <p:nvPicPr>
+          <p:cNvPr id="6" name="图片 5"/>
+          <p:cNvPicPr>
+            <a:picLocks noChangeAspect="1"/>
+          </p:cNvPicPr>
+          <p:nvPr/>
+        </p:nvPicPr>
+        <p:blipFill>
+          <a:blip r:embed="rId2"/>
+          <a:stretch>
+            <a:fillRect/>
+          </a:stretch>
+        </p:blipFill>
+        <p:spPr>
+          <a:xfrm>
+            <a:off x="628650" y="1997710"/>
+            <a:ext cx="4112895" cy="1953895"/>
+          </a:xfrm>
+          <a:prstGeom prst="rect">
+            <a:avLst/>
+          </a:prstGeom>
+        </p:spPr>
+      </p:pic>
+    </p:spTree>
+  </p:cSld>
+  <p:clrMapOvr>
+    <a:masterClrMapping/>
+  </p:clrMapOvr>
+</p:sld>
+</file>
+
+<file path=ppt/slides/slide24.xml><?xml version="1.0" encoding="utf-8"?>
+<p:sld xmlns:a="http://schemas.openxmlformats.org/drawingml/2006/main" xmlns:r="http://schemas.openxmlformats.org/officeDocument/2006/relationships" xmlns:p="http://schemas.openxmlformats.org/presentationml/2006/main">
+  <p:cSld>
+    <p:spTree>
+      <p:nvGrpSpPr>
+        <p:cNvPr id="1" name=""/>
+        <p:cNvGrpSpPr/>
+        <p:nvPr/>
+      </p:nvGrpSpPr>
+      <p:grpSpPr>
+        <a:xfrm>
+          <a:off x="0" y="0"/>
+          <a:ext cx="0" cy="0"/>
+          <a:chOff x="0" y="0"/>
+          <a:chExt cx="0" cy="0"/>
+        </a:xfrm>
+      </p:grpSpPr>
+      <p:sp>
+        <p:nvSpPr>
+          <p:cNvPr id="2" name="Title 1"/>
+          <p:cNvSpPr>
+            <a:spLocks noGrp="1"/>
+          </p:cNvSpPr>
+          <p:nvPr>
+            <p:ph type="title"/>
+          </p:nvPr>
+        </p:nvSpPr>
+        <p:spPr>
+          <a:xfrm>
+            <a:off x="628650" y="155263"/>
+            <a:ext cx="7886700" cy="526790"/>
+          </a:xfrm>
+        </p:spPr>
+        <p:txBody>
+          <a:bodyPr>
+            <a:normAutofit fontScale="90000"/>
+          </a:bodyPr>
+          <a:lstStyle/>
+          <a:p>
+            <a:pPr algn="ctr"/>
+            <a:r>
+              <a:rPr lang="en-US" sz="3200" b="1" dirty="0">
+                <a:latin typeface="Calibri" panose="020F0502020204030204" pitchFamily="34" charset="0"/>
+                <a:cs typeface="Calibri" panose="020F0502020204030204" pitchFamily="34" charset="0"/>
+              </a:rPr>
+              <a:t>IPFS Storage </a:t>
+            </a:r>
+            <a:endParaRPr lang="en-US" sz="3200" b="1" dirty="0">
+              <a:latin typeface="Calibri" panose="020F0502020204030204" pitchFamily="34" charset="0"/>
+              <a:cs typeface="Calibri" panose="020F0502020204030204" pitchFamily="34" charset="0"/>
+            </a:endParaRPr>
+          </a:p>
+        </p:txBody>
+      </p:sp>
+      <p:sp>
+        <p:nvSpPr>
+          <p:cNvPr id="3" name="Content Placeholder 2"/>
+          <p:cNvSpPr>
+            <a:spLocks noGrp="1"/>
+          </p:cNvSpPr>
+          <p:nvPr>
+            <p:ph idx="1"/>
+          </p:nvPr>
+        </p:nvSpPr>
+        <p:spPr>
+          <a:xfrm>
+            <a:off x="628650" y="989044"/>
+            <a:ext cx="7886700" cy="5605719"/>
+          </a:xfrm>
+        </p:spPr>
+        <p:txBody>
+          <a:bodyPr>
+            <a:normAutofit/>
+          </a:bodyPr>
+          <a:lstStyle/>
+          <a:p>
+            <a:pPr marL="228600" lvl="0" indent="-228600" defTabSz="342900">
+              <a:lnSpc>
+                <a:spcPct val="120000"/>
+              </a:lnSpc>
+              <a:buFont typeface="Arial" panose="020B0604020202020204" pitchFamily="34" charset="0"/>
+              <a:buChar char="•"/>
+            </a:pPr>
+            <a:r>
+              <a:rPr lang="en-US" altLang="en-US" sz="1800" dirty="0">
+                <a:solidFill>
+                  <a:srgbClr val="262626"/>
+                </a:solidFill>
+              </a:rPr>
+              <a:t>(</a:t>
+            </a:r>
+            <a:r>
+              <a:rPr lang="en-US" altLang="en-US" sz="1800" dirty="0">
+                <a:solidFill>
+                  <a:srgbClr val="FF0000"/>
+                </a:solidFill>
+              </a:rPr>
+              <a:t>Code Demo</a:t>
+            </a:r>
+            <a:r>
+              <a:rPr lang="en-US" altLang="en-US" sz="1800" dirty="0">
+                <a:solidFill>
+                  <a:srgbClr val="262626"/>
+                </a:solidFill>
+              </a:rPr>
+              <a:t>)</a:t>
+            </a:r>
+            <a:endParaRPr lang="en-US" altLang="en-US" sz="1800" dirty="0">
+              <a:solidFill>
+                <a:srgbClr val="262626"/>
+              </a:solidFill>
+            </a:endParaRPr>
+          </a:p>
+          <a:p>
+            <a:pPr marL="228600" lvl="0" indent="-228600" defTabSz="342900">
+              <a:lnSpc>
+                <a:spcPct val="120000"/>
+              </a:lnSpc>
+              <a:buFont typeface="Arial" panose="020B0604020202020204" pitchFamily="34" charset="0"/>
+              <a:buChar char="•"/>
+            </a:pPr>
+            <a:r>
+              <a:rPr lang="en-US" altLang="en-US" sz="1800" dirty="0">
+                <a:solidFill>
+                  <a:srgbClr val="262626"/>
+                </a:solidFill>
+              </a:rPr>
+              <a:t>Step 1: Get file object; Step 2: Conver the file to a ArrayBuffer; Step 3: Store in the state; Step 4: use ipfs.add(buffer) to update </a:t>
+            </a:r>
+            <a:endParaRPr lang="en-US" altLang="en-US" sz="1800" dirty="0">
+              <a:solidFill>
+                <a:srgbClr val="262626"/>
+              </a:solidFill>
+            </a:endParaRPr>
+          </a:p>
+          <a:p>
+            <a:pPr marL="228600" lvl="0" indent="-228600" defTabSz="342900">
+              <a:lnSpc>
+                <a:spcPct val="120000"/>
+              </a:lnSpc>
+              <a:buFont typeface="Arial" panose="020B0604020202020204" pitchFamily="34" charset="0"/>
+              <a:buChar char="•"/>
+            </a:pPr>
+            <a:endParaRPr lang="en-US" altLang="en-US" sz="1800" dirty="0">
+              <a:solidFill>
+                <a:srgbClr val="262626"/>
+              </a:solidFill>
+            </a:endParaRPr>
+          </a:p>
+        </p:txBody>
+      </p:sp>
+      <p:pic>
+        <p:nvPicPr>
+          <p:cNvPr id="4" name="图片 3"/>
+          <p:cNvPicPr>
+            <a:picLocks noChangeAspect="1"/>
+          </p:cNvPicPr>
+          <p:nvPr/>
+        </p:nvPicPr>
+        <p:blipFill>
+          <a:blip r:embed="rId1"/>
+          <a:stretch>
+            <a:fillRect/>
+          </a:stretch>
+        </p:blipFill>
+        <p:spPr>
+          <a:xfrm>
+            <a:off x="967105" y="2150110"/>
+            <a:ext cx="6235700" cy="4707890"/>
+          </a:xfrm>
+          <a:prstGeom prst="rect">
+            <a:avLst/>
+          </a:prstGeom>
+        </p:spPr>
+      </p:pic>
+    </p:spTree>
+  </p:cSld>
+  <p:clrMapOvr>
+    <a:masterClrMapping/>
+  </p:clrMapOvr>
+</p:sld>
+</file>
+
+<file path=ppt/slides/slide25.xml><?xml version="1.0" encoding="utf-8"?>
+<p:sld xmlns:a="http://schemas.openxmlformats.org/drawingml/2006/main" xmlns:r="http://schemas.openxmlformats.org/officeDocument/2006/relationships" xmlns:p="http://schemas.openxmlformats.org/presentationml/2006/main">
+  <p:cSld>
+    <p:spTree>
+      <p:nvGrpSpPr>
+        <p:cNvPr id="1" name=""/>
+        <p:cNvGrpSpPr/>
+        <p:nvPr/>
+      </p:nvGrpSpPr>
+      <p:grpSpPr>
+        <a:xfrm>
+          <a:off x="0" y="0"/>
+          <a:ext cx="0" cy="0"/>
+          <a:chOff x="0" y="0"/>
+          <a:chExt cx="0" cy="0"/>
+        </a:xfrm>
+      </p:grpSpPr>
+      <p:sp>
+        <p:nvSpPr>
+          <p:cNvPr id="2" name="Title 1"/>
+          <p:cNvSpPr>
+            <a:spLocks noGrp="1"/>
+          </p:cNvSpPr>
+          <p:nvPr>
+            <p:ph type="title"/>
+          </p:nvPr>
+        </p:nvSpPr>
+        <p:spPr>
+          <a:xfrm>
+            <a:off x="628650" y="155263"/>
+            <a:ext cx="7886700" cy="526790"/>
+          </a:xfrm>
+        </p:spPr>
+        <p:txBody>
+          <a:bodyPr>
+            <a:normAutofit fontScale="90000"/>
+          </a:bodyPr>
+          <a:lstStyle/>
+          <a:p>
+            <a:pPr algn="ctr"/>
+            <a:r>
+              <a:rPr lang="en-US" sz="3200" b="1" dirty="0">
+                <a:latin typeface="Calibri" panose="020F0502020204030204" pitchFamily="34" charset="0"/>
+                <a:cs typeface="Calibri" panose="020F0502020204030204" pitchFamily="34" charset="0"/>
+              </a:rPr>
+              <a:t>Dive into Proxy (</a:t>
+            </a:r>
+            <a:r>
+              <a:rPr lang="en-US" sz="3200" b="1" dirty="0">
+                <a:latin typeface="Calibri" panose="020F0502020204030204" pitchFamily="34" charset="0"/>
+                <a:cs typeface="Calibri" panose="020F0502020204030204" pitchFamily="34" charset="0"/>
+                <a:sym typeface="+mn-ea"/>
+              </a:rPr>
+              <a:t>Architect a Solidity Program)</a:t>
+            </a:r>
+            <a:endParaRPr lang="en-US" sz="3200" b="1" dirty="0">
+              <a:latin typeface="Calibri" panose="020F0502020204030204" pitchFamily="34" charset="0"/>
+              <a:cs typeface="Calibri" panose="020F0502020204030204" pitchFamily="34" charset="0"/>
+            </a:endParaRPr>
+          </a:p>
+        </p:txBody>
+      </p:sp>
+      <p:sp>
+        <p:nvSpPr>
+          <p:cNvPr id="3" name="Content Placeholder 2"/>
+          <p:cNvSpPr>
+            <a:spLocks noGrp="1"/>
+          </p:cNvSpPr>
+          <p:nvPr>
+            <p:ph idx="1"/>
+          </p:nvPr>
+        </p:nvSpPr>
+        <p:spPr>
+          <a:xfrm>
+            <a:off x="628650" y="989044"/>
+            <a:ext cx="7886700" cy="5605719"/>
+          </a:xfrm>
+        </p:spPr>
+        <p:txBody>
+          <a:bodyPr>
+            <a:normAutofit/>
+          </a:bodyPr>
+          <a:lstStyle/>
+          <a:p>
+            <a:pPr marL="228600" lvl="0" indent="-228600" defTabSz="342900">
+              <a:lnSpc>
+                <a:spcPct val="120000"/>
+              </a:lnSpc>
+              <a:buFont typeface="Arial" panose="020B0604020202020204" pitchFamily="34" charset="0"/>
+              <a:buChar char="•"/>
+            </a:pPr>
+            <a:r>
+              <a:rPr lang="en-US" altLang="en-US" sz="1800" dirty="0">
+                <a:solidFill>
+                  <a:srgbClr val="262626"/>
+                </a:solidFill>
+              </a:rPr>
+              <a:t>Contractor vs Initializer</a:t>
+            </a:r>
+            <a:endParaRPr lang="en-US" altLang="en-US" sz="1800" dirty="0">
+              <a:solidFill>
+                <a:srgbClr val="262626"/>
+              </a:solidFill>
+            </a:endParaRPr>
+          </a:p>
+          <a:p>
+            <a:pPr marL="228600" lvl="0" indent="-228600" defTabSz="342900">
+              <a:lnSpc>
+                <a:spcPct val="120000"/>
+              </a:lnSpc>
+              <a:buFont typeface="Arial" panose="020B0604020202020204" pitchFamily="34" charset="0"/>
+              <a:buChar char="•"/>
+            </a:pPr>
+            <a:endParaRPr lang="en-US" altLang="en-US" sz="1800" dirty="0">
+              <a:solidFill>
+                <a:srgbClr val="262626"/>
+              </a:solidFill>
+            </a:endParaRPr>
+          </a:p>
+          <a:p>
+            <a:pPr marL="228600" lvl="0" indent="-228600" defTabSz="342900">
+              <a:lnSpc>
+                <a:spcPct val="120000"/>
+              </a:lnSpc>
+              <a:buFont typeface="Arial" panose="020B0604020202020204" pitchFamily="34" charset="0"/>
+              <a:buChar char="•"/>
+            </a:pPr>
+            <a:r>
+              <a:rPr lang="en-US" altLang="en-US" sz="1800" dirty="0">
+                <a:solidFill>
+                  <a:srgbClr val="262626"/>
+                </a:solidFill>
+              </a:rPr>
+              <a:t>Contructor can only be called once when a object gets instantiate</a:t>
+            </a:r>
+            <a:endParaRPr lang="en-US" altLang="en-US" sz="1800" dirty="0">
+              <a:solidFill>
+                <a:srgbClr val="262626"/>
+              </a:solidFill>
+            </a:endParaRPr>
+          </a:p>
+          <a:p>
+            <a:pPr marL="228600" lvl="0" indent="-228600" defTabSz="342900">
+              <a:lnSpc>
+                <a:spcPct val="120000"/>
+              </a:lnSpc>
+              <a:buFont typeface="Arial" panose="020B0604020202020204" pitchFamily="34" charset="0"/>
+              <a:buChar char="•"/>
+            </a:pPr>
+            <a:r>
+              <a:rPr lang="en-US" altLang="en-US" sz="1800" dirty="0">
+                <a:solidFill>
+                  <a:srgbClr val="262626"/>
+                </a:solidFill>
+              </a:rPr>
+              <a:t>Initializer is a normal function, when make upgradeable contract, we need to use it</a:t>
+            </a:r>
+            <a:endParaRPr lang="en-US" altLang="en-US" sz="1800" dirty="0">
+              <a:solidFill>
+                <a:srgbClr val="262626"/>
+              </a:solidFill>
+            </a:endParaRPr>
+          </a:p>
+          <a:p>
+            <a:pPr marL="228600" lvl="0" indent="-228600" defTabSz="342900">
+              <a:lnSpc>
+                <a:spcPct val="120000"/>
+              </a:lnSpc>
+              <a:buFont typeface="Arial" panose="020B0604020202020204" pitchFamily="34" charset="0"/>
+              <a:buChar char="•"/>
+            </a:pPr>
+            <a:endParaRPr lang="en-US" altLang="en-US" sz="1800" dirty="0">
+              <a:solidFill>
+                <a:srgbClr val="262626"/>
+              </a:solidFill>
+            </a:endParaRPr>
+          </a:p>
+          <a:p>
+            <a:pPr marL="228600" lvl="0" indent="-228600" defTabSz="342900">
+              <a:lnSpc>
+                <a:spcPct val="120000"/>
+              </a:lnSpc>
+              <a:buFont typeface="Arial" panose="020B0604020202020204" pitchFamily="34" charset="0"/>
+              <a:buChar char="•"/>
+            </a:pPr>
+            <a:r>
+              <a:rPr lang="en-US" altLang="en-US" sz="1800" dirty="0">
+                <a:solidFill>
+                  <a:srgbClr val="262626"/>
+                </a:solidFill>
+              </a:rPr>
+              <a:t>initializer can only be initialized once </a:t>
+            </a:r>
+            <a:endParaRPr lang="en-US" altLang="en-US" sz="1800" dirty="0">
+              <a:solidFill>
+                <a:srgbClr val="262626"/>
+              </a:solidFill>
+            </a:endParaRPr>
+          </a:p>
+          <a:p>
+            <a:pPr marL="228600" lvl="0" indent="-228600" defTabSz="342900">
+              <a:lnSpc>
+                <a:spcPct val="120000"/>
+              </a:lnSpc>
+              <a:buFont typeface="Arial" panose="020B0604020202020204" pitchFamily="34" charset="0"/>
+              <a:buChar char="•"/>
+            </a:pPr>
+            <a:r>
+              <a:rPr lang="en-US" altLang="en-US" sz="1800" dirty="0">
+                <a:solidFill>
+                  <a:srgbClr val="262626"/>
+                </a:solidFill>
+              </a:rPr>
+              <a:t>https://github.com/OpenZeppelin/openzeppelin-sdk/blob/master/packages/lib/contracts/Initializable.sol</a:t>
+            </a:r>
+            <a:endParaRPr lang="en-US" altLang="en-US" sz="1800" dirty="0">
+              <a:solidFill>
+                <a:srgbClr val="262626"/>
+              </a:solidFill>
+            </a:endParaRPr>
+          </a:p>
+          <a:p>
+            <a:pPr marL="228600" lvl="0" indent="-228600" defTabSz="342900">
+              <a:lnSpc>
+                <a:spcPct val="120000"/>
+              </a:lnSpc>
+              <a:buFont typeface="Arial" panose="020B0604020202020204" pitchFamily="34" charset="0"/>
+              <a:buChar char="•"/>
+            </a:pPr>
+            <a:endParaRPr lang="en-US" altLang="en-US" sz="1800" dirty="0">
+              <a:solidFill>
+                <a:srgbClr val="262626"/>
+              </a:solidFill>
+            </a:endParaRPr>
+          </a:p>
+          <a:p>
+            <a:pPr marL="228600" lvl="0" indent="-228600" defTabSz="342900">
+              <a:lnSpc>
+                <a:spcPct val="120000"/>
+              </a:lnSpc>
+              <a:buFont typeface="Arial" panose="020B0604020202020204" pitchFamily="34" charset="0"/>
+              <a:buChar char="•"/>
+            </a:pPr>
+            <a:endParaRPr lang="en-US" altLang="en-US" sz="1800" dirty="0">
+              <a:solidFill>
+                <a:srgbClr val="262626"/>
+              </a:solidFill>
+            </a:endParaRPr>
+          </a:p>
+        </p:txBody>
+      </p:sp>
+    </p:spTree>
+  </p:cSld>
+  <p:clrMapOvr>
+    <a:masterClrMapping/>
+  </p:clrMapOvr>
+</p:sld>
+</file>
+
+<file path=ppt/slides/slide26.xml><?xml version="1.0" encoding="utf-8"?>
+<p:sld xmlns:a="http://schemas.openxmlformats.org/drawingml/2006/main" xmlns:r="http://schemas.openxmlformats.org/officeDocument/2006/relationships" xmlns:p="http://schemas.openxmlformats.org/presentationml/2006/main">
+  <p:cSld>
+    <p:spTree>
+      <p:nvGrpSpPr>
+        <p:cNvPr id="1" name=""/>
+        <p:cNvGrpSpPr/>
+        <p:nvPr/>
+      </p:nvGrpSpPr>
+      <p:grpSpPr>
+        <a:xfrm>
+          <a:off x="0" y="0"/>
+          <a:ext cx="0" cy="0"/>
+          <a:chOff x="0" y="0"/>
+          <a:chExt cx="0" cy="0"/>
+        </a:xfrm>
+      </p:grpSpPr>
+      <p:sp>
+        <p:nvSpPr>
+          <p:cNvPr id="2" name="Title 1"/>
+          <p:cNvSpPr>
+            <a:spLocks noGrp="1"/>
+          </p:cNvSpPr>
+          <p:nvPr>
+            <p:ph type="title"/>
+          </p:nvPr>
+        </p:nvSpPr>
+        <p:spPr>
+          <a:xfrm>
+            <a:off x="628650" y="155263"/>
+            <a:ext cx="7886700" cy="526790"/>
+          </a:xfrm>
+        </p:spPr>
+        <p:txBody>
+          <a:bodyPr>
+            <a:normAutofit fontScale="90000"/>
+          </a:bodyPr>
+          <a:lstStyle/>
+          <a:p>
+            <a:pPr algn="ctr"/>
+            <a:r>
+              <a:rPr lang="en-US" sz="3200" b="1" dirty="0">
+                <a:latin typeface="Calibri" panose="020F0502020204030204" pitchFamily="34" charset="0"/>
+                <a:cs typeface="Calibri" panose="020F0502020204030204" pitchFamily="34" charset="0"/>
+              </a:rPr>
+              <a:t>Dive into Proxy (</a:t>
+            </a:r>
+            <a:r>
+              <a:rPr lang="en-US" sz="3200" b="1" dirty="0">
+                <a:latin typeface="Calibri" panose="020F0502020204030204" pitchFamily="34" charset="0"/>
+                <a:cs typeface="Calibri" panose="020F0502020204030204" pitchFamily="34" charset="0"/>
+                <a:sym typeface="+mn-ea"/>
+              </a:rPr>
+              <a:t>Architect a Solidity Program)</a:t>
+            </a:r>
+            <a:endParaRPr lang="en-US" sz="3200" b="1" dirty="0">
+              <a:latin typeface="Calibri" panose="020F0502020204030204" pitchFamily="34" charset="0"/>
+              <a:cs typeface="Calibri" panose="020F0502020204030204" pitchFamily="34" charset="0"/>
+            </a:endParaRPr>
+          </a:p>
+        </p:txBody>
+      </p:sp>
+      <p:sp>
+        <p:nvSpPr>
+          <p:cNvPr id="3" name="Content Placeholder 2"/>
+          <p:cNvSpPr>
+            <a:spLocks noGrp="1"/>
+          </p:cNvSpPr>
+          <p:nvPr>
+            <p:ph idx="1"/>
+          </p:nvPr>
+        </p:nvSpPr>
+        <p:spPr>
+          <a:xfrm>
+            <a:off x="628650" y="989044"/>
+            <a:ext cx="7886700" cy="5605719"/>
+          </a:xfrm>
+        </p:spPr>
+        <p:txBody>
+          <a:bodyPr>
+            <a:normAutofit/>
+          </a:bodyPr>
+          <a:lstStyle/>
+          <a:p>
+            <a:pPr marL="228600" lvl="0" indent="-228600" defTabSz="342900">
+              <a:lnSpc>
+                <a:spcPct val="120000"/>
+              </a:lnSpc>
+              <a:buFont typeface="Arial" panose="020B0604020202020204" pitchFamily="34" charset="0"/>
+              <a:buChar char="•"/>
+            </a:pPr>
+            <a:r>
+              <a:rPr lang="en-US" altLang="en-US" sz="1800" dirty="0">
+                <a:solidFill>
+                  <a:srgbClr val="262626"/>
+                </a:solidFill>
+              </a:rPr>
+              <a:t>Proxy: fall back and delegateCall</a:t>
+            </a:r>
+            <a:endParaRPr lang="en-US" altLang="en-US" sz="1800" dirty="0">
+              <a:solidFill>
+                <a:srgbClr val="262626"/>
+              </a:solidFill>
+            </a:endParaRPr>
+          </a:p>
+          <a:p>
+            <a:pPr marL="228600" lvl="0" indent="-228600" defTabSz="342900">
+              <a:lnSpc>
+                <a:spcPct val="120000"/>
+              </a:lnSpc>
+              <a:buFont typeface="Arial" panose="020B0604020202020204" pitchFamily="34" charset="0"/>
+              <a:buChar char="•"/>
+            </a:pPr>
+            <a:r>
+              <a:rPr lang="en-US" altLang="en-US" sz="1800" dirty="0">
+                <a:solidFill>
+                  <a:srgbClr val="262626"/>
+                </a:solidFill>
+              </a:rPr>
+              <a:t>BaseUpgradeabilityProxy: no initializer or contractor, has upgradeto &amp; impl slot</a:t>
+            </a:r>
+            <a:endParaRPr lang="en-US" altLang="en-US" sz="1800" dirty="0">
+              <a:solidFill>
+                <a:srgbClr val="262626"/>
+              </a:solidFill>
+            </a:endParaRPr>
+          </a:p>
+          <a:p>
+            <a:pPr marL="228600" lvl="0" indent="-228600" defTabSz="342900">
+              <a:lnSpc>
+                <a:spcPct val="120000"/>
+              </a:lnSpc>
+              <a:buFont typeface="Arial" panose="020B0604020202020204" pitchFamily="34" charset="0"/>
+              <a:buChar char="•"/>
+            </a:pPr>
+            <a:endParaRPr lang="en-US" altLang="en-US" sz="1800" dirty="0">
+              <a:solidFill>
+                <a:srgbClr val="262626"/>
+              </a:solidFill>
+            </a:endParaRPr>
+          </a:p>
+        </p:txBody>
+      </p:sp>
+      <p:pic>
+        <p:nvPicPr>
+          <p:cNvPr id="4" name="图片 3"/>
+          <p:cNvPicPr>
+            <a:picLocks noChangeAspect="1"/>
+          </p:cNvPicPr>
+          <p:nvPr/>
+        </p:nvPicPr>
+        <p:blipFill>
+          <a:blip r:embed="rId1"/>
+          <a:srcRect l="36786"/>
+          <a:stretch>
+            <a:fillRect/>
+          </a:stretch>
+        </p:blipFill>
+        <p:spPr>
+          <a:xfrm rot="16200000">
+            <a:off x="2399030" y="134620"/>
+            <a:ext cx="4324350" cy="9123045"/>
+          </a:xfrm>
+          <a:prstGeom prst="rect">
+            <a:avLst/>
+          </a:prstGeom>
+        </p:spPr>
+      </p:pic>
+    </p:spTree>
+  </p:cSld>
+  <p:clrMapOvr>
+    <a:masterClrMapping/>
+  </p:clrMapOvr>
+</p:sld>
+</file>
+
+<file path=ppt/slides/slide27.xml><?xml version="1.0" encoding="utf-8"?>
+<p:sld xmlns:a="http://schemas.openxmlformats.org/drawingml/2006/main" xmlns:r="http://schemas.openxmlformats.org/officeDocument/2006/relationships" xmlns:p="http://schemas.openxmlformats.org/presentationml/2006/main">
+  <p:cSld>
+    <p:spTree>
+      <p:nvGrpSpPr>
+        <p:cNvPr id="1" name=""/>
+        <p:cNvGrpSpPr/>
+        <p:nvPr/>
+      </p:nvGrpSpPr>
+      <p:grpSpPr>
+        <a:xfrm>
+          <a:off x="0" y="0"/>
+          <a:ext cx="0" cy="0"/>
+          <a:chOff x="0" y="0"/>
+          <a:chExt cx="0" cy="0"/>
+        </a:xfrm>
+      </p:grpSpPr>
+      <p:sp>
+        <p:nvSpPr>
+          <p:cNvPr id="2" name="Title 1"/>
+          <p:cNvSpPr>
+            <a:spLocks noGrp="1"/>
+          </p:cNvSpPr>
+          <p:nvPr>
+            <p:ph type="title"/>
+          </p:nvPr>
+        </p:nvSpPr>
+        <p:spPr>
+          <a:xfrm>
+            <a:off x="628650" y="155263"/>
+            <a:ext cx="7886700" cy="526790"/>
+          </a:xfrm>
+        </p:spPr>
+        <p:txBody>
+          <a:bodyPr>
+            <a:normAutofit fontScale="90000"/>
+          </a:bodyPr>
+          <a:lstStyle/>
+          <a:p>
+            <a:pPr algn="ctr"/>
+            <a:r>
+              <a:rPr lang="en-US" sz="3200" b="1" dirty="0">
+                <a:latin typeface="Calibri" panose="020F0502020204030204" pitchFamily="34" charset="0"/>
+                <a:cs typeface="Calibri" panose="020F0502020204030204" pitchFamily="34" charset="0"/>
+              </a:rPr>
+              <a:t>Dive into Proxy (</a:t>
+            </a:r>
+            <a:r>
+              <a:rPr lang="en-US" sz="3200" b="1" dirty="0">
+                <a:latin typeface="Calibri" panose="020F0502020204030204" pitchFamily="34" charset="0"/>
+                <a:cs typeface="Calibri" panose="020F0502020204030204" pitchFamily="34" charset="0"/>
+                <a:sym typeface="+mn-ea"/>
+              </a:rPr>
+              <a:t>Architect a Solidity Program)</a:t>
+            </a:r>
+            <a:endParaRPr lang="en-US" sz="3200" b="1" dirty="0">
+              <a:latin typeface="Calibri" panose="020F0502020204030204" pitchFamily="34" charset="0"/>
+              <a:cs typeface="Calibri" panose="020F0502020204030204" pitchFamily="34" charset="0"/>
+            </a:endParaRPr>
+          </a:p>
+        </p:txBody>
+      </p:sp>
+      <p:sp>
+        <p:nvSpPr>
+          <p:cNvPr id="3" name="Content Placeholder 2"/>
+          <p:cNvSpPr>
+            <a:spLocks noGrp="1"/>
+          </p:cNvSpPr>
+          <p:nvPr>
+            <p:ph idx="1"/>
+          </p:nvPr>
+        </p:nvSpPr>
+        <p:spPr>
+          <a:xfrm>
+            <a:off x="628650" y="989044"/>
+            <a:ext cx="7886700" cy="5605719"/>
+          </a:xfrm>
+        </p:spPr>
+        <p:txBody>
+          <a:bodyPr>
+            <a:normAutofit/>
+          </a:bodyPr>
+          <a:lstStyle/>
+          <a:p>
+            <a:pPr marL="228600" lvl="0" indent="-228600" defTabSz="342900">
+              <a:lnSpc>
+                <a:spcPct val="120000"/>
+              </a:lnSpc>
+              <a:buFont typeface="Arial" panose="020B0604020202020204" pitchFamily="34" charset="0"/>
+              <a:buChar char="•"/>
+            </a:pPr>
+            <a:r>
+              <a:rPr lang="en-US" altLang="en-US" sz="1800" dirty="0">
+                <a:solidFill>
+                  <a:srgbClr val="262626"/>
+                </a:solidFill>
+              </a:rPr>
+              <a:t>InitializableUpgradebilityProxy: with initializer &amp; Initialize the impl address</a:t>
+            </a:r>
+            <a:endParaRPr lang="en-US" altLang="en-US" sz="1800" dirty="0">
+              <a:solidFill>
+                <a:srgbClr val="262626"/>
+              </a:solidFill>
+            </a:endParaRPr>
+          </a:p>
+          <a:p>
+            <a:pPr marL="228600" lvl="0" indent="-228600" defTabSz="342900">
+              <a:lnSpc>
+                <a:spcPct val="120000"/>
+              </a:lnSpc>
+              <a:buFont typeface="Arial" panose="020B0604020202020204" pitchFamily="34" charset="0"/>
+              <a:buChar char="•"/>
+            </a:pPr>
+            <a:r>
+              <a:rPr lang="en-US" altLang="en-US" sz="1800" dirty="0">
+                <a:solidFill>
+                  <a:srgbClr val="262626"/>
+                </a:solidFill>
+              </a:rPr>
+              <a:t>BaseAdminUpgradeabilityProxy: Add admin add, no Initializer</a:t>
+            </a:r>
+            <a:endParaRPr lang="en-US" altLang="en-US" sz="1800" dirty="0">
+              <a:solidFill>
+                <a:srgbClr val="262626"/>
+              </a:solidFill>
+            </a:endParaRPr>
+          </a:p>
+          <a:p>
+            <a:pPr marL="228600" lvl="0" indent="-228600" defTabSz="342900">
+              <a:lnSpc>
+                <a:spcPct val="120000"/>
+              </a:lnSpc>
+              <a:buFont typeface="Arial" panose="020B0604020202020204" pitchFamily="34" charset="0"/>
+              <a:buChar char="•"/>
+            </a:pPr>
+            <a:r>
+              <a:rPr lang="en-US" altLang="en-US" sz="1800" dirty="0">
+                <a:solidFill>
+                  <a:srgbClr val="262626"/>
+                </a:solidFill>
+                <a:sym typeface="+mn-ea"/>
+              </a:rPr>
+              <a:t>UpgradeabilityProxy: with constructor and set the impl slot</a:t>
+            </a:r>
+            <a:endParaRPr lang="en-US" altLang="en-US" sz="1800" dirty="0">
+              <a:solidFill>
+                <a:srgbClr val="262626"/>
+              </a:solidFill>
+            </a:endParaRPr>
+          </a:p>
+        </p:txBody>
+      </p:sp>
+      <p:pic>
+        <p:nvPicPr>
+          <p:cNvPr id="4" name="图片 3"/>
+          <p:cNvPicPr>
+            <a:picLocks noChangeAspect="1"/>
+          </p:cNvPicPr>
+          <p:nvPr/>
+        </p:nvPicPr>
+        <p:blipFill>
+          <a:blip r:embed="rId1"/>
+          <a:srcRect l="36786"/>
+          <a:stretch>
+            <a:fillRect/>
+          </a:stretch>
+        </p:blipFill>
+        <p:spPr>
+          <a:xfrm rot="16200000">
+            <a:off x="2399030" y="134620"/>
+            <a:ext cx="4324350" cy="9123045"/>
+          </a:xfrm>
+          <a:prstGeom prst="rect">
+            <a:avLst/>
+          </a:prstGeom>
+        </p:spPr>
+      </p:pic>
+    </p:spTree>
+  </p:cSld>
+  <p:clrMapOvr>
+    <a:masterClrMapping/>
+  </p:clrMapOvr>
+</p:sld>
+</file>
+
+<file path=ppt/slides/slide28.xml><?xml version="1.0" encoding="utf-8"?>
+<p:sld xmlns:a="http://schemas.openxmlformats.org/drawingml/2006/main" xmlns:r="http://schemas.openxmlformats.org/officeDocument/2006/relationships" xmlns:p="http://schemas.openxmlformats.org/presentationml/2006/main">
+  <p:cSld>
+    <p:spTree>
+      <p:nvGrpSpPr>
+        <p:cNvPr id="1" name=""/>
+        <p:cNvGrpSpPr/>
+        <p:nvPr/>
+      </p:nvGrpSpPr>
+      <p:grpSpPr>
+        <a:xfrm>
+          <a:off x="0" y="0"/>
+          <a:ext cx="0" cy="0"/>
+          <a:chOff x="0" y="0"/>
+          <a:chExt cx="0" cy="0"/>
+        </a:xfrm>
+      </p:grpSpPr>
+      <p:sp>
+        <p:nvSpPr>
+          <p:cNvPr id="2" name="Title 1"/>
+          <p:cNvSpPr>
+            <a:spLocks noGrp="1"/>
+          </p:cNvSpPr>
+          <p:nvPr>
+            <p:ph type="title"/>
+          </p:nvPr>
+        </p:nvSpPr>
+        <p:spPr>
+          <a:xfrm>
+            <a:off x="628650" y="155263"/>
+            <a:ext cx="7886700" cy="526790"/>
+          </a:xfrm>
+        </p:spPr>
+        <p:txBody>
+          <a:bodyPr>
+            <a:normAutofit fontScale="90000"/>
+          </a:bodyPr>
+          <a:lstStyle/>
+          <a:p>
+            <a:pPr algn="ctr"/>
+            <a:r>
+              <a:rPr lang="en-US" sz="3200" b="1" dirty="0">
+                <a:latin typeface="Calibri" panose="020F0502020204030204" pitchFamily="34" charset="0"/>
+                <a:cs typeface="Calibri" panose="020F0502020204030204" pitchFamily="34" charset="0"/>
+              </a:rPr>
+              <a:t>Dive into Proxy (</a:t>
+            </a:r>
+            <a:r>
+              <a:rPr lang="en-US" sz="3200" b="1" dirty="0">
+                <a:latin typeface="Calibri" panose="020F0502020204030204" pitchFamily="34" charset="0"/>
+                <a:cs typeface="Calibri" panose="020F0502020204030204" pitchFamily="34" charset="0"/>
+                <a:sym typeface="+mn-ea"/>
+              </a:rPr>
+              <a:t>Architect a Solidity Program)</a:t>
+            </a:r>
+            <a:endParaRPr lang="en-US" sz="3200" b="1" dirty="0">
+              <a:latin typeface="Calibri" panose="020F0502020204030204" pitchFamily="34" charset="0"/>
+              <a:cs typeface="Calibri" panose="020F0502020204030204" pitchFamily="34" charset="0"/>
+            </a:endParaRPr>
+          </a:p>
+        </p:txBody>
+      </p:sp>
+      <p:sp>
+        <p:nvSpPr>
+          <p:cNvPr id="3" name="Content Placeholder 2"/>
+          <p:cNvSpPr>
+            <a:spLocks noGrp="1"/>
+          </p:cNvSpPr>
+          <p:nvPr>
+            <p:ph idx="1"/>
+          </p:nvPr>
+        </p:nvSpPr>
+        <p:spPr>
+          <a:xfrm>
+            <a:off x="628650" y="989044"/>
+            <a:ext cx="7886700" cy="5605719"/>
+          </a:xfrm>
+        </p:spPr>
+        <p:txBody>
+          <a:bodyPr>
+            <a:normAutofit/>
+          </a:bodyPr>
+          <a:lstStyle/>
+          <a:p>
+            <a:pPr marL="228600" lvl="0" indent="-228600" defTabSz="342900">
+              <a:lnSpc>
+                <a:spcPct val="120000"/>
+              </a:lnSpc>
+              <a:buFont typeface="Arial" panose="020B0604020202020204" pitchFamily="34" charset="0"/>
+              <a:buChar char="•"/>
+            </a:pPr>
+            <a:r>
+              <a:rPr lang="en-US" altLang="en-US" sz="1800" dirty="0">
+                <a:solidFill>
+                  <a:srgbClr val="262626"/>
+                </a:solidFill>
+              </a:rPr>
+              <a:t>InitializableAdminUpgradebilityProxy:  Initialize the impl and set admin address</a:t>
+            </a:r>
+            <a:endParaRPr lang="en-US" altLang="en-US" sz="1800" dirty="0">
+              <a:solidFill>
+                <a:srgbClr val="262626"/>
+              </a:solidFill>
+            </a:endParaRPr>
+          </a:p>
+          <a:p>
+            <a:pPr marL="228600" lvl="0" indent="-228600" defTabSz="342900">
+              <a:lnSpc>
+                <a:spcPct val="120000"/>
+              </a:lnSpc>
+              <a:buFont typeface="Arial" panose="020B0604020202020204" pitchFamily="34" charset="0"/>
+              <a:buChar char="•"/>
+            </a:pPr>
+            <a:r>
+              <a:rPr lang="en-US" altLang="en-US" sz="1800" dirty="0">
+                <a:solidFill>
+                  <a:srgbClr val="262626"/>
+                </a:solidFill>
+              </a:rPr>
+              <a:t>AdminUpgradeabilityProxy: with constructor and set admin add</a:t>
+            </a:r>
+            <a:endParaRPr lang="en-US" altLang="en-US" sz="1800" dirty="0">
+              <a:solidFill>
+                <a:srgbClr val="262626"/>
+              </a:solidFill>
+            </a:endParaRPr>
+          </a:p>
+        </p:txBody>
+      </p:sp>
+      <p:pic>
+        <p:nvPicPr>
+          <p:cNvPr id="4" name="图片 3"/>
+          <p:cNvPicPr>
+            <a:picLocks noChangeAspect="1"/>
+          </p:cNvPicPr>
+          <p:nvPr/>
+        </p:nvPicPr>
+        <p:blipFill>
+          <a:blip r:embed="rId1"/>
+          <a:srcRect l="36786"/>
+          <a:stretch>
+            <a:fillRect/>
+          </a:stretch>
+        </p:blipFill>
+        <p:spPr>
+          <a:xfrm rot="16200000">
+            <a:off x="2399030" y="134620"/>
+            <a:ext cx="4324350" cy="9123045"/>
+          </a:xfrm>
+          <a:prstGeom prst="rect">
+            <a:avLst/>
+          </a:prstGeom>
+        </p:spPr>
+      </p:pic>
+    </p:spTree>
+  </p:cSld>
+  <p:clrMapOvr>
+    <a:masterClrMapping/>
+  </p:clrMapOvr>
+</p:sld>
+</file>
+
+<file path=ppt/slides/slide29.xml><?xml version="1.0" encoding="utf-8"?>
+<p:sld xmlns:a="http://schemas.openxmlformats.org/drawingml/2006/main" xmlns:r="http://schemas.openxmlformats.org/officeDocument/2006/relationships" xmlns:p="http://schemas.openxmlformats.org/presentationml/2006/main">
+  <p:cSld>
+    <p:spTree>
+      <p:nvGrpSpPr>
+        <p:cNvPr id="1" name=""/>
+        <p:cNvGrpSpPr/>
+        <p:nvPr/>
+      </p:nvGrpSpPr>
+      <p:grpSpPr>
+        <a:xfrm>
+          <a:off x="0" y="0"/>
+          <a:ext cx="0" cy="0"/>
+          <a:chOff x="0" y="0"/>
+          <a:chExt cx="0" cy="0"/>
+        </a:xfrm>
+      </p:grpSpPr>
+      <p:sp>
+        <p:nvSpPr>
+          <p:cNvPr id="2" name="Title 1"/>
+          <p:cNvSpPr>
+            <a:spLocks noGrp="1"/>
+          </p:cNvSpPr>
+          <p:nvPr>
+            <p:ph type="title"/>
+          </p:nvPr>
+        </p:nvSpPr>
+        <p:spPr>
+          <a:xfrm>
+            <a:off x="628650" y="155263"/>
+            <a:ext cx="7886700" cy="526790"/>
+          </a:xfrm>
+        </p:spPr>
+        <p:txBody>
+          <a:bodyPr>
+            <a:normAutofit fontScale="90000"/>
+          </a:bodyPr>
+          <a:lstStyle/>
+          <a:p>
+            <a:pPr algn="ctr"/>
+            <a:r>
+              <a:rPr lang="en-US" sz="3200" b="1" dirty="0">
+                <a:latin typeface="Calibri" panose="020F0502020204030204" pitchFamily="34" charset="0"/>
+                <a:cs typeface="Calibri" panose="020F0502020204030204" pitchFamily="34" charset="0"/>
+              </a:rPr>
+              <a:t>Dive into Proxy (</a:t>
+            </a:r>
+            <a:r>
+              <a:rPr lang="en-US" sz="3200" b="1" dirty="0">
+                <a:latin typeface="Calibri" panose="020F0502020204030204" pitchFamily="34" charset="0"/>
+                <a:cs typeface="Calibri" panose="020F0502020204030204" pitchFamily="34" charset="0"/>
+                <a:sym typeface="+mn-ea"/>
+              </a:rPr>
+              <a:t>Architect a Solidity Program)</a:t>
+            </a:r>
+            <a:endParaRPr lang="en-US" sz="3200" b="1" dirty="0">
+              <a:latin typeface="Calibri" panose="020F0502020204030204" pitchFamily="34" charset="0"/>
+              <a:cs typeface="Calibri" panose="020F0502020204030204" pitchFamily="34" charset="0"/>
+            </a:endParaRPr>
+          </a:p>
+        </p:txBody>
+      </p:sp>
+      <p:sp>
+        <p:nvSpPr>
+          <p:cNvPr id="3" name="Content Placeholder 2"/>
+          <p:cNvSpPr>
+            <a:spLocks noGrp="1"/>
+          </p:cNvSpPr>
+          <p:nvPr>
+            <p:ph idx="1"/>
+          </p:nvPr>
+        </p:nvSpPr>
+        <p:spPr>
+          <a:xfrm>
+            <a:off x="628650" y="989044"/>
+            <a:ext cx="7886700" cy="5605719"/>
+          </a:xfrm>
+        </p:spPr>
+        <p:txBody>
+          <a:bodyPr>
+            <a:normAutofit/>
+          </a:bodyPr>
+          <a:lstStyle/>
+          <a:p>
+            <a:pPr defTabSz="342900">
+              <a:lnSpc>
+                <a:spcPct val="120000"/>
+              </a:lnSpc>
+            </a:pPr>
+            <a:r>
+              <a:rPr lang="en-US" altLang="en-US" sz="1800" dirty="0">
+                <a:solidFill>
+                  <a:srgbClr val="262626"/>
+                </a:solidFill>
+              </a:rPr>
+              <a:t>Inherited, </a:t>
+            </a:r>
+            <a:r>
+              <a:rPr lang="en-US" altLang="zh-CN" sz="1800" dirty="0">
+                <a:solidFill>
+                  <a:srgbClr val="262626"/>
+                </a:solidFill>
+              </a:rPr>
+              <a:t>Unstructured, External Storage, ProxyFactory and ProxyAdmin</a:t>
+            </a:r>
+            <a:endParaRPr lang="en-US" altLang="en-US" sz="1800" dirty="0">
+              <a:solidFill>
+                <a:srgbClr val="262626"/>
+              </a:solidFill>
+            </a:endParaRPr>
+          </a:p>
+          <a:p>
+            <a:pPr marL="228600" lvl="0" indent="-228600" defTabSz="342900">
+              <a:lnSpc>
+                <a:spcPct val="120000"/>
+              </a:lnSpc>
+              <a:buFont typeface="Arial" panose="020B0604020202020204" pitchFamily="34" charset="0"/>
+              <a:buChar char="•"/>
+            </a:pPr>
+            <a:r>
+              <a:rPr lang="en-US" altLang="en-US" sz="1800" dirty="0">
+                <a:solidFill>
+                  <a:srgbClr val="262626"/>
+                </a:solidFill>
+              </a:rPr>
+              <a:t>(</a:t>
+            </a:r>
+            <a:r>
+              <a:rPr lang="en-US" altLang="en-US" sz="1800" dirty="0">
+                <a:solidFill>
+                  <a:srgbClr val="FF0000"/>
+                </a:solidFill>
+              </a:rPr>
+              <a:t>Code Explain</a:t>
+            </a:r>
+            <a:r>
+              <a:rPr lang="en-US" altLang="en-US" sz="1800" dirty="0">
+                <a:solidFill>
+                  <a:srgbClr val="262626"/>
+                </a:solidFill>
+              </a:rPr>
+              <a:t>)</a:t>
+            </a:r>
+            <a:endParaRPr lang="en-US" altLang="en-US" sz="1800" dirty="0">
+              <a:solidFill>
+                <a:srgbClr val="262626"/>
+              </a:solidFill>
+            </a:endParaRPr>
+          </a:p>
+          <a:p>
+            <a:pPr marL="228600" lvl="0" indent="-228600" defTabSz="342900">
+              <a:lnSpc>
+                <a:spcPct val="120000"/>
+              </a:lnSpc>
+              <a:buFont typeface="Arial" panose="020B0604020202020204" pitchFamily="34" charset="0"/>
+              <a:buChar char="•"/>
+            </a:pPr>
+            <a:r>
+              <a:rPr lang="en-US" altLang="en-US" sz="1800" b="1" dirty="0">
+                <a:solidFill>
+                  <a:srgbClr val="262626"/>
+                </a:solidFill>
+              </a:rPr>
+              <a:t>Inherited</a:t>
+            </a:r>
+            <a:endParaRPr lang="en-US" altLang="en-US" sz="1800" b="1" dirty="0">
+              <a:solidFill>
+                <a:srgbClr val="262626"/>
+              </a:solidFill>
+            </a:endParaRPr>
+          </a:p>
+          <a:p>
+            <a:pPr marL="228600" lvl="0" indent="-228600" defTabSz="342900">
+              <a:lnSpc>
+                <a:spcPct val="120000"/>
+              </a:lnSpc>
+              <a:buFont typeface="Arial" panose="020B0604020202020204" pitchFamily="34" charset="0"/>
+              <a:buChar char="•"/>
+            </a:pPr>
+            <a:r>
+              <a:rPr lang="en-US" altLang="en-US" sz="1800" dirty="0">
+                <a:solidFill>
+                  <a:srgbClr val="262626"/>
+                </a:solidFill>
+              </a:rPr>
+              <a:t>What does it mean by upgradability? there is a initializer in the smartcontract or there are no constructor / initializer </a:t>
+            </a:r>
+            <a:endParaRPr lang="en-US" altLang="en-US" sz="1800" dirty="0">
+              <a:solidFill>
+                <a:srgbClr val="262626"/>
+              </a:solidFill>
+            </a:endParaRPr>
+          </a:p>
+          <a:p>
+            <a:pPr marL="228600" lvl="0" indent="-228600" defTabSz="342900">
+              <a:lnSpc>
+                <a:spcPct val="120000"/>
+              </a:lnSpc>
+              <a:buFont typeface="Arial" panose="020B0604020202020204" pitchFamily="34" charset="0"/>
+              <a:buChar char="•"/>
+            </a:pPr>
+            <a:endParaRPr lang="en-US" altLang="en-US" sz="1800" dirty="0">
+              <a:solidFill>
+                <a:srgbClr val="262626"/>
+              </a:solidFill>
+            </a:endParaRPr>
+          </a:p>
+        </p:txBody>
+      </p:sp>
+      <p:pic>
+        <p:nvPicPr>
+          <p:cNvPr id="5" name="图片 4"/>
+          <p:cNvPicPr>
+            <a:picLocks noChangeAspect="1"/>
+          </p:cNvPicPr>
+          <p:nvPr/>
+        </p:nvPicPr>
+        <p:blipFill>
+          <a:blip r:embed="rId1"/>
+          <a:stretch>
+            <a:fillRect/>
+          </a:stretch>
+        </p:blipFill>
+        <p:spPr>
+          <a:xfrm>
+            <a:off x="628650" y="3296920"/>
+            <a:ext cx="7965440" cy="2832735"/>
+          </a:xfrm>
+          <a:prstGeom prst="rect">
+            <a:avLst/>
+          </a:prstGeom>
+        </p:spPr>
+      </p:pic>
+    </p:spTree>
+  </p:cSld>
+  <p:clrMapOvr>
+    <a:masterClrMapping/>
+  </p:clrMapOvr>
+</p:sld>
+</file>
+
+<file path=ppt/slides/slide3.xml><?xml version="1.0" encoding="utf-8"?>
+<p:sld xmlns:a="http://schemas.openxmlformats.org/drawingml/2006/main" xmlns:r="http://schemas.openxmlformats.org/officeDocument/2006/relationships" xmlns:p="http://schemas.openxmlformats.org/presentationml/2006/main">
+  <p:cSld>
+    <p:spTree>
+      <p:nvGrpSpPr>
+        <p:cNvPr id="1" name=""/>
+        <p:cNvGrpSpPr/>
+        <p:nvPr/>
+      </p:nvGrpSpPr>
+      <p:grpSpPr>
+        <a:xfrm>
+          <a:off x="0" y="0"/>
+          <a:ext cx="0" cy="0"/>
+          <a:chOff x="0" y="0"/>
+          <a:chExt cx="0" cy="0"/>
+        </a:xfrm>
+      </p:grpSpPr>
+      <p:sp>
+        <p:nvSpPr>
+          <p:cNvPr id="2" name="Title 1"/>
+          <p:cNvSpPr>
+            <a:spLocks noGrp="1"/>
+          </p:cNvSpPr>
+          <p:nvPr>
+            <p:ph type="title"/>
+          </p:nvPr>
+        </p:nvSpPr>
+        <p:spPr>
+          <a:xfrm>
+            <a:off x="628650" y="155263"/>
+            <a:ext cx="7886700" cy="526790"/>
+          </a:xfrm>
+        </p:spPr>
+        <p:txBody>
+          <a:bodyPr>
+            <a:normAutofit fontScale="90000"/>
+          </a:bodyPr>
+          <a:lstStyle/>
+          <a:p>
+            <a:pPr algn="ctr"/>
+            <a:r>
+              <a:rPr lang="en-US" sz="3200" b="1" dirty="0">
+                <a:latin typeface="Calibri" panose="020F0502020204030204" pitchFamily="34" charset="0"/>
+                <a:cs typeface="Calibri" panose="020F0502020204030204" pitchFamily="34" charset="0"/>
+                <a:sym typeface="+mn-ea"/>
+              </a:rPr>
+              <a:t>Summarize technique implementation process</a:t>
+            </a:r>
+            <a:endParaRPr lang="en-US" sz="3200" b="1" dirty="0">
+              <a:latin typeface="Calibri" panose="020F0502020204030204" pitchFamily="34" charset="0"/>
+              <a:cs typeface="Calibri" panose="020F0502020204030204" pitchFamily="34" charset="0"/>
+            </a:endParaRPr>
+          </a:p>
+        </p:txBody>
+      </p:sp>
+      <p:sp>
+        <p:nvSpPr>
+          <p:cNvPr id="3" name="Content Placeholder 2"/>
+          <p:cNvSpPr>
+            <a:spLocks noGrp="1"/>
+          </p:cNvSpPr>
+          <p:nvPr>
+            <p:ph idx="1"/>
+          </p:nvPr>
+        </p:nvSpPr>
+        <p:spPr>
+          <a:xfrm>
+            <a:off x="628650" y="989044"/>
+            <a:ext cx="7886700" cy="5605719"/>
+          </a:xfrm>
+        </p:spPr>
+        <p:txBody>
+          <a:bodyPr>
+            <a:normAutofit/>
+          </a:bodyPr>
+          <a:lstStyle/>
+          <a:p>
+            <a:pPr marL="228600" lvl="0" indent="-228600" defTabSz="342900">
+              <a:lnSpc>
+                <a:spcPct val="120000"/>
+              </a:lnSpc>
+              <a:buFont typeface="Arial" panose="020B0604020202020204" pitchFamily="34" charset="0"/>
+              <a:buChar char="•"/>
+            </a:pPr>
+            <a:r>
+              <a:rPr lang="en-US" altLang="en-US" sz="1800" dirty="0">
+                <a:solidFill>
+                  <a:srgbClr val="262626"/>
+                </a:solidFill>
+              </a:rPr>
+              <a:t>1 Hyperledger+Node</a:t>
+            </a:r>
+            <a:endParaRPr lang="en-US" altLang="en-US" sz="1800" dirty="0">
+              <a:solidFill>
+                <a:srgbClr val="262626"/>
+              </a:solidFill>
+            </a:endParaRPr>
+          </a:p>
+          <a:p>
+            <a:pPr marL="228600" lvl="0" indent="-228600" defTabSz="342900">
+              <a:lnSpc>
+                <a:spcPct val="120000"/>
+              </a:lnSpc>
+              <a:buFont typeface="Arial" panose="020B0604020202020204" pitchFamily="34" charset="0"/>
+              <a:buChar char="•"/>
+            </a:pPr>
+            <a:r>
+              <a:rPr lang="en-US" altLang="en-US" sz="1800" dirty="0">
+                <a:solidFill>
+                  <a:srgbClr val="262626"/>
+                </a:solidFill>
+              </a:rPr>
+              <a:t>Step 1: Start Network </a:t>
+            </a:r>
+            <a:endParaRPr lang="en-US" altLang="en-US" sz="1800" dirty="0">
+              <a:solidFill>
+                <a:srgbClr val="262626"/>
+              </a:solidFill>
+            </a:endParaRPr>
+          </a:p>
+          <a:p>
+            <a:pPr marL="228600" lvl="0" indent="-228600" defTabSz="342900">
+              <a:lnSpc>
+                <a:spcPct val="120000"/>
+              </a:lnSpc>
+              <a:buFont typeface="Arial" panose="020B0604020202020204" pitchFamily="34" charset="0"/>
+              <a:buChar char="•"/>
+            </a:pPr>
+            <a:r>
+              <a:rPr lang="en-US" altLang="en-US" sz="1800" dirty="0">
+                <a:solidFill>
+                  <a:srgbClr val="262626"/>
+                </a:solidFill>
+              </a:rPr>
+              <a:t>Step 2: Write the chaincode: could init data</a:t>
+            </a:r>
+            <a:endParaRPr lang="en-US" altLang="en-US" sz="1800" dirty="0">
+              <a:solidFill>
+                <a:srgbClr val="262626"/>
+              </a:solidFill>
+            </a:endParaRPr>
+          </a:p>
+          <a:p>
+            <a:pPr marL="228600" lvl="0" indent="-228600" defTabSz="342900">
+              <a:lnSpc>
+                <a:spcPct val="120000"/>
+              </a:lnSpc>
+              <a:buFont typeface="Arial" panose="020B0604020202020204" pitchFamily="34" charset="0"/>
+              <a:buChar char="•"/>
+            </a:pPr>
+            <a:endParaRPr lang="en-US" altLang="en-US" sz="1800" dirty="0">
+              <a:solidFill>
+                <a:srgbClr val="262626"/>
+              </a:solidFill>
+            </a:endParaRPr>
+          </a:p>
+          <a:p>
+            <a:pPr marL="228600" lvl="0" indent="-228600" defTabSz="342900">
+              <a:lnSpc>
+                <a:spcPct val="120000"/>
+              </a:lnSpc>
+              <a:buFont typeface="Arial" panose="020B0604020202020204" pitchFamily="34" charset="0"/>
+              <a:buChar char="•"/>
+            </a:pPr>
+            <a:endParaRPr lang="en-US" altLang="en-US" sz="1800" dirty="0">
+              <a:solidFill>
+                <a:srgbClr val="262626"/>
+              </a:solidFill>
+            </a:endParaRPr>
+          </a:p>
+          <a:p>
+            <a:pPr marL="228600" lvl="0" indent="-228600" defTabSz="342900">
+              <a:lnSpc>
+                <a:spcPct val="120000"/>
+              </a:lnSpc>
+              <a:buFont typeface="Arial" panose="020B0604020202020204" pitchFamily="34" charset="0"/>
+              <a:buChar char="•"/>
+            </a:pPr>
+            <a:endParaRPr lang="en-US" altLang="en-US" sz="1800" dirty="0">
+              <a:solidFill>
+                <a:srgbClr val="262626"/>
+              </a:solidFill>
+            </a:endParaRPr>
+          </a:p>
+          <a:p>
+            <a:pPr marL="228600" lvl="0" indent="-228600" defTabSz="342900">
+              <a:lnSpc>
+                <a:spcPct val="120000"/>
+              </a:lnSpc>
+              <a:buFont typeface="Arial" panose="020B0604020202020204" pitchFamily="34" charset="0"/>
+              <a:buChar char="•"/>
+            </a:pPr>
+            <a:endParaRPr lang="en-US" altLang="en-US" sz="1800" dirty="0">
+              <a:solidFill>
+                <a:srgbClr val="262626"/>
+              </a:solidFill>
+            </a:endParaRPr>
+          </a:p>
+          <a:p>
+            <a:pPr marL="228600" lvl="0" indent="-228600" defTabSz="342900">
+              <a:lnSpc>
+                <a:spcPct val="120000"/>
+              </a:lnSpc>
+              <a:buFont typeface="Arial" panose="020B0604020202020204" pitchFamily="34" charset="0"/>
+              <a:buChar char="•"/>
+            </a:pPr>
+            <a:endParaRPr lang="en-US" altLang="en-US" sz="1800" dirty="0">
+              <a:solidFill>
+                <a:srgbClr val="262626"/>
+              </a:solidFill>
+            </a:endParaRPr>
+          </a:p>
+          <a:p>
+            <a:pPr marL="228600" lvl="0" indent="-228600" defTabSz="342900">
+              <a:lnSpc>
+                <a:spcPct val="120000"/>
+              </a:lnSpc>
+              <a:buFont typeface="Arial" panose="020B0604020202020204" pitchFamily="34" charset="0"/>
+              <a:buChar char="•"/>
+            </a:pPr>
+            <a:endParaRPr lang="en-US" altLang="en-US" sz="1800" dirty="0">
+              <a:solidFill>
+                <a:srgbClr val="262626"/>
+              </a:solidFill>
+            </a:endParaRPr>
+          </a:p>
+        </p:txBody>
+      </p:sp>
+      <p:pic>
+        <p:nvPicPr>
+          <p:cNvPr id="5" name="图片 4"/>
+          <p:cNvPicPr>
+            <a:picLocks noChangeAspect="1"/>
+          </p:cNvPicPr>
+          <p:nvPr/>
+        </p:nvPicPr>
+        <p:blipFill>
+          <a:blip r:embed="rId1"/>
+          <a:stretch>
+            <a:fillRect/>
+          </a:stretch>
+        </p:blipFill>
+        <p:spPr>
+          <a:xfrm>
+            <a:off x="628650" y="2421890"/>
+            <a:ext cx="6863715" cy="4149090"/>
+          </a:xfrm>
+          <a:prstGeom prst="rect">
+            <a:avLst/>
+          </a:prstGeom>
+        </p:spPr>
+      </p:pic>
+    </p:spTree>
+  </p:cSld>
+  <p:clrMapOvr>
+    <a:masterClrMapping/>
+  </p:clrMapOvr>
+</p:sld>
+</file>
+
+<file path=ppt/slides/slide30.xml><?xml version="1.0" encoding="utf-8"?>
+<p:sld xmlns:a="http://schemas.openxmlformats.org/drawingml/2006/main" xmlns:r="http://schemas.openxmlformats.org/officeDocument/2006/relationships" xmlns:p="http://schemas.openxmlformats.org/presentationml/2006/main">
+  <p:cSld>
+    <p:spTree>
+      <p:nvGrpSpPr>
+        <p:cNvPr id="1" name=""/>
+        <p:cNvGrpSpPr/>
+        <p:nvPr/>
+      </p:nvGrpSpPr>
+      <p:grpSpPr>
+        <a:xfrm>
+          <a:off x="0" y="0"/>
+          <a:ext cx="0" cy="0"/>
+          <a:chOff x="0" y="0"/>
+          <a:chExt cx="0" cy="0"/>
+        </a:xfrm>
+      </p:grpSpPr>
+      <p:sp>
+        <p:nvSpPr>
+          <p:cNvPr id="2" name="Title 1"/>
+          <p:cNvSpPr>
+            <a:spLocks noGrp="1"/>
+          </p:cNvSpPr>
+          <p:nvPr>
+            <p:ph type="title"/>
+          </p:nvPr>
+        </p:nvSpPr>
+        <p:spPr>
+          <a:xfrm>
+            <a:off x="628650" y="155263"/>
+            <a:ext cx="7886700" cy="526790"/>
+          </a:xfrm>
+        </p:spPr>
+        <p:txBody>
+          <a:bodyPr>
+            <a:normAutofit fontScale="90000"/>
+          </a:bodyPr>
+          <a:lstStyle/>
+          <a:p>
+            <a:pPr algn="ctr"/>
+            <a:r>
+              <a:rPr lang="en-US" sz="3200" b="1" dirty="0">
+                <a:latin typeface="Calibri" panose="020F0502020204030204" pitchFamily="34" charset="0"/>
+                <a:cs typeface="Calibri" panose="020F0502020204030204" pitchFamily="34" charset="0"/>
+              </a:rPr>
+              <a:t>Dive into Proxy (</a:t>
+            </a:r>
+            <a:r>
+              <a:rPr lang="en-US" sz="3200" b="1" dirty="0">
+                <a:latin typeface="Calibri" panose="020F0502020204030204" pitchFamily="34" charset="0"/>
+                <a:cs typeface="Calibri" panose="020F0502020204030204" pitchFamily="34" charset="0"/>
+                <a:sym typeface="+mn-ea"/>
+              </a:rPr>
+              <a:t>Architect a Solidity Program)</a:t>
+            </a:r>
+            <a:endParaRPr lang="en-US" sz="3200" b="1" dirty="0">
+              <a:latin typeface="Calibri" panose="020F0502020204030204" pitchFamily="34" charset="0"/>
+              <a:cs typeface="Calibri" panose="020F0502020204030204" pitchFamily="34" charset="0"/>
+            </a:endParaRPr>
+          </a:p>
+        </p:txBody>
+      </p:sp>
+      <p:sp>
+        <p:nvSpPr>
+          <p:cNvPr id="3" name="Content Placeholder 2"/>
+          <p:cNvSpPr>
+            <a:spLocks noGrp="1"/>
+          </p:cNvSpPr>
+          <p:nvPr>
+            <p:ph idx="1"/>
+          </p:nvPr>
+        </p:nvSpPr>
+        <p:spPr>
+          <a:xfrm>
+            <a:off x="628650" y="989044"/>
+            <a:ext cx="7886700" cy="5605719"/>
+          </a:xfrm>
+        </p:spPr>
+        <p:txBody>
+          <a:bodyPr>
+            <a:normAutofit/>
+          </a:bodyPr>
+          <a:lstStyle/>
+          <a:p>
+            <a:pPr marL="228600" lvl="0" indent="-228600" defTabSz="342900">
+              <a:lnSpc>
+                <a:spcPct val="120000"/>
+              </a:lnSpc>
+              <a:buFont typeface="Arial" panose="020B0604020202020204" pitchFamily="34" charset="0"/>
+              <a:buChar char="•"/>
+            </a:pPr>
+            <a:r>
+              <a:rPr lang="en-US" altLang="en-US" sz="1800" dirty="0">
+                <a:solidFill>
+                  <a:srgbClr val="262626"/>
+                </a:solidFill>
+              </a:rPr>
+              <a:t>Drawbacks:</a:t>
+            </a:r>
+            <a:endParaRPr lang="en-US" altLang="en-US" sz="1800" dirty="0">
+              <a:solidFill>
+                <a:srgbClr val="262626"/>
+              </a:solidFill>
+            </a:endParaRPr>
+          </a:p>
+          <a:p>
+            <a:pPr marL="228600" lvl="0" indent="-228600" defTabSz="342900">
+              <a:lnSpc>
+                <a:spcPct val="120000"/>
+              </a:lnSpc>
+              <a:buFont typeface="Arial" panose="020B0604020202020204" pitchFamily="34" charset="0"/>
+              <a:buChar char="•"/>
+            </a:pPr>
+            <a:r>
+              <a:rPr lang="en-US" altLang="en-US" sz="1800" dirty="0">
+                <a:solidFill>
+                  <a:srgbClr val="262626"/>
+                </a:solidFill>
+              </a:rPr>
+              <a:t>Data Model cannot be changed, can only be updated or add new features</a:t>
+            </a:r>
+            <a:endParaRPr lang="en-US" altLang="en-US" sz="1800" dirty="0">
+              <a:solidFill>
+                <a:srgbClr val="262626"/>
+              </a:solidFill>
+            </a:endParaRPr>
+          </a:p>
+          <a:p>
+            <a:pPr marL="228600" lvl="0" indent="-228600" defTabSz="342900">
+              <a:lnSpc>
+                <a:spcPct val="120000"/>
+              </a:lnSpc>
+              <a:buFont typeface="Arial" panose="020B0604020202020204" pitchFamily="34" charset="0"/>
+              <a:buChar char="•"/>
+            </a:pPr>
+            <a:r>
+              <a:rPr lang="en-US" altLang="en-US" sz="1800" dirty="0">
+                <a:solidFill>
+                  <a:srgbClr val="262626"/>
+                </a:solidFill>
+              </a:rPr>
+              <a:t>(</a:t>
+            </a:r>
+            <a:r>
+              <a:rPr lang="en-US" altLang="en-US" sz="1800" dirty="0">
+                <a:solidFill>
+                  <a:srgbClr val="FF0000"/>
+                </a:solidFill>
+              </a:rPr>
+              <a:t>Code Explain</a:t>
+            </a:r>
+            <a:r>
+              <a:rPr lang="en-US" altLang="en-US" sz="1800" dirty="0">
+                <a:solidFill>
+                  <a:srgbClr val="262626"/>
+                </a:solidFill>
+              </a:rPr>
+              <a:t>)</a:t>
+            </a:r>
+            <a:endParaRPr lang="en-US" altLang="en-US" sz="1800" dirty="0">
+              <a:solidFill>
+                <a:srgbClr val="262626"/>
+              </a:solidFill>
+            </a:endParaRPr>
+          </a:p>
+        </p:txBody>
+      </p:sp>
+      <p:pic>
+        <p:nvPicPr>
+          <p:cNvPr id="5" name="图片 4"/>
+          <p:cNvPicPr>
+            <a:picLocks noChangeAspect="1"/>
+          </p:cNvPicPr>
+          <p:nvPr/>
+        </p:nvPicPr>
+        <p:blipFill>
+          <a:blip r:embed="rId1"/>
+          <a:stretch>
+            <a:fillRect/>
+          </a:stretch>
+        </p:blipFill>
+        <p:spPr>
+          <a:xfrm>
+            <a:off x="469900" y="2774315"/>
+            <a:ext cx="8203565" cy="2917825"/>
+          </a:xfrm>
+          <a:prstGeom prst="rect">
+            <a:avLst/>
+          </a:prstGeom>
+        </p:spPr>
+      </p:pic>
+    </p:spTree>
+  </p:cSld>
+  <p:clrMapOvr>
+    <a:masterClrMapping/>
+  </p:clrMapOvr>
+</p:sld>
+</file>
+
+<file path=ppt/slides/slide31.xml><?xml version="1.0" encoding="utf-8"?>
+<p:sld xmlns:a="http://schemas.openxmlformats.org/drawingml/2006/main" xmlns:r="http://schemas.openxmlformats.org/officeDocument/2006/relationships" xmlns:p="http://schemas.openxmlformats.org/presentationml/2006/main">
+  <p:cSld>
+    <p:spTree>
+      <p:nvGrpSpPr>
+        <p:cNvPr id="1" name=""/>
+        <p:cNvGrpSpPr/>
+        <p:nvPr/>
+      </p:nvGrpSpPr>
+      <p:grpSpPr>
+        <a:xfrm>
+          <a:off x="0" y="0"/>
+          <a:ext cx="0" cy="0"/>
+          <a:chOff x="0" y="0"/>
+          <a:chExt cx="0" cy="0"/>
+        </a:xfrm>
+      </p:grpSpPr>
+      <p:sp>
+        <p:nvSpPr>
+          <p:cNvPr id="2" name="Title 1"/>
+          <p:cNvSpPr>
+            <a:spLocks noGrp="1"/>
+          </p:cNvSpPr>
+          <p:nvPr>
+            <p:ph type="title"/>
+          </p:nvPr>
+        </p:nvSpPr>
+        <p:spPr>
+          <a:xfrm>
+            <a:off x="628650" y="155263"/>
+            <a:ext cx="7886700" cy="526790"/>
+          </a:xfrm>
+        </p:spPr>
+        <p:txBody>
+          <a:bodyPr>
+            <a:normAutofit fontScale="90000"/>
+          </a:bodyPr>
+          <a:lstStyle/>
+          <a:p>
+            <a:pPr algn="ctr"/>
+            <a:r>
+              <a:rPr lang="en-US" sz="3200" b="1" dirty="0">
+                <a:latin typeface="Calibri" panose="020F0502020204030204" pitchFamily="34" charset="0"/>
+                <a:cs typeface="Calibri" panose="020F0502020204030204" pitchFamily="34" charset="0"/>
+              </a:rPr>
+              <a:t>Dive into Proxy (</a:t>
+            </a:r>
+            <a:r>
+              <a:rPr lang="en-US" sz="3200" b="1" dirty="0">
+                <a:latin typeface="Calibri" panose="020F0502020204030204" pitchFamily="34" charset="0"/>
+                <a:cs typeface="Calibri" panose="020F0502020204030204" pitchFamily="34" charset="0"/>
+                <a:sym typeface="+mn-ea"/>
+              </a:rPr>
+              <a:t>Architect a Solidity Program)</a:t>
+            </a:r>
+            <a:endParaRPr lang="en-US" sz="3200" b="1" dirty="0">
+              <a:latin typeface="Calibri" panose="020F0502020204030204" pitchFamily="34" charset="0"/>
+              <a:cs typeface="Calibri" panose="020F0502020204030204" pitchFamily="34" charset="0"/>
+            </a:endParaRPr>
+          </a:p>
+        </p:txBody>
+      </p:sp>
+      <p:sp>
+        <p:nvSpPr>
+          <p:cNvPr id="3" name="Content Placeholder 2"/>
+          <p:cNvSpPr>
+            <a:spLocks noGrp="1"/>
+          </p:cNvSpPr>
+          <p:nvPr>
+            <p:ph idx="1"/>
+          </p:nvPr>
+        </p:nvSpPr>
+        <p:spPr>
+          <a:xfrm>
+            <a:off x="628650" y="989044"/>
+            <a:ext cx="7886700" cy="5605719"/>
+          </a:xfrm>
+        </p:spPr>
+        <p:txBody>
+          <a:bodyPr>
+            <a:normAutofit/>
+          </a:bodyPr>
+          <a:lstStyle/>
+          <a:p>
+            <a:pPr marL="228600" lvl="0" indent="-228600" defTabSz="342900">
+              <a:lnSpc>
+                <a:spcPct val="120000"/>
+              </a:lnSpc>
+              <a:buFont typeface="Arial" panose="020B0604020202020204" pitchFamily="34" charset="0"/>
+              <a:buChar char="•"/>
+            </a:pPr>
+            <a:r>
+              <a:rPr lang="en-US" altLang="en-US" sz="1800" dirty="0">
+                <a:solidFill>
+                  <a:srgbClr val="262626"/>
+                </a:solidFill>
+              </a:rPr>
+              <a:t>Eternal Storage</a:t>
+            </a:r>
+            <a:endParaRPr lang="en-US" altLang="en-US" sz="1800" dirty="0">
+              <a:solidFill>
+                <a:srgbClr val="262626"/>
+              </a:solidFill>
+            </a:endParaRPr>
+          </a:p>
+          <a:p>
+            <a:pPr marL="228600" lvl="0" indent="-228600" defTabSz="342900">
+              <a:lnSpc>
+                <a:spcPct val="120000"/>
+              </a:lnSpc>
+              <a:buFont typeface="Arial" panose="020B0604020202020204" pitchFamily="34" charset="0"/>
+              <a:buChar char="•"/>
+            </a:pPr>
+            <a:r>
+              <a:rPr lang="en-US" altLang="en-US" sz="1800" dirty="0">
+                <a:solidFill>
+                  <a:srgbClr val="262626"/>
+                </a:solidFill>
+              </a:rPr>
+              <a:t>(</a:t>
+            </a:r>
+            <a:r>
+              <a:rPr lang="en-US" altLang="en-US" sz="1800" dirty="0">
+                <a:solidFill>
+                  <a:srgbClr val="FF0000"/>
+                </a:solidFill>
+              </a:rPr>
+              <a:t>Code Explain</a:t>
+            </a:r>
+            <a:r>
+              <a:rPr lang="en-US" altLang="en-US" sz="1800" dirty="0">
+                <a:solidFill>
+                  <a:srgbClr val="262626"/>
+                </a:solidFill>
+              </a:rPr>
+              <a:t>)</a:t>
+            </a:r>
+            <a:endParaRPr lang="en-US" altLang="en-US" sz="1800" dirty="0">
+              <a:solidFill>
+                <a:srgbClr val="262626"/>
+              </a:solidFill>
+            </a:endParaRPr>
+          </a:p>
+        </p:txBody>
+      </p:sp>
+      <p:pic>
+        <p:nvPicPr>
+          <p:cNvPr id="6" name="图片 5"/>
+          <p:cNvPicPr>
+            <a:picLocks noChangeAspect="1"/>
+          </p:cNvPicPr>
+          <p:nvPr/>
+        </p:nvPicPr>
+        <p:blipFill>
+          <a:blip r:embed="rId1"/>
+          <a:stretch>
+            <a:fillRect/>
+          </a:stretch>
+        </p:blipFill>
+        <p:spPr>
+          <a:xfrm>
+            <a:off x="209550" y="2404110"/>
+            <a:ext cx="8724900" cy="3381375"/>
+          </a:xfrm>
+          <a:prstGeom prst="rect">
+            <a:avLst/>
+          </a:prstGeom>
+        </p:spPr>
+      </p:pic>
+    </p:spTree>
+  </p:cSld>
+  <p:clrMapOvr>
+    <a:masterClrMapping/>
+  </p:clrMapOvr>
+</p:sld>
+</file>
+
+<file path=ppt/slides/slide32.xml><?xml version="1.0" encoding="utf-8"?>
+<p:sld xmlns:a="http://schemas.openxmlformats.org/drawingml/2006/main" xmlns:r="http://schemas.openxmlformats.org/officeDocument/2006/relationships" xmlns:p="http://schemas.openxmlformats.org/presentationml/2006/main">
+  <p:cSld>
+    <p:spTree>
+      <p:nvGrpSpPr>
+        <p:cNvPr id="1" name=""/>
+        <p:cNvGrpSpPr/>
+        <p:nvPr/>
+      </p:nvGrpSpPr>
+      <p:grpSpPr>
+        <a:xfrm>
+          <a:off x="0" y="0"/>
+          <a:ext cx="0" cy="0"/>
+          <a:chOff x="0" y="0"/>
+          <a:chExt cx="0" cy="0"/>
+        </a:xfrm>
+      </p:grpSpPr>
+      <p:sp>
+        <p:nvSpPr>
+          <p:cNvPr id="2" name="Title 1"/>
+          <p:cNvSpPr>
+            <a:spLocks noGrp="1"/>
+          </p:cNvSpPr>
+          <p:nvPr>
+            <p:ph type="title"/>
+          </p:nvPr>
+        </p:nvSpPr>
+        <p:spPr>
+          <a:xfrm>
+            <a:off x="628650" y="155263"/>
+            <a:ext cx="7886700" cy="526790"/>
+          </a:xfrm>
+        </p:spPr>
+        <p:txBody>
+          <a:bodyPr>
+            <a:normAutofit fontScale="90000"/>
+          </a:bodyPr>
+          <a:lstStyle/>
+          <a:p>
+            <a:pPr algn="ctr"/>
+            <a:r>
+              <a:rPr lang="en-US" sz="3200" b="1" dirty="0">
+                <a:latin typeface="Calibri" panose="020F0502020204030204" pitchFamily="34" charset="0"/>
+                <a:cs typeface="Calibri" panose="020F0502020204030204" pitchFamily="34" charset="0"/>
+              </a:rPr>
+              <a:t>Dive into Proxy (</a:t>
+            </a:r>
+            <a:r>
+              <a:rPr lang="en-US" sz="3200" b="1" dirty="0">
+                <a:latin typeface="Calibri" panose="020F0502020204030204" pitchFamily="34" charset="0"/>
+                <a:cs typeface="Calibri" panose="020F0502020204030204" pitchFamily="34" charset="0"/>
+                <a:sym typeface="+mn-ea"/>
+              </a:rPr>
+              <a:t>Architect a Solidity Program)</a:t>
+            </a:r>
+            <a:endParaRPr lang="en-US" sz="3200" b="1" dirty="0">
+              <a:latin typeface="Calibri" panose="020F0502020204030204" pitchFamily="34" charset="0"/>
+              <a:cs typeface="Calibri" panose="020F0502020204030204" pitchFamily="34" charset="0"/>
+            </a:endParaRPr>
+          </a:p>
+        </p:txBody>
+      </p:sp>
+      <p:sp>
+        <p:nvSpPr>
+          <p:cNvPr id="3" name="Content Placeholder 2"/>
+          <p:cNvSpPr>
+            <a:spLocks noGrp="1"/>
+          </p:cNvSpPr>
+          <p:nvPr>
+            <p:ph idx="1"/>
+          </p:nvPr>
+        </p:nvSpPr>
+        <p:spPr>
+          <a:xfrm>
+            <a:off x="628650" y="989044"/>
+            <a:ext cx="7886700" cy="5605719"/>
+          </a:xfrm>
+        </p:spPr>
+        <p:txBody>
+          <a:bodyPr>
+            <a:normAutofit/>
+          </a:bodyPr>
+          <a:lstStyle/>
+          <a:p>
+            <a:pPr marL="228600" lvl="0" indent="-228600" defTabSz="342900">
+              <a:lnSpc>
+                <a:spcPct val="120000"/>
+              </a:lnSpc>
+              <a:buFont typeface="Arial" panose="020B0604020202020204" pitchFamily="34" charset="0"/>
+              <a:buChar char="•"/>
+            </a:pPr>
+            <a:r>
+              <a:rPr lang="en-US" altLang="en-US" sz="1800" dirty="0">
+                <a:solidFill>
+                  <a:srgbClr val="262626"/>
+                </a:solidFill>
+              </a:rPr>
+              <a:t>Eternal Storage</a:t>
+            </a:r>
+            <a:endParaRPr lang="en-US" altLang="en-US" sz="1800" dirty="0">
+              <a:solidFill>
+                <a:srgbClr val="262626"/>
+              </a:solidFill>
+            </a:endParaRPr>
+          </a:p>
+        </p:txBody>
+      </p:sp>
+      <p:pic>
+        <p:nvPicPr>
+          <p:cNvPr id="7" name="图片 6"/>
+          <p:cNvPicPr>
+            <a:picLocks noChangeAspect="1"/>
+          </p:cNvPicPr>
+          <p:nvPr/>
+        </p:nvPicPr>
+        <p:blipFill>
+          <a:blip r:embed="rId1"/>
+          <a:stretch>
+            <a:fillRect/>
+          </a:stretch>
+        </p:blipFill>
+        <p:spPr>
+          <a:xfrm>
+            <a:off x="628650" y="1626870"/>
+            <a:ext cx="6010910" cy="2696845"/>
+          </a:xfrm>
+          <a:prstGeom prst="rect">
+            <a:avLst/>
+          </a:prstGeom>
+        </p:spPr>
+      </p:pic>
+      <p:pic>
+        <p:nvPicPr>
+          <p:cNvPr id="4" name="图片 3"/>
+          <p:cNvPicPr>
+            <a:picLocks noChangeAspect="1"/>
+          </p:cNvPicPr>
+          <p:nvPr/>
+        </p:nvPicPr>
+        <p:blipFill>
+          <a:blip r:embed="rId2"/>
+          <a:stretch>
+            <a:fillRect/>
+          </a:stretch>
+        </p:blipFill>
+        <p:spPr>
+          <a:xfrm>
+            <a:off x="628650" y="4671060"/>
+            <a:ext cx="3819525" cy="1924050"/>
+          </a:xfrm>
+          <a:prstGeom prst="rect">
+            <a:avLst/>
+          </a:prstGeom>
+        </p:spPr>
+      </p:pic>
+    </p:spTree>
+  </p:cSld>
+  <p:clrMapOvr>
+    <a:masterClrMapping/>
+  </p:clrMapOvr>
+</p:sld>
+</file>
+
+<file path=ppt/slides/slide33.xml><?xml version="1.0" encoding="utf-8"?>
+<p:sld xmlns:a="http://schemas.openxmlformats.org/drawingml/2006/main" xmlns:r="http://schemas.openxmlformats.org/officeDocument/2006/relationships" xmlns:p="http://schemas.openxmlformats.org/presentationml/2006/main">
+  <p:cSld>
+    <p:spTree>
+      <p:nvGrpSpPr>
+        <p:cNvPr id="1" name=""/>
+        <p:cNvGrpSpPr/>
+        <p:nvPr/>
+      </p:nvGrpSpPr>
+      <p:grpSpPr>
+        <a:xfrm>
+          <a:off x="0" y="0"/>
+          <a:ext cx="0" cy="0"/>
+          <a:chOff x="0" y="0"/>
+          <a:chExt cx="0" cy="0"/>
+        </a:xfrm>
+      </p:grpSpPr>
+      <p:sp>
+        <p:nvSpPr>
+          <p:cNvPr id="2" name="Title 1"/>
+          <p:cNvSpPr>
+            <a:spLocks noGrp="1"/>
+          </p:cNvSpPr>
+          <p:nvPr>
+            <p:ph type="title"/>
+          </p:nvPr>
+        </p:nvSpPr>
+        <p:spPr>
+          <a:xfrm>
+            <a:off x="628650" y="155263"/>
+            <a:ext cx="7886700" cy="526790"/>
+          </a:xfrm>
+        </p:spPr>
+        <p:txBody>
+          <a:bodyPr>
+            <a:normAutofit fontScale="90000"/>
+          </a:bodyPr>
+          <a:lstStyle/>
+          <a:p>
+            <a:pPr algn="ctr"/>
+            <a:r>
+              <a:rPr lang="en-US" sz="3200" b="1" dirty="0">
+                <a:latin typeface="Calibri" panose="020F0502020204030204" pitchFamily="34" charset="0"/>
+                <a:cs typeface="Calibri" panose="020F0502020204030204" pitchFamily="34" charset="0"/>
+              </a:rPr>
+              <a:t>Dive into Proxy (</a:t>
+            </a:r>
+            <a:r>
+              <a:rPr lang="en-US" sz="3200" b="1" dirty="0">
+                <a:latin typeface="Calibri" panose="020F0502020204030204" pitchFamily="34" charset="0"/>
+                <a:cs typeface="Calibri" panose="020F0502020204030204" pitchFamily="34" charset="0"/>
+                <a:sym typeface="+mn-ea"/>
+              </a:rPr>
+              <a:t>Architect a Solidity Program)</a:t>
+            </a:r>
+            <a:endParaRPr lang="en-US" sz="3200" b="1" dirty="0">
+              <a:latin typeface="Calibri" panose="020F0502020204030204" pitchFamily="34" charset="0"/>
+              <a:cs typeface="Calibri" panose="020F0502020204030204" pitchFamily="34" charset="0"/>
+            </a:endParaRPr>
+          </a:p>
+        </p:txBody>
+      </p:sp>
+      <p:sp>
+        <p:nvSpPr>
+          <p:cNvPr id="3" name="Content Placeholder 2"/>
+          <p:cNvSpPr>
+            <a:spLocks noGrp="1"/>
+          </p:cNvSpPr>
+          <p:nvPr>
+            <p:ph idx="1"/>
+          </p:nvPr>
+        </p:nvSpPr>
+        <p:spPr>
+          <a:xfrm>
+            <a:off x="628650" y="989044"/>
+            <a:ext cx="7886700" cy="5605719"/>
+          </a:xfrm>
+        </p:spPr>
+        <p:txBody>
+          <a:bodyPr>
+            <a:normAutofit/>
+          </a:bodyPr>
+          <a:lstStyle/>
+          <a:p>
+            <a:pPr marL="228600" lvl="0" indent="-228600" defTabSz="342900">
+              <a:lnSpc>
+                <a:spcPct val="120000"/>
+              </a:lnSpc>
+              <a:buFont typeface="Arial" panose="020B0604020202020204" pitchFamily="34" charset="0"/>
+              <a:buChar char="•"/>
+            </a:pPr>
+            <a:r>
+              <a:rPr lang="en-US" altLang="en-US" sz="1800" dirty="0">
+                <a:solidFill>
+                  <a:srgbClr val="262626"/>
+                </a:solidFill>
+              </a:rPr>
+              <a:t>Pros:</a:t>
+            </a:r>
+            <a:endParaRPr lang="en-US" altLang="en-US" sz="1800" dirty="0">
+              <a:solidFill>
+                <a:srgbClr val="262626"/>
+              </a:solidFill>
+            </a:endParaRPr>
+          </a:p>
+          <a:p>
+            <a:pPr marL="228600" lvl="0" indent="-228600" defTabSz="342900">
+              <a:lnSpc>
+                <a:spcPct val="120000"/>
+              </a:lnSpc>
+              <a:buFont typeface="Arial" panose="020B0604020202020204" pitchFamily="34" charset="0"/>
+              <a:buChar char="•"/>
+            </a:pPr>
+            <a:r>
+              <a:rPr lang="en-US" altLang="en-US" sz="1800" dirty="0">
+                <a:solidFill>
+                  <a:srgbClr val="262626"/>
+                </a:solidFill>
+              </a:rPr>
+              <a:t>The actural impl contract's data structure doesn't need to follow the previous impl contract's data structure</a:t>
+            </a:r>
+            <a:endParaRPr lang="en-US" altLang="en-US" sz="1800" dirty="0">
+              <a:solidFill>
+                <a:srgbClr val="262626"/>
+              </a:solidFill>
+            </a:endParaRPr>
+          </a:p>
+          <a:p>
+            <a:pPr marL="228600" lvl="0" indent="-228600" defTabSz="342900">
+              <a:lnSpc>
+                <a:spcPct val="120000"/>
+              </a:lnSpc>
+              <a:buFont typeface="Arial" panose="020B0604020202020204" pitchFamily="34" charset="0"/>
+              <a:buChar char="•"/>
+            </a:pPr>
+            <a:endParaRPr lang="en-US" altLang="en-US" sz="1800" dirty="0">
+              <a:solidFill>
+                <a:srgbClr val="262626"/>
+              </a:solidFill>
+            </a:endParaRPr>
+          </a:p>
+          <a:p>
+            <a:pPr marL="228600" lvl="0" indent="-228600" defTabSz="342900">
+              <a:lnSpc>
+                <a:spcPct val="120000"/>
+              </a:lnSpc>
+              <a:buFont typeface="Arial" panose="020B0604020202020204" pitchFamily="34" charset="0"/>
+              <a:buChar char="•"/>
+            </a:pPr>
+            <a:r>
+              <a:rPr lang="en-US" altLang="en-US" sz="1800" dirty="0">
+                <a:solidFill>
+                  <a:srgbClr val="262626"/>
+                </a:solidFill>
+              </a:rPr>
+              <a:t>Cons:</a:t>
+            </a:r>
+            <a:endParaRPr lang="en-US" altLang="en-US" sz="1800" dirty="0">
+              <a:solidFill>
+                <a:srgbClr val="262626"/>
+              </a:solidFill>
+            </a:endParaRPr>
+          </a:p>
+          <a:p>
+            <a:pPr marL="228600" lvl="0" indent="-228600" defTabSz="342900">
+              <a:lnSpc>
+                <a:spcPct val="120000"/>
+              </a:lnSpc>
+              <a:buFont typeface="Arial" panose="020B0604020202020204" pitchFamily="34" charset="0"/>
+              <a:buChar char="•"/>
+            </a:pPr>
+            <a:r>
+              <a:rPr lang="en-US" altLang="en-US" sz="1800" dirty="0">
+                <a:solidFill>
+                  <a:srgbClr val="262626"/>
+                </a:solidFill>
+              </a:rPr>
+              <a:t>Hard to write, as we need to extract all the data storing out</a:t>
+            </a:r>
+            <a:endParaRPr lang="en-US" altLang="en-US" sz="1800" dirty="0">
+              <a:solidFill>
+                <a:srgbClr val="262626"/>
+              </a:solidFill>
+            </a:endParaRPr>
+          </a:p>
+        </p:txBody>
+      </p:sp>
+    </p:spTree>
+  </p:cSld>
+  <p:clrMapOvr>
+    <a:masterClrMapping/>
+  </p:clrMapOvr>
+</p:sld>
+</file>
+
+<file path=ppt/slides/slide34.xml><?xml version="1.0" encoding="utf-8"?>
+<p:sld xmlns:a="http://schemas.openxmlformats.org/drawingml/2006/main" xmlns:r="http://schemas.openxmlformats.org/officeDocument/2006/relationships" xmlns:p="http://schemas.openxmlformats.org/presentationml/2006/main">
+  <p:cSld>
+    <p:spTree>
+      <p:nvGrpSpPr>
+        <p:cNvPr id="1" name=""/>
+        <p:cNvGrpSpPr/>
+        <p:nvPr/>
+      </p:nvGrpSpPr>
+      <p:grpSpPr>
+        <a:xfrm>
+          <a:off x="0" y="0"/>
+          <a:ext cx="0" cy="0"/>
+          <a:chOff x="0" y="0"/>
+          <a:chExt cx="0" cy="0"/>
+        </a:xfrm>
+      </p:grpSpPr>
+      <p:sp>
+        <p:nvSpPr>
+          <p:cNvPr id="2" name="Title 1"/>
+          <p:cNvSpPr>
+            <a:spLocks noGrp="1"/>
+          </p:cNvSpPr>
+          <p:nvPr>
+            <p:ph type="title"/>
+          </p:nvPr>
+        </p:nvSpPr>
+        <p:spPr>
+          <a:xfrm>
+            <a:off x="628650" y="155263"/>
+            <a:ext cx="7886700" cy="526790"/>
+          </a:xfrm>
+        </p:spPr>
+        <p:txBody>
+          <a:bodyPr>
+            <a:normAutofit fontScale="90000"/>
+          </a:bodyPr>
+          <a:lstStyle/>
+          <a:p>
+            <a:pPr algn="ctr"/>
+            <a:r>
+              <a:rPr lang="en-US" sz="3200" b="1" dirty="0">
+                <a:latin typeface="Calibri" panose="020F0502020204030204" pitchFamily="34" charset="0"/>
+                <a:cs typeface="Calibri" panose="020F0502020204030204" pitchFamily="34" charset="0"/>
+              </a:rPr>
+              <a:t>Dive into Proxy (</a:t>
+            </a:r>
+            <a:r>
+              <a:rPr lang="en-US" sz="3200" b="1" dirty="0">
+                <a:latin typeface="Calibri" panose="020F0502020204030204" pitchFamily="34" charset="0"/>
+                <a:cs typeface="Calibri" panose="020F0502020204030204" pitchFamily="34" charset="0"/>
+                <a:sym typeface="+mn-ea"/>
+              </a:rPr>
+              <a:t>Architect a Solidity Program)</a:t>
+            </a:r>
+            <a:endParaRPr lang="en-US" sz="3200" b="1" dirty="0">
+              <a:latin typeface="Calibri" panose="020F0502020204030204" pitchFamily="34" charset="0"/>
+              <a:cs typeface="Calibri" panose="020F0502020204030204" pitchFamily="34" charset="0"/>
+            </a:endParaRPr>
+          </a:p>
+        </p:txBody>
+      </p:sp>
+      <p:sp>
+        <p:nvSpPr>
+          <p:cNvPr id="3" name="Content Placeholder 2"/>
+          <p:cNvSpPr>
+            <a:spLocks noGrp="1"/>
+          </p:cNvSpPr>
+          <p:nvPr>
+            <p:ph idx="1"/>
+          </p:nvPr>
+        </p:nvSpPr>
+        <p:spPr>
+          <a:xfrm>
+            <a:off x="628650" y="989044"/>
+            <a:ext cx="7886700" cy="5605719"/>
+          </a:xfrm>
+        </p:spPr>
+        <p:txBody>
+          <a:bodyPr>
+            <a:normAutofit/>
+          </a:bodyPr>
+          <a:lstStyle/>
+          <a:p>
+            <a:pPr marL="228600" lvl="0" indent="-228600" defTabSz="342900">
+              <a:lnSpc>
+                <a:spcPct val="120000"/>
+              </a:lnSpc>
+              <a:buFont typeface="Arial" panose="020B0604020202020204" pitchFamily="34" charset="0"/>
+              <a:buChar char="•"/>
+            </a:pPr>
+            <a:r>
+              <a:rPr lang="en-US" altLang="en-US" sz="1800" dirty="0">
+                <a:solidFill>
+                  <a:srgbClr val="262626"/>
+                </a:solidFill>
+              </a:rPr>
+              <a:t>Unstructured</a:t>
+            </a:r>
+            <a:endParaRPr lang="en-US" altLang="en-US" sz="1800" dirty="0">
+              <a:solidFill>
+                <a:srgbClr val="262626"/>
+              </a:solidFill>
+            </a:endParaRPr>
+          </a:p>
+          <a:p>
+            <a:pPr marL="228600" lvl="0" indent="-228600" defTabSz="342900">
+              <a:lnSpc>
+                <a:spcPct val="120000"/>
+              </a:lnSpc>
+              <a:buFont typeface="Arial" panose="020B0604020202020204" pitchFamily="34" charset="0"/>
+              <a:buChar char="•"/>
+            </a:pPr>
+            <a:r>
+              <a:rPr lang="en-US" altLang="en-US" sz="1800" dirty="0">
+                <a:solidFill>
+                  <a:srgbClr val="262626"/>
+                </a:solidFill>
+              </a:rPr>
+              <a:t>(</a:t>
+            </a:r>
+            <a:r>
+              <a:rPr lang="en-US" altLang="en-US" sz="1800" dirty="0">
+                <a:solidFill>
+                  <a:srgbClr val="FF0000"/>
+                </a:solidFill>
+              </a:rPr>
+              <a:t>Code Explain</a:t>
+            </a:r>
+            <a:r>
+              <a:rPr lang="en-US" altLang="en-US" sz="1800" dirty="0">
+                <a:solidFill>
+                  <a:srgbClr val="262626"/>
+                </a:solidFill>
+              </a:rPr>
+              <a:t>)</a:t>
+            </a:r>
+            <a:endParaRPr lang="en-US" altLang="en-US" sz="1800" dirty="0">
+              <a:solidFill>
+                <a:srgbClr val="262626"/>
+              </a:solidFill>
+            </a:endParaRPr>
+          </a:p>
+          <a:p>
+            <a:pPr marL="228600" lvl="0" indent="-228600" defTabSz="342900">
+              <a:lnSpc>
+                <a:spcPct val="120000"/>
+              </a:lnSpc>
+              <a:buFont typeface="Arial" panose="020B0604020202020204" pitchFamily="34" charset="0"/>
+              <a:buChar char="•"/>
+            </a:pPr>
+            <a:endParaRPr lang="en-US" altLang="en-US" sz="1800" dirty="0">
+              <a:solidFill>
+                <a:srgbClr val="262626"/>
+              </a:solidFill>
+            </a:endParaRPr>
+          </a:p>
+        </p:txBody>
+      </p:sp>
+      <p:pic>
+        <p:nvPicPr>
+          <p:cNvPr id="5" name="图片 4"/>
+          <p:cNvPicPr>
+            <a:picLocks noChangeAspect="1"/>
+          </p:cNvPicPr>
+          <p:nvPr/>
+        </p:nvPicPr>
+        <p:blipFill>
+          <a:blip r:embed="rId1"/>
+          <a:stretch>
+            <a:fillRect/>
+          </a:stretch>
+        </p:blipFill>
+        <p:spPr>
+          <a:xfrm>
+            <a:off x="727710" y="2730500"/>
+            <a:ext cx="6629400" cy="2795270"/>
+          </a:xfrm>
+          <a:prstGeom prst="rect">
+            <a:avLst/>
+          </a:prstGeom>
+        </p:spPr>
+      </p:pic>
+    </p:spTree>
+  </p:cSld>
+  <p:clrMapOvr>
+    <a:masterClrMapping/>
+  </p:clrMapOvr>
+</p:sld>
+</file>
+
+<file path=ppt/slides/slide35.xml><?xml version="1.0" encoding="utf-8"?>
+<p:sld xmlns:a="http://schemas.openxmlformats.org/drawingml/2006/main" xmlns:r="http://schemas.openxmlformats.org/officeDocument/2006/relationships" xmlns:p="http://schemas.openxmlformats.org/presentationml/2006/main">
+  <p:cSld>
+    <p:spTree>
+      <p:nvGrpSpPr>
+        <p:cNvPr id="1" name=""/>
+        <p:cNvGrpSpPr/>
+        <p:nvPr/>
+      </p:nvGrpSpPr>
+      <p:grpSpPr>
+        <a:xfrm>
+          <a:off x="0" y="0"/>
+          <a:ext cx="0" cy="0"/>
+          <a:chOff x="0" y="0"/>
+          <a:chExt cx="0" cy="0"/>
+        </a:xfrm>
+      </p:grpSpPr>
+      <p:sp>
+        <p:nvSpPr>
+          <p:cNvPr id="2" name="Title 1"/>
+          <p:cNvSpPr>
+            <a:spLocks noGrp="1"/>
+          </p:cNvSpPr>
+          <p:nvPr>
+            <p:ph type="title"/>
+          </p:nvPr>
+        </p:nvSpPr>
+        <p:spPr>
+          <a:xfrm>
+            <a:off x="628650" y="155263"/>
+            <a:ext cx="7886700" cy="526790"/>
+          </a:xfrm>
+        </p:spPr>
+        <p:txBody>
+          <a:bodyPr>
+            <a:normAutofit fontScale="90000"/>
+          </a:bodyPr>
+          <a:lstStyle/>
+          <a:p>
+            <a:pPr algn="ctr"/>
+            <a:r>
+              <a:rPr lang="en-US" sz="3200" b="1" dirty="0">
+                <a:latin typeface="Calibri" panose="020F0502020204030204" pitchFamily="34" charset="0"/>
+                <a:cs typeface="Calibri" panose="020F0502020204030204" pitchFamily="34" charset="0"/>
+              </a:rPr>
+              <a:t>Dive into Proxy (</a:t>
+            </a:r>
+            <a:r>
+              <a:rPr lang="en-US" sz="3200" b="1" dirty="0">
+                <a:latin typeface="Calibri" panose="020F0502020204030204" pitchFamily="34" charset="0"/>
+                <a:cs typeface="Calibri" panose="020F0502020204030204" pitchFamily="34" charset="0"/>
+                <a:sym typeface="+mn-ea"/>
+              </a:rPr>
+              <a:t>Architect a Solidity Program)</a:t>
+            </a:r>
+            <a:endParaRPr lang="en-US" sz="3200" b="1" dirty="0">
+              <a:latin typeface="Calibri" panose="020F0502020204030204" pitchFamily="34" charset="0"/>
+              <a:cs typeface="Calibri" panose="020F0502020204030204" pitchFamily="34" charset="0"/>
+            </a:endParaRPr>
+          </a:p>
+        </p:txBody>
+      </p:sp>
+      <p:sp>
+        <p:nvSpPr>
+          <p:cNvPr id="3" name="Content Placeholder 2"/>
+          <p:cNvSpPr>
+            <a:spLocks noGrp="1"/>
+          </p:cNvSpPr>
+          <p:nvPr>
+            <p:ph idx="1"/>
+          </p:nvPr>
+        </p:nvSpPr>
+        <p:spPr>
+          <a:xfrm>
+            <a:off x="628650" y="989044"/>
+            <a:ext cx="7886700" cy="5605719"/>
+          </a:xfrm>
+        </p:spPr>
+        <p:txBody>
+          <a:bodyPr>
+            <a:normAutofit/>
+          </a:bodyPr>
+          <a:lstStyle/>
+          <a:p>
+            <a:pPr marL="228600" lvl="0" indent="-228600" defTabSz="342900">
+              <a:lnSpc>
+                <a:spcPct val="120000"/>
+              </a:lnSpc>
+              <a:buFont typeface="Arial" panose="020B0604020202020204" pitchFamily="34" charset="0"/>
+              <a:buChar char="•"/>
+            </a:pPr>
+            <a:r>
+              <a:rPr lang="en-US" altLang="en-US" sz="1800" dirty="0">
+                <a:solidFill>
+                  <a:srgbClr val="262626"/>
+                </a:solidFill>
+              </a:rPr>
+              <a:t>Unstructured</a:t>
+            </a:r>
+            <a:endParaRPr lang="en-US" altLang="en-US" sz="1800" dirty="0">
+              <a:solidFill>
+                <a:srgbClr val="262626"/>
+              </a:solidFill>
+            </a:endParaRPr>
+          </a:p>
+          <a:p>
+            <a:pPr marL="228600" lvl="0" indent="-228600" defTabSz="342900">
+              <a:lnSpc>
+                <a:spcPct val="120000"/>
+              </a:lnSpc>
+              <a:buFont typeface="Arial" panose="020B0604020202020204" pitchFamily="34" charset="0"/>
+              <a:buChar char="•"/>
+            </a:pPr>
+            <a:r>
+              <a:rPr lang="en-US" altLang="en-US" sz="1800" dirty="0">
+                <a:solidFill>
+                  <a:srgbClr val="262626"/>
+                </a:solidFill>
+              </a:rPr>
+              <a:t>Use pregenerated impl address</a:t>
+            </a:r>
+            <a:endParaRPr lang="en-US" altLang="en-US" sz="1800" dirty="0">
+              <a:solidFill>
+                <a:srgbClr val="262626"/>
+              </a:solidFill>
+            </a:endParaRPr>
+          </a:p>
+          <a:p>
+            <a:pPr marL="228600" lvl="0" indent="-228600" defTabSz="342900">
+              <a:lnSpc>
+                <a:spcPct val="120000"/>
+              </a:lnSpc>
+              <a:buFont typeface="Arial" panose="020B0604020202020204" pitchFamily="34" charset="0"/>
+              <a:buChar char="•"/>
+            </a:pPr>
+            <a:endParaRPr lang="en-US" altLang="en-US" sz="1800" dirty="0">
+              <a:solidFill>
+                <a:srgbClr val="262626"/>
+              </a:solidFill>
+            </a:endParaRPr>
+          </a:p>
+          <a:p>
+            <a:pPr marL="228600" lvl="0" indent="-228600" defTabSz="342900">
+              <a:lnSpc>
+                <a:spcPct val="120000"/>
+              </a:lnSpc>
+              <a:buFont typeface="Arial" panose="020B0604020202020204" pitchFamily="34" charset="0"/>
+              <a:buChar char="•"/>
+            </a:pPr>
+            <a:endParaRPr lang="en-US" altLang="en-US" sz="1800" dirty="0">
+              <a:solidFill>
+                <a:srgbClr val="262626"/>
+              </a:solidFill>
+            </a:endParaRPr>
+          </a:p>
+          <a:p>
+            <a:pPr marL="228600" lvl="0" indent="-228600" defTabSz="342900">
+              <a:lnSpc>
+                <a:spcPct val="120000"/>
+              </a:lnSpc>
+              <a:buFont typeface="Arial" panose="020B0604020202020204" pitchFamily="34" charset="0"/>
+              <a:buChar char="•"/>
+            </a:pPr>
+            <a:endParaRPr lang="en-US" altLang="en-US" sz="1800" dirty="0">
+              <a:solidFill>
+                <a:srgbClr val="262626"/>
+              </a:solidFill>
+            </a:endParaRPr>
+          </a:p>
+          <a:p>
+            <a:pPr marL="228600" lvl="0" indent="-228600" defTabSz="342900">
+              <a:lnSpc>
+                <a:spcPct val="120000"/>
+              </a:lnSpc>
+              <a:buFont typeface="Arial" panose="020B0604020202020204" pitchFamily="34" charset="0"/>
+              <a:buChar char="•"/>
+            </a:pPr>
+            <a:endParaRPr lang="en-US" altLang="en-US" sz="1800" dirty="0">
+              <a:solidFill>
+                <a:srgbClr val="262626"/>
+              </a:solidFill>
+            </a:endParaRPr>
+          </a:p>
+          <a:p>
+            <a:pPr marL="228600" lvl="0" indent="-228600" defTabSz="342900">
+              <a:lnSpc>
+                <a:spcPct val="120000"/>
+              </a:lnSpc>
+              <a:buFont typeface="Arial" panose="020B0604020202020204" pitchFamily="34" charset="0"/>
+              <a:buChar char="•"/>
+            </a:pPr>
+            <a:endParaRPr lang="en-US" altLang="en-US" sz="1800" dirty="0">
+              <a:solidFill>
+                <a:srgbClr val="262626"/>
+              </a:solidFill>
+            </a:endParaRPr>
+          </a:p>
+          <a:p>
+            <a:pPr marL="228600" lvl="0" indent="-228600" defTabSz="342900">
+              <a:lnSpc>
+                <a:spcPct val="120000"/>
+              </a:lnSpc>
+              <a:buFont typeface="Arial" panose="020B0604020202020204" pitchFamily="34" charset="0"/>
+              <a:buChar char="•"/>
+            </a:pPr>
+            <a:r>
+              <a:rPr lang="en-US" altLang="en-US" sz="1800" dirty="0">
+                <a:solidFill>
+                  <a:srgbClr val="262626"/>
+                </a:solidFill>
+                <a:sym typeface="+mn-ea"/>
+              </a:rPr>
+              <a:t>Use fixed impl Use pregenerated address</a:t>
+            </a:r>
+            <a:endParaRPr lang="en-US" altLang="en-US" sz="1800" dirty="0">
+              <a:solidFill>
+                <a:srgbClr val="262626"/>
+              </a:solidFill>
+            </a:endParaRPr>
+          </a:p>
+          <a:p>
+            <a:pPr marL="228600" lvl="0" indent="-228600" defTabSz="342900">
+              <a:lnSpc>
+                <a:spcPct val="120000"/>
+              </a:lnSpc>
+              <a:buFont typeface="Arial" panose="020B0604020202020204" pitchFamily="34" charset="0"/>
+              <a:buChar char="•"/>
+            </a:pPr>
+            <a:r>
+              <a:rPr lang="en-US" altLang="en-US" sz="1800" dirty="0">
+                <a:solidFill>
+                  <a:srgbClr val="262626"/>
+                </a:solidFill>
+                <a:sym typeface="+mn-ea"/>
+              </a:rPr>
+              <a:t>address</a:t>
+            </a:r>
+            <a:endParaRPr lang="en-US" altLang="en-US" sz="1800" dirty="0">
+              <a:solidFill>
+                <a:srgbClr val="262626"/>
+              </a:solidFill>
+            </a:endParaRPr>
+          </a:p>
+          <a:p>
+            <a:pPr marL="228600" lvl="0" indent="-228600" defTabSz="342900">
+              <a:lnSpc>
+                <a:spcPct val="120000"/>
+              </a:lnSpc>
+              <a:buFont typeface="Arial" panose="020B0604020202020204" pitchFamily="34" charset="0"/>
+              <a:buChar char="•"/>
+            </a:pPr>
+            <a:endParaRPr lang="en-US" altLang="en-US" sz="1800" dirty="0">
+              <a:solidFill>
+                <a:srgbClr val="262626"/>
+              </a:solidFill>
+            </a:endParaRPr>
+          </a:p>
+        </p:txBody>
+      </p:sp>
+      <p:pic>
+        <p:nvPicPr>
+          <p:cNvPr id="6" name="图片 5"/>
+          <p:cNvPicPr>
+            <a:picLocks noChangeAspect="1"/>
+          </p:cNvPicPr>
+          <p:nvPr/>
+        </p:nvPicPr>
+        <p:blipFill>
+          <a:blip r:embed="rId1"/>
+          <a:stretch>
+            <a:fillRect/>
+          </a:stretch>
+        </p:blipFill>
+        <p:spPr>
+          <a:xfrm>
+            <a:off x="632460" y="4745990"/>
+            <a:ext cx="8511540" cy="864235"/>
+          </a:xfrm>
+          <a:prstGeom prst="rect">
+            <a:avLst/>
+          </a:prstGeom>
+        </p:spPr>
+      </p:pic>
+      <p:pic>
+        <p:nvPicPr>
+          <p:cNvPr id="8" name="图片 7"/>
+          <p:cNvPicPr>
+            <a:picLocks noChangeAspect="1"/>
+          </p:cNvPicPr>
+          <p:nvPr/>
+        </p:nvPicPr>
+        <p:blipFill>
+          <a:blip r:embed="rId2"/>
+          <a:stretch>
+            <a:fillRect/>
+          </a:stretch>
+        </p:blipFill>
+        <p:spPr>
+          <a:xfrm>
+            <a:off x="628650" y="2185035"/>
+            <a:ext cx="7256780" cy="1528445"/>
+          </a:xfrm>
+          <a:prstGeom prst="rect">
+            <a:avLst/>
+          </a:prstGeom>
+        </p:spPr>
+      </p:pic>
+    </p:spTree>
+  </p:cSld>
+  <p:clrMapOvr>
+    <a:masterClrMapping/>
+  </p:clrMapOvr>
+</p:sld>
+</file>
+
+<file path=ppt/slides/slide36.xml><?xml version="1.0" encoding="utf-8"?>
+<p:sld xmlns:a="http://schemas.openxmlformats.org/drawingml/2006/main" xmlns:r="http://schemas.openxmlformats.org/officeDocument/2006/relationships" xmlns:p="http://schemas.openxmlformats.org/presentationml/2006/main">
+  <p:cSld>
+    <p:spTree>
+      <p:nvGrpSpPr>
+        <p:cNvPr id="1" name=""/>
+        <p:cNvGrpSpPr/>
+        <p:nvPr/>
+      </p:nvGrpSpPr>
+      <p:grpSpPr>
+        <a:xfrm>
+          <a:off x="0" y="0"/>
+          <a:ext cx="0" cy="0"/>
+          <a:chOff x="0" y="0"/>
+          <a:chExt cx="0" cy="0"/>
+        </a:xfrm>
+      </p:grpSpPr>
+      <p:sp>
+        <p:nvSpPr>
+          <p:cNvPr id="2" name="Title 1"/>
+          <p:cNvSpPr>
+            <a:spLocks noGrp="1"/>
+          </p:cNvSpPr>
+          <p:nvPr>
+            <p:ph type="title"/>
+          </p:nvPr>
+        </p:nvSpPr>
+        <p:spPr>
+          <a:xfrm>
+            <a:off x="628650" y="155263"/>
+            <a:ext cx="7886700" cy="526790"/>
+          </a:xfrm>
+        </p:spPr>
+        <p:txBody>
+          <a:bodyPr>
+            <a:normAutofit fontScale="90000"/>
+          </a:bodyPr>
+          <a:lstStyle/>
+          <a:p>
+            <a:pPr algn="ctr"/>
+            <a:r>
+              <a:rPr lang="en-US" sz="3200" b="1" dirty="0">
+                <a:latin typeface="Calibri" panose="020F0502020204030204" pitchFamily="34" charset="0"/>
+                <a:cs typeface="Calibri" panose="020F0502020204030204" pitchFamily="34" charset="0"/>
+              </a:rPr>
+              <a:t>Dive into Proxy (</a:t>
+            </a:r>
+            <a:r>
+              <a:rPr lang="en-US" sz="3200" b="1" dirty="0">
+                <a:latin typeface="Calibri" panose="020F0502020204030204" pitchFamily="34" charset="0"/>
+                <a:cs typeface="Calibri" panose="020F0502020204030204" pitchFamily="34" charset="0"/>
+                <a:sym typeface="+mn-ea"/>
+              </a:rPr>
+              <a:t>Architect a Solidity Program)</a:t>
+            </a:r>
+            <a:endParaRPr lang="en-US" sz="3200" b="1" dirty="0">
+              <a:latin typeface="Calibri" panose="020F0502020204030204" pitchFamily="34" charset="0"/>
+              <a:cs typeface="Calibri" panose="020F0502020204030204" pitchFamily="34" charset="0"/>
+            </a:endParaRPr>
+          </a:p>
+        </p:txBody>
+      </p:sp>
+      <p:sp>
+        <p:nvSpPr>
+          <p:cNvPr id="3" name="Content Placeholder 2"/>
+          <p:cNvSpPr>
+            <a:spLocks noGrp="1"/>
+          </p:cNvSpPr>
+          <p:nvPr>
+            <p:ph idx="1"/>
+          </p:nvPr>
+        </p:nvSpPr>
+        <p:spPr>
+          <a:xfrm>
+            <a:off x="628650" y="989044"/>
+            <a:ext cx="7886700" cy="5605719"/>
+          </a:xfrm>
+        </p:spPr>
+        <p:txBody>
+          <a:bodyPr>
+            <a:normAutofit/>
+          </a:bodyPr>
+          <a:lstStyle/>
+          <a:p>
+            <a:pPr marL="228600" lvl="0" indent="-228600" defTabSz="342900">
+              <a:lnSpc>
+                <a:spcPct val="120000"/>
+              </a:lnSpc>
+              <a:buFont typeface="Arial" panose="020B0604020202020204" pitchFamily="34" charset="0"/>
+              <a:buChar char="•"/>
+            </a:pPr>
+            <a:r>
+              <a:rPr lang="en-US" altLang="en-US" sz="1800" dirty="0">
+                <a:solidFill>
+                  <a:srgbClr val="262626"/>
+                </a:solidFill>
+              </a:rPr>
+              <a:t>ProxyAdmin &amp; ProxyFactory (</a:t>
+            </a:r>
+            <a:r>
+              <a:rPr lang="en-US" altLang="en-US" sz="1800" dirty="0">
+                <a:solidFill>
+                  <a:srgbClr val="FF0000"/>
+                </a:solidFill>
+              </a:rPr>
+              <a:t>Code Explain</a:t>
+            </a:r>
+            <a:r>
+              <a:rPr lang="en-US" altLang="en-US" sz="1800" dirty="0">
+                <a:solidFill>
+                  <a:srgbClr val="262626"/>
+                </a:solidFill>
+              </a:rPr>
+              <a:t>)</a:t>
+            </a:r>
+            <a:endParaRPr lang="en-US" altLang="en-US" sz="1800" dirty="0">
+              <a:solidFill>
+                <a:srgbClr val="262626"/>
+              </a:solidFill>
+            </a:endParaRPr>
+          </a:p>
+          <a:p>
+            <a:pPr marL="228600" lvl="0" indent="-228600" defTabSz="342900">
+              <a:lnSpc>
+                <a:spcPct val="120000"/>
+              </a:lnSpc>
+              <a:buFont typeface="Arial" panose="020B0604020202020204" pitchFamily="34" charset="0"/>
+              <a:buChar char="•"/>
+            </a:pPr>
+            <a:r>
+              <a:rPr lang="en-US" altLang="en-US" sz="1800" dirty="0">
+                <a:solidFill>
+                  <a:srgbClr val="262626"/>
+                </a:solidFill>
+              </a:rPr>
+              <a:t>Check if IniupgradProxy and AdminUpgradeProx have initializer (Inherited with admin) </a:t>
+            </a:r>
+            <a:endParaRPr lang="en-US" altLang="en-US" sz="1800" dirty="0">
+              <a:solidFill>
+                <a:srgbClr val="262626"/>
+              </a:solidFill>
+            </a:endParaRPr>
+          </a:p>
+          <a:p>
+            <a:pPr marL="228600" lvl="0" indent="-228600" defTabSz="342900">
+              <a:lnSpc>
+                <a:spcPct val="120000"/>
+              </a:lnSpc>
+              <a:buFont typeface="Arial" panose="020B0604020202020204" pitchFamily="34" charset="0"/>
+              <a:buChar char="•"/>
+            </a:pPr>
+            <a:r>
+              <a:rPr lang="en-US" altLang="en-US" sz="1800" dirty="0">
+                <a:solidFill>
+                  <a:srgbClr val="262626"/>
+                </a:solidFill>
+              </a:rPr>
+              <a:t>Unstructured Storage has contrustor, so can use upgradeto without init data</a:t>
+            </a:r>
+            <a:endParaRPr lang="en-US" altLang="en-US" sz="1800" dirty="0">
+              <a:solidFill>
+                <a:srgbClr val="262626"/>
+              </a:solidFill>
+            </a:endParaRPr>
+          </a:p>
+        </p:txBody>
+      </p:sp>
+      <p:pic>
+        <p:nvPicPr>
+          <p:cNvPr id="4" name="图片 3"/>
+          <p:cNvPicPr>
+            <a:picLocks noChangeAspect="1"/>
+          </p:cNvPicPr>
+          <p:nvPr/>
+        </p:nvPicPr>
+        <p:blipFill>
+          <a:blip r:embed="rId1"/>
+          <a:srcRect l="36786"/>
+          <a:stretch>
+            <a:fillRect/>
+          </a:stretch>
+        </p:blipFill>
+        <p:spPr>
+          <a:xfrm rot="16200000">
+            <a:off x="2583815" y="675640"/>
+            <a:ext cx="3976370" cy="8388350"/>
+          </a:xfrm>
+          <a:prstGeom prst="rect">
+            <a:avLst/>
+          </a:prstGeom>
+        </p:spPr>
+      </p:pic>
+    </p:spTree>
+  </p:cSld>
+  <p:clrMapOvr>
+    <a:masterClrMapping/>
+  </p:clrMapOvr>
+</p:sld>
+</file>
+
+<file path=ppt/slides/slide37.xml><?xml version="1.0" encoding="utf-8"?>
+<p:sld xmlns:a="http://schemas.openxmlformats.org/drawingml/2006/main" xmlns:r="http://schemas.openxmlformats.org/officeDocument/2006/relationships" xmlns:p="http://schemas.openxmlformats.org/presentationml/2006/main">
+  <p:cSld>
+    <p:spTree>
+      <p:nvGrpSpPr>
+        <p:cNvPr id="1" name=""/>
+        <p:cNvGrpSpPr/>
+        <p:nvPr/>
+      </p:nvGrpSpPr>
+      <p:grpSpPr>
+        <a:xfrm>
+          <a:off x="0" y="0"/>
+          <a:ext cx="0" cy="0"/>
+          <a:chOff x="0" y="0"/>
+          <a:chExt cx="0" cy="0"/>
+        </a:xfrm>
+      </p:grpSpPr>
+      <p:sp>
+        <p:nvSpPr>
+          <p:cNvPr id="2" name="Title 1"/>
+          <p:cNvSpPr>
+            <a:spLocks noGrp="1"/>
+          </p:cNvSpPr>
+          <p:nvPr>
+            <p:ph type="title"/>
+          </p:nvPr>
+        </p:nvSpPr>
+        <p:spPr>
+          <a:xfrm>
+            <a:off x="628650" y="155263"/>
+            <a:ext cx="7886700" cy="526790"/>
+          </a:xfrm>
+        </p:spPr>
+        <p:txBody>
+          <a:bodyPr>
+            <a:normAutofit fontScale="90000"/>
+          </a:bodyPr>
+          <a:lstStyle/>
+          <a:p>
+            <a:pPr algn="ctr"/>
+            <a:r>
+              <a:rPr lang="en-US" sz="3200" b="1" dirty="0">
+                <a:latin typeface="Calibri" panose="020F0502020204030204" pitchFamily="34" charset="0"/>
+                <a:cs typeface="Calibri" panose="020F0502020204030204" pitchFamily="34" charset="0"/>
+              </a:rPr>
+              <a:t>Code Demo</a:t>
+            </a:r>
+            <a:endParaRPr lang="en-US" sz="3200" b="1" dirty="0">
+              <a:latin typeface="Calibri" panose="020F0502020204030204" pitchFamily="34" charset="0"/>
+              <a:cs typeface="Calibri" panose="020F0502020204030204" pitchFamily="34" charset="0"/>
+            </a:endParaRPr>
+          </a:p>
+        </p:txBody>
+      </p:sp>
+      <p:sp>
+        <p:nvSpPr>
+          <p:cNvPr id="3" name="Content Placeholder 2"/>
+          <p:cNvSpPr>
+            <a:spLocks noGrp="1"/>
+          </p:cNvSpPr>
+          <p:nvPr>
+            <p:ph idx="1"/>
+          </p:nvPr>
+        </p:nvSpPr>
+        <p:spPr>
+          <a:xfrm>
+            <a:off x="628650" y="989044"/>
+            <a:ext cx="7886700" cy="5605719"/>
+          </a:xfrm>
+        </p:spPr>
+        <p:txBody>
+          <a:bodyPr>
+            <a:normAutofit lnSpcReduction="10000"/>
+          </a:bodyPr>
+          <a:lstStyle/>
+          <a:p>
+            <a:pPr marL="228600" lvl="0" indent="-228600" defTabSz="342900">
+              <a:lnSpc>
+                <a:spcPct val="120000"/>
+              </a:lnSpc>
+              <a:buFont typeface="Arial" panose="020B0604020202020204" pitchFamily="34" charset="0"/>
+              <a:buChar char="•"/>
+            </a:pPr>
+            <a:r>
+              <a:rPr lang="en-US" altLang="en-US" sz="1540" dirty="0">
+                <a:solidFill>
+                  <a:srgbClr val="262626"/>
+                </a:solidFill>
+              </a:rPr>
+              <a:t>Upgrade StoreFactory from depolymini to depoly and add Proxy admin</a:t>
+            </a:r>
+            <a:endParaRPr lang="en-US" altLang="en-US" sz="1540" dirty="0">
+              <a:solidFill>
+                <a:srgbClr val="262626"/>
+              </a:solidFill>
+            </a:endParaRPr>
+          </a:p>
+        </p:txBody>
+      </p:sp>
+    </p:spTree>
+  </p:cSld>
+  <p:clrMapOvr>
+    <a:masterClrMapping/>
+  </p:clrMapOvr>
+</p:sld>
+</file>
+
+<file path=ppt/slides/slide4.xml><?xml version="1.0" encoding="utf-8"?>
+<p:sld xmlns:a="http://schemas.openxmlformats.org/drawingml/2006/main" xmlns:r="http://schemas.openxmlformats.org/officeDocument/2006/relationships" xmlns:p="http://schemas.openxmlformats.org/presentationml/2006/main">
+  <p:cSld>
+    <p:spTree>
+      <p:nvGrpSpPr>
+        <p:cNvPr id="1" name=""/>
+        <p:cNvGrpSpPr/>
+        <p:nvPr/>
+      </p:nvGrpSpPr>
+      <p:grpSpPr>
+        <a:xfrm>
+          <a:off x="0" y="0"/>
+          <a:ext cx="0" cy="0"/>
+          <a:chOff x="0" y="0"/>
+          <a:chExt cx="0" cy="0"/>
+        </a:xfrm>
+      </p:grpSpPr>
+      <p:sp>
+        <p:nvSpPr>
+          <p:cNvPr id="2" name="Title 1"/>
+          <p:cNvSpPr>
+            <a:spLocks noGrp="1"/>
+          </p:cNvSpPr>
+          <p:nvPr>
+            <p:ph type="title"/>
+          </p:nvPr>
+        </p:nvSpPr>
+        <p:spPr>
+          <a:xfrm>
+            <a:off x="628650" y="155263"/>
+            <a:ext cx="7886700" cy="526790"/>
+          </a:xfrm>
+        </p:spPr>
+        <p:txBody>
+          <a:bodyPr>
+            <a:normAutofit fontScale="90000"/>
+          </a:bodyPr>
+          <a:lstStyle/>
+          <a:p>
+            <a:pPr algn="ctr"/>
+            <a:r>
+              <a:rPr lang="en-US" sz="3200" b="1" dirty="0">
+                <a:latin typeface="Calibri" panose="020F0502020204030204" pitchFamily="34" charset="0"/>
+                <a:cs typeface="Calibri" panose="020F0502020204030204" pitchFamily="34" charset="0"/>
+                <a:sym typeface="+mn-ea"/>
+              </a:rPr>
+              <a:t>Summarize technique implementation process</a:t>
+            </a:r>
+            <a:endParaRPr lang="en-US" sz="3200" b="1" dirty="0">
+              <a:latin typeface="Calibri" panose="020F0502020204030204" pitchFamily="34" charset="0"/>
+              <a:cs typeface="Calibri" panose="020F0502020204030204" pitchFamily="34" charset="0"/>
+            </a:endParaRPr>
+          </a:p>
+        </p:txBody>
+      </p:sp>
+      <p:sp>
+        <p:nvSpPr>
+          <p:cNvPr id="3" name="Content Placeholder 2"/>
+          <p:cNvSpPr>
+            <a:spLocks noGrp="1"/>
+          </p:cNvSpPr>
+          <p:nvPr>
+            <p:ph idx="1"/>
+          </p:nvPr>
+        </p:nvSpPr>
+        <p:spPr>
+          <a:xfrm>
+            <a:off x="628650" y="989044"/>
+            <a:ext cx="7886700" cy="5605719"/>
+          </a:xfrm>
+        </p:spPr>
+        <p:txBody>
+          <a:bodyPr>
+            <a:normAutofit/>
+          </a:bodyPr>
+          <a:lstStyle/>
+          <a:p>
+            <a:pPr marL="228600" lvl="0" indent="-228600" defTabSz="342900">
+              <a:lnSpc>
+                <a:spcPct val="120000"/>
+              </a:lnSpc>
+              <a:buFont typeface="Arial" panose="020B0604020202020204" pitchFamily="34" charset="0"/>
+              <a:buChar char="•"/>
+            </a:pPr>
+            <a:r>
+              <a:rPr lang="en-US" altLang="en-US" sz="1800" dirty="0">
+                <a:solidFill>
+                  <a:srgbClr val="262626"/>
+                </a:solidFill>
+              </a:rPr>
+              <a:t>1 </a:t>
+            </a:r>
+            <a:r>
+              <a:rPr lang="en-US" altLang="en-US" sz="1800" dirty="0">
+                <a:solidFill>
+                  <a:srgbClr val="262626"/>
+                </a:solidFill>
+                <a:sym typeface="+mn-ea"/>
+              </a:rPr>
+              <a:t>Hyperledger+Node</a:t>
+            </a:r>
+            <a:endParaRPr lang="en-US" altLang="en-US" sz="1800" dirty="0">
+              <a:solidFill>
+                <a:srgbClr val="262626"/>
+              </a:solidFill>
+            </a:endParaRPr>
+          </a:p>
+          <a:p>
+            <a:pPr marL="228600" lvl="0" indent="-228600" defTabSz="342900">
+              <a:lnSpc>
+                <a:spcPct val="120000"/>
+              </a:lnSpc>
+              <a:buFont typeface="Arial" panose="020B0604020202020204" pitchFamily="34" charset="0"/>
+              <a:buChar char="•"/>
+            </a:pPr>
+            <a:r>
+              <a:rPr lang="en-US" altLang="en-US" sz="1800" dirty="0">
+                <a:solidFill>
+                  <a:srgbClr val="262626"/>
+                </a:solidFill>
+              </a:rPr>
+              <a:t>Step 3: Deploy Chain Code</a:t>
+            </a:r>
+            <a:endParaRPr lang="en-US" altLang="en-US" sz="1800" dirty="0">
+              <a:solidFill>
+                <a:srgbClr val="262626"/>
+              </a:solidFill>
+            </a:endParaRPr>
+          </a:p>
+          <a:p>
+            <a:pPr marL="228600" lvl="0" indent="-228600" defTabSz="342900">
+              <a:lnSpc>
+                <a:spcPct val="120000"/>
+              </a:lnSpc>
+              <a:buFont typeface="Arial" panose="020B0604020202020204" pitchFamily="34" charset="0"/>
+              <a:buChar char="•"/>
+            </a:pPr>
+            <a:r>
+              <a:rPr lang="en-US" altLang="en-US" sz="1800" dirty="0">
+                <a:solidFill>
+                  <a:srgbClr val="262626"/>
+                </a:solidFill>
+              </a:rPr>
+              <a:t>Step 4: Write Frontend / Backend</a:t>
+            </a:r>
+            <a:endParaRPr lang="en-US" altLang="en-US" sz="1800" dirty="0">
+              <a:solidFill>
+                <a:srgbClr val="262626"/>
+              </a:solidFill>
+            </a:endParaRPr>
+          </a:p>
+          <a:p>
+            <a:pPr marL="228600" lvl="0" indent="-228600" defTabSz="342900">
+              <a:lnSpc>
+                <a:spcPct val="120000"/>
+              </a:lnSpc>
+              <a:buFont typeface="Arial" panose="020B0604020202020204" pitchFamily="34" charset="0"/>
+              <a:buChar char="•"/>
+            </a:pPr>
+            <a:r>
+              <a:rPr lang="en-US" altLang="en-US" sz="1800" dirty="0">
+                <a:solidFill>
+                  <a:srgbClr val="262626"/>
+                </a:solidFill>
+              </a:rPr>
+              <a:t>if using Nodejs + ejs, what do we need to modify?</a:t>
+            </a:r>
+            <a:endParaRPr lang="en-US" altLang="en-US" sz="1800" dirty="0">
+              <a:solidFill>
+                <a:srgbClr val="262626"/>
+              </a:solidFill>
+            </a:endParaRPr>
+          </a:p>
+          <a:p>
+            <a:pPr marL="228600" lvl="0" indent="-228600" defTabSz="342900">
+              <a:lnSpc>
+                <a:spcPct val="120000"/>
+              </a:lnSpc>
+              <a:buFont typeface="Arial" panose="020B0604020202020204" pitchFamily="34" charset="0"/>
+              <a:buChar char="•"/>
+            </a:pPr>
+            <a:endParaRPr lang="en-US" altLang="en-US" sz="1800" dirty="0">
+              <a:solidFill>
+                <a:srgbClr val="262626"/>
+              </a:solidFill>
+            </a:endParaRPr>
+          </a:p>
+          <a:p>
+            <a:pPr marL="228600" lvl="0" indent="-228600" defTabSz="342900">
+              <a:lnSpc>
+                <a:spcPct val="120000"/>
+              </a:lnSpc>
+              <a:buFont typeface="Arial" panose="020B0604020202020204" pitchFamily="34" charset="0"/>
+              <a:buChar char="•"/>
+            </a:pPr>
+            <a:endParaRPr lang="en-US" altLang="en-US" sz="1800" dirty="0">
+              <a:solidFill>
+                <a:srgbClr val="262626"/>
+              </a:solidFill>
+            </a:endParaRPr>
+          </a:p>
+          <a:p>
+            <a:pPr marL="228600" lvl="0" indent="-228600" defTabSz="342900">
+              <a:lnSpc>
+                <a:spcPct val="120000"/>
+              </a:lnSpc>
+              <a:buFont typeface="Arial" panose="020B0604020202020204" pitchFamily="34" charset="0"/>
+              <a:buChar char="•"/>
+            </a:pPr>
+            <a:endParaRPr lang="en-US" altLang="en-US" sz="1800" dirty="0">
+              <a:solidFill>
+                <a:srgbClr val="262626"/>
+              </a:solidFill>
+            </a:endParaRPr>
+          </a:p>
+          <a:p>
+            <a:pPr marL="228600" lvl="0" indent="-228600" defTabSz="342900">
+              <a:lnSpc>
+                <a:spcPct val="120000"/>
+              </a:lnSpc>
+              <a:buFont typeface="Arial" panose="020B0604020202020204" pitchFamily="34" charset="0"/>
+              <a:buChar char="•"/>
+            </a:pPr>
+            <a:endParaRPr lang="en-US" altLang="en-US" sz="1800" dirty="0">
+              <a:solidFill>
+                <a:srgbClr val="262626"/>
+              </a:solidFill>
+            </a:endParaRPr>
+          </a:p>
+          <a:p>
+            <a:pPr marL="228600" lvl="0" indent="-228600" defTabSz="342900">
+              <a:lnSpc>
+                <a:spcPct val="120000"/>
+              </a:lnSpc>
+              <a:buFont typeface="Arial" panose="020B0604020202020204" pitchFamily="34" charset="0"/>
+              <a:buChar char="•"/>
+            </a:pPr>
+            <a:endParaRPr lang="en-US" altLang="en-US" sz="1800" dirty="0">
+              <a:solidFill>
+                <a:srgbClr val="262626"/>
+              </a:solidFill>
+            </a:endParaRPr>
+          </a:p>
+          <a:p>
+            <a:pPr marL="228600" lvl="0" indent="-228600" defTabSz="342900">
+              <a:lnSpc>
+                <a:spcPct val="120000"/>
+              </a:lnSpc>
+              <a:buFont typeface="Arial" panose="020B0604020202020204" pitchFamily="34" charset="0"/>
+              <a:buChar char="•"/>
+            </a:pPr>
+            <a:endParaRPr lang="en-US" altLang="en-US" sz="1800" dirty="0">
+              <a:solidFill>
+                <a:srgbClr val="262626"/>
+              </a:solidFill>
+            </a:endParaRPr>
+          </a:p>
+        </p:txBody>
+      </p:sp>
+      <p:pic>
+        <p:nvPicPr>
+          <p:cNvPr id="4" name="图片 3"/>
+          <p:cNvPicPr>
+            <a:picLocks noChangeAspect="1"/>
+          </p:cNvPicPr>
+          <p:nvPr/>
+        </p:nvPicPr>
+        <p:blipFill>
+          <a:blip r:embed="rId1"/>
+          <a:stretch>
+            <a:fillRect/>
+          </a:stretch>
+        </p:blipFill>
+        <p:spPr>
+          <a:xfrm>
+            <a:off x="628650" y="3089910"/>
+            <a:ext cx="4419600" cy="3505200"/>
+          </a:xfrm>
+          <a:prstGeom prst="rect">
+            <a:avLst/>
+          </a:prstGeom>
+        </p:spPr>
+      </p:pic>
+    </p:spTree>
+  </p:cSld>
+  <p:clrMapOvr>
+    <a:masterClrMapping/>
+  </p:clrMapOvr>
+</p:sld>
+</file>
+
+<file path=ppt/slides/slide5.xml><?xml version="1.0" encoding="utf-8"?>
+<p:sld xmlns:a="http://schemas.openxmlformats.org/drawingml/2006/main" xmlns:r="http://schemas.openxmlformats.org/officeDocument/2006/relationships" xmlns:p="http://schemas.openxmlformats.org/presentationml/2006/main">
+  <p:cSld>
+    <p:spTree>
+      <p:nvGrpSpPr>
+        <p:cNvPr id="1" name=""/>
+        <p:cNvGrpSpPr/>
+        <p:nvPr/>
+      </p:nvGrpSpPr>
+      <p:grpSpPr>
+        <a:xfrm>
+          <a:off x="0" y="0"/>
+          <a:ext cx="0" cy="0"/>
+          <a:chOff x="0" y="0"/>
+          <a:chExt cx="0" cy="0"/>
+        </a:xfrm>
+      </p:grpSpPr>
+      <p:sp>
+        <p:nvSpPr>
+          <p:cNvPr id="2" name="Title 1"/>
+          <p:cNvSpPr>
+            <a:spLocks noGrp="1"/>
+          </p:cNvSpPr>
+          <p:nvPr>
+            <p:ph type="title"/>
+          </p:nvPr>
+        </p:nvSpPr>
+        <p:spPr>
+          <a:xfrm>
+            <a:off x="628650" y="155263"/>
+            <a:ext cx="7886700" cy="526790"/>
+          </a:xfrm>
+        </p:spPr>
+        <p:txBody>
+          <a:bodyPr>
+            <a:normAutofit fontScale="90000"/>
+          </a:bodyPr>
+          <a:lstStyle/>
+          <a:p>
+            <a:pPr algn="ctr"/>
+            <a:r>
+              <a:rPr lang="en-US" sz="3200" b="1" dirty="0">
+                <a:latin typeface="Calibri" panose="020F0502020204030204" pitchFamily="34" charset="0"/>
+                <a:cs typeface="Calibri" panose="020F0502020204030204" pitchFamily="34" charset="0"/>
+                <a:sym typeface="+mn-ea"/>
+              </a:rPr>
+              <a:t>Summarize technique implementation process</a:t>
+            </a:r>
+            <a:endParaRPr lang="en-US" sz="3200" b="1" dirty="0">
+              <a:latin typeface="Calibri" panose="020F0502020204030204" pitchFamily="34" charset="0"/>
+              <a:cs typeface="Calibri" panose="020F0502020204030204" pitchFamily="34" charset="0"/>
+            </a:endParaRPr>
+          </a:p>
+        </p:txBody>
+      </p:sp>
+      <p:sp>
+        <p:nvSpPr>
+          <p:cNvPr id="3" name="Content Placeholder 2"/>
+          <p:cNvSpPr>
+            <a:spLocks noGrp="1"/>
+          </p:cNvSpPr>
+          <p:nvPr>
+            <p:ph idx="1"/>
+          </p:nvPr>
+        </p:nvSpPr>
+        <p:spPr>
+          <a:xfrm>
+            <a:off x="628650" y="989044"/>
+            <a:ext cx="7886700" cy="5605719"/>
+          </a:xfrm>
+        </p:spPr>
+        <p:txBody>
+          <a:bodyPr>
+            <a:normAutofit fontScale="90000" lnSpcReduction="10000"/>
+          </a:bodyPr>
+          <a:lstStyle/>
+          <a:p>
+            <a:pPr marL="228600" lvl="0" indent="-228600" defTabSz="342900">
+              <a:lnSpc>
+                <a:spcPct val="120000"/>
+              </a:lnSpc>
+              <a:buFont typeface="Arial" panose="020B0604020202020204" pitchFamily="34" charset="0"/>
+              <a:buChar char="•"/>
+            </a:pPr>
+            <a:r>
+              <a:rPr lang="en-US" altLang="en-US" sz="1800" dirty="0">
+                <a:solidFill>
+                  <a:srgbClr val="262626"/>
+                </a:solidFill>
+              </a:rPr>
+              <a:t>1 </a:t>
+            </a:r>
+            <a:r>
+              <a:rPr lang="en-US" altLang="en-US" sz="1800" dirty="0">
+                <a:solidFill>
+                  <a:srgbClr val="262626"/>
+                </a:solidFill>
+                <a:sym typeface="+mn-ea"/>
+              </a:rPr>
+              <a:t>Hyperledger+Node</a:t>
+            </a:r>
+            <a:endParaRPr lang="en-US" altLang="en-US" sz="1800" dirty="0">
+              <a:solidFill>
+                <a:srgbClr val="262626"/>
+              </a:solidFill>
+            </a:endParaRPr>
+          </a:p>
+          <a:p>
+            <a:pPr marL="228600" lvl="0" indent="-228600" defTabSz="342900">
+              <a:lnSpc>
+                <a:spcPct val="120000"/>
+              </a:lnSpc>
+              <a:buFont typeface="Arial" panose="020B0604020202020204" pitchFamily="34" charset="0"/>
+              <a:buChar char="•"/>
+            </a:pPr>
+            <a:r>
+              <a:rPr lang="en-US" altLang="en-US" sz="1800" dirty="0">
+                <a:solidFill>
+                  <a:srgbClr val="262626"/>
+                </a:solidFill>
+              </a:rPr>
+              <a:t>Write a class with following constructor</a:t>
+            </a:r>
+            <a:endParaRPr lang="en-US" altLang="en-US" sz="1800" dirty="0">
+              <a:solidFill>
+                <a:srgbClr val="262626"/>
+              </a:solidFill>
+            </a:endParaRPr>
+          </a:p>
+          <a:p>
+            <a:pPr marL="228600" lvl="0" indent="-228600" defTabSz="342900">
+              <a:lnSpc>
+                <a:spcPct val="120000"/>
+              </a:lnSpc>
+              <a:buFont typeface="Arial" panose="020B0604020202020204" pitchFamily="34" charset="0"/>
+              <a:buChar char="•"/>
+            </a:pPr>
+            <a:r>
+              <a:rPr lang="en-US" altLang="en-US" sz="1800" dirty="0">
+                <a:solidFill>
+                  <a:srgbClr val="262626"/>
+                </a:solidFill>
+              </a:rPr>
+              <a:t>Class FabcarConnector(){</a:t>
+            </a:r>
+            <a:endParaRPr lang="en-US" altLang="en-US" sz="1800" dirty="0">
+              <a:solidFill>
+                <a:srgbClr val="262626"/>
+              </a:solidFill>
+            </a:endParaRPr>
+          </a:p>
+          <a:p>
+            <a:pPr marL="228600" lvl="0" indent="-228600" defTabSz="342900">
+              <a:lnSpc>
+                <a:spcPct val="120000"/>
+              </a:lnSpc>
+              <a:buFont typeface="Arial" panose="020B0604020202020204" pitchFamily="34" charset="0"/>
+              <a:buChar char="•"/>
+            </a:pPr>
+            <a:r>
+              <a:rPr lang="en-US" altLang="en-US" sz="1800" dirty="0">
+                <a:solidFill>
+                  <a:srgbClr val="262626"/>
+                </a:solidFill>
+              </a:rPr>
+              <a:t>constructor(){</a:t>
+            </a:r>
+            <a:endParaRPr lang="en-US" altLang="en-US" sz="1800" dirty="0">
+              <a:solidFill>
+                <a:srgbClr val="262626"/>
+              </a:solidFill>
+            </a:endParaRPr>
+          </a:p>
+          <a:p>
+            <a:pPr marL="228600" lvl="0" indent="-228600" defTabSz="342900">
+              <a:lnSpc>
+                <a:spcPct val="120000"/>
+              </a:lnSpc>
+              <a:buFont typeface="Arial" panose="020B0604020202020204" pitchFamily="34" charset="0"/>
+              <a:buChar char="•"/>
+            </a:pPr>
+            <a:r>
+              <a:rPr lang="en-US" altLang="en-US" sz="1800" dirty="0">
+                <a:solidFill>
+                  <a:srgbClr val="262626"/>
+                </a:solidFill>
+              </a:rPr>
+              <a:t>    xxxx</a:t>
+            </a:r>
+            <a:endParaRPr lang="en-US" altLang="en-US" sz="1800" dirty="0">
+              <a:solidFill>
+                <a:srgbClr val="262626"/>
+              </a:solidFill>
+            </a:endParaRPr>
+          </a:p>
+          <a:p>
+            <a:pPr marL="228600" lvl="0" indent="-228600" defTabSz="342900">
+              <a:lnSpc>
+                <a:spcPct val="120000"/>
+              </a:lnSpc>
+              <a:buFont typeface="Arial" panose="020B0604020202020204" pitchFamily="34" charset="0"/>
+              <a:buChar char="•"/>
+            </a:pPr>
+            <a:endParaRPr lang="en-US" altLang="en-US" sz="1800" dirty="0">
+              <a:solidFill>
+                <a:srgbClr val="262626"/>
+              </a:solidFill>
+            </a:endParaRPr>
+          </a:p>
+          <a:p>
+            <a:pPr marL="228600" lvl="0" indent="-228600" defTabSz="342900">
+              <a:lnSpc>
+                <a:spcPct val="120000"/>
+              </a:lnSpc>
+              <a:buFont typeface="Arial" panose="020B0604020202020204" pitchFamily="34" charset="0"/>
+              <a:buChar char="•"/>
+            </a:pPr>
+            <a:endParaRPr lang="en-US" altLang="en-US" sz="1800" dirty="0">
+              <a:solidFill>
+                <a:srgbClr val="262626"/>
+              </a:solidFill>
+            </a:endParaRPr>
+          </a:p>
+          <a:p>
+            <a:pPr marL="228600" lvl="0" indent="-228600" defTabSz="342900">
+              <a:lnSpc>
+                <a:spcPct val="120000"/>
+              </a:lnSpc>
+              <a:buFont typeface="Arial" panose="020B0604020202020204" pitchFamily="34" charset="0"/>
+              <a:buChar char="•"/>
+            </a:pPr>
+            <a:endParaRPr lang="en-US" altLang="en-US" sz="1800" dirty="0">
+              <a:solidFill>
+                <a:srgbClr val="262626"/>
+              </a:solidFill>
+            </a:endParaRPr>
+          </a:p>
+          <a:p>
+            <a:pPr marL="228600" lvl="0" indent="-228600" defTabSz="342900">
+              <a:lnSpc>
+                <a:spcPct val="120000"/>
+              </a:lnSpc>
+              <a:buFont typeface="Arial" panose="020B0604020202020204" pitchFamily="34" charset="0"/>
+              <a:buChar char="•"/>
+            </a:pPr>
+            <a:endParaRPr lang="en-US" altLang="en-US" sz="1800" dirty="0">
+              <a:solidFill>
+                <a:srgbClr val="262626"/>
+              </a:solidFill>
+            </a:endParaRPr>
+          </a:p>
+          <a:p>
+            <a:pPr marL="228600" lvl="0" indent="-228600" defTabSz="342900">
+              <a:lnSpc>
+                <a:spcPct val="120000"/>
+              </a:lnSpc>
+              <a:buFont typeface="Arial" panose="020B0604020202020204" pitchFamily="34" charset="0"/>
+              <a:buChar char="•"/>
+            </a:pPr>
+            <a:endParaRPr lang="en-US" altLang="en-US" sz="1800" dirty="0">
+              <a:solidFill>
+                <a:srgbClr val="262626"/>
+              </a:solidFill>
+            </a:endParaRPr>
+          </a:p>
+          <a:p>
+            <a:pPr marL="228600" lvl="0" indent="-228600" defTabSz="342900">
+              <a:lnSpc>
+                <a:spcPct val="120000"/>
+              </a:lnSpc>
+              <a:buFont typeface="Arial" panose="020B0604020202020204" pitchFamily="34" charset="0"/>
+              <a:buChar char="•"/>
+            </a:pPr>
+            <a:endParaRPr lang="en-US" altLang="en-US" sz="1800" dirty="0">
+              <a:solidFill>
+                <a:srgbClr val="262626"/>
+              </a:solidFill>
+            </a:endParaRPr>
+          </a:p>
+          <a:p>
+            <a:pPr marL="228600" lvl="0" indent="-228600" defTabSz="342900">
+              <a:lnSpc>
+                <a:spcPct val="120000"/>
+              </a:lnSpc>
+              <a:buFont typeface="Arial" panose="020B0604020202020204" pitchFamily="34" charset="0"/>
+              <a:buChar char="•"/>
+            </a:pPr>
+            <a:endParaRPr lang="en-US" altLang="en-US" sz="1800" dirty="0">
+              <a:solidFill>
+                <a:srgbClr val="262626"/>
+              </a:solidFill>
+            </a:endParaRPr>
+          </a:p>
+          <a:p>
+            <a:pPr marL="228600" lvl="0" indent="-228600" defTabSz="342900">
+              <a:lnSpc>
+                <a:spcPct val="120000"/>
+              </a:lnSpc>
+              <a:buFont typeface="Arial" panose="020B0604020202020204" pitchFamily="34" charset="0"/>
+              <a:buChar char="•"/>
+            </a:pPr>
+            <a:endParaRPr lang="en-US" altLang="en-US" sz="1800" dirty="0">
+              <a:solidFill>
+                <a:srgbClr val="262626"/>
+              </a:solidFill>
+            </a:endParaRPr>
+          </a:p>
+          <a:p>
+            <a:pPr marL="228600" lvl="0" indent="-228600" defTabSz="342900">
+              <a:lnSpc>
+                <a:spcPct val="120000"/>
+              </a:lnSpc>
+              <a:buFont typeface="Arial" panose="020B0604020202020204" pitchFamily="34" charset="0"/>
+              <a:buChar char="•"/>
+            </a:pPr>
+            <a:r>
+              <a:rPr lang="en-US" altLang="en-US" sz="1800" dirty="0">
+                <a:solidFill>
+                  <a:srgbClr val="262626"/>
+                </a:solidFill>
+              </a:rPr>
+              <a:t>}</a:t>
+            </a:r>
+            <a:endParaRPr lang="en-US" altLang="en-US" sz="1800" dirty="0">
+              <a:solidFill>
+                <a:srgbClr val="262626"/>
+              </a:solidFill>
+            </a:endParaRPr>
+          </a:p>
+          <a:p>
+            <a:pPr marL="228600" lvl="0" indent="-228600" defTabSz="342900">
+              <a:lnSpc>
+                <a:spcPct val="120000"/>
+              </a:lnSpc>
+              <a:buFont typeface="Arial" panose="020B0604020202020204" pitchFamily="34" charset="0"/>
+              <a:buChar char="•"/>
+            </a:pPr>
+            <a:endParaRPr lang="en-US" altLang="en-US" sz="1800" dirty="0">
+              <a:solidFill>
+                <a:srgbClr val="262626"/>
+              </a:solidFill>
+            </a:endParaRPr>
+          </a:p>
+          <a:p>
+            <a:pPr marL="228600" lvl="0" indent="-228600" defTabSz="342900">
+              <a:lnSpc>
+                <a:spcPct val="120000"/>
+              </a:lnSpc>
+              <a:buFont typeface="Arial" panose="020B0604020202020204" pitchFamily="34" charset="0"/>
+              <a:buChar char="•"/>
+            </a:pPr>
+            <a:endParaRPr lang="en-US" altLang="en-US" sz="1800" dirty="0">
+              <a:solidFill>
+                <a:srgbClr val="262626"/>
+              </a:solidFill>
+            </a:endParaRPr>
+          </a:p>
+          <a:p>
+            <a:pPr marL="228600" lvl="0" indent="-228600" defTabSz="342900">
+              <a:lnSpc>
+                <a:spcPct val="120000"/>
+              </a:lnSpc>
+              <a:buFont typeface="Arial" panose="020B0604020202020204" pitchFamily="34" charset="0"/>
+              <a:buChar char="•"/>
+            </a:pPr>
+            <a:endParaRPr lang="en-US" altLang="en-US" sz="1800" dirty="0">
+              <a:solidFill>
+                <a:srgbClr val="262626"/>
+              </a:solidFill>
+            </a:endParaRPr>
+          </a:p>
+          <a:p>
+            <a:pPr marL="228600" lvl="0" indent="-228600" defTabSz="342900">
+              <a:lnSpc>
+                <a:spcPct val="120000"/>
+              </a:lnSpc>
+              <a:buFont typeface="Arial" panose="020B0604020202020204" pitchFamily="34" charset="0"/>
+              <a:buChar char="•"/>
+            </a:pPr>
+            <a:endParaRPr lang="en-US" altLang="en-US" sz="1800" dirty="0">
+              <a:solidFill>
+                <a:srgbClr val="262626"/>
+              </a:solidFill>
+            </a:endParaRPr>
+          </a:p>
+          <a:p>
+            <a:pPr marL="228600" lvl="0" indent="-228600" defTabSz="342900">
+              <a:lnSpc>
+                <a:spcPct val="120000"/>
+              </a:lnSpc>
+              <a:buFont typeface="Arial" panose="020B0604020202020204" pitchFamily="34" charset="0"/>
+              <a:buChar char="•"/>
+            </a:pPr>
+            <a:endParaRPr lang="en-US" altLang="en-US" sz="1800" dirty="0">
+              <a:solidFill>
+                <a:srgbClr val="262626"/>
+              </a:solidFill>
+            </a:endParaRPr>
+          </a:p>
+          <a:p>
+            <a:pPr marL="228600" lvl="0" indent="-228600" defTabSz="342900">
+              <a:lnSpc>
+                <a:spcPct val="120000"/>
+              </a:lnSpc>
+              <a:buFont typeface="Arial" panose="020B0604020202020204" pitchFamily="34" charset="0"/>
+              <a:buChar char="•"/>
+            </a:pPr>
+            <a:endParaRPr lang="en-US" altLang="en-US" sz="1800" dirty="0">
+              <a:solidFill>
+                <a:srgbClr val="262626"/>
+              </a:solidFill>
+            </a:endParaRPr>
+          </a:p>
+        </p:txBody>
+      </p:sp>
+      <p:pic>
+        <p:nvPicPr>
+          <p:cNvPr id="6" name="图片 5"/>
+          <p:cNvPicPr>
+            <a:picLocks noChangeAspect="1"/>
+          </p:cNvPicPr>
+          <p:nvPr/>
+        </p:nvPicPr>
+        <p:blipFill>
+          <a:blip r:embed="rId1"/>
+          <a:stretch>
+            <a:fillRect/>
+          </a:stretch>
+        </p:blipFill>
+        <p:spPr>
+          <a:xfrm>
+            <a:off x="714375" y="2649220"/>
+            <a:ext cx="7800975" cy="3390900"/>
+          </a:xfrm>
+          <a:prstGeom prst="rect">
+            <a:avLst/>
+          </a:prstGeom>
+        </p:spPr>
+      </p:pic>
+    </p:spTree>
+  </p:cSld>
+  <p:clrMapOvr>
+    <a:masterClrMapping/>
+  </p:clrMapOvr>
+</p:sld>
+</file>
+
+<file path=ppt/slides/slide6.xml><?xml version="1.0" encoding="utf-8"?>
+<p:sld xmlns:a="http://schemas.openxmlformats.org/drawingml/2006/main" xmlns:r="http://schemas.openxmlformats.org/officeDocument/2006/relationships" xmlns:p="http://schemas.openxmlformats.org/presentationml/2006/main">
+  <p:cSld>
+    <p:spTree>
+      <p:nvGrpSpPr>
+        <p:cNvPr id="1" name=""/>
+        <p:cNvGrpSpPr/>
+        <p:nvPr/>
+      </p:nvGrpSpPr>
+      <p:grpSpPr>
+        <a:xfrm>
+          <a:off x="0" y="0"/>
+          <a:ext cx="0" cy="0"/>
+          <a:chOff x="0" y="0"/>
+          <a:chExt cx="0" cy="0"/>
+        </a:xfrm>
+      </p:grpSpPr>
+      <p:sp>
+        <p:nvSpPr>
+          <p:cNvPr id="2" name="Title 1"/>
+          <p:cNvSpPr>
+            <a:spLocks noGrp="1"/>
+          </p:cNvSpPr>
+          <p:nvPr>
+            <p:ph type="title"/>
+          </p:nvPr>
+        </p:nvSpPr>
+        <p:spPr>
+          <a:xfrm>
+            <a:off x="628650" y="155263"/>
+            <a:ext cx="7886700" cy="526790"/>
+          </a:xfrm>
+        </p:spPr>
+        <p:txBody>
+          <a:bodyPr>
+            <a:normAutofit fontScale="90000"/>
+          </a:bodyPr>
+          <a:lstStyle/>
+          <a:p>
+            <a:pPr algn="ctr"/>
+            <a:r>
+              <a:rPr lang="en-US" sz="3200" b="1" dirty="0">
+                <a:latin typeface="Calibri" panose="020F0502020204030204" pitchFamily="34" charset="0"/>
+                <a:cs typeface="Calibri" panose="020F0502020204030204" pitchFamily="34" charset="0"/>
+                <a:sym typeface="+mn-ea"/>
+              </a:rPr>
+              <a:t>Summarize technique implementation process</a:t>
+            </a:r>
+            <a:endParaRPr lang="en-US" sz="3200" b="1" dirty="0">
+              <a:latin typeface="Calibri" panose="020F0502020204030204" pitchFamily="34" charset="0"/>
+              <a:cs typeface="Calibri" panose="020F0502020204030204" pitchFamily="34" charset="0"/>
+            </a:endParaRPr>
+          </a:p>
+        </p:txBody>
+      </p:sp>
+      <p:sp>
+        <p:nvSpPr>
+          <p:cNvPr id="3" name="Content Placeholder 2"/>
+          <p:cNvSpPr>
+            <a:spLocks noGrp="1"/>
+          </p:cNvSpPr>
+          <p:nvPr>
+            <p:ph idx="1"/>
+          </p:nvPr>
+        </p:nvSpPr>
+        <p:spPr>
+          <a:xfrm>
+            <a:off x="628650" y="989044"/>
+            <a:ext cx="7886700" cy="5605719"/>
+          </a:xfrm>
+        </p:spPr>
+        <p:txBody>
+          <a:bodyPr>
+            <a:normAutofit lnSpcReduction="20000"/>
+          </a:bodyPr>
+          <a:lstStyle/>
+          <a:p>
+            <a:pPr marL="228600" lvl="0" indent="-228600" defTabSz="342900">
+              <a:lnSpc>
+                <a:spcPct val="120000"/>
+              </a:lnSpc>
+              <a:buFont typeface="Arial" panose="020B0604020202020204" pitchFamily="34" charset="0"/>
+              <a:buChar char="•"/>
+            </a:pPr>
+            <a:r>
+              <a:rPr lang="en-US" altLang="en-US" sz="1800" dirty="0">
+                <a:solidFill>
+                  <a:srgbClr val="262626"/>
+                </a:solidFill>
+              </a:rPr>
+              <a:t>1 </a:t>
+            </a:r>
+            <a:r>
+              <a:rPr lang="en-US" altLang="en-US" sz="1800" dirty="0">
+                <a:solidFill>
+                  <a:srgbClr val="262626"/>
+                </a:solidFill>
+                <a:sym typeface="+mn-ea"/>
+              </a:rPr>
+              <a:t>Hyperledger+Node</a:t>
+            </a:r>
+            <a:endParaRPr lang="en-US" altLang="en-US" sz="1800" dirty="0">
+              <a:solidFill>
+                <a:srgbClr val="262626"/>
+              </a:solidFill>
+            </a:endParaRPr>
+          </a:p>
+          <a:p>
+            <a:pPr marL="228600" lvl="0" indent="-228600" defTabSz="342900">
+              <a:lnSpc>
+                <a:spcPct val="120000"/>
+              </a:lnSpc>
+              <a:buFont typeface="Arial" panose="020B0604020202020204" pitchFamily="34" charset="0"/>
+              <a:buChar char="•"/>
+            </a:pPr>
+            <a:r>
+              <a:rPr lang="en-US" altLang="en-US" sz="1800" dirty="0">
+                <a:solidFill>
+                  <a:srgbClr val="262626"/>
+                </a:solidFill>
+              </a:rPr>
+              <a:t>Step 5: Passing data from database(chaincode) to controller to view</a:t>
+            </a:r>
+            <a:endParaRPr lang="en-US" altLang="en-US" sz="1800" dirty="0">
+              <a:solidFill>
+                <a:srgbClr val="262626"/>
+              </a:solidFill>
+            </a:endParaRPr>
+          </a:p>
+          <a:p>
+            <a:pPr marL="228600" lvl="0" indent="-228600" defTabSz="342900">
+              <a:lnSpc>
+                <a:spcPct val="120000"/>
+              </a:lnSpc>
+              <a:buFont typeface="Arial" panose="020B0604020202020204" pitchFamily="34" charset="0"/>
+              <a:buChar char="•"/>
+            </a:pPr>
+            <a:r>
+              <a:rPr lang="en-US" altLang="en-US" sz="1800" dirty="0">
+                <a:solidFill>
+                  <a:srgbClr val="262626"/>
+                </a:solidFill>
+              </a:rPr>
+              <a:t>Dashboard Controller</a:t>
+            </a:r>
+            <a:endParaRPr lang="en-US" altLang="en-US" sz="1800" dirty="0">
+              <a:solidFill>
+                <a:srgbClr val="262626"/>
+              </a:solidFill>
+            </a:endParaRPr>
+          </a:p>
+          <a:p>
+            <a:pPr marL="228600" lvl="0" indent="-228600" defTabSz="342900">
+              <a:lnSpc>
+                <a:spcPct val="120000"/>
+              </a:lnSpc>
+              <a:buFont typeface="Arial" panose="020B0604020202020204" pitchFamily="34" charset="0"/>
+              <a:buChar char="•"/>
+            </a:pPr>
+            <a:endParaRPr lang="en-US" altLang="en-US" sz="1800" dirty="0">
+              <a:solidFill>
+                <a:srgbClr val="262626"/>
+              </a:solidFill>
+            </a:endParaRPr>
+          </a:p>
+          <a:p>
+            <a:pPr marL="228600" lvl="0" indent="-228600" defTabSz="342900">
+              <a:lnSpc>
+                <a:spcPct val="120000"/>
+              </a:lnSpc>
+              <a:buFont typeface="Arial" panose="020B0604020202020204" pitchFamily="34" charset="0"/>
+              <a:buChar char="•"/>
+            </a:pPr>
+            <a:endParaRPr lang="en-US" altLang="en-US" sz="1800" dirty="0">
+              <a:solidFill>
+                <a:srgbClr val="262626"/>
+              </a:solidFill>
+            </a:endParaRPr>
+          </a:p>
+          <a:p>
+            <a:pPr marL="228600" lvl="0" indent="-228600" defTabSz="342900">
+              <a:lnSpc>
+                <a:spcPct val="120000"/>
+              </a:lnSpc>
+              <a:buFont typeface="Arial" panose="020B0604020202020204" pitchFamily="34" charset="0"/>
+              <a:buChar char="•"/>
+            </a:pPr>
+            <a:endParaRPr lang="en-US" altLang="en-US" sz="1800" dirty="0">
+              <a:solidFill>
+                <a:srgbClr val="262626"/>
+              </a:solidFill>
+            </a:endParaRPr>
+          </a:p>
+          <a:p>
+            <a:pPr marL="228600" lvl="0" indent="-228600" defTabSz="342900">
+              <a:lnSpc>
+                <a:spcPct val="120000"/>
+              </a:lnSpc>
+              <a:buFont typeface="Arial" panose="020B0604020202020204" pitchFamily="34" charset="0"/>
+              <a:buChar char="•"/>
+            </a:pPr>
+            <a:endParaRPr lang="en-US" altLang="en-US" sz="1800" dirty="0">
+              <a:solidFill>
+                <a:srgbClr val="262626"/>
+              </a:solidFill>
+            </a:endParaRPr>
+          </a:p>
+          <a:p>
+            <a:pPr marL="228600" lvl="0" indent="-228600" defTabSz="342900">
+              <a:lnSpc>
+                <a:spcPct val="120000"/>
+              </a:lnSpc>
+              <a:buFont typeface="Arial" panose="020B0604020202020204" pitchFamily="34" charset="0"/>
+              <a:buChar char="•"/>
+            </a:pPr>
+            <a:endParaRPr lang="en-US" altLang="en-US" sz="1800" dirty="0">
+              <a:solidFill>
+                <a:srgbClr val="262626"/>
+              </a:solidFill>
+            </a:endParaRPr>
+          </a:p>
+          <a:p>
+            <a:pPr marL="0" lvl="0" indent="0" defTabSz="342900">
+              <a:lnSpc>
+                <a:spcPct val="120000"/>
+              </a:lnSpc>
+              <a:buFont typeface="Arial" panose="020B0604020202020204" pitchFamily="34" charset="0"/>
+              <a:buNone/>
+            </a:pPr>
+            <a:endParaRPr lang="en-US" altLang="en-US" sz="1800" dirty="0">
+              <a:solidFill>
+                <a:srgbClr val="262626"/>
+              </a:solidFill>
+            </a:endParaRPr>
+          </a:p>
+          <a:p>
+            <a:pPr marL="228600" lvl="0" indent="-228600" defTabSz="342900">
+              <a:lnSpc>
+                <a:spcPct val="120000"/>
+              </a:lnSpc>
+              <a:buFont typeface="Arial" panose="020B0604020202020204" pitchFamily="34" charset="0"/>
+              <a:buChar char="•"/>
+            </a:pPr>
+            <a:endParaRPr lang="en-US" altLang="en-US" sz="1800" dirty="0">
+              <a:solidFill>
+                <a:srgbClr val="262626"/>
+              </a:solidFill>
+            </a:endParaRPr>
+          </a:p>
+          <a:p>
+            <a:pPr marL="228600" lvl="0" indent="-228600" defTabSz="342900">
+              <a:lnSpc>
+                <a:spcPct val="120000"/>
+              </a:lnSpc>
+              <a:buFont typeface="Arial" panose="020B0604020202020204" pitchFamily="34" charset="0"/>
+              <a:buChar char="•"/>
+            </a:pPr>
+            <a:endParaRPr lang="en-US" altLang="en-US" sz="1800" dirty="0">
+              <a:solidFill>
+                <a:srgbClr val="262626"/>
+              </a:solidFill>
+            </a:endParaRPr>
+          </a:p>
+          <a:p>
+            <a:pPr marL="228600" lvl="0" indent="-228600" defTabSz="342900">
+              <a:lnSpc>
+                <a:spcPct val="120000"/>
+              </a:lnSpc>
+              <a:buFont typeface="Arial" panose="020B0604020202020204" pitchFamily="34" charset="0"/>
+              <a:buChar char="•"/>
+            </a:pPr>
+            <a:r>
+              <a:rPr lang="en-US" altLang="en-US" sz="1800" dirty="0">
+                <a:solidFill>
+                  <a:srgbClr val="262626"/>
+                </a:solidFill>
+              </a:rPr>
+              <a:t>jwt_token Replaced by result</a:t>
+            </a:r>
+            <a:endParaRPr lang="en-US" altLang="en-US" sz="1800" dirty="0">
+              <a:solidFill>
+                <a:srgbClr val="262626"/>
+              </a:solidFill>
+            </a:endParaRPr>
+          </a:p>
+          <a:p>
+            <a:pPr marL="228600" lvl="0" indent="-228600" defTabSz="342900">
+              <a:lnSpc>
+                <a:spcPct val="120000"/>
+              </a:lnSpc>
+              <a:buFont typeface="Arial" panose="020B0604020202020204" pitchFamily="34" charset="0"/>
+              <a:buChar char="•"/>
+            </a:pPr>
+            <a:endParaRPr lang="en-US" altLang="en-US" sz="1800" dirty="0">
+              <a:solidFill>
+                <a:srgbClr val="262626"/>
+              </a:solidFill>
+            </a:endParaRPr>
+          </a:p>
+          <a:p>
+            <a:pPr marL="228600" lvl="0" indent="-228600" defTabSz="342900">
+              <a:lnSpc>
+                <a:spcPct val="120000"/>
+              </a:lnSpc>
+              <a:buFont typeface="Arial" panose="020B0604020202020204" pitchFamily="34" charset="0"/>
+              <a:buChar char="•"/>
+            </a:pPr>
+            <a:endParaRPr lang="en-US" altLang="en-US" sz="1800" dirty="0">
+              <a:solidFill>
+                <a:srgbClr val="262626"/>
+              </a:solidFill>
+            </a:endParaRPr>
+          </a:p>
+          <a:p>
+            <a:pPr marL="228600" lvl="0" indent="-228600" defTabSz="342900">
+              <a:lnSpc>
+                <a:spcPct val="120000"/>
+              </a:lnSpc>
+              <a:buFont typeface="Arial" panose="020B0604020202020204" pitchFamily="34" charset="0"/>
+              <a:buChar char="•"/>
+            </a:pPr>
+            <a:endParaRPr lang="en-US" altLang="en-US" sz="1800" dirty="0">
+              <a:solidFill>
+                <a:srgbClr val="262626"/>
+              </a:solidFill>
+            </a:endParaRPr>
+          </a:p>
+          <a:p>
+            <a:pPr marL="228600" lvl="0" indent="-228600" defTabSz="342900">
+              <a:lnSpc>
+                <a:spcPct val="120000"/>
+              </a:lnSpc>
+              <a:buFont typeface="Arial" panose="020B0604020202020204" pitchFamily="34" charset="0"/>
+              <a:buChar char="•"/>
+            </a:pPr>
+            <a:endParaRPr lang="en-US" altLang="en-US" sz="1800" dirty="0">
+              <a:solidFill>
+                <a:srgbClr val="262626"/>
+              </a:solidFill>
+            </a:endParaRPr>
+          </a:p>
+        </p:txBody>
+      </p:sp>
+      <p:pic>
+        <p:nvPicPr>
+          <p:cNvPr id="5" name="图片 4"/>
+          <p:cNvPicPr>
+            <a:picLocks noChangeAspect="1"/>
+          </p:cNvPicPr>
+          <p:nvPr/>
+        </p:nvPicPr>
+        <p:blipFill>
+          <a:blip r:embed="rId1"/>
+          <a:stretch>
+            <a:fillRect/>
+          </a:stretch>
+        </p:blipFill>
+        <p:spPr>
+          <a:xfrm>
+            <a:off x="628650" y="2444115"/>
+            <a:ext cx="6200775" cy="2695575"/>
+          </a:xfrm>
+          <a:prstGeom prst="rect">
+            <a:avLst/>
+          </a:prstGeom>
+        </p:spPr>
+      </p:pic>
+      <p:pic>
+        <p:nvPicPr>
+          <p:cNvPr id="7" name="图片 6"/>
+          <p:cNvPicPr>
+            <a:picLocks noChangeAspect="1"/>
+          </p:cNvPicPr>
+          <p:nvPr/>
+        </p:nvPicPr>
+        <p:blipFill>
+          <a:blip r:embed="rId2"/>
+          <a:stretch>
+            <a:fillRect/>
+          </a:stretch>
+        </p:blipFill>
+        <p:spPr>
+          <a:xfrm>
+            <a:off x="628650" y="5874385"/>
+            <a:ext cx="7579995" cy="720725"/>
+          </a:xfrm>
+          <a:prstGeom prst="rect">
+            <a:avLst/>
+          </a:prstGeom>
+        </p:spPr>
+      </p:pic>
+    </p:spTree>
+  </p:cSld>
+  <p:clrMapOvr>
+    <a:masterClrMapping/>
+  </p:clrMapOvr>
+</p:sld>
+</file>
+
+<file path=ppt/slides/slide7.xml><?xml version="1.0" encoding="utf-8"?>
+<p:sld xmlns:a="http://schemas.openxmlformats.org/drawingml/2006/main" xmlns:r="http://schemas.openxmlformats.org/officeDocument/2006/relationships" xmlns:p="http://schemas.openxmlformats.org/presentationml/2006/main">
+  <p:cSld>
+    <p:spTree>
+      <p:nvGrpSpPr>
+        <p:cNvPr id="1" name=""/>
+        <p:cNvGrpSpPr/>
+        <p:nvPr/>
+      </p:nvGrpSpPr>
+      <p:grpSpPr>
+        <a:xfrm>
+          <a:off x="0" y="0"/>
+          <a:ext cx="0" cy="0"/>
+          <a:chOff x="0" y="0"/>
+          <a:chExt cx="0" cy="0"/>
+        </a:xfrm>
+      </p:grpSpPr>
+      <p:sp>
+        <p:nvSpPr>
+          <p:cNvPr id="2" name="Title 1"/>
+          <p:cNvSpPr>
+            <a:spLocks noGrp="1"/>
+          </p:cNvSpPr>
+          <p:nvPr>
+            <p:ph type="title"/>
+          </p:nvPr>
+        </p:nvSpPr>
+        <p:spPr>
+          <a:xfrm>
+            <a:off x="628650" y="155263"/>
+            <a:ext cx="7886700" cy="526790"/>
+          </a:xfrm>
+        </p:spPr>
+        <p:txBody>
+          <a:bodyPr>
+            <a:normAutofit fontScale="90000"/>
+          </a:bodyPr>
+          <a:lstStyle/>
+          <a:p>
+            <a:pPr algn="ctr"/>
+            <a:r>
+              <a:rPr lang="en-US" sz="3200" b="1" dirty="0">
+                <a:latin typeface="Calibri" panose="020F0502020204030204" pitchFamily="34" charset="0"/>
+                <a:cs typeface="Calibri" panose="020F0502020204030204" pitchFamily="34" charset="0"/>
+                <a:sym typeface="+mn-ea"/>
+              </a:rPr>
+              <a:t>Summarize technique implementation process</a:t>
+            </a:r>
+            <a:endParaRPr lang="en-US" sz="3200" b="1" dirty="0">
+              <a:latin typeface="Calibri" panose="020F0502020204030204" pitchFamily="34" charset="0"/>
+              <a:cs typeface="Calibri" panose="020F0502020204030204" pitchFamily="34" charset="0"/>
+            </a:endParaRPr>
+          </a:p>
+        </p:txBody>
+      </p:sp>
+      <p:sp>
+        <p:nvSpPr>
+          <p:cNvPr id="3" name="Content Placeholder 2"/>
+          <p:cNvSpPr>
+            <a:spLocks noGrp="1"/>
+          </p:cNvSpPr>
+          <p:nvPr>
+            <p:ph idx="1"/>
+          </p:nvPr>
+        </p:nvSpPr>
+        <p:spPr>
+          <a:xfrm>
+            <a:off x="628650" y="989044"/>
+            <a:ext cx="7886700" cy="5605719"/>
+          </a:xfrm>
+        </p:spPr>
+        <p:txBody>
+          <a:bodyPr>
+            <a:normAutofit/>
+          </a:bodyPr>
+          <a:lstStyle/>
+          <a:p>
+            <a:pPr marL="228600" lvl="0" indent="-228600" defTabSz="342900">
+              <a:lnSpc>
+                <a:spcPct val="120000"/>
+              </a:lnSpc>
+              <a:buFont typeface="Arial" panose="020B0604020202020204" pitchFamily="34" charset="0"/>
+              <a:buChar char="•"/>
+            </a:pPr>
+            <a:r>
+              <a:rPr lang="en-US" altLang="en-US" sz="1800" dirty="0">
+                <a:solidFill>
+                  <a:srgbClr val="262626"/>
+                </a:solidFill>
+              </a:rPr>
+              <a:t>2 Hyperledger + React</a:t>
+            </a:r>
+            <a:endParaRPr lang="en-US" altLang="en-US" sz="1800" dirty="0">
+              <a:solidFill>
+                <a:srgbClr val="262626"/>
+              </a:solidFill>
+            </a:endParaRPr>
+          </a:p>
+          <a:p>
+            <a:pPr marL="228600" lvl="0" indent="-228600" defTabSz="342900">
+              <a:lnSpc>
+                <a:spcPct val="120000"/>
+              </a:lnSpc>
+              <a:buFont typeface="Arial" panose="020B0604020202020204" pitchFamily="34" charset="0"/>
+              <a:buChar char="•"/>
+            </a:pPr>
+            <a:r>
+              <a:rPr lang="en-US" altLang="en-US" sz="1800" dirty="0">
+                <a:solidFill>
+                  <a:srgbClr val="262626"/>
+                </a:solidFill>
+              </a:rPr>
+              <a:t>Step 4: Add Faricconnetor Service</a:t>
+            </a:r>
+            <a:endParaRPr lang="en-US" altLang="en-US" sz="1800" dirty="0">
+              <a:solidFill>
+                <a:srgbClr val="262626"/>
+              </a:solidFill>
+            </a:endParaRPr>
+          </a:p>
+          <a:p>
+            <a:pPr marL="228600" lvl="0" indent="-228600" defTabSz="342900">
+              <a:lnSpc>
+                <a:spcPct val="120000"/>
+              </a:lnSpc>
+              <a:buFont typeface="Arial" panose="020B0604020202020204" pitchFamily="34" charset="0"/>
+              <a:buChar char="•"/>
+            </a:pPr>
+            <a:endParaRPr lang="en-US" altLang="en-US" sz="1800" dirty="0">
+              <a:solidFill>
+                <a:srgbClr val="262626"/>
+              </a:solidFill>
+            </a:endParaRPr>
+          </a:p>
+          <a:p>
+            <a:pPr marL="228600" lvl="0" indent="-228600" defTabSz="342900">
+              <a:lnSpc>
+                <a:spcPct val="120000"/>
+              </a:lnSpc>
+              <a:buFont typeface="Arial" panose="020B0604020202020204" pitchFamily="34" charset="0"/>
+              <a:buChar char="•"/>
+            </a:pPr>
+            <a:endParaRPr lang="en-US" altLang="en-US" sz="1800" dirty="0">
+              <a:solidFill>
+                <a:srgbClr val="262626"/>
+              </a:solidFill>
+            </a:endParaRPr>
+          </a:p>
+          <a:p>
+            <a:pPr marL="228600" lvl="0" indent="-228600" defTabSz="342900">
+              <a:lnSpc>
+                <a:spcPct val="120000"/>
+              </a:lnSpc>
+              <a:buFont typeface="Arial" panose="020B0604020202020204" pitchFamily="34" charset="0"/>
+              <a:buChar char="•"/>
+            </a:pPr>
+            <a:endParaRPr lang="en-US" altLang="en-US" sz="1800" dirty="0">
+              <a:solidFill>
+                <a:srgbClr val="262626"/>
+              </a:solidFill>
+            </a:endParaRPr>
+          </a:p>
+          <a:p>
+            <a:pPr marL="228600" lvl="0" indent="-228600" defTabSz="342900">
+              <a:lnSpc>
+                <a:spcPct val="120000"/>
+              </a:lnSpc>
+              <a:buFont typeface="Arial" panose="020B0604020202020204" pitchFamily="34" charset="0"/>
+              <a:buChar char="•"/>
+            </a:pPr>
+            <a:endParaRPr lang="en-US" altLang="en-US" sz="1800" dirty="0">
+              <a:solidFill>
+                <a:srgbClr val="262626"/>
+              </a:solidFill>
+            </a:endParaRPr>
+          </a:p>
+          <a:p>
+            <a:pPr marL="228600" lvl="0" indent="-228600" defTabSz="342900">
+              <a:lnSpc>
+                <a:spcPct val="120000"/>
+              </a:lnSpc>
+              <a:buFont typeface="Arial" panose="020B0604020202020204" pitchFamily="34" charset="0"/>
+              <a:buChar char="•"/>
+            </a:pPr>
+            <a:endParaRPr lang="en-US" altLang="en-US" sz="1800" dirty="0">
+              <a:solidFill>
+                <a:srgbClr val="262626"/>
+              </a:solidFill>
+            </a:endParaRPr>
+          </a:p>
+        </p:txBody>
+      </p:sp>
+      <p:pic>
+        <p:nvPicPr>
+          <p:cNvPr id="7" name="图片 6"/>
+          <p:cNvPicPr>
+            <a:picLocks noChangeAspect="1"/>
+          </p:cNvPicPr>
+          <p:nvPr/>
+        </p:nvPicPr>
+        <p:blipFill>
+          <a:blip r:embed="rId1"/>
+          <a:stretch>
+            <a:fillRect/>
+          </a:stretch>
+        </p:blipFill>
+        <p:spPr>
+          <a:xfrm>
+            <a:off x="628650" y="2092325"/>
+            <a:ext cx="3464560" cy="4733925"/>
+          </a:xfrm>
+          <a:prstGeom prst="rect">
+            <a:avLst/>
+          </a:prstGeom>
+        </p:spPr>
+      </p:pic>
+    </p:spTree>
+  </p:cSld>
+  <p:clrMapOvr>
+    <a:masterClrMapping/>
+  </p:clrMapOvr>
+</p:sld>
+</file>
+
 <file path=ppt/slides/slide8.xml><?xml version="1.0" encoding="utf-8"?>
 <p:sld xmlns:a="http://schemas.openxmlformats.org/drawingml/2006/main" xmlns:r="http://schemas.openxmlformats.org/officeDocument/2006/relationships" xmlns:p="http://schemas.openxmlformats.org/presentationml/2006/main">
   <p:cSld>
@@ -11672,8 +15609,9 @@
               <a:rPr lang="en-US" sz="3200" b="1" dirty="0">
                 <a:latin typeface="Calibri" panose="020F0502020204030204" pitchFamily="34" charset="0"/>
                 <a:cs typeface="Calibri" panose="020F0502020204030204" pitchFamily="34" charset="0"/>
-              </a:rPr>
-              <a:t>Context</a:t>
+                <a:sym typeface="+mn-ea"/>
+              </a:rPr>
+              <a:t>Summarize technique implementation process</a:t>
             </a:r>
             <a:endParaRPr lang="en-US" sz="3200" b="1" dirty="0">
               <a:latin typeface="Calibri" panose="020F0502020204030204" pitchFamily="34" charset="0"/>
@@ -11717,7 +15655,7 @@
                   <a:srgbClr val="262626"/>
                 </a:solidFill>
               </a:rPr>
-              <a:t>Add currentUserContext</a:t>
+              <a:t>2 Hyperledger + React</a:t>
             </a:r>
             <a:endParaRPr lang="en-US" altLang="en-US" sz="1800" dirty="0">
               <a:solidFill>
@@ -11739,8 +15677,50 @@
                   <a:srgbClr val="262626"/>
                 </a:solidFill>
               </a:rPr>
-              <a:t>Step 1: Create provider:</a:t>
-            </a:r>
+              <a:t>Step 5: Use the connector </a:t>
+            </a:r>
+            <a:endParaRPr lang="en-US" altLang="en-US" sz="1800" dirty="0">
+              <a:solidFill>
+                <a:srgbClr val="262626"/>
+              </a:solidFill>
+            </a:endParaRPr>
+          </a:p>
+          <a:p>
+            <a:pPr marL="228600" lvl="0" indent="-228600" defTabSz="342900">
+              <a:lnSpc>
+                <a:spcPct val="120000"/>
+              </a:lnSpc>
+              <a:buFont typeface="Arial" panose="020B0604020202020204" pitchFamily="34" charset="0"/>
+              <a:buChar char="•"/>
+            </a:pPr>
+            <a:endParaRPr lang="en-US" altLang="en-US" sz="1800" dirty="0">
+              <a:solidFill>
+                <a:srgbClr val="262626"/>
+              </a:solidFill>
+            </a:endParaRPr>
+          </a:p>
+          <a:p>
+            <a:pPr marL="228600" lvl="0" indent="-228600" defTabSz="342900">
+              <a:lnSpc>
+                <a:spcPct val="120000"/>
+              </a:lnSpc>
+              <a:buFont typeface="Arial" panose="020B0604020202020204" pitchFamily="34" charset="0"/>
+              <a:buChar char="•"/>
+            </a:pPr>
+            <a:endParaRPr lang="en-US" altLang="en-US" sz="1800" dirty="0">
+              <a:solidFill>
+                <a:srgbClr val="262626"/>
+              </a:solidFill>
+            </a:endParaRPr>
+          </a:p>
+          <a:p>
+            <a:pPr marL="228600" lvl="0" indent="-228600" defTabSz="342900">
+              <a:lnSpc>
+                <a:spcPct val="120000"/>
+              </a:lnSpc>
+              <a:buFont typeface="Arial" panose="020B0604020202020204" pitchFamily="34" charset="0"/>
+              <a:buChar char="•"/>
+            </a:pPr>
             <a:endParaRPr lang="en-US" altLang="en-US" sz="1800" dirty="0">
               <a:solidFill>
                 <a:srgbClr val="262626"/>
@@ -11761,22 +15741,8 @@
                   <a:srgbClr val="262626"/>
                 </a:solidFill>
               </a:rPr>
-              <a:t>create context, create state variables, create provider</a:t>
-            </a:r>
-            <a:endParaRPr lang="en-US" altLang="en-US" sz="1800" dirty="0">
-              <a:solidFill>
-                <a:srgbClr val="262626"/>
-              </a:solidFill>
-            </a:endParaRPr>
-          </a:p>
-          <a:p>
-            <a:pPr marL="228600" lvl="0" indent="-228600" defTabSz="342900">
-              <a:lnSpc>
-                <a:spcPct val="120000"/>
-              </a:lnSpc>
-              <a:buFont typeface="Arial" panose="020B0604020202020204" pitchFamily="34" charset="0"/>
-              <a:buChar char="•"/>
-            </a:pPr>
+              <a:t>Replace AuthService with the above code, but store data in this.state</a:t>
+            </a:r>
             <a:endParaRPr lang="en-US" altLang="en-US" sz="1800" dirty="0">
               <a:solidFill>
                 <a:srgbClr val="262626"/>
@@ -11787,7 +15753,7 @@
       </p:sp>
       <p:pic>
         <p:nvPicPr>
-          <p:cNvPr id="5" name="图片 4"/>
+          <p:cNvPr id="4" name="图片 3"/>
           <p:cNvPicPr>
             <a:picLocks noChangeAspect="1"/>
           </p:cNvPicPr>
@@ -11801,8 +15767,32 @@
         </p:blipFill>
         <p:spPr>
           <a:xfrm>
-            <a:off x="628650" y="2705735"/>
-            <a:ext cx="6124575" cy="3524250"/>
+            <a:off x="628650" y="3874135"/>
+            <a:ext cx="2952750" cy="2847975"/>
+          </a:xfrm>
+          <a:prstGeom prst="rect">
+            <a:avLst/>
+          </a:prstGeom>
+        </p:spPr>
+      </p:pic>
+      <p:pic>
+        <p:nvPicPr>
+          <p:cNvPr id="6" name="图片 5"/>
+          <p:cNvPicPr>
+            <a:picLocks noChangeAspect="1"/>
+          </p:cNvPicPr>
+          <p:nvPr/>
+        </p:nvPicPr>
+        <p:blipFill>
+          <a:blip r:embed="rId2"/>
+          <a:stretch>
+            <a:fillRect/>
+          </a:stretch>
+        </p:blipFill>
+        <p:spPr>
+          <a:xfrm>
+            <a:off x="628650" y="2304415"/>
+            <a:ext cx="7579995" cy="720725"/>
           </a:xfrm>
           <a:prstGeom prst="rect">
             <a:avLst/>
@@ -11861,8 +15851,9 @@
               <a:rPr lang="en-US" sz="3200" b="1" dirty="0">
                 <a:latin typeface="Calibri" panose="020F0502020204030204" pitchFamily="34" charset="0"/>
                 <a:cs typeface="Calibri" panose="020F0502020204030204" pitchFamily="34" charset="0"/>
-              </a:rPr>
-              <a:t>Context</a:t>
+                <a:sym typeface="+mn-ea"/>
+              </a:rPr>
+              <a:t>Summarize technique implementation process</a:t>
             </a:r>
             <a:endParaRPr lang="en-US" sz="3200" b="1" dirty="0">
               <a:latin typeface="Calibri" panose="020F0502020204030204" pitchFamily="34" charset="0"/>
@@ -11906,7 +15897,7 @@
                   <a:srgbClr val="262626"/>
                 </a:solidFill>
               </a:rPr>
-              <a:t>Add currentUserContext</a:t>
+              <a:t>3 Reactjs invokes functions (Events Driven)</a:t>
             </a:r>
             <a:endParaRPr lang="en-US" altLang="en-US" sz="1800" dirty="0">
               <a:solidFill>
@@ -11928,78 +15919,8 @@
                   <a:srgbClr val="262626"/>
                 </a:solidFill>
               </a:rPr>
-              <a:t>Step 2: Add Wrapper</a:t>
-            </a:r>
-            <a:endParaRPr lang="en-US" altLang="en-US" sz="1800" dirty="0">
-              <a:solidFill>
-                <a:srgbClr val="262626"/>
-              </a:solidFill>
-            </a:endParaRPr>
-          </a:p>
-          <a:p>
-            <a:pPr marL="228600" lvl="0" indent="-228600" defTabSz="342900">
-              <a:lnSpc>
-                <a:spcPct val="120000"/>
-              </a:lnSpc>
-              <a:buFont typeface="Arial" panose="020B0604020202020204" pitchFamily="34" charset="0"/>
-              <a:buChar char="•"/>
-            </a:pPr>
-            <a:endParaRPr lang="en-US" altLang="en-US" sz="1800" dirty="0">
-              <a:solidFill>
-                <a:srgbClr val="262626"/>
-              </a:solidFill>
-            </a:endParaRPr>
-          </a:p>
-          <a:p>
-            <a:pPr marL="228600" lvl="0" indent="-228600" defTabSz="342900">
-              <a:lnSpc>
-                <a:spcPct val="120000"/>
-              </a:lnSpc>
-              <a:buFont typeface="Arial" panose="020B0604020202020204" pitchFamily="34" charset="0"/>
-              <a:buChar char="•"/>
-            </a:pPr>
-            <a:endParaRPr lang="en-US" altLang="en-US" sz="1800" dirty="0">
-              <a:solidFill>
-                <a:srgbClr val="262626"/>
-              </a:solidFill>
-            </a:endParaRPr>
-          </a:p>
-          <a:p>
-            <a:pPr marL="228600" lvl="0" indent="-228600" defTabSz="342900">
-              <a:lnSpc>
-                <a:spcPct val="120000"/>
-              </a:lnSpc>
-              <a:buFont typeface="Arial" panose="020B0604020202020204" pitchFamily="34" charset="0"/>
-              <a:buChar char="•"/>
-            </a:pPr>
-            <a:endParaRPr lang="en-US" altLang="en-US" sz="1800" dirty="0">
-              <a:solidFill>
-                <a:srgbClr val="262626"/>
-              </a:solidFill>
-            </a:endParaRPr>
-          </a:p>
-          <a:p>
-            <a:pPr marL="228600" lvl="0" indent="-228600" defTabSz="342900">
-              <a:lnSpc>
-                <a:spcPct val="120000"/>
-              </a:lnSpc>
-              <a:buFont typeface="Arial" panose="020B0604020202020204" pitchFamily="34" charset="0"/>
-              <a:buChar char="•"/>
-            </a:pPr>
-            <a:endParaRPr lang="en-US" altLang="en-US" sz="1800" dirty="0">
-              <a:solidFill>
-                <a:srgbClr val="262626"/>
-              </a:solidFill>
-            </a:endParaRPr>
-          </a:p>
-          <a:p>
-            <a:pPr marL="228600" lvl="0" indent="-228600" defTabSz="342900">
-              <a:lnSpc>
-                <a:spcPct val="120000"/>
-              </a:lnSpc>
-              <a:buFont typeface="Arial" panose="020B0604020202020204" pitchFamily="34" charset="0"/>
-              <a:buChar char="•"/>
-            </a:pPr>
+              <a:t>Step 1:  Write Html, and add buttons or links or Forms (Interaction)</a:t>
+            </a:r>
             <a:endParaRPr lang="en-US" altLang="en-US" sz="1800" dirty="0">
               <a:solidFill>
                 <a:srgbClr val="262626"/>
@@ -12020,22 +15941,30 @@
                   <a:srgbClr val="262626"/>
                 </a:solidFill>
               </a:rPr>
-              <a:t>Step 3 Implement Context</a:t>
-            </a:r>
-            <a:endParaRPr lang="en-US" altLang="en-US" sz="1800" dirty="0">
-              <a:solidFill>
-                <a:srgbClr val="262626"/>
-              </a:solidFill>
-            </a:endParaRPr>
-          </a:p>
-          <a:p>
-            <a:pPr marL="228600" lvl="0" indent="-228600" defTabSz="342900">
-              <a:lnSpc>
-                <a:spcPct val="120000"/>
-              </a:lnSpc>
-              <a:buFont typeface="Arial" panose="020B0604020202020204" pitchFamily="34" charset="0"/>
-              <a:buChar char="•"/>
-            </a:pPr>
+              <a:t>Step 2: add onClick / onChange / onSubmit in the html tag to invoke the function</a:t>
+            </a:r>
+            <a:endParaRPr lang="en-US" altLang="en-US" sz="1800" dirty="0">
+              <a:solidFill>
+                <a:srgbClr val="262626"/>
+              </a:solidFill>
+            </a:endParaRPr>
+          </a:p>
+          <a:p>
+            <a:pPr marL="228600" lvl="0" indent="-228600" defTabSz="342900">
+              <a:lnSpc>
+                <a:spcPct val="120000"/>
+              </a:lnSpc>
+              <a:buFont typeface="Arial" panose="020B0604020202020204" pitchFamily="34" charset="0"/>
+              <a:buChar char="•"/>
+            </a:pPr>
+            <a:r>
+              <a:rPr lang="en-US" altLang="en-US" sz="1800" dirty="0">
+                <a:solidFill>
+                  <a:srgbClr val="262626"/>
+                </a:solidFill>
+              </a:rPr>
+              <a:t>Step 3: Write Specific Logic</a:t>
+            </a:r>
             <a:endParaRPr lang="en-US" altLang="en-US" sz="1800" dirty="0">
               <a:solidFill>
                 <a:srgbClr val="262626"/>
@@ -12116,7 +16045,7 @@
       </p:sp>
       <p:pic>
         <p:nvPicPr>
-          <p:cNvPr id="4" name="图片 3"/>
+          <p:cNvPr id="5" name="图片 4"/>
           <p:cNvPicPr>
             <a:picLocks noChangeAspect="1"/>
           </p:cNvPicPr>
@@ -12130,8 +16059,8 @@
         </p:blipFill>
         <p:spPr>
           <a:xfrm>
-            <a:off x="628650" y="4664075"/>
-            <a:ext cx="6817995" cy="2044065"/>
+            <a:off x="628650" y="4852035"/>
+            <a:ext cx="3009900" cy="1838325"/>
           </a:xfrm>
           <a:prstGeom prst="rect">
             <a:avLst/>
@@ -12140,7 +16069,7 @@
       </p:pic>
       <p:pic>
         <p:nvPicPr>
-          <p:cNvPr id="6" name="图片 5"/>
+          <p:cNvPr id="7" name="图片 6"/>
           <p:cNvPicPr>
             <a:picLocks noChangeAspect="1"/>
           </p:cNvPicPr>
@@ -12154,8 +16083,8 @@
         </p:blipFill>
         <p:spPr>
           <a:xfrm>
-            <a:off x="628650" y="1997710"/>
-            <a:ext cx="4112895" cy="1953895"/>
+            <a:off x="628650" y="3002280"/>
+            <a:ext cx="6238875" cy="1609725"/>
           </a:xfrm>
           <a:prstGeom prst="rect">
             <a:avLst/>

--- a/BCI - Day13 - Reactjs 2 Web3.pptx
+++ b/BCI - Day13 - Reactjs 2 Web3.pptx
@@ -7709,7 +7709,7 @@
                   <a:srgbClr val="262626"/>
                 </a:solidFill>
               </a:rPr>
-              <a:t>Backend side:</a:t>
+              <a:t>Backend/ntend side:</a:t>
             </a:r>
             <a:endParaRPr lang="zh-CN" altLang="en-US" sz="1800" dirty="0">
               <a:solidFill>
@@ -9727,13 +9727,15 @@
               <a:buChar char="•"/>
             </a:pPr>
             <a:r>
-              <a:rPr lang="en-US" dirty="0"/>
-              <a:t>Router Design</a:t>
+              <a:rPr lang="en-US" dirty="0">
+                <a:sym typeface="+mn-ea"/>
+              </a:rPr>
+              <a:t>Summarize technique implementation process: </a:t>
             </a:r>
             <a:endParaRPr lang="en-US" dirty="0"/>
           </a:p>
           <a:p>
-            <a:pPr marL="171450" lvl="0" indent="-171450" fontAlgn="auto">
+            <a:pPr marL="628650" lvl="1" indent="-171450" fontAlgn="auto">
               <a:lnSpc>
                 <a:spcPct val="200000"/>
               </a:lnSpc>
@@ -9744,8 +9746,10 @@
               <a:buChar char="•"/>
             </a:pPr>
             <a:r>
-              <a:rPr lang="en-US" dirty="0"/>
-              <a:t>Links and History</a:t>
+              <a:rPr lang="en-US" dirty="0">
+                <a:sym typeface="+mn-ea"/>
+              </a:rPr>
+              <a:t>Hyperledger Dapp+ChainCode, React Logic, JWT</a:t>
             </a:r>
             <a:endParaRPr lang="en-US" dirty="0"/>
           </a:p>
@@ -9762,7 +9766,7 @@
             </a:pPr>
             <a:r>
               <a:rPr lang="en-US" dirty="0"/>
-              <a:t>Context</a:t>
+              <a:t>Router Design</a:t>
             </a:r>
             <a:endParaRPr lang="en-US" dirty="0"/>
           </a:p>
@@ -9779,27 +9783,7 @@
             </a:pPr>
             <a:r>
               <a:rPr lang="en-US" dirty="0"/>
-              <a:t>Change </a:t>
-            </a:r>
-            <a:r>
-              <a:rPr lang="en-US" dirty="0">
-                <a:sym typeface="+mn-ea"/>
-              </a:rPr>
-              <a:t>class </a:t>
-            </a:r>
-            <a:r>
-              <a:rPr lang="en-US" dirty="0"/>
-              <a:t>to </a:t>
-            </a:r>
-            <a:r>
-              <a:rPr lang="en-US" dirty="0">
-                <a:sym typeface="+mn-ea"/>
-              </a:rPr>
-              <a:t>functional</a:t>
-            </a:r>
-            <a:r>
-              <a:rPr lang="en-US" dirty="0"/>
-              <a:t> component</a:t>
+              <a:t>Links and History</a:t>
             </a:r>
             <a:endParaRPr lang="en-US" dirty="0"/>
           </a:p>
@@ -9816,12 +9800,12 @@
             </a:pPr>
             <a:r>
               <a:rPr lang="en-US" dirty="0"/>
-              <a:t>Summarize technique implementation process: </a:t>
+              <a:t>Context</a:t>
             </a:r>
             <a:endParaRPr lang="en-US" dirty="0"/>
           </a:p>
           <a:p>
-            <a:pPr marL="628650" lvl="1" indent="-171450" fontAlgn="auto">
+            <a:pPr marL="171450" lvl="0" indent="-171450" fontAlgn="auto">
               <a:lnSpc>
                 <a:spcPct val="200000"/>
               </a:lnSpc>
@@ -9833,7 +9817,27 @@
             </a:pPr>
             <a:r>
               <a:rPr lang="en-US" dirty="0"/>
-              <a:t>Hyperledger Dapp+ChainCode, React Logic, JWT</a:t>
+              <a:t>Change </a:t>
+            </a:r>
+            <a:r>
+              <a:rPr lang="en-US" dirty="0">
+                <a:sym typeface="+mn-ea"/>
+              </a:rPr>
+              <a:t>class </a:t>
+            </a:r>
+            <a:r>
+              <a:rPr lang="en-US" dirty="0"/>
+              <a:t>to </a:t>
+            </a:r>
+            <a:r>
+              <a:rPr lang="en-US" dirty="0">
+                <a:sym typeface="+mn-ea"/>
+              </a:rPr>
+              <a:t>functional</a:t>
+            </a:r>
+            <a:r>
+              <a:rPr lang="en-US" dirty="0"/>
+              <a:t> component</a:t>
             </a:r>
             <a:endParaRPr lang="en-US" dirty="0"/>
           </a:p>
@@ -11928,7 +11932,7 @@
                   <a:srgbClr val="262626"/>
                 </a:solidFill>
               </a:rPr>
-              <a:t>BaseAdminUpgradeabilityProxy: Add admin add, no Initializer</a:t>
+              <a:t>BaseAdminUpgradeabilityProxy: Add admin, no Initializer</a:t>
             </a:r>
             <a:endParaRPr lang="en-US" altLang="en-US" sz="1800" dirty="0">
               <a:solidFill>

--- a/BCI - Day13 - Reactjs 2 Web3.pptx
+++ b/BCI - Day13 - Reactjs 2 Web3.pptx
@@ -9913,10 +9913,10 @@
                 <a:solidFill>
                   <a:srgbClr val="FFFFFF"/>
                 </a:solidFill>
-                <a:latin typeface="Montserrat"/>
-                <a:ea typeface="Montserrat"/>
-                <a:cs typeface="Montserrat"/>
-                <a:sym typeface="Montserrat"/>
+                <a:latin typeface="Montserrat" panose="00000500000000000000"/>
+                <a:ea typeface="Montserrat" panose="00000500000000000000"/>
+                <a:cs typeface="Montserrat" panose="00000500000000000000"/>
+                <a:sym typeface="Montserrat" panose="00000500000000000000"/>
               </a:defRPr>
             </a:lvl1pPr>
           </a:lstStyle>
